--- a/Реализация шифратора Плейфера на Python.pptx
+++ b/Реализация шифратора Плейфера на Python.pptx
@@ -5,7 +5,7 @@
     <p:sldMasterId id="2147483648" r:id="rId1"/>
   </p:sldMasterIdLst>
   <p:notesMasterIdLst>
-    <p:notesMasterId r:id="rId17"/>
+    <p:notesMasterId r:id="rId16"/>
   </p:notesMasterIdLst>
   <p:sldIdLst>
     <p:sldId id="256" r:id="rId2"/>
@@ -15,14 +15,13 @@
     <p:sldId id="261" r:id="rId6"/>
     <p:sldId id="262" r:id="rId7"/>
     <p:sldId id="263" r:id="rId8"/>
-    <p:sldId id="264" r:id="rId9"/>
-    <p:sldId id="265" r:id="rId10"/>
-    <p:sldId id="266" r:id="rId11"/>
-    <p:sldId id="267" r:id="rId12"/>
-    <p:sldId id="268" r:id="rId13"/>
-    <p:sldId id="269" r:id="rId14"/>
-    <p:sldId id="270" r:id="rId15"/>
-    <p:sldId id="271" r:id="rId16"/>
+    <p:sldId id="265" r:id="rId9"/>
+    <p:sldId id="266" r:id="rId10"/>
+    <p:sldId id="267" r:id="rId11"/>
+    <p:sldId id="268" r:id="rId12"/>
+    <p:sldId id="269" r:id="rId13"/>
+    <p:sldId id="270" r:id="rId14"/>
+    <p:sldId id="271" r:id="rId15"/>
   </p:sldIdLst>
   <p:sldSz cx="9144000" cy="5143500" type="screen16x9"/>
   <p:notesSz cx="5143500" cy="9144000"/>
@@ -737,90 +736,6 @@
             <a:fld id="{F7021451-1387-4CA6-816F-3879F97B5CBC}" type="slidenum">
               <a:rPr lang="en-US"/>
               <a:t>14</a:t>
-            </a:fld>
-            <a:endParaRPr lang="en-US"/>
-          </a:p>
-        </p:txBody>
-      </p:sp>
-    </p:spTree>
-    <p:extLst>
-      <p:ext uri="{BB962C8B-B14F-4D97-AF65-F5344CB8AC3E}">
-        <p14:creationId xmlns:p14="http://schemas.microsoft.com/office/powerpoint/2010/main" val="1024086991"/>
-      </p:ext>
-    </p:extLst>
-  </p:cSld>
-  <p:clrMapOvr>
-    <a:masterClrMapping/>
-  </p:clrMapOvr>
-</p:notes>
-</file>
-
-<file path=ppt/notesSlides/notesSlide15.xml><?xml version="1.0" encoding="utf-8"?>
-<p:notes xmlns:a="http://schemas.openxmlformats.org/drawingml/2006/main" xmlns:r="http://schemas.openxmlformats.org/officeDocument/2006/relationships" xmlns:p="http://schemas.openxmlformats.org/presentationml/2006/main">
-  <p:cSld>
-    <p:spTree>
-      <p:nvGrpSpPr>
-        <p:cNvPr id="1" name=""/>
-        <p:cNvGrpSpPr/>
-        <p:nvPr/>
-      </p:nvGrpSpPr>
-      <p:grpSpPr>
-        <a:xfrm>
-          <a:off x="0" y="0"/>
-          <a:ext cx="0" cy="0"/>
-          <a:chOff x="0" y="0"/>
-          <a:chExt cx="0" cy="0"/>
-        </a:xfrm>
-      </p:grpSpPr>
-      <p:sp>
-        <p:nvSpPr>
-          <p:cNvPr id="2" name="Slide Image Placeholder 1"/>
-          <p:cNvSpPr>
-            <a:spLocks noGrp="1" noRot="1" noChangeAspect="1"/>
-          </p:cNvSpPr>
-          <p:nvPr>
-            <p:ph type="sldImg"/>
-          </p:nvPr>
-        </p:nvSpPr>
-        <p:spPr/>
-      </p:sp>
-      <p:sp>
-        <p:nvSpPr>
-          <p:cNvPr id="3" name="Notes Placeholder 2"/>
-          <p:cNvSpPr>
-            <a:spLocks noGrp="1"/>
-          </p:cNvSpPr>
-          <p:nvPr>
-            <p:ph type="body" idx="1"/>
-          </p:nvPr>
-        </p:nvSpPr>
-        <p:spPr/>
-        <p:txBody>
-          <a:bodyPr/>
-          <a:lstStyle/>
-          <a:p>
-            <a:endParaRPr lang="en-US" dirty="0"/>
-          </a:p>
-        </p:txBody>
-      </p:sp>
-      <p:sp>
-        <p:nvSpPr>
-          <p:cNvPr id="4" name="Slide Number Placeholder 3"/>
-          <p:cNvSpPr>
-            <a:spLocks noGrp="1"/>
-          </p:cNvSpPr>
-          <p:nvPr>
-            <p:ph type="sldNum" sz="quarter" idx="10"/>
-          </p:nvPr>
-        </p:nvSpPr>
-        <p:spPr/>
-        <p:txBody>
-          <a:bodyPr/>
-          <a:lstStyle/>
-          <a:p>
-            <a:fld id="{F7021451-1387-4CA6-816F-3879F97B5CBC}" type="slidenum">
-              <a:rPr lang="en-US"/>
-              <a:t>15</a:t>
             </a:fld>
             <a:endParaRPr lang="en-US"/>
           </a:p>
@@ -1916,8 +1831,8 @@
         </p:nvSpPr>
         <p:spPr>
           <a:xfrm>
-            <a:off x="457200" y="1188720"/>
-            <a:ext cx="6858000" cy="0"/>
+            <a:off x="457200" y="763479"/>
+            <a:ext cx="6351973" cy="856695"/>
           </a:xfrm>
           <a:prstGeom prst="rect">
             <a:avLst/>
@@ -1959,8 +1874,8 @@
         </p:nvSpPr>
         <p:spPr>
           <a:xfrm>
-            <a:off x="457200" y="2651760"/>
-            <a:ext cx="6858000" cy="0"/>
+            <a:off x="457200" y="1950295"/>
+            <a:ext cx="6858000" cy="747184"/>
           </a:xfrm>
           <a:prstGeom prst="rect">
             <a:avLst/>
@@ -1980,13 +1895,133 @@
                 <a:solidFill>
                   <a:srgbClr val="000000"/>
                 </a:solidFill>
-                <a:latin typeface="Aptos" pitchFamily="34" charset="0"/>
-                <a:ea typeface="Aptos" pitchFamily="34" charset="-122"/>
-                <a:cs typeface="Aptos" pitchFamily="34" charset="-120"/>
+                <a:latin typeface="Times New Roman" panose="02020603050405020304" pitchFamily="18" charset="0"/>
+                <a:ea typeface="Aptos" pitchFamily="34" charset="-122"/>
+                <a:cs typeface="Times New Roman" panose="02020603050405020304" pitchFamily="18" charset="0"/>
               </a:rPr>
               <a:t>Шифр Плейфера - это простой симметричный шифр, который использует таблицу замены для шифрования текста. В этом презентации мы рассмотрим реализацию шифратора Плейфера на Python.</a:t>
             </a:r>
-            <a:endParaRPr lang="en-US" sz="1400" dirty="0"/>
+            <a:endParaRPr lang="en-US" sz="1400" dirty="0">
+              <a:latin typeface="Times New Roman" panose="02020603050405020304" pitchFamily="18" charset="0"/>
+              <a:cs typeface="Times New Roman" panose="02020603050405020304" pitchFamily="18" charset="0"/>
+            </a:endParaRPr>
+          </a:p>
+        </p:txBody>
+      </p:sp>
+      <p:sp>
+        <p:nvSpPr>
+          <p:cNvPr id="5" name="AutoShape 2" descr="Стикер">
+            <a:extLst>
+              <a:ext uri="{FF2B5EF4-FFF2-40B4-BE49-F238E27FC236}">
+                <a16:creationId xmlns:a16="http://schemas.microsoft.com/office/drawing/2014/main" id="{B18A1B90-DD04-4EA0-B59A-638796D05441}"/>
+              </a:ext>
+            </a:extLst>
+          </p:cNvPr>
+          <p:cNvSpPr>
+            <a:spLocks noChangeAspect="1" noChangeArrowheads="1"/>
+          </p:cNvSpPr>
+          <p:nvPr/>
+        </p:nvSpPr>
+        <p:spPr bwMode="auto">
+          <a:xfrm>
+            <a:off x="4419600" y="2419350"/>
+            <a:ext cx="1348154" cy="1348154"/>
+          </a:xfrm>
+          <a:prstGeom prst="rect">
+            <a:avLst/>
+          </a:prstGeom>
+          <a:noFill/>
+          <a:extLst>
+            <a:ext uri="{909E8E84-426E-40DD-AFC4-6F175D3DCCD1}">
+              <a14:hiddenFill xmlns:a14="http://schemas.microsoft.com/office/drawing/2010/main">
+                <a:solidFill>
+                  <a:srgbClr val="FFFFFF"/>
+                </a:solidFill>
+              </a14:hiddenFill>
+            </a:ext>
+          </a:extLst>
+        </p:spPr>
+        <p:txBody>
+          <a:bodyPr vert="horz" wrap="square" lIns="91440" tIns="45720" rIns="91440" bIns="45720" numCol="1" anchor="t" anchorCtr="0" compatLnSpc="1">
+            <a:prstTxWarp prst="textNoShape">
+              <a:avLst/>
+            </a:prstTxWarp>
+          </a:bodyPr>
+          <a:lstStyle/>
+          <a:p>
+            <a:endParaRPr lang="ru-RU"/>
+          </a:p>
+        </p:txBody>
+      </p:sp>
+      <p:pic>
+        <p:nvPicPr>
+          <p:cNvPr id="6" name="Рисунок 5">
+            <a:extLst>
+              <a:ext uri="{FF2B5EF4-FFF2-40B4-BE49-F238E27FC236}">
+                <a16:creationId xmlns:a16="http://schemas.microsoft.com/office/drawing/2014/main" id="{029DB099-D463-45B1-B5AF-7A21B52F012F}"/>
+              </a:ext>
+            </a:extLst>
+          </p:cNvPr>
+          <p:cNvPicPr>
+            <a:picLocks noChangeAspect="1"/>
+          </p:cNvPicPr>
+          <p:nvPr/>
+        </p:nvPicPr>
+        <p:blipFill>
+          <a:blip r:embed="rId4"/>
+          <a:stretch>
+            <a:fillRect/>
+          </a:stretch>
+        </p:blipFill>
+        <p:spPr>
+          <a:xfrm>
+            <a:off x="1368936" y="2626236"/>
+            <a:ext cx="2517264" cy="2517264"/>
+          </a:xfrm>
+          <a:prstGeom prst="rect">
+            <a:avLst/>
+          </a:prstGeom>
+        </p:spPr>
+      </p:pic>
+      <p:sp>
+        <p:nvSpPr>
+          <p:cNvPr id="7" name="TextBox 6">
+            <a:extLst>
+              <a:ext uri="{FF2B5EF4-FFF2-40B4-BE49-F238E27FC236}">
+                <a16:creationId xmlns:a16="http://schemas.microsoft.com/office/drawing/2014/main" id="{D75DD455-34EE-4D93-A7B6-E2E347363903}"/>
+              </a:ext>
+            </a:extLst>
+          </p:cNvPr>
+          <p:cNvSpPr txBox="1"/>
+          <p:nvPr/>
+        </p:nvSpPr>
+        <p:spPr>
+          <a:xfrm>
+            <a:off x="7219283" y="4002899"/>
+            <a:ext cx="1803223" cy="923330"/>
+          </a:xfrm>
+          <a:prstGeom prst="rect">
+            <a:avLst/>
+          </a:prstGeom>
+          <a:noFill/>
+        </p:spPr>
+        <p:txBody>
+          <a:bodyPr wrap="square" rtlCol="0">
+            <a:spAutoFit/>
+          </a:bodyPr>
+          <a:lstStyle/>
+          <a:p>
+            <a:pPr algn="r"/>
+            <a:r>
+              <a:rPr lang="ru-RU" sz="1800" dirty="0">
+                <a:solidFill>
+                  <a:schemeClr val="bg1"/>
+                </a:solidFill>
+                <a:latin typeface="+mj-lt"/>
+              </a:rPr>
+              <a:t>Работу выполнил Крюков Тихон</a:t>
+            </a:r>
+            <a:endParaRPr lang="ru-RU" dirty="0"/>
           </a:p>
         </p:txBody>
       </p:sp>
@@ -1999,214 +2034,6 @@
 </file>
 
 <file path=ppt/slides/slide10.xml><?xml version="1.0" encoding="utf-8"?>
-<p:sld xmlns:a="http://schemas.openxmlformats.org/drawingml/2006/main" xmlns:r="http://schemas.openxmlformats.org/officeDocument/2006/relationships" xmlns:p="http://schemas.openxmlformats.org/presentationml/2006/main">
-  <p:cSld name="Slide 11">
-    <p:bg>
-      <p:bgPr>
-        <a:blipFill dpi="0" rotWithShape="1">
-          <a:blip r:embed="rId3">
-            <a:lum/>
-          </a:blip>
-          <a:srcRect/>
-          <a:stretch>
-            <a:fillRect/>
-          </a:stretch>
-        </a:blipFill>
-        <a:effectLst/>
-      </p:bgPr>
-    </p:bg>
-    <p:spTree>
-      <p:nvGrpSpPr>
-        <p:cNvPr id="1" name=""/>
-        <p:cNvGrpSpPr/>
-        <p:nvPr/>
-      </p:nvGrpSpPr>
-      <p:grpSpPr>
-        <a:xfrm>
-          <a:off x="0" y="0"/>
-          <a:ext cx="0" cy="0"/>
-          <a:chOff x="0" y="0"/>
-          <a:chExt cx="0" cy="0"/>
-        </a:xfrm>
-      </p:grpSpPr>
-      <p:sp>
-        <p:nvSpPr>
-          <p:cNvPr id="2" name="Text 0"/>
-          <p:cNvSpPr/>
-          <p:nvPr/>
-        </p:nvSpPr>
-        <p:spPr>
-          <a:xfrm>
-            <a:off x="457200" y="1188720"/>
-            <a:ext cx="6858000" cy="0"/>
-          </a:xfrm>
-          <a:prstGeom prst="rect">
-            <a:avLst/>
-          </a:prstGeom>
-          <a:noFill/>
-          <a:ln/>
-        </p:spPr>
-        <p:txBody>
-          <a:bodyPr wrap="square" rtlCol="0" anchor="ctr"/>
-          <a:lstStyle/>
-          <a:p>
-            <a:pPr marL="0" indent="0">
-              <a:buNone/>
-            </a:pPr>
-            <a:r>
-              <a:rPr lang="en-US" sz="2200" b="1" dirty="0">
-                <a:solidFill>
-                  <a:srgbClr val="000000"/>
-                </a:solidFill>
-                <a:latin typeface="Century Gothic" pitchFamily="34" charset="0"/>
-                <a:ea typeface="Century Gothic" pitchFamily="34" charset="-122"/>
-                <a:cs typeface="Century Gothic" pitchFamily="34" charset="-120"/>
-              </a:rPr>
-              <a:t>Пример использования шифратора</a:t>
-            </a:r>
-            <a:endParaRPr lang="en-US" sz="2200" dirty="0"/>
-          </a:p>
-        </p:txBody>
-      </p:sp>
-      <p:sp>
-        <p:nvSpPr>
-          <p:cNvPr id="3" name="Text 1"/>
-          <p:cNvSpPr/>
-          <p:nvPr/>
-        </p:nvSpPr>
-        <p:spPr>
-          <a:xfrm>
-            <a:off x="457200" y="1524296"/>
-            <a:ext cx="6804734" cy="1047454"/>
-          </a:xfrm>
-          <a:prstGeom prst="rect">
-            <a:avLst/>
-          </a:prstGeom>
-          <a:noFill/>
-          <a:ln/>
-        </p:spPr>
-        <p:txBody>
-          <a:bodyPr wrap="square" rtlCol="0" anchor="ctr"/>
-          <a:lstStyle/>
-          <a:p>
-            <a:pPr marL="0" indent="0">
-              <a:buNone/>
-            </a:pPr>
-            <a:r>
-              <a:rPr lang="en-US" sz="1400" dirty="0">
-                <a:solidFill>
-                  <a:srgbClr val="000000"/>
-                </a:solidFill>
-                <a:latin typeface="Aptos" pitchFamily="34" charset="0"/>
-                <a:ea typeface="Aptos" pitchFamily="34" charset="-122"/>
-                <a:cs typeface="Aptos" pitchFamily="34" charset="-120"/>
-              </a:rPr>
-              <a:t>• </a:t>
-            </a:r>
-            <a:r>
-              <a:rPr lang="en-US" sz="1400" dirty="0" err="1">
-                <a:solidFill>
-                  <a:srgbClr val="000000"/>
-                </a:solidFill>
-                <a:latin typeface="Aptos" pitchFamily="34" charset="0"/>
-                <a:ea typeface="Aptos" pitchFamily="34" charset="-122"/>
-                <a:cs typeface="Aptos" pitchFamily="34" charset="-120"/>
-              </a:rPr>
-              <a:t>Пример</a:t>
-            </a:r>
-            <a:r>
-              <a:rPr lang="en-US" sz="1400" dirty="0">
-                <a:solidFill>
-                  <a:srgbClr val="000000"/>
-                </a:solidFill>
-                <a:latin typeface="Aptos" pitchFamily="34" charset="0"/>
-                <a:ea typeface="Aptos" pitchFamily="34" charset="-122"/>
-                <a:cs typeface="Aptos" pitchFamily="34" charset="-120"/>
-              </a:rPr>
-              <a:t> </a:t>
-            </a:r>
-            <a:r>
-              <a:rPr lang="en-US" sz="1400" dirty="0" err="1">
-                <a:solidFill>
-                  <a:srgbClr val="000000"/>
-                </a:solidFill>
-                <a:latin typeface="Aptos" pitchFamily="34" charset="0"/>
-                <a:ea typeface="Aptos" pitchFamily="34" charset="-122"/>
-                <a:cs typeface="Aptos" pitchFamily="34" charset="-120"/>
-              </a:rPr>
-              <a:t>шифрования</a:t>
-            </a:r>
-            <a:r>
-              <a:rPr lang="en-US" sz="1400" dirty="0">
-                <a:solidFill>
-                  <a:srgbClr val="000000"/>
-                </a:solidFill>
-                <a:latin typeface="Aptos" pitchFamily="34" charset="0"/>
-                <a:ea typeface="Aptos" pitchFamily="34" charset="-122"/>
-                <a:cs typeface="Aptos" pitchFamily="34" charset="-120"/>
-              </a:rPr>
-              <a:t> текста "HELLO WORLD":
-• </a:t>
-            </a:r>
-            <a:r>
-              <a:rPr lang="en-US" sz="1400" dirty="0" err="1">
-                <a:solidFill>
-                  <a:srgbClr val="000000"/>
-                </a:solidFill>
-                <a:latin typeface="Aptos" pitchFamily="34" charset="0"/>
-                <a:ea typeface="Aptos" pitchFamily="34" charset="-122"/>
-                <a:cs typeface="Aptos" pitchFamily="34" charset="-120"/>
-              </a:rPr>
-              <a:t>Ключ</a:t>
-            </a:r>
-            <a:r>
-              <a:rPr lang="en-US" sz="1400" dirty="0">
-                <a:solidFill>
-                  <a:srgbClr val="000000"/>
-                </a:solidFill>
-                <a:latin typeface="Aptos" pitchFamily="34" charset="0"/>
-                <a:ea typeface="Aptos" pitchFamily="34" charset="-122"/>
-                <a:cs typeface="Aptos" pitchFamily="34" charset="-120"/>
-              </a:rPr>
-              <a:t>: "CRYPTO".
-• </a:t>
-            </a:r>
-            <a:r>
-              <a:rPr lang="en-US" sz="1400" dirty="0" err="1">
-                <a:solidFill>
-                  <a:srgbClr val="000000"/>
-                </a:solidFill>
-                <a:latin typeface="Aptos" pitchFamily="34" charset="0"/>
-                <a:ea typeface="Aptos" pitchFamily="34" charset="-122"/>
-                <a:cs typeface="Aptos" pitchFamily="34" charset="-120"/>
-              </a:rPr>
-              <a:t>Шифрованный</a:t>
-            </a:r>
-            <a:r>
-              <a:rPr lang="en-US" sz="1400" dirty="0">
-                <a:solidFill>
-                  <a:srgbClr val="000000"/>
-                </a:solidFill>
-                <a:latin typeface="Aptos" pitchFamily="34" charset="0"/>
-                <a:ea typeface="Aptos" pitchFamily="34" charset="-122"/>
-                <a:cs typeface="Aptos" pitchFamily="34" charset="-120"/>
-              </a:rPr>
-              <a:t> текст: "FKLZNUHVM".
-</a:t>
-            </a:r>
-            <a:endParaRPr lang="en-US" sz="1400" dirty="0"/>
-          </a:p>
-        </p:txBody>
-      </p:sp>
-    </p:spTree>
-  </p:cSld>
-  <p:clrMapOvr>
-    <a:masterClrMapping/>
-  </p:clrMapOvr>
-</p:sld>
-</file>
-
-<file path=ppt/slides/slide11.xml><?xml version="1.0" encoding="utf-8"?>
 <p:sld xmlns:a="http://schemas.openxmlformats.org/drawingml/2006/main" xmlns:r="http://schemas.openxmlformats.org/officeDocument/2006/relationships" xmlns:p="http://schemas.openxmlformats.org/presentationml/2006/main">
   <p:cSld name="Slide 12">
     <p:bg>
@@ -2239,6 +2066,60 @@
       </p:grpSpPr>
       <p:sp>
         <p:nvSpPr>
+          <p:cNvPr id="4" name="Прямоугольник 3">
+            <a:extLst>
+              <a:ext uri="{FF2B5EF4-FFF2-40B4-BE49-F238E27FC236}">
+                <a16:creationId xmlns:a16="http://schemas.microsoft.com/office/drawing/2014/main" id="{7E8F7542-3C39-445C-B095-52ED11DE2C01}"/>
+              </a:ext>
+            </a:extLst>
+          </p:cNvPr>
+          <p:cNvSpPr/>
+          <p:nvPr/>
+        </p:nvSpPr>
+        <p:spPr>
+          <a:xfrm>
+            <a:off x="457200" y="799301"/>
+            <a:ext cx="5630274" cy="805695"/>
+          </a:xfrm>
+          <a:prstGeom prst="rect">
+            <a:avLst/>
+          </a:prstGeom>
+          <a:solidFill>
+            <a:schemeClr val="bg1"/>
+          </a:solidFill>
+          <a:ln>
+            <a:solidFill>
+              <a:schemeClr val="bg1"/>
+            </a:solidFill>
+          </a:ln>
+        </p:spPr>
+        <p:style>
+          <a:lnRef idx="2">
+            <a:schemeClr val="accent1">
+              <a:shade val="50000"/>
+            </a:schemeClr>
+          </a:lnRef>
+          <a:fillRef idx="1">
+            <a:schemeClr val="accent1"/>
+          </a:fillRef>
+          <a:effectRef idx="0">
+            <a:schemeClr val="accent1"/>
+          </a:effectRef>
+          <a:fontRef idx="minor">
+            <a:schemeClr val="lt1"/>
+          </a:fontRef>
+        </p:style>
+        <p:txBody>
+          <a:bodyPr rtlCol="0" anchor="ctr"/>
+          <a:lstStyle/>
+          <a:p>
+            <a:pPr algn="ctr"/>
+            <a:endParaRPr lang="ru-RU"/>
+          </a:p>
+        </p:txBody>
+      </p:sp>
+      <p:sp>
+        <p:nvSpPr>
           <p:cNvPr id="2" name="Text 0"/>
           <p:cNvSpPr/>
           <p:nvPr/>
@@ -2285,7 +2166,7 @@
         <p:spPr>
           <a:xfrm>
             <a:off x="457200" y="1713389"/>
-            <a:ext cx="6858000" cy="892202"/>
+            <a:ext cx="3788685" cy="1451842"/>
           </a:xfrm>
           <a:prstGeom prst="rect">
             <a:avLst/>
@@ -2305,9 +2186,9 @@
                 <a:solidFill>
                   <a:srgbClr val="000000"/>
                 </a:solidFill>
-                <a:latin typeface="Aptos" pitchFamily="34" charset="0"/>
-                <a:ea typeface="Aptos" pitchFamily="34" charset="-122"/>
-                <a:cs typeface="Aptos" pitchFamily="34" charset="-120"/>
+                <a:latin typeface="Times New Roman" panose="02020603050405020304" pitchFamily="18" charset="0"/>
+                <a:ea typeface="Aptos" pitchFamily="34" charset="-122"/>
+                <a:cs typeface="Times New Roman" panose="02020603050405020304" pitchFamily="18" charset="0"/>
               </a:rPr>
               <a:t>• </a:t>
             </a:r>
@@ -2316,9 +2197,9 @@
                 <a:solidFill>
                   <a:srgbClr val="000000"/>
                 </a:solidFill>
-                <a:latin typeface="Aptos" pitchFamily="34" charset="0"/>
-                <a:ea typeface="Aptos" pitchFamily="34" charset="-122"/>
-                <a:cs typeface="Aptos" pitchFamily="34" charset="-120"/>
+                <a:latin typeface="Times New Roman" panose="02020603050405020304" pitchFamily="18" charset="0"/>
+                <a:ea typeface="Aptos" pitchFamily="34" charset="-122"/>
+                <a:cs typeface="Times New Roman" panose="02020603050405020304" pitchFamily="18" charset="0"/>
               </a:rPr>
               <a:t>Преимущества</a:t>
             </a:r>
@@ -2327,9 +2208,9 @@
                 <a:solidFill>
                   <a:srgbClr val="000000"/>
                 </a:solidFill>
-                <a:latin typeface="Aptos" pitchFamily="34" charset="0"/>
-                <a:ea typeface="Aptos" pitchFamily="34" charset="-122"/>
-                <a:cs typeface="Aptos" pitchFamily="34" charset="-120"/>
+                <a:latin typeface="Times New Roman" panose="02020603050405020304" pitchFamily="18" charset="0"/>
+                <a:ea typeface="Aptos" pitchFamily="34" charset="-122"/>
+                <a:cs typeface="Times New Roman" panose="02020603050405020304" pitchFamily="18" charset="0"/>
               </a:rPr>
               <a:t>: </a:t>
             </a:r>
@@ -2338,9 +2219,9 @@
                 <a:solidFill>
                   <a:srgbClr val="000000"/>
                 </a:solidFill>
-                <a:latin typeface="Aptos" pitchFamily="34" charset="0"/>
-                <a:ea typeface="Aptos" pitchFamily="34" charset="-122"/>
-                <a:cs typeface="Aptos" pitchFamily="34" charset="-120"/>
+                <a:latin typeface="Times New Roman" panose="02020603050405020304" pitchFamily="18" charset="0"/>
+                <a:ea typeface="Aptos" pitchFamily="34" charset="-122"/>
+                <a:cs typeface="Times New Roman" panose="02020603050405020304" pitchFamily="18" charset="0"/>
               </a:rPr>
               <a:t>прост</a:t>
             </a:r>
@@ -2349,9 +2230,9 @@
                 <a:solidFill>
                   <a:srgbClr val="000000"/>
                 </a:solidFill>
-                <a:latin typeface="Aptos" pitchFamily="34" charset="0"/>
-                <a:ea typeface="Aptos" pitchFamily="34" charset="-122"/>
-                <a:cs typeface="Aptos" pitchFamily="34" charset="-120"/>
+                <a:latin typeface="Times New Roman" panose="02020603050405020304" pitchFamily="18" charset="0"/>
+                <a:ea typeface="Aptos" pitchFamily="34" charset="-122"/>
+                <a:cs typeface="Times New Roman" panose="02020603050405020304" pitchFamily="18" charset="0"/>
               </a:rPr>
               <a:t> в </a:t>
             </a:r>
@@ -2360,9 +2241,9 @@
                 <a:solidFill>
                   <a:srgbClr val="000000"/>
                 </a:solidFill>
-                <a:latin typeface="Aptos" pitchFamily="34" charset="0"/>
-                <a:ea typeface="Aptos" pitchFamily="34" charset="-122"/>
-                <a:cs typeface="Aptos" pitchFamily="34" charset="-120"/>
+                <a:latin typeface="Times New Roman" panose="02020603050405020304" pitchFamily="18" charset="0"/>
+                <a:ea typeface="Aptos" pitchFamily="34" charset="-122"/>
+                <a:cs typeface="Times New Roman" panose="02020603050405020304" pitchFamily="18" charset="0"/>
               </a:rPr>
               <a:t>реализации</a:t>
             </a:r>
@@ -2371,9 +2252,9 @@
                 <a:solidFill>
                   <a:srgbClr val="000000"/>
                 </a:solidFill>
-                <a:latin typeface="Aptos" pitchFamily="34" charset="0"/>
-                <a:ea typeface="Aptos" pitchFamily="34" charset="-122"/>
-                <a:cs typeface="Aptos" pitchFamily="34" charset="-120"/>
+                <a:latin typeface="Times New Roman" panose="02020603050405020304" pitchFamily="18" charset="0"/>
+                <a:ea typeface="Aptos" pitchFamily="34" charset="-122"/>
+                <a:cs typeface="Times New Roman" panose="02020603050405020304" pitchFamily="18" charset="0"/>
               </a:rPr>
               <a:t>, сравнительно </a:t>
             </a:r>
@@ -2382,9 +2263,9 @@
                 <a:solidFill>
                   <a:srgbClr val="000000"/>
                 </a:solidFill>
-                <a:latin typeface="Aptos" pitchFamily="34" charset="0"/>
-                <a:ea typeface="Aptos" pitchFamily="34" charset="-122"/>
-                <a:cs typeface="Aptos" pitchFamily="34" charset="-120"/>
+                <a:latin typeface="Times New Roman" panose="02020603050405020304" pitchFamily="18" charset="0"/>
+                <a:ea typeface="Aptos" pitchFamily="34" charset="-122"/>
+                <a:cs typeface="Times New Roman" panose="02020603050405020304" pitchFamily="18" charset="0"/>
               </a:rPr>
               <a:t>надежен</a:t>
             </a:r>
@@ -2393,9 +2274,9 @@
                 <a:solidFill>
                   <a:srgbClr val="000000"/>
                 </a:solidFill>
-                <a:latin typeface="Aptos" pitchFamily="34" charset="0"/>
-                <a:ea typeface="Aptos" pitchFamily="34" charset="-122"/>
-                <a:cs typeface="Aptos" pitchFamily="34" charset="-120"/>
+                <a:latin typeface="Times New Roman" panose="02020603050405020304" pitchFamily="18" charset="0"/>
+                <a:ea typeface="Aptos" pitchFamily="34" charset="-122"/>
+                <a:cs typeface="Times New Roman" panose="02020603050405020304" pitchFamily="18" charset="0"/>
               </a:rPr>
               <a:t> </a:t>
             </a:r>
@@ -2404,9 +2285,9 @@
                 <a:solidFill>
                   <a:srgbClr val="000000"/>
                 </a:solidFill>
-                <a:latin typeface="Aptos" pitchFamily="34" charset="0"/>
-                <a:ea typeface="Aptos" pitchFamily="34" charset="-122"/>
-                <a:cs typeface="Aptos" pitchFamily="34" charset="-120"/>
+                <a:latin typeface="Times New Roman" panose="02020603050405020304" pitchFamily="18" charset="0"/>
+                <a:ea typeface="Aptos" pitchFamily="34" charset="-122"/>
+                <a:cs typeface="Times New Roman" panose="02020603050405020304" pitchFamily="18" charset="0"/>
               </a:rPr>
               <a:t>для</a:t>
             </a:r>
@@ -2415,9 +2296,9 @@
                 <a:solidFill>
                   <a:srgbClr val="000000"/>
                 </a:solidFill>
-                <a:latin typeface="Aptos" pitchFamily="34" charset="0"/>
-                <a:ea typeface="Aptos" pitchFamily="34" charset="-122"/>
-                <a:cs typeface="Aptos" pitchFamily="34" charset="-120"/>
+                <a:latin typeface="Times New Roman" panose="02020603050405020304" pitchFamily="18" charset="0"/>
+                <a:ea typeface="Aptos" pitchFamily="34" charset="-122"/>
+                <a:cs typeface="Times New Roman" panose="02020603050405020304" pitchFamily="18" charset="0"/>
               </a:rPr>
               <a:t> </a:t>
             </a:r>
@@ -2426,9 +2307,9 @@
                 <a:solidFill>
                   <a:srgbClr val="000000"/>
                 </a:solidFill>
-                <a:latin typeface="Aptos" pitchFamily="34" charset="0"/>
-                <a:ea typeface="Aptos" pitchFamily="34" charset="-122"/>
-                <a:cs typeface="Aptos" pitchFamily="34" charset="-120"/>
+                <a:latin typeface="Times New Roman" panose="02020603050405020304" pitchFamily="18" charset="0"/>
+                <a:ea typeface="Aptos" pitchFamily="34" charset="-122"/>
+                <a:cs typeface="Times New Roman" panose="02020603050405020304" pitchFamily="18" charset="0"/>
               </a:rPr>
               <a:t>простого</a:t>
             </a:r>
@@ -2437,9 +2318,9 @@
                 <a:solidFill>
                   <a:srgbClr val="000000"/>
                 </a:solidFill>
-                <a:latin typeface="Aptos" pitchFamily="34" charset="0"/>
-                <a:ea typeface="Aptos" pitchFamily="34" charset="-122"/>
-                <a:cs typeface="Aptos" pitchFamily="34" charset="-120"/>
+                <a:latin typeface="Times New Roman" panose="02020603050405020304" pitchFamily="18" charset="0"/>
+                <a:ea typeface="Aptos" pitchFamily="34" charset="-122"/>
+                <a:cs typeface="Times New Roman" panose="02020603050405020304" pitchFamily="18" charset="0"/>
               </a:rPr>
               <a:t> </a:t>
             </a:r>
@@ -2448,9 +2329,9 @@
                 <a:solidFill>
                   <a:srgbClr val="000000"/>
                 </a:solidFill>
-                <a:latin typeface="Aptos" pitchFamily="34" charset="0"/>
-                <a:ea typeface="Aptos" pitchFamily="34" charset="-122"/>
-                <a:cs typeface="Aptos" pitchFamily="34" charset="-120"/>
+                <a:latin typeface="Times New Roman" panose="02020603050405020304" pitchFamily="18" charset="0"/>
+                <a:ea typeface="Aptos" pitchFamily="34" charset="-122"/>
+                <a:cs typeface="Times New Roman" panose="02020603050405020304" pitchFamily="18" charset="0"/>
               </a:rPr>
               <a:t>шифра</a:t>
             </a:r>
@@ -2459,9 +2340,9 @@
                 <a:solidFill>
                   <a:srgbClr val="000000"/>
                 </a:solidFill>
-                <a:latin typeface="Aptos" pitchFamily="34" charset="0"/>
-                <a:ea typeface="Aptos" pitchFamily="34" charset="-122"/>
-                <a:cs typeface="Aptos" pitchFamily="34" charset="-120"/>
+                <a:latin typeface="Times New Roman" panose="02020603050405020304" pitchFamily="18" charset="0"/>
+                <a:ea typeface="Aptos" pitchFamily="34" charset="-122"/>
+                <a:cs typeface="Times New Roman" panose="02020603050405020304" pitchFamily="18" charset="0"/>
               </a:rPr>
               <a:t>.
 • </a:t>
@@ -2471,135 +2352,278 @@
                 <a:solidFill>
                   <a:srgbClr val="000000"/>
                 </a:solidFill>
+                <a:latin typeface="Times New Roman" panose="02020603050405020304" pitchFamily="18" charset="0"/>
+                <a:ea typeface="Aptos" pitchFamily="34" charset="-122"/>
+                <a:cs typeface="Times New Roman" panose="02020603050405020304" pitchFamily="18" charset="0"/>
+              </a:rPr>
+              <a:t>Недостатки</a:t>
+            </a:r>
+            <a:r>
+              <a:rPr lang="en-US" sz="1400" dirty="0">
+                <a:solidFill>
+                  <a:srgbClr val="000000"/>
+                </a:solidFill>
+                <a:latin typeface="Times New Roman" panose="02020603050405020304" pitchFamily="18" charset="0"/>
+                <a:ea typeface="Aptos" pitchFamily="34" charset="-122"/>
+                <a:cs typeface="Times New Roman" panose="02020603050405020304" pitchFamily="18" charset="0"/>
+              </a:rPr>
+              <a:t>: </a:t>
+            </a:r>
+            <a:r>
+              <a:rPr lang="en-US" sz="1400" dirty="0" err="1">
+                <a:solidFill>
+                  <a:srgbClr val="000000"/>
+                </a:solidFill>
+                <a:latin typeface="Times New Roman" panose="02020603050405020304" pitchFamily="18" charset="0"/>
+                <a:ea typeface="Aptos" pitchFamily="34" charset="-122"/>
+                <a:cs typeface="Times New Roman" panose="02020603050405020304" pitchFamily="18" charset="0"/>
+              </a:rPr>
+              <a:t>относительная</a:t>
+            </a:r>
+            <a:r>
+              <a:rPr lang="en-US" sz="1400" dirty="0">
+                <a:solidFill>
+                  <a:srgbClr val="000000"/>
+                </a:solidFill>
+                <a:latin typeface="Times New Roman" panose="02020603050405020304" pitchFamily="18" charset="0"/>
+                <a:ea typeface="Aptos" pitchFamily="34" charset="-122"/>
+                <a:cs typeface="Times New Roman" panose="02020603050405020304" pitchFamily="18" charset="0"/>
+              </a:rPr>
+              <a:t> </a:t>
+            </a:r>
+            <a:r>
+              <a:rPr lang="en-US" sz="1400" dirty="0" err="1">
+                <a:solidFill>
+                  <a:srgbClr val="000000"/>
+                </a:solidFill>
+                <a:latin typeface="Times New Roman" panose="02020603050405020304" pitchFamily="18" charset="0"/>
+                <a:ea typeface="Aptos" pitchFamily="34" charset="-122"/>
+                <a:cs typeface="Times New Roman" panose="02020603050405020304" pitchFamily="18" charset="0"/>
+              </a:rPr>
+              <a:t>простота</a:t>
+            </a:r>
+            <a:r>
+              <a:rPr lang="en-US" sz="1400" dirty="0">
+                <a:solidFill>
+                  <a:srgbClr val="000000"/>
+                </a:solidFill>
+                <a:latin typeface="Times New Roman" panose="02020603050405020304" pitchFamily="18" charset="0"/>
+                <a:ea typeface="Aptos" pitchFamily="34" charset="-122"/>
+                <a:cs typeface="Times New Roman" panose="02020603050405020304" pitchFamily="18" charset="0"/>
+              </a:rPr>
+              <a:t> </a:t>
+            </a:r>
+            <a:r>
+              <a:rPr lang="en-US" sz="1400" dirty="0" err="1">
+                <a:solidFill>
+                  <a:srgbClr val="000000"/>
+                </a:solidFill>
+                <a:latin typeface="Times New Roman" panose="02020603050405020304" pitchFamily="18" charset="0"/>
+                <a:ea typeface="Aptos" pitchFamily="34" charset="-122"/>
+                <a:cs typeface="Times New Roman" panose="02020603050405020304" pitchFamily="18" charset="0"/>
+              </a:rPr>
+              <a:t>взлома</a:t>
+            </a:r>
+            <a:r>
+              <a:rPr lang="en-US" sz="1400" dirty="0">
+                <a:solidFill>
+                  <a:srgbClr val="000000"/>
+                </a:solidFill>
+                <a:latin typeface="Times New Roman" panose="02020603050405020304" pitchFamily="18" charset="0"/>
+                <a:ea typeface="Aptos" pitchFamily="34" charset="-122"/>
+                <a:cs typeface="Times New Roman" panose="02020603050405020304" pitchFamily="18" charset="0"/>
+              </a:rPr>
+              <a:t>, ограниченная </a:t>
+            </a:r>
+            <a:r>
+              <a:rPr lang="en-US" sz="1400" dirty="0" err="1">
+                <a:solidFill>
+                  <a:srgbClr val="000000"/>
+                </a:solidFill>
+                <a:latin typeface="Times New Roman" panose="02020603050405020304" pitchFamily="18" charset="0"/>
+                <a:ea typeface="Aptos" pitchFamily="34" charset="-122"/>
+                <a:cs typeface="Times New Roman" panose="02020603050405020304" pitchFamily="18" charset="0"/>
+              </a:rPr>
+              <a:t>длина</a:t>
+            </a:r>
+            <a:r>
+              <a:rPr lang="en-US" sz="1400" dirty="0">
+                <a:solidFill>
+                  <a:srgbClr val="000000"/>
+                </a:solidFill>
+                <a:latin typeface="Times New Roman" panose="02020603050405020304" pitchFamily="18" charset="0"/>
+                <a:ea typeface="Aptos" pitchFamily="34" charset="-122"/>
+                <a:cs typeface="Times New Roman" panose="02020603050405020304" pitchFamily="18" charset="0"/>
+              </a:rPr>
+              <a:t> </a:t>
+            </a:r>
+            <a:r>
+              <a:rPr lang="en-US" sz="1400" dirty="0" err="1">
+                <a:solidFill>
+                  <a:srgbClr val="000000"/>
+                </a:solidFill>
+                <a:latin typeface="Times New Roman" panose="02020603050405020304" pitchFamily="18" charset="0"/>
+                <a:ea typeface="Aptos" pitchFamily="34" charset="-122"/>
+                <a:cs typeface="Times New Roman" panose="02020603050405020304" pitchFamily="18" charset="0"/>
+              </a:rPr>
+              <a:t>ключа</a:t>
+            </a:r>
+            <a:r>
+              <a:rPr lang="en-US" sz="1400" dirty="0">
+                <a:solidFill>
+                  <a:srgbClr val="000000"/>
+                </a:solidFill>
+                <a:latin typeface="Times New Roman" panose="02020603050405020304" pitchFamily="18" charset="0"/>
+                <a:ea typeface="Aptos" pitchFamily="34" charset="-122"/>
+                <a:cs typeface="Times New Roman" panose="02020603050405020304" pitchFamily="18" charset="0"/>
+              </a:rPr>
+              <a:t>.</a:t>
+            </a:r>
+            <a:r>
+              <a:rPr lang="en-US" sz="1400" dirty="0">
+                <a:solidFill>
+                  <a:srgbClr val="000000"/>
+                </a:solidFill>
                 <a:latin typeface="Aptos" pitchFamily="34" charset="0"/>
                 <a:ea typeface="Aptos" pitchFamily="34" charset="-122"/>
                 <a:cs typeface="Aptos" pitchFamily="34" charset="-120"/>
               </a:rPr>
-              <a:t>Недостатки</a:t>
-            </a:r>
-            <a:r>
-              <a:rPr lang="en-US" sz="1400" dirty="0">
-                <a:solidFill>
-                  <a:srgbClr val="000000"/>
-                </a:solidFill>
-                <a:latin typeface="Aptos" pitchFamily="34" charset="0"/>
-                <a:ea typeface="Aptos" pitchFamily="34" charset="-122"/>
-                <a:cs typeface="Aptos" pitchFamily="34" charset="-120"/>
-              </a:rPr>
-              <a:t>: </a:t>
-            </a:r>
-            <a:r>
-              <a:rPr lang="en-US" sz="1400" dirty="0" err="1">
-                <a:solidFill>
-                  <a:srgbClr val="000000"/>
-                </a:solidFill>
-                <a:latin typeface="Aptos" pitchFamily="34" charset="0"/>
-                <a:ea typeface="Aptos" pitchFamily="34" charset="-122"/>
-                <a:cs typeface="Aptos" pitchFamily="34" charset="-120"/>
-              </a:rPr>
-              <a:t>относительная</a:t>
-            </a:r>
-            <a:r>
-              <a:rPr lang="en-US" sz="1400" dirty="0">
-                <a:solidFill>
-                  <a:srgbClr val="000000"/>
-                </a:solidFill>
-                <a:latin typeface="Aptos" pitchFamily="34" charset="0"/>
-                <a:ea typeface="Aptos" pitchFamily="34" charset="-122"/>
-                <a:cs typeface="Aptos" pitchFamily="34" charset="-120"/>
-              </a:rPr>
-              <a:t> </a:t>
-            </a:r>
-            <a:r>
-              <a:rPr lang="en-US" sz="1400" dirty="0" err="1">
-                <a:solidFill>
-                  <a:srgbClr val="000000"/>
-                </a:solidFill>
-                <a:latin typeface="Aptos" pitchFamily="34" charset="0"/>
-                <a:ea typeface="Aptos" pitchFamily="34" charset="-122"/>
-                <a:cs typeface="Aptos" pitchFamily="34" charset="-120"/>
-              </a:rPr>
-              <a:t>простота</a:t>
-            </a:r>
-            <a:r>
-              <a:rPr lang="en-US" sz="1400" dirty="0">
-                <a:solidFill>
-                  <a:srgbClr val="000000"/>
-                </a:solidFill>
-                <a:latin typeface="Aptos" pitchFamily="34" charset="0"/>
-                <a:ea typeface="Aptos" pitchFamily="34" charset="-122"/>
-                <a:cs typeface="Aptos" pitchFamily="34" charset="-120"/>
-              </a:rPr>
-              <a:t> </a:t>
-            </a:r>
-            <a:r>
-              <a:rPr lang="en-US" sz="1400" dirty="0" err="1">
-                <a:solidFill>
-                  <a:srgbClr val="000000"/>
-                </a:solidFill>
-                <a:latin typeface="Aptos" pitchFamily="34" charset="0"/>
-                <a:ea typeface="Aptos" pitchFamily="34" charset="-122"/>
-                <a:cs typeface="Aptos" pitchFamily="34" charset="-120"/>
-              </a:rPr>
-              <a:t>взлома</a:t>
-            </a:r>
-            <a:r>
-              <a:rPr lang="en-US" sz="1400" dirty="0">
-                <a:solidFill>
-                  <a:srgbClr val="000000"/>
-                </a:solidFill>
-                <a:latin typeface="Aptos" pitchFamily="34" charset="0"/>
-                <a:ea typeface="Aptos" pitchFamily="34" charset="-122"/>
-                <a:cs typeface="Aptos" pitchFamily="34" charset="-120"/>
-              </a:rPr>
-              <a:t>, ограниченная </a:t>
-            </a:r>
-            <a:r>
-              <a:rPr lang="en-US" sz="1400" dirty="0" err="1">
-                <a:solidFill>
-                  <a:srgbClr val="000000"/>
-                </a:solidFill>
-                <a:latin typeface="Aptos" pitchFamily="34" charset="0"/>
-                <a:ea typeface="Aptos" pitchFamily="34" charset="-122"/>
-                <a:cs typeface="Aptos" pitchFamily="34" charset="-120"/>
-              </a:rPr>
-              <a:t>длина</a:t>
-            </a:r>
-            <a:r>
-              <a:rPr lang="en-US" sz="1400" dirty="0">
-                <a:solidFill>
-                  <a:srgbClr val="000000"/>
-                </a:solidFill>
-                <a:latin typeface="Aptos" pitchFamily="34" charset="0"/>
-                <a:ea typeface="Aptos" pitchFamily="34" charset="-122"/>
-                <a:cs typeface="Aptos" pitchFamily="34" charset="-120"/>
-              </a:rPr>
-              <a:t> </a:t>
-            </a:r>
-            <a:r>
-              <a:rPr lang="en-US" sz="1400" dirty="0" err="1">
-                <a:solidFill>
-                  <a:srgbClr val="000000"/>
-                </a:solidFill>
-                <a:latin typeface="Aptos" pitchFamily="34" charset="0"/>
-                <a:ea typeface="Aptos" pitchFamily="34" charset="-122"/>
-                <a:cs typeface="Aptos" pitchFamily="34" charset="-120"/>
-              </a:rPr>
-              <a:t>ключа</a:t>
-            </a:r>
-            <a:r>
-              <a:rPr lang="en-US" sz="1400" dirty="0">
-                <a:solidFill>
-                  <a:srgbClr val="000000"/>
-                </a:solidFill>
-                <a:latin typeface="Aptos" pitchFamily="34" charset="0"/>
-                <a:ea typeface="Aptos" pitchFamily="34" charset="-122"/>
-                <a:cs typeface="Aptos" pitchFamily="34" charset="-120"/>
-              </a:rPr>
-              <a:t>.
+              <a:t>
 </a:t>
             </a:r>
             <a:endParaRPr lang="en-US" sz="1400" dirty="0"/>
+          </a:p>
+        </p:txBody>
+      </p:sp>
+      <p:sp>
+        <p:nvSpPr>
+          <p:cNvPr id="5" name="Google Shape;7772;p138">
+            <a:extLst>
+              <a:ext uri="{FF2B5EF4-FFF2-40B4-BE49-F238E27FC236}">
+                <a16:creationId xmlns:a16="http://schemas.microsoft.com/office/drawing/2014/main" id="{F30EB7DA-2E41-49DE-8D5A-00D306439C1D}"/>
+              </a:ext>
+            </a:extLst>
+          </p:cNvPr>
+          <p:cNvSpPr/>
+          <p:nvPr/>
+        </p:nvSpPr>
+        <p:spPr>
+          <a:xfrm rot="10800000">
+            <a:off x="6232230" y="2305154"/>
+            <a:ext cx="3455294" cy="3299251"/>
+          </a:xfrm>
+          <a:custGeom>
+            <a:avLst/>
+            <a:gdLst/>
+            <a:ahLst/>
+            <a:cxnLst/>
+            <a:rect l="l" t="t" r="r" b="b"/>
+            <a:pathLst>
+              <a:path w="11689" h="11658" extrusionOk="0">
+                <a:moveTo>
+                  <a:pt x="5829" y="2458"/>
+                </a:moveTo>
+                <a:cubicBezTo>
+                  <a:pt x="6207" y="2458"/>
+                  <a:pt x="6491" y="2773"/>
+                  <a:pt x="6491" y="3120"/>
+                </a:cubicBezTo>
+                <a:cubicBezTo>
+                  <a:pt x="6522" y="3466"/>
+                  <a:pt x="6207" y="3781"/>
+                  <a:pt x="5829" y="3781"/>
+                </a:cubicBezTo>
+                <a:cubicBezTo>
+                  <a:pt x="5419" y="3781"/>
+                  <a:pt x="5136" y="3466"/>
+                  <a:pt x="5136" y="3120"/>
+                </a:cubicBezTo>
+                <a:cubicBezTo>
+                  <a:pt x="5136" y="2742"/>
+                  <a:pt x="5482" y="2458"/>
+                  <a:pt x="5829" y="2458"/>
+                </a:cubicBezTo>
+                <a:close/>
+                <a:moveTo>
+                  <a:pt x="5860" y="4474"/>
+                </a:moveTo>
+                <a:cubicBezTo>
+                  <a:pt x="6238" y="4474"/>
+                  <a:pt x="6522" y="4789"/>
+                  <a:pt x="6522" y="5136"/>
+                </a:cubicBezTo>
+                <a:lnTo>
+                  <a:pt x="6522" y="8570"/>
+                </a:lnTo>
+                <a:cubicBezTo>
+                  <a:pt x="6522" y="8948"/>
+                  <a:pt x="6207" y="9232"/>
+                  <a:pt x="5860" y="9232"/>
+                </a:cubicBezTo>
+                <a:cubicBezTo>
+                  <a:pt x="5451" y="9232"/>
+                  <a:pt x="5199" y="8917"/>
+                  <a:pt x="5199" y="8570"/>
+                </a:cubicBezTo>
+                <a:lnTo>
+                  <a:pt x="5199" y="5136"/>
+                </a:lnTo>
+                <a:cubicBezTo>
+                  <a:pt x="5199" y="4726"/>
+                  <a:pt x="5514" y="4474"/>
+                  <a:pt x="5860" y="4474"/>
+                </a:cubicBezTo>
+                <a:close/>
+                <a:moveTo>
+                  <a:pt x="5829" y="1"/>
+                </a:moveTo>
+                <a:cubicBezTo>
+                  <a:pt x="2615" y="1"/>
+                  <a:pt x="0" y="2647"/>
+                  <a:pt x="0" y="5829"/>
+                </a:cubicBezTo>
+                <a:cubicBezTo>
+                  <a:pt x="0" y="9043"/>
+                  <a:pt x="2615" y="11657"/>
+                  <a:pt x="5829" y="11657"/>
+                </a:cubicBezTo>
+                <a:cubicBezTo>
+                  <a:pt x="9011" y="11657"/>
+                  <a:pt x="11657" y="9043"/>
+                  <a:pt x="11657" y="5829"/>
+                </a:cubicBezTo>
+                <a:cubicBezTo>
+                  <a:pt x="11689" y="2647"/>
+                  <a:pt x="9042" y="1"/>
+                  <a:pt x="5829" y="1"/>
+                </a:cubicBezTo>
+                <a:close/>
+              </a:path>
+            </a:pathLst>
+          </a:custGeom>
+          <a:solidFill>
+            <a:schemeClr val="bg1"/>
+          </a:solidFill>
+          <a:ln>
+            <a:noFill/>
+          </a:ln>
+        </p:spPr>
+        <p:txBody>
+          <a:bodyPr spcFirstLastPara="1" wrap="square" lIns="91425" tIns="91425" rIns="91425" bIns="91425" anchor="ctr" anchorCtr="0">
+            <a:noAutofit/>
+          </a:bodyPr>
+          <a:lstStyle/>
+          <a:p>
+            <a:pPr marL="0" lvl="0" indent="0" algn="l" rtl="0">
+              <a:spcBef>
+                <a:spcPts val="0"/>
+              </a:spcBef>
+              <a:spcAft>
+                <a:spcPts val="0"/>
+              </a:spcAft>
+              <a:buNone/>
+            </a:pPr>
+            <a:endParaRPr/>
           </a:p>
         </p:txBody>
       </p:sp>
@@ -2611,7 +2635,7 @@
 </p:sld>
 </file>
 
-<file path=ppt/slides/slide12.xml><?xml version="1.0" encoding="utf-8"?>
+<file path=ppt/slides/slide11.xml><?xml version="1.0" encoding="utf-8"?>
 <p:sld xmlns:a="http://schemas.openxmlformats.org/drawingml/2006/main" xmlns:r="http://schemas.openxmlformats.org/officeDocument/2006/relationships" xmlns:p="http://schemas.openxmlformats.org/presentationml/2006/main">
   <p:cSld name="Slide 13">
     <p:bg>
@@ -2644,6 +2668,60 @@
       </p:grpSpPr>
       <p:sp>
         <p:nvSpPr>
+          <p:cNvPr id="4" name="Прямоугольник 3">
+            <a:extLst>
+              <a:ext uri="{FF2B5EF4-FFF2-40B4-BE49-F238E27FC236}">
+                <a16:creationId xmlns:a16="http://schemas.microsoft.com/office/drawing/2014/main" id="{0E0C73EF-C522-4BC3-9DE6-E72D8A9E82A8}"/>
+              </a:ext>
+            </a:extLst>
+          </p:cNvPr>
+          <p:cNvSpPr/>
+          <p:nvPr/>
+        </p:nvSpPr>
+        <p:spPr>
+          <a:xfrm>
+            <a:off x="403934" y="901611"/>
+            <a:ext cx="4877845" cy="569102"/>
+          </a:xfrm>
+          <a:prstGeom prst="rect">
+            <a:avLst/>
+          </a:prstGeom>
+          <a:solidFill>
+            <a:schemeClr val="bg1"/>
+          </a:solidFill>
+          <a:ln>
+            <a:solidFill>
+              <a:schemeClr val="bg1"/>
+            </a:solidFill>
+          </a:ln>
+        </p:spPr>
+        <p:style>
+          <a:lnRef idx="2">
+            <a:schemeClr val="accent1">
+              <a:shade val="50000"/>
+            </a:schemeClr>
+          </a:lnRef>
+          <a:fillRef idx="1">
+            <a:schemeClr val="accent1"/>
+          </a:fillRef>
+          <a:effectRef idx="0">
+            <a:schemeClr val="accent1"/>
+          </a:effectRef>
+          <a:fontRef idx="minor">
+            <a:schemeClr val="lt1"/>
+          </a:fontRef>
+        </p:style>
+        <p:txBody>
+          <a:bodyPr rtlCol="0" anchor="ctr"/>
+          <a:lstStyle/>
+          <a:p>
+            <a:pPr algn="ctr"/>
+            <a:endParaRPr lang="ru-RU"/>
+          </a:p>
+        </p:txBody>
+      </p:sp>
+      <p:sp>
+        <p:nvSpPr>
           <p:cNvPr id="2" name="Text 0"/>
           <p:cNvSpPr/>
           <p:nvPr/>
@@ -2690,7 +2768,7 @@
         <p:spPr>
           <a:xfrm>
             <a:off x="403934" y="1808381"/>
-            <a:ext cx="6858000" cy="992519"/>
+            <a:ext cx="2722930" cy="1864407"/>
           </a:xfrm>
           <a:prstGeom prst="rect">
             <a:avLst/>
@@ -2710,9 +2788,9 @@
                 <a:solidFill>
                   <a:srgbClr val="000000"/>
                 </a:solidFill>
-                <a:latin typeface="Aptos" pitchFamily="34" charset="0"/>
-                <a:ea typeface="Aptos" pitchFamily="34" charset="-122"/>
-                <a:cs typeface="Aptos" pitchFamily="34" charset="-120"/>
+                <a:latin typeface="Times New Roman" panose="02020603050405020304" pitchFamily="18" charset="0"/>
+                <a:ea typeface="Aptos" pitchFamily="34" charset="-122"/>
+                <a:cs typeface="Times New Roman" panose="02020603050405020304" pitchFamily="18" charset="0"/>
               </a:rPr>
               <a:t>• </a:t>
             </a:r>
@@ -2721,9 +2799,9 @@
                 <a:solidFill>
                   <a:srgbClr val="000000"/>
                 </a:solidFill>
-                <a:latin typeface="Aptos" pitchFamily="34" charset="0"/>
-                <a:ea typeface="Aptos" pitchFamily="34" charset="-122"/>
-                <a:cs typeface="Aptos" pitchFamily="34" charset="-120"/>
+                <a:latin typeface="Times New Roman" panose="02020603050405020304" pitchFamily="18" charset="0"/>
+                <a:ea typeface="Aptos" pitchFamily="34" charset="-122"/>
+                <a:cs typeface="Times New Roman" panose="02020603050405020304" pitchFamily="18" charset="0"/>
               </a:rPr>
               <a:t>Шифр</a:t>
             </a:r>
@@ -2732,9 +2810,9 @@
                 <a:solidFill>
                   <a:srgbClr val="000000"/>
                 </a:solidFill>
-                <a:latin typeface="Aptos" pitchFamily="34" charset="0"/>
-                <a:ea typeface="Aptos" pitchFamily="34" charset="-122"/>
-                <a:cs typeface="Aptos" pitchFamily="34" charset="-120"/>
+                <a:latin typeface="Times New Roman" panose="02020603050405020304" pitchFamily="18" charset="0"/>
+                <a:ea typeface="Aptos" pitchFamily="34" charset="-122"/>
+                <a:cs typeface="Times New Roman" panose="02020603050405020304" pitchFamily="18" charset="0"/>
               </a:rPr>
               <a:t> </a:t>
             </a:r>
@@ -2743,9 +2821,9 @@
                 <a:solidFill>
                   <a:srgbClr val="000000"/>
                 </a:solidFill>
-                <a:latin typeface="Aptos" pitchFamily="34" charset="0"/>
-                <a:ea typeface="Aptos" pitchFamily="34" charset="-122"/>
-                <a:cs typeface="Aptos" pitchFamily="34" charset="-120"/>
+                <a:latin typeface="Times New Roman" panose="02020603050405020304" pitchFamily="18" charset="0"/>
+                <a:ea typeface="Aptos" pitchFamily="34" charset="-122"/>
+                <a:cs typeface="Times New Roman" panose="02020603050405020304" pitchFamily="18" charset="0"/>
               </a:rPr>
               <a:t>Плейфера</a:t>
             </a:r>
@@ -2754,9 +2832,9 @@
                 <a:solidFill>
                   <a:srgbClr val="000000"/>
                 </a:solidFill>
-                <a:latin typeface="Aptos" pitchFamily="34" charset="0"/>
-                <a:ea typeface="Aptos" pitchFamily="34" charset="-122"/>
-                <a:cs typeface="Aptos" pitchFamily="34" charset="-120"/>
+                <a:latin typeface="Times New Roman" panose="02020603050405020304" pitchFamily="18" charset="0"/>
+                <a:ea typeface="Aptos" pitchFamily="34" charset="-122"/>
+                <a:cs typeface="Times New Roman" panose="02020603050405020304" pitchFamily="18" charset="0"/>
               </a:rPr>
               <a:t> </a:t>
             </a:r>
@@ -2765,9 +2843,9 @@
                 <a:solidFill>
                   <a:srgbClr val="000000"/>
                 </a:solidFill>
-                <a:latin typeface="Aptos" pitchFamily="34" charset="0"/>
-                <a:ea typeface="Aptos" pitchFamily="34" charset="-122"/>
-                <a:cs typeface="Aptos" pitchFamily="34" charset="-120"/>
+                <a:latin typeface="Times New Roman" panose="02020603050405020304" pitchFamily="18" charset="0"/>
+                <a:ea typeface="Aptos" pitchFamily="34" charset="-122"/>
+                <a:cs typeface="Times New Roman" panose="02020603050405020304" pitchFamily="18" charset="0"/>
               </a:rPr>
               <a:t>использовался</a:t>
             </a:r>
@@ -2776,9 +2854,9 @@
                 <a:solidFill>
                   <a:srgbClr val="000000"/>
                 </a:solidFill>
-                <a:latin typeface="Aptos" pitchFamily="34" charset="0"/>
-                <a:ea typeface="Aptos" pitchFamily="34" charset="-122"/>
-                <a:cs typeface="Aptos" pitchFamily="34" charset="-120"/>
+                <a:latin typeface="Times New Roman" panose="02020603050405020304" pitchFamily="18" charset="0"/>
+                <a:ea typeface="Aptos" pitchFamily="34" charset="-122"/>
+                <a:cs typeface="Times New Roman" panose="02020603050405020304" pitchFamily="18" charset="0"/>
               </a:rPr>
               <a:t> в </a:t>
             </a:r>
@@ -2787,9 +2865,9 @@
                 <a:solidFill>
                   <a:srgbClr val="000000"/>
                 </a:solidFill>
-                <a:latin typeface="Aptos" pitchFamily="34" charset="0"/>
-                <a:ea typeface="Aptos" pitchFamily="34" charset="-122"/>
-                <a:cs typeface="Aptos" pitchFamily="34" charset="-120"/>
+                <a:latin typeface="Times New Roman" panose="02020603050405020304" pitchFamily="18" charset="0"/>
+                <a:ea typeface="Aptos" pitchFamily="34" charset="-122"/>
+                <a:cs typeface="Times New Roman" panose="02020603050405020304" pitchFamily="18" charset="0"/>
               </a:rPr>
               <a:t>прошлом</a:t>
             </a:r>
@@ -2798,9 +2876,9 @@
                 <a:solidFill>
                   <a:srgbClr val="000000"/>
                 </a:solidFill>
-                <a:latin typeface="Aptos" pitchFamily="34" charset="0"/>
-                <a:ea typeface="Aptos" pitchFamily="34" charset="-122"/>
-                <a:cs typeface="Aptos" pitchFamily="34" charset="-120"/>
+                <a:latin typeface="Times New Roman" panose="02020603050405020304" pitchFamily="18" charset="0"/>
+                <a:ea typeface="Aptos" pitchFamily="34" charset="-122"/>
+                <a:cs typeface="Times New Roman" panose="02020603050405020304" pitchFamily="18" charset="0"/>
               </a:rPr>
               <a:t> </a:t>
             </a:r>
@@ -2809,9 +2887,9 @@
                 <a:solidFill>
                   <a:srgbClr val="000000"/>
                 </a:solidFill>
-                <a:latin typeface="Aptos" pitchFamily="34" charset="0"/>
-                <a:ea typeface="Aptos" pitchFamily="34" charset="-122"/>
-                <a:cs typeface="Aptos" pitchFamily="34" charset="-120"/>
+                <a:latin typeface="Times New Roman" panose="02020603050405020304" pitchFamily="18" charset="0"/>
+                <a:ea typeface="Aptos" pitchFamily="34" charset="-122"/>
+                <a:cs typeface="Times New Roman" panose="02020603050405020304" pitchFamily="18" charset="0"/>
               </a:rPr>
               <a:t>для</a:t>
             </a:r>
@@ -2820,9 +2898,9 @@
                 <a:solidFill>
                   <a:srgbClr val="000000"/>
                 </a:solidFill>
-                <a:latin typeface="Aptos" pitchFamily="34" charset="0"/>
-                <a:ea typeface="Aptos" pitchFamily="34" charset="-122"/>
-                <a:cs typeface="Aptos" pitchFamily="34" charset="-120"/>
+                <a:latin typeface="Times New Roman" panose="02020603050405020304" pitchFamily="18" charset="0"/>
+                <a:ea typeface="Aptos" pitchFamily="34" charset="-122"/>
+                <a:cs typeface="Times New Roman" panose="02020603050405020304" pitchFamily="18" charset="0"/>
               </a:rPr>
               <a:t> </a:t>
             </a:r>
@@ -2831,9 +2909,9 @@
                 <a:solidFill>
                   <a:srgbClr val="000000"/>
                 </a:solidFill>
-                <a:latin typeface="Aptos" pitchFamily="34" charset="0"/>
-                <a:ea typeface="Aptos" pitchFamily="34" charset="-122"/>
-                <a:cs typeface="Aptos" pitchFamily="34" charset="-120"/>
+                <a:latin typeface="Times New Roman" panose="02020603050405020304" pitchFamily="18" charset="0"/>
+                <a:ea typeface="Aptos" pitchFamily="34" charset="-122"/>
+                <a:cs typeface="Times New Roman" panose="02020603050405020304" pitchFamily="18" charset="0"/>
               </a:rPr>
               <a:t>защиты</a:t>
             </a:r>
@@ -2842,9 +2920,9 @@
                 <a:solidFill>
                   <a:srgbClr val="000000"/>
                 </a:solidFill>
-                <a:latin typeface="Aptos" pitchFamily="34" charset="0"/>
-                <a:ea typeface="Aptos" pitchFamily="34" charset="-122"/>
-                <a:cs typeface="Aptos" pitchFamily="34" charset="-120"/>
+                <a:latin typeface="Times New Roman" panose="02020603050405020304" pitchFamily="18" charset="0"/>
+                <a:ea typeface="Aptos" pitchFamily="34" charset="-122"/>
+                <a:cs typeface="Times New Roman" panose="02020603050405020304" pitchFamily="18" charset="0"/>
               </a:rPr>
               <a:t> </a:t>
             </a:r>
@@ -2853,9 +2931,9 @@
                 <a:solidFill>
                   <a:srgbClr val="000000"/>
                 </a:solidFill>
-                <a:latin typeface="Aptos" pitchFamily="34" charset="0"/>
-                <a:ea typeface="Aptos" pitchFamily="34" charset="-122"/>
-                <a:cs typeface="Aptos" pitchFamily="34" charset="-120"/>
+                <a:latin typeface="Times New Roman" panose="02020603050405020304" pitchFamily="18" charset="0"/>
+                <a:ea typeface="Aptos" pitchFamily="34" charset="-122"/>
+                <a:cs typeface="Times New Roman" panose="02020603050405020304" pitchFamily="18" charset="0"/>
               </a:rPr>
               <a:t>секретной</a:t>
             </a:r>
@@ -2864,9 +2942,9 @@
                 <a:solidFill>
                   <a:srgbClr val="000000"/>
                 </a:solidFill>
-                <a:latin typeface="Aptos" pitchFamily="34" charset="0"/>
-                <a:ea typeface="Aptos" pitchFamily="34" charset="-122"/>
-                <a:cs typeface="Aptos" pitchFamily="34" charset="-120"/>
+                <a:latin typeface="Times New Roman" panose="02020603050405020304" pitchFamily="18" charset="0"/>
+                <a:ea typeface="Aptos" pitchFamily="34" charset="-122"/>
+                <a:cs typeface="Times New Roman" panose="02020603050405020304" pitchFamily="18" charset="0"/>
               </a:rPr>
               <a:t> </a:t>
             </a:r>
@@ -2875,9 +2953,9 @@
                 <a:solidFill>
                   <a:srgbClr val="000000"/>
                 </a:solidFill>
-                <a:latin typeface="Aptos" pitchFamily="34" charset="0"/>
-                <a:ea typeface="Aptos" pitchFamily="34" charset="-122"/>
-                <a:cs typeface="Aptos" pitchFamily="34" charset="-120"/>
+                <a:latin typeface="Times New Roman" panose="02020603050405020304" pitchFamily="18" charset="0"/>
+                <a:ea typeface="Aptos" pitchFamily="34" charset="-122"/>
+                <a:cs typeface="Times New Roman" panose="02020603050405020304" pitchFamily="18" charset="0"/>
               </a:rPr>
               <a:t>информации</a:t>
             </a:r>
@@ -2886,9 +2964,9 @@
                 <a:solidFill>
                   <a:srgbClr val="000000"/>
                 </a:solidFill>
-                <a:latin typeface="Aptos" pitchFamily="34" charset="0"/>
-                <a:ea typeface="Aptos" pitchFamily="34" charset="-122"/>
-                <a:cs typeface="Aptos" pitchFamily="34" charset="-120"/>
+                <a:latin typeface="Times New Roman" panose="02020603050405020304" pitchFamily="18" charset="0"/>
+                <a:ea typeface="Aptos" pitchFamily="34" charset="-122"/>
+                <a:cs typeface="Times New Roman" panose="02020603050405020304" pitchFamily="18" charset="0"/>
               </a:rPr>
               <a:t>.
 • </a:t>
@@ -2898,182 +2976,651 @@
                 <a:solidFill>
                   <a:srgbClr val="000000"/>
                 </a:solidFill>
+                <a:latin typeface="Times New Roman" panose="02020603050405020304" pitchFamily="18" charset="0"/>
+                <a:ea typeface="Aptos" pitchFamily="34" charset="-122"/>
+                <a:cs typeface="Times New Roman" panose="02020603050405020304" pitchFamily="18" charset="0"/>
+              </a:rPr>
+              <a:t>Он</a:t>
+            </a:r>
+            <a:r>
+              <a:rPr lang="en-US" sz="1400" dirty="0">
+                <a:solidFill>
+                  <a:srgbClr val="000000"/>
+                </a:solidFill>
+                <a:latin typeface="Times New Roman" panose="02020603050405020304" pitchFamily="18" charset="0"/>
+                <a:ea typeface="Aptos" pitchFamily="34" charset="-122"/>
+                <a:cs typeface="Times New Roman" panose="02020603050405020304" pitchFamily="18" charset="0"/>
+              </a:rPr>
+              <a:t> </a:t>
+            </a:r>
+            <a:r>
+              <a:rPr lang="en-US" sz="1400" dirty="0" err="1">
+                <a:solidFill>
+                  <a:srgbClr val="000000"/>
+                </a:solidFill>
+                <a:latin typeface="Times New Roman" panose="02020603050405020304" pitchFamily="18" charset="0"/>
+                <a:ea typeface="Aptos" pitchFamily="34" charset="-122"/>
+                <a:cs typeface="Times New Roman" panose="02020603050405020304" pitchFamily="18" charset="0"/>
+              </a:rPr>
+              <a:t>не</a:t>
+            </a:r>
+            <a:r>
+              <a:rPr lang="en-US" sz="1400" dirty="0">
+                <a:solidFill>
+                  <a:srgbClr val="000000"/>
+                </a:solidFill>
+                <a:latin typeface="Times New Roman" panose="02020603050405020304" pitchFamily="18" charset="0"/>
+                <a:ea typeface="Aptos" pitchFamily="34" charset="-122"/>
+                <a:cs typeface="Times New Roman" panose="02020603050405020304" pitchFamily="18" charset="0"/>
+              </a:rPr>
+              <a:t> рекомендуется </a:t>
+            </a:r>
+            <a:r>
+              <a:rPr lang="en-US" sz="1400" dirty="0" err="1">
+                <a:solidFill>
+                  <a:srgbClr val="000000"/>
+                </a:solidFill>
+                <a:latin typeface="Times New Roman" panose="02020603050405020304" pitchFamily="18" charset="0"/>
+                <a:ea typeface="Aptos" pitchFamily="34" charset="-122"/>
+                <a:cs typeface="Times New Roman" panose="02020603050405020304" pitchFamily="18" charset="0"/>
+              </a:rPr>
+              <a:t>для</a:t>
+            </a:r>
+            <a:r>
+              <a:rPr lang="en-US" sz="1400" dirty="0">
+                <a:solidFill>
+                  <a:srgbClr val="000000"/>
+                </a:solidFill>
+                <a:latin typeface="Times New Roman" panose="02020603050405020304" pitchFamily="18" charset="0"/>
+                <a:ea typeface="Aptos" pitchFamily="34" charset="-122"/>
+                <a:cs typeface="Times New Roman" panose="02020603050405020304" pitchFamily="18" charset="0"/>
+              </a:rPr>
+              <a:t> </a:t>
+            </a:r>
+            <a:r>
+              <a:rPr lang="en-US" sz="1400" dirty="0" err="1">
+                <a:solidFill>
+                  <a:srgbClr val="000000"/>
+                </a:solidFill>
+                <a:latin typeface="Times New Roman" panose="02020603050405020304" pitchFamily="18" charset="0"/>
+                <a:ea typeface="Aptos" pitchFamily="34" charset="-122"/>
+                <a:cs typeface="Times New Roman" panose="02020603050405020304" pitchFamily="18" charset="0"/>
+              </a:rPr>
+              <a:t>защиты</a:t>
+            </a:r>
+            <a:r>
+              <a:rPr lang="en-US" sz="1400" dirty="0">
+                <a:solidFill>
+                  <a:srgbClr val="000000"/>
+                </a:solidFill>
+                <a:latin typeface="Times New Roman" panose="02020603050405020304" pitchFamily="18" charset="0"/>
+                <a:ea typeface="Aptos" pitchFamily="34" charset="-122"/>
+                <a:cs typeface="Times New Roman" panose="02020603050405020304" pitchFamily="18" charset="0"/>
+              </a:rPr>
+              <a:t> </a:t>
+            </a:r>
+            <a:r>
+              <a:rPr lang="en-US" sz="1400" dirty="0" err="1">
+                <a:solidFill>
+                  <a:srgbClr val="000000"/>
+                </a:solidFill>
+                <a:latin typeface="Times New Roman" panose="02020603050405020304" pitchFamily="18" charset="0"/>
+                <a:ea typeface="Aptos" pitchFamily="34" charset="-122"/>
+                <a:cs typeface="Times New Roman" panose="02020603050405020304" pitchFamily="18" charset="0"/>
+              </a:rPr>
+              <a:t>чувствительных</a:t>
+            </a:r>
+            <a:r>
+              <a:rPr lang="en-US" sz="1400" dirty="0">
+                <a:solidFill>
+                  <a:srgbClr val="000000"/>
+                </a:solidFill>
+                <a:latin typeface="Times New Roman" panose="02020603050405020304" pitchFamily="18" charset="0"/>
+                <a:ea typeface="Aptos" pitchFamily="34" charset="-122"/>
+                <a:cs typeface="Times New Roman" panose="02020603050405020304" pitchFamily="18" charset="0"/>
+              </a:rPr>
+              <a:t> </a:t>
+            </a:r>
+            <a:r>
+              <a:rPr lang="en-US" sz="1400" dirty="0" err="1">
+                <a:solidFill>
+                  <a:srgbClr val="000000"/>
+                </a:solidFill>
+                <a:latin typeface="Times New Roman" panose="02020603050405020304" pitchFamily="18" charset="0"/>
+                <a:ea typeface="Aptos" pitchFamily="34" charset="-122"/>
+                <a:cs typeface="Times New Roman" panose="02020603050405020304" pitchFamily="18" charset="0"/>
+              </a:rPr>
+              <a:t>данных</a:t>
+            </a:r>
+            <a:r>
+              <a:rPr lang="en-US" sz="1400" dirty="0">
+                <a:solidFill>
+                  <a:srgbClr val="000000"/>
+                </a:solidFill>
+                <a:latin typeface="Times New Roman" panose="02020603050405020304" pitchFamily="18" charset="0"/>
+                <a:ea typeface="Aptos" pitchFamily="34" charset="-122"/>
+                <a:cs typeface="Times New Roman" panose="02020603050405020304" pitchFamily="18" charset="0"/>
+              </a:rPr>
+              <a:t> в </a:t>
+            </a:r>
+            <a:r>
+              <a:rPr lang="en-US" sz="1400" dirty="0" err="1">
+                <a:solidFill>
+                  <a:srgbClr val="000000"/>
+                </a:solidFill>
+                <a:latin typeface="Times New Roman" panose="02020603050405020304" pitchFamily="18" charset="0"/>
+                <a:ea typeface="Aptos" pitchFamily="34" charset="-122"/>
+                <a:cs typeface="Times New Roman" panose="02020603050405020304" pitchFamily="18" charset="0"/>
+              </a:rPr>
+              <a:t>наше</a:t>
+            </a:r>
+            <a:r>
+              <a:rPr lang="en-US" sz="1400" dirty="0">
+                <a:solidFill>
+                  <a:srgbClr val="000000"/>
+                </a:solidFill>
+                <a:latin typeface="Times New Roman" panose="02020603050405020304" pitchFamily="18" charset="0"/>
+                <a:ea typeface="Aptos" pitchFamily="34" charset="-122"/>
+                <a:cs typeface="Times New Roman" panose="02020603050405020304" pitchFamily="18" charset="0"/>
+              </a:rPr>
+              <a:t> </a:t>
+            </a:r>
+            <a:r>
+              <a:rPr lang="en-US" sz="1400" dirty="0" err="1">
+                <a:solidFill>
+                  <a:srgbClr val="000000"/>
+                </a:solidFill>
+                <a:latin typeface="Times New Roman" panose="02020603050405020304" pitchFamily="18" charset="0"/>
+                <a:ea typeface="Aptos" pitchFamily="34" charset="-122"/>
+                <a:cs typeface="Times New Roman" panose="02020603050405020304" pitchFamily="18" charset="0"/>
+              </a:rPr>
+              <a:t>время</a:t>
+            </a:r>
+            <a:r>
+              <a:rPr lang="en-US" sz="1400" dirty="0">
+                <a:solidFill>
+                  <a:srgbClr val="000000"/>
+                </a:solidFill>
+                <a:latin typeface="Times New Roman" panose="02020603050405020304" pitchFamily="18" charset="0"/>
+                <a:ea typeface="Aptos" pitchFamily="34" charset="-122"/>
+                <a:cs typeface="Times New Roman" panose="02020603050405020304" pitchFamily="18" charset="0"/>
+              </a:rPr>
+              <a:t>.</a:t>
+            </a:r>
+            <a:r>
+              <a:rPr lang="en-US" sz="1400" dirty="0">
+                <a:solidFill>
+                  <a:srgbClr val="000000"/>
+                </a:solidFill>
                 <a:latin typeface="Aptos" pitchFamily="34" charset="0"/>
                 <a:ea typeface="Aptos" pitchFamily="34" charset="-122"/>
                 <a:cs typeface="Aptos" pitchFamily="34" charset="-120"/>
               </a:rPr>
-              <a:t>Он</a:t>
-            </a:r>
-            <a:r>
-              <a:rPr lang="en-US" sz="1400" dirty="0">
-                <a:solidFill>
-                  <a:srgbClr val="000000"/>
-                </a:solidFill>
-                <a:latin typeface="Aptos" pitchFamily="34" charset="0"/>
-                <a:ea typeface="Aptos" pitchFamily="34" charset="-122"/>
-                <a:cs typeface="Aptos" pitchFamily="34" charset="-120"/>
-              </a:rPr>
-              <a:t> </a:t>
-            </a:r>
-            <a:r>
-              <a:rPr lang="en-US" sz="1400" dirty="0" err="1">
-                <a:solidFill>
-                  <a:srgbClr val="000000"/>
-                </a:solidFill>
-                <a:latin typeface="Aptos" pitchFamily="34" charset="0"/>
-                <a:ea typeface="Aptos" pitchFamily="34" charset="-122"/>
-                <a:cs typeface="Aptos" pitchFamily="34" charset="-120"/>
-              </a:rPr>
-              <a:t>не</a:t>
-            </a:r>
-            <a:r>
-              <a:rPr lang="en-US" sz="1400" dirty="0">
-                <a:solidFill>
-                  <a:srgbClr val="000000"/>
-                </a:solidFill>
-                <a:latin typeface="Aptos" pitchFamily="34" charset="0"/>
-                <a:ea typeface="Aptos" pitchFamily="34" charset="-122"/>
-                <a:cs typeface="Aptos" pitchFamily="34" charset="-120"/>
-              </a:rPr>
-              <a:t> рекомендуется </a:t>
-            </a:r>
-            <a:r>
-              <a:rPr lang="en-US" sz="1400" dirty="0" err="1">
-                <a:solidFill>
-                  <a:srgbClr val="000000"/>
-                </a:solidFill>
-                <a:latin typeface="Aptos" pitchFamily="34" charset="0"/>
-                <a:ea typeface="Aptos" pitchFamily="34" charset="-122"/>
-                <a:cs typeface="Aptos" pitchFamily="34" charset="-120"/>
-              </a:rPr>
-              <a:t>для</a:t>
-            </a:r>
-            <a:r>
-              <a:rPr lang="en-US" sz="1400" dirty="0">
-                <a:solidFill>
-                  <a:srgbClr val="000000"/>
-                </a:solidFill>
-                <a:latin typeface="Aptos" pitchFamily="34" charset="0"/>
-                <a:ea typeface="Aptos" pitchFamily="34" charset="-122"/>
-                <a:cs typeface="Aptos" pitchFamily="34" charset="-120"/>
-              </a:rPr>
-              <a:t> </a:t>
-            </a:r>
-            <a:r>
-              <a:rPr lang="en-US" sz="1400" dirty="0" err="1">
-                <a:solidFill>
-                  <a:srgbClr val="000000"/>
-                </a:solidFill>
-                <a:latin typeface="Aptos" pitchFamily="34" charset="0"/>
-                <a:ea typeface="Aptos" pitchFamily="34" charset="-122"/>
-                <a:cs typeface="Aptos" pitchFamily="34" charset="-120"/>
-              </a:rPr>
-              <a:t>защиты</a:t>
-            </a:r>
-            <a:r>
-              <a:rPr lang="en-US" sz="1400" dirty="0">
-                <a:solidFill>
-                  <a:srgbClr val="000000"/>
-                </a:solidFill>
-                <a:latin typeface="Aptos" pitchFamily="34" charset="0"/>
-                <a:ea typeface="Aptos" pitchFamily="34" charset="-122"/>
-                <a:cs typeface="Aptos" pitchFamily="34" charset="-120"/>
-              </a:rPr>
-              <a:t> </a:t>
-            </a:r>
-            <a:r>
-              <a:rPr lang="en-US" sz="1400" dirty="0" err="1">
-                <a:solidFill>
-                  <a:srgbClr val="000000"/>
-                </a:solidFill>
-                <a:latin typeface="Aptos" pitchFamily="34" charset="0"/>
-                <a:ea typeface="Aptos" pitchFamily="34" charset="-122"/>
-                <a:cs typeface="Aptos" pitchFamily="34" charset="-120"/>
-              </a:rPr>
-              <a:t>чувствительных</a:t>
-            </a:r>
-            <a:r>
-              <a:rPr lang="en-US" sz="1400" dirty="0">
-                <a:solidFill>
-                  <a:srgbClr val="000000"/>
-                </a:solidFill>
-                <a:latin typeface="Aptos" pitchFamily="34" charset="0"/>
-                <a:ea typeface="Aptos" pitchFamily="34" charset="-122"/>
-                <a:cs typeface="Aptos" pitchFamily="34" charset="-120"/>
-              </a:rPr>
-              <a:t> </a:t>
-            </a:r>
-            <a:r>
-              <a:rPr lang="en-US" sz="1400" dirty="0" err="1">
-                <a:solidFill>
-                  <a:srgbClr val="000000"/>
-                </a:solidFill>
-                <a:latin typeface="Aptos" pitchFamily="34" charset="0"/>
-                <a:ea typeface="Aptos" pitchFamily="34" charset="-122"/>
-                <a:cs typeface="Aptos" pitchFamily="34" charset="-120"/>
-              </a:rPr>
-              <a:t>данных</a:t>
-            </a:r>
-            <a:r>
-              <a:rPr lang="en-US" sz="1400" dirty="0">
-                <a:solidFill>
-                  <a:srgbClr val="000000"/>
-                </a:solidFill>
-                <a:latin typeface="Aptos" pitchFamily="34" charset="0"/>
-                <a:ea typeface="Aptos" pitchFamily="34" charset="-122"/>
-                <a:cs typeface="Aptos" pitchFamily="34" charset="-120"/>
-              </a:rPr>
-              <a:t> в </a:t>
-            </a:r>
-            <a:r>
-              <a:rPr lang="en-US" sz="1400" dirty="0" err="1">
-                <a:solidFill>
-                  <a:srgbClr val="000000"/>
-                </a:solidFill>
-                <a:latin typeface="Aptos" pitchFamily="34" charset="0"/>
-                <a:ea typeface="Aptos" pitchFamily="34" charset="-122"/>
-                <a:cs typeface="Aptos" pitchFamily="34" charset="-120"/>
-              </a:rPr>
-              <a:t>наше</a:t>
-            </a:r>
-            <a:r>
-              <a:rPr lang="en-US" sz="1400" dirty="0">
-                <a:solidFill>
-                  <a:srgbClr val="000000"/>
-                </a:solidFill>
-                <a:latin typeface="Aptos" pitchFamily="34" charset="0"/>
-                <a:ea typeface="Aptos" pitchFamily="34" charset="-122"/>
-                <a:cs typeface="Aptos" pitchFamily="34" charset="-120"/>
-              </a:rPr>
-              <a:t> </a:t>
-            </a:r>
-            <a:r>
-              <a:rPr lang="en-US" sz="1400" dirty="0" err="1">
-                <a:solidFill>
-                  <a:srgbClr val="000000"/>
-                </a:solidFill>
-                <a:latin typeface="Aptos" pitchFamily="34" charset="0"/>
-                <a:ea typeface="Aptos" pitchFamily="34" charset="-122"/>
-                <a:cs typeface="Aptos" pitchFamily="34" charset="-120"/>
-              </a:rPr>
-              <a:t>время</a:t>
-            </a:r>
-            <a:r>
-              <a:rPr lang="en-US" sz="1400" dirty="0">
-                <a:solidFill>
-                  <a:srgbClr val="000000"/>
-                </a:solidFill>
-                <a:latin typeface="Aptos" pitchFamily="34" charset="0"/>
-                <a:ea typeface="Aptos" pitchFamily="34" charset="-122"/>
-                <a:cs typeface="Aptos" pitchFamily="34" charset="-120"/>
-              </a:rPr>
-              <a:t>.
+              <a:t>
 </a:t>
             </a:r>
             <a:endParaRPr lang="en-US" sz="1400" dirty="0"/>
           </a:p>
         </p:txBody>
       </p:sp>
+      <p:grpSp>
+        <p:nvGrpSpPr>
+          <p:cNvPr id="5" name="Google Shape;8449;p139">
+            <a:extLst>
+              <a:ext uri="{FF2B5EF4-FFF2-40B4-BE49-F238E27FC236}">
+                <a16:creationId xmlns:a16="http://schemas.microsoft.com/office/drawing/2014/main" id="{B951E1D6-6EE1-4EE5-A7D4-7B483ADE7D99}"/>
+              </a:ext>
+            </a:extLst>
+          </p:cNvPr>
+          <p:cNvGrpSpPr/>
+          <p:nvPr/>
+        </p:nvGrpSpPr>
+        <p:grpSpPr>
+          <a:xfrm>
+            <a:off x="6412657" y="1808381"/>
+            <a:ext cx="2649147" cy="3218254"/>
+            <a:chOff x="-45277900" y="3938500"/>
+            <a:chExt cx="244975" cy="300100"/>
+          </a:xfrm>
+          <a:solidFill>
+            <a:schemeClr val="bg1"/>
+          </a:solidFill>
+        </p:grpSpPr>
+        <p:sp>
+          <p:nvSpPr>
+            <p:cNvPr id="6" name="Google Shape;8450;p139">
+              <a:extLst>
+                <a:ext uri="{FF2B5EF4-FFF2-40B4-BE49-F238E27FC236}">
+                  <a16:creationId xmlns:a16="http://schemas.microsoft.com/office/drawing/2014/main" id="{ECFBF7E3-0AAF-4C62-8575-8BE1A6E11533}"/>
+                </a:ext>
+              </a:extLst>
+            </p:cNvPr>
+            <p:cNvSpPr/>
+            <p:nvPr/>
+          </p:nvSpPr>
+          <p:spPr>
+            <a:xfrm>
+              <a:off x="-45210950" y="4107825"/>
+              <a:ext cx="23650" cy="24450"/>
+            </a:xfrm>
+            <a:custGeom>
+              <a:avLst/>
+              <a:gdLst/>
+              <a:ahLst/>
+              <a:cxnLst/>
+              <a:rect l="l" t="t" r="r" b="b"/>
+              <a:pathLst>
+                <a:path w="946" h="978" extrusionOk="0">
+                  <a:moveTo>
+                    <a:pt x="473" y="1"/>
+                  </a:moveTo>
+                  <a:lnTo>
+                    <a:pt x="1" y="978"/>
+                  </a:lnTo>
+                  <a:lnTo>
+                    <a:pt x="946" y="978"/>
+                  </a:lnTo>
+                  <a:lnTo>
+                    <a:pt x="473" y="1"/>
+                  </a:lnTo>
+                  <a:close/>
+                </a:path>
+              </a:pathLst>
+            </a:custGeom>
+            <a:grpFill/>
+            <a:ln>
+              <a:noFill/>
+            </a:ln>
+          </p:spPr>
+          <p:txBody>
+            <a:bodyPr spcFirstLastPara="1" wrap="square" lIns="91425" tIns="91425" rIns="91425" bIns="91425" anchor="ctr" anchorCtr="0">
+              <a:noAutofit/>
+            </a:bodyPr>
+            <a:lstStyle/>
+            <a:p>
+              <a:pPr marL="0" lvl="0" indent="0" algn="l" rtl="0">
+                <a:spcBef>
+                  <a:spcPts val="0"/>
+                </a:spcBef>
+                <a:spcAft>
+                  <a:spcPts val="0"/>
+                </a:spcAft>
+                <a:buNone/>
+              </a:pPr>
+              <a:endParaRPr/>
+            </a:p>
+          </p:txBody>
+        </p:sp>
+        <p:sp>
+          <p:nvSpPr>
+            <p:cNvPr id="7" name="Google Shape;8451;p139">
+              <a:extLst>
+                <a:ext uri="{FF2B5EF4-FFF2-40B4-BE49-F238E27FC236}">
+                  <a16:creationId xmlns:a16="http://schemas.microsoft.com/office/drawing/2014/main" id="{039DD4B9-4233-46D1-BBD7-F3877D2C765F}"/>
+                </a:ext>
+              </a:extLst>
+            </p:cNvPr>
+            <p:cNvSpPr/>
+            <p:nvPr/>
+          </p:nvSpPr>
+          <p:spPr>
+            <a:xfrm>
+              <a:off x="-45084925" y="3943225"/>
+              <a:ext cx="47275" cy="47275"/>
+            </a:xfrm>
+            <a:custGeom>
+              <a:avLst/>
+              <a:gdLst/>
+              <a:ahLst/>
+              <a:cxnLst/>
+              <a:rect l="l" t="t" r="r" b="b"/>
+              <a:pathLst>
+                <a:path w="1891" h="1891" extrusionOk="0">
+                  <a:moveTo>
+                    <a:pt x="1" y="0"/>
+                  </a:moveTo>
+                  <a:lnTo>
+                    <a:pt x="1" y="1891"/>
+                  </a:lnTo>
+                  <a:lnTo>
+                    <a:pt x="1891" y="1891"/>
+                  </a:lnTo>
+                  <a:lnTo>
+                    <a:pt x="1" y="0"/>
+                  </a:lnTo>
+                  <a:close/>
+                </a:path>
+              </a:pathLst>
+            </a:custGeom>
+            <a:grpFill/>
+            <a:ln>
+              <a:noFill/>
+            </a:ln>
+          </p:spPr>
+          <p:txBody>
+            <a:bodyPr spcFirstLastPara="1" wrap="square" lIns="91425" tIns="91425" rIns="91425" bIns="91425" anchor="ctr" anchorCtr="0">
+              <a:noAutofit/>
+            </a:bodyPr>
+            <a:lstStyle/>
+            <a:p>
+              <a:pPr marL="0" lvl="0" indent="0" algn="l" rtl="0">
+                <a:spcBef>
+                  <a:spcPts val="0"/>
+                </a:spcBef>
+                <a:spcAft>
+                  <a:spcPts val="0"/>
+                </a:spcAft>
+                <a:buNone/>
+              </a:pPr>
+              <a:endParaRPr/>
+            </a:p>
+          </p:txBody>
+        </p:sp>
+        <p:sp>
+          <p:nvSpPr>
+            <p:cNvPr id="8" name="Google Shape;8452;p139">
+              <a:extLst>
+                <a:ext uri="{FF2B5EF4-FFF2-40B4-BE49-F238E27FC236}">
+                  <a16:creationId xmlns:a16="http://schemas.microsoft.com/office/drawing/2014/main" id="{69528F33-57DF-4BA2-A1C2-CB66881851B4}"/>
+                </a:ext>
+              </a:extLst>
+            </p:cNvPr>
+            <p:cNvSpPr/>
+            <p:nvPr/>
+          </p:nvSpPr>
+          <p:spPr>
+            <a:xfrm>
+              <a:off x="-45260575" y="3938500"/>
+              <a:ext cx="227650" cy="300100"/>
+            </a:xfrm>
+            <a:custGeom>
+              <a:avLst/>
+              <a:gdLst/>
+              <a:ahLst/>
+              <a:cxnLst/>
+              <a:rect l="l" t="t" r="r" b="b"/>
+              <a:pathLst>
+                <a:path w="9106" h="12004" extrusionOk="0">
+                  <a:moveTo>
+                    <a:pt x="348" y="0"/>
+                  </a:moveTo>
+                  <a:cubicBezTo>
+                    <a:pt x="158" y="0"/>
+                    <a:pt x="1" y="158"/>
+                    <a:pt x="1" y="347"/>
+                  </a:cubicBezTo>
+                  <a:lnTo>
+                    <a:pt x="1" y="4222"/>
+                  </a:lnTo>
+                  <a:lnTo>
+                    <a:pt x="7342" y="4222"/>
+                  </a:lnTo>
+                  <a:cubicBezTo>
+                    <a:pt x="7562" y="4222"/>
+                    <a:pt x="7720" y="4380"/>
+                    <a:pt x="7720" y="4600"/>
+                  </a:cubicBezTo>
+                  <a:lnTo>
+                    <a:pt x="7720" y="10208"/>
+                  </a:lnTo>
+                  <a:cubicBezTo>
+                    <a:pt x="7720" y="10428"/>
+                    <a:pt x="7562" y="10586"/>
+                    <a:pt x="7342" y="10586"/>
+                  </a:cubicBezTo>
+                  <a:lnTo>
+                    <a:pt x="1" y="10586"/>
+                  </a:lnTo>
+                  <a:lnTo>
+                    <a:pt x="1" y="11626"/>
+                  </a:lnTo>
+                  <a:cubicBezTo>
+                    <a:pt x="1" y="11846"/>
+                    <a:pt x="158" y="12004"/>
+                    <a:pt x="348" y="12004"/>
+                  </a:cubicBezTo>
+                  <a:lnTo>
+                    <a:pt x="8759" y="12004"/>
+                  </a:lnTo>
+                  <a:cubicBezTo>
+                    <a:pt x="8980" y="12004"/>
+                    <a:pt x="9106" y="11846"/>
+                    <a:pt x="9106" y="11626"/>
+                  </a:cubicBezTo>
+                  <a:lnTo>
+                    <a:pt x="9106" y="2804"/>
+                  </a:lnTo>
+                  <a:lnTo>
+                    <a:pt x="6680" y="2804"/>
+                  </a:lnTo>
+                  <a:lnTo>
+                    <a:pt x="6680" y="2773"/>
+                  </a:lnTo>
+                  <a:cubicBezTo>
+                    <a:pt x="6491" y="2773"/>
+                    <a:pt x="6333" y="2615"/>
+                    <a:pt x="6333" y="2426"/>
+                  </a:cubicBezTo>
+                  <a:lnTo>
+                    <a:pt x="6333" y="0"/>
+                  </a:lnTo>
+                  <a:close/>
+                </a:path>
+              </a:pathLst>
+            </a:custGeom>
+            <a:grpFill/>
+            <a:ln>
+              <a:noFill/>
+            </a:ln>
+          </p:spPr>
+          <p:txBody>
+            <a:bodyPr spcFirstLastPara="1" wrap="square" lIns="91425" tIns="91425" rIns="91425" bIns="91425" anchor="ctr" anchorCtr="0">
+              <a:noAutofit/>
+            </a:bodyPr>
+            <a:lstStyle/>
+            <a:p>
+              <a:pPr marL="0" lvl="0" indent="0" algn="l" rtl="0">
+                <a:spcBef>
+                  <a:spcPts val="0"/>
+                </a:spcBef>
+                <a:spcAft>
+                  <a:spcPts val="0"/>
+                </a:spcAft>
+                <a:buNone/>
+              </a:pPr>
+              <a:endParaRPr/>
+            </a:p>
+          </p:txBody>
+        </p:sp>
+        <p:sp>
+          <p:nvSpPr>
+            <p:cNvPr id="9" name="Google Shape;8453;p139">
+              <a:extLst>
+                <a:ext uri="{FF2B5EF4-FFF2-40B4-BE49-F238E27FC236}">
+                  <a16:creationId xmlns:a16="http://schemas.microsoft.com/office/drawing/2014/main" id="{5EA07069-7766-454F-83FD-9D5AE2624042}"/>
+                </a:ext>
+              </a:extLst>
+            </p:cNvPr>
+            <p:cNvSpPr/>
+            <p:nvPr/>
+          </p:nvSpPr>
+          <p:spPr>
+            <a:xfrm>
+              <a:off x="-45277900" y="4061375"/>
+              <a:ext cx="193000" cy="122875"/>
+            </a:xfrm>
+            <a:custGeom>
+              <a:avLst/>
+              <a:gdLst/>
+              <a:ahLst/>
+              <a:cxnLst/>
+              <a:rect l="l" t="t" r="r" b="b"/>
+              <a:pathLst>
+                <a:path w="7720" h="4915" extrusionOk="0">
+                  <a:moveTo>
+                    <a:pt x="5987" y="693"/>
+                  </a:moveTo>
+                  <a:cubicBezTo>
+                    <a:pt x="6207" y="693"/>
+                    <a:pt x="6333" y="851"/>
+                    <a:pt x="6333" y="1071"/>
+                  </a:cubicBezTo>
+                  <a:cubicBezTo>
+                    <a:pt x="6302" y="1260"/>
+                    <a:pt x="6144" y="1418"/>
+                    <a:pt x="5987" y="1418"/>
+                  </a:cubicBezTo>
+                  <a:cubicBezTo>
+                    <a:pt x="5798" y="1418"/>
+                    <a:pt x="5640" y="1260"/>
+                    <a:pt x="5640" y="1071"/>
+                  </a:cubicBezTo>
+                  <a:cubicBezTo>
+                    <a:pt x="5640" y="851"/>
+                    <a:pt x="5798" y="693"/>
+                    <a:pt x="5987" y="693"/>
+                  </a:cubicBezTo>
+                  <a:close/>
+                  <a:moveTo>
+                    <a:pt x="3246" y="701"/>
+                  </a:moveTo>
+                  <a:cubicBezTo>
+                    <a:pt x="3372" y="701"/>
+                    <a:pt x="3498" y="772"/>
+                    <a:pt x="3561" y="914"/>
+                  </a:cubicBezTo>
+                  <a:lnTo>
+                    <a:pt x="4979" y="3686"/>
+                  </a:lnTo>
+                  <a:cubicBezTo>
+                    <a:pt x="4979" y="3907"/>
+                    <a:pt x="4884" y="4096"/>
+                    <a:pt x="4727" y="4159"/>
+                  </a:cubicBezTo>
+                  <a:cubicBezTo>
+                    <a:pt x="4695" y="4222"/>
+                    <a:pt x="4601" y="4222"/>
+                    <a:pt x="4569" y="4222"/>
+                  </a:cubicBezTo>
+                  <a:cubicBezTo>
+                    <a:pt x="4443" y="4222"/>
+                    <a:pt x="4349" y="4127"/>
+                    <a:pt x="4254" y="4001"/>
+                  </a:cubicBezTo>
+                  <a:lnTo>
+                    <a:pt x="4033" y="3497"/>
+                  </a:lnTo>
+                  <a:lnTo>
+                    <a:pt x="2364" y="3497"/>
+                  </a:lnTo>
+                  <a:lnTo>
+                    <a:pt x="2143" y="4001"/>
+                  </a:lnTo>
+                  <a:cubicBezTo>
+                    <a:pt x="2075" y="4115"/>
+                    <a:pt x="1940" y="4196"/>
+                    <a:pt x="1811" y="4196"/>
+                  </a:cubicBezTo>
+                  <a:cubicBezTo>
+                    <a:pt x="1762" y="4196"/>
+                    <a:pt x="1714" y="4185"/>
+                    <a:pt x="1671" y="4159"/>
+                  </a:cubicBezTo>
+                  <a:cubicBezTo>
+                    <a:pt x="1513" y="4096"/>
+                    <a:pt x="1419" y="3844"/>
+                    <a:pt x="1513" y="3686"/>
+                  </a:cubicBezTo>
+                  <a:lnTo>
+                    <a:pt x="2931" y="914"/>
+                  </a:lnTo>
+                  <a:cubicBezTo>
+                    <a:pt x="2994" y="772"/>
+                    <a:pt x="3120" y="701"/>
+                    <a:pt x="3246" y="701"/>
+                  </a:cubicBezTo>
+                  <a:close/>
+                  <a:moveTo>
+                    <a:pt x="5955" y="2079"/>
+                  </a:moveTo>
+                  <a:cubicBezTo>
+                    <a:pt x="6144" y="2079"/>
+                    <a:pt x="6302" y="2237"/>
+                    <a:pt x="6302" y="2426"/>
+                  </a:cubicBezTo>
+                  <a:lnTo>
+                    <a:pt x="6302" y="3844"/>
+                  </a:lnTo>
+                  <a:cubicBezTo>
+                    <a:pt x="6302" y="4064"/>
+                    <a:pt x="6144" y="4222"/>
+                    <a:pt x="5955" y="4222"/>
+                  </a:cubicBezTo>
+                  <a:cubicBezTo>
+                    <a:pt x="5766" y="4222"/>
+                    <a:pt x="5609" y="4064"/>
+                    <a:pt x="5609" y="3844"/>
+                  </a:cubicBezTo>
+                  <a:lnTo>
+                    <a:pt x="5609" y="2426"/>
+                  </a:lnTo>
+                  <a:cubicBezTo>
+                    <a:pt x="5609" y="2237"/>
+                    <a:pt x="5766" y="2079"/>
+                    <a:pt x="5955" y="2079"/>
+                  </a:cubicBezTo>
+                  <a:close/>
+                  <a:moveTo>
+                    <a:pt x="347" y="0"/>
+                  </a:moveTo>
+                  <a:cubicBezTo>
+                    <a:pt x="158" y="0"/>
+                    <a:pt x="1" y="158"/>
+                    <a:pt x="1" y="347"/>
+                  </a:cubicBezTo>
+                  <a:lnTo>
+                    <a:pt x="1" y="4568"/>
+                  </a:lnTo>
+                  <a:cubicBezTo>
+                    <a:pt x="1" y="4757"/>
+                    <a:pt x="158" y="4915"/>
+                    <a:pt x="347" y="4915"/>
+                  </a:cubicBezTo>
+                  <a:lnTo>
+                    <a:pt x="7720" y="4915"/>
+                  </a:lnTo>
+                  <a:lnTo>
+                    <a:pt x="7720" y="0"/>
+                  </a:lnTo>
+                  <a:close/>
+                </a:path>
+              </a:pathLst>
+            </a:custGeom>
+            <a:grpFill/>
+            <a:ln>
+              <a:noFill/>
+            </a:ln>
+          </p:spPr>
+          <p:txBody>
+            <a:bodyPr spcFirstLastPara="1" wrap="square" lIns="91425" tIns="91425" rIns="91425" bIns="91425" anchor="ctr" anchorCtr="0">
+              <a:noAutofit/>
+            </a:bodyPr>
+            <a:lstStyle/>
+            <a:p>
+              <a:pPr marL="0" lvl="0" indent="0" algn="l" rtl="0">
+                <a:spcBef>
+                  <a:spcPts val="0"/>
+                </a:spcBef>
+                <a:spcAft>
+                  <a:spcPts val="0"/>
+                </a:spcAft>
+                <a:buNone/>
+              </a:pPr>
+              <a:endParaRPr/>
+            </a:p>
+          </p:txBody>
+        </p:sp>
+      </p:grpSp>
     </p:spTree>
   </p:cSld>
   <p:clrMapOvr>
@@ -3082,7 +3629,7 @@
 </p:sld>
 </file>
 
-<file path=ppt/slides/slide13.xml><?xml version="1.0" encoding="utf-8"?>
+<file path=ppt/slides/slide12.xml><?xml version="1.0" encoding="utf-8"?>
 <p:sld xmlns:a="http://schemas.openxmlformats.org/drawingml/2006/main" xmlns:r="http://schemas.openxmlformats.org/officeDocument/2006/relationships" xmlns:p="http://schemas.openxmlformats.org/presentationml/2006/main">
   <p:cSld name="Slide 14">
     <p:bg>
@@ -3115,6 +3662,60 @@
       </p:grpSpPr>
       <p:sp>
         <p:nvSpPr>
+          <p:cNvPr id="4" name="Прямоугольник 3">
+            <a:extLst>
+              <a:ext uri="{FF2B5EF4-FFF2-40B4-BE49-F238E27FC236}">
+                <a16:creationId xmlns:a16="http://schemas.microsoft.com/office/drawing/2014/main" id="{105BB31D-5037-417A-94F7-ABD06AE2C7EE}"/>
+              </a:ext>
+            </a:extLst>
+          </p:cNvPr>
+          <p:cNvSpPr/>
+          <p:nvPr/>
+        </p:nvSpPr>
+        <p:spPr>
+          <a:xfrm>
+            <a:off x="457200" y="971950"/>
+            <a:ext cx="2011041" cy="453993"/>
+          </a:xfrm>
+          <a:prstGeom prst="rect">
+            <a:avLst/>
+          </a:prstGeom>
+          <a:solidFill>
+            <a:schemeClr val="bg1"/>
+          </a:solidFill>
+          <a:ln>
+            <a:solidFill>
+              <a:schemeClr val="bg1"/>
+            </a:solidFill>
+          </a:ln>
+        </p:spPr>
+        <p:style>
+          <a:lnRef idx="2">
+            <a:schemeClr val="accent1">
+              <a:shade val="50000"/>
+            </a:schemeClr>
+          </a:lnRef>
+          <a:fillRef idx="1">
+            <a:schemeClr val="accent1"/>
+          </a:fillRef>
+          <a:effectRef idx="0">
+            <a:schemeClr val="accent1"/>
+          </a:effectRef>
+          <a:fontRef idx="minor">
+            <a:schemeClr val="lt1"/>
+          </a:fontRef>
+        </p:style>
+        <p:txBody>
+          <a:bodyPr rtlCol="0" anchor="ctr"/>
+          <a:lstStyle/>
+          <a:p>
+            <a:pPr algn="ctr"/>
+            <a:endParaRPr lang="ru-RU"/>
+          </a:p>
+        </p:txBody>
+      </p:sp>
+      <p:sp>
+        <p:nvSpPr>
           <p:cNvPr id="2" name="Text 0"/>
           <p:cNvSpPr/>
           <p:nvPr/>
@@ -3160,8 +3761,8 @@
         </p:nvSpPr>
         <p:spPr>
           <a:xfrm>
-            <a:off x="457200" y="1524296"/>
-            <a:ext cx="6858000" cy="1192270"/>
+            <a:off x="457199" y="1524295"/>
+            <a:ext cx="2778369" cy="2696013"/>
           </a:xfrm>
           <a:prstGeom prst="rect">
             <a:avLst/>
@@ -3181,9 +3782,9 @@
                 <a:solidFill>
                   <a:srgbClr val="000000"/>
                 </a:solidFill>
-                <a:latin typeface="Aptos" pitchFamily="34" charset="0"/>
-                <a:ea typeface="Aptos" pitchFamily="34" charset="-122"/>
-                <a:cs typeface="Aptos" pitchFamily="34" charset="-120"/>
+                <a:latin typeface="Times New Roman" panose="02020603050405020304" pitchFamily="18" charset="0"/>
+                <a:ea typeface="Aptos" pitchFamily="34" charset="-122"/>
+                <a:cs typeface="Times New Roman" panose="02020603050405020304" pitchFamily="18" charset="0"/>
               </a:rPr>
               <a:t>• </a:t>
             </a:r>
@@ -3192,9 +3793,9 @@
                 <a:solidFill>
                   <a:srgbClr val="000000"/>
                 </a:solidFill>
-                <a:latin typeface="Aptos" pitchFamily="34" charset="0"/>
-                <a:ea typeface="Aptos" pitchFamily="34" charset="-122"/>
-                <a:cs typeface="Aptos" pitchFamily="34" charset="-120"/>
+                <a:latin typeface="Times New Roman" panose="02020603050405020304" pitchFamily="18" charset="0"/>
+                <a:ea typeface="Aptos" pitchFamily="34" charset="-122"/>
+                <a:cs typeface="Times New Roman" panose="02020603050405020304" pitchFamily="18" charset="0"/>
               </a:rPr>
               <a:t>Шифр</a:t>
             </a:r>
@@ -3203,9 +3804,9 @@
                 <a:solidFill>
                   <a:srgbClr val="000000"/>
                 </a:solidFill>
-                <a:latin typeface="Aptos" pitchFamily="34" charset="0"/>
-                <a:ea typeface="Aptos" pitchFamily="34" charset="-122"/>
-                <a:cs typeface="Aptos" pitchFamily="34" charset="-120"/>
+                <a:latin typeface="Times New Roman" panose="02020603050405020304" pitchFamily="18" charset="0"/>
+                <a:ea typeface="Aptos" pitchFamily="34" charset="-122"/>
+                <a:cs typeface="Times New Roman" panose="02020603050405020304" pitchFamily="18" charset="0"/>
               </a:rPr>
               <a:t> Плейфера - </a:t>
             </a:r>
@@ -3214,9 +3815,9 @@
                 <a:solidFill>
                   <a:srgbClr val="000000"/>
                 </a:solidFill>
-                <a:latin typeface="Aptos" pitchFamily="34" charset="0"/>
-                <a:ea typeface="Aptos" pitchFamily="34" charset="-122"/>
-                <a:cs typeface="Aptos" pitchFamily="34" charset="-120"/>
+                <a:latin typeface="Times New Roman" panose="02020603050405020304" pitchFamily="18" charset="0"/>
+                <a:ea typeface="Aptos" pitchFamily="34" charset="-122"/>
+                <a:cs typeface="Times New Roman" panose="02020603050405020304" pitchFamily="18" charset="0"/>
               </a:rPr>
               <a:t>это</a:t>
             </a:r>
@@ -3225,9 +3826,9 @@
                 <a:solidFill>
                   <a:srgbClr val="000000"/>
                 </a:solidFill>
-                <a:latin typeface="Aptos" pitchFamily="34" charset="0"/>
-                <a:ea typeface="Aptos" pitchFamily="34" charset="-122"/>
-                <a:cs typeface="Aptos" pitchFamily="34" charset="-120"/>
+                <a:latin typeface="Times New Roman" panose="02020603050405020304" pitchFamily="18" charset="0"/>
+                <a:ea typeface="Aptos" pitchFamily="34" charset="-122"/>
+                <a:cs typeface="Times New Roman" panose="02020603050405020304" pitchFamily="18" charset="0"/>
               </a:rPr>
               <a:t> </a:t>
             </a:r>
@@ -3236,9 +3837,9 @@
                 <a:solidFill>
                   <a:srgbClr val="000000"/>
                 </a:solidFill>
-                <a:latin typeface="Aptos" pitchFamily="34" charset="0"/>
-                <a:ea typeface="Aptos" pitchFamily="34" charset="-122"/>
-                <a:cs typeface="Aptos" pitchFamily="34" charset="-120"/>
+                <a:latin typeface="Times New Roman" panose="02020603050405020304" pitchFamily="18" charset="0"/>
+                <a:ea typeface="Aptos" pitchFamily="34" charset="-122"/>
+                <a:cs typeface="Times New Roman" panose="02020603050405020304" pitchFamily="18" charset="0"/>
               </a:rPr>
               <a:t>простой</a:t>
             </a:r>
@@ -3247,9 +3848,9 @@
                 <a:solidFill>
                   <a:srgbClr val="000000"/>
                 </a:solidFill>
-                <a:latin typeface="Aptos" pitchFamily="34" charset="0"/>
-                <a:ea typeface="Aptos" pitchFamily="34" charset="-122"/>
-                <a:cs typeface="Aptos" pitchFamily="34" charset="-120"/>
+                <a:latin typeface="Times New Roman" panose="02020603050405020304" pitchFamily="18" charset="0"/>
+                <a:ea typeface="Aptos" pitchFamily="34" charset="-122"/>
+                <a:cs typeface="Times New Roman" panose="02020603050405020304" pitchFamily="18" charset="0"/>
               </a:rPr>
               <a:t> и </a:t>
             </a:r>
@@ -3258,9 +3859,9 @@
                 <a:solidFill>
                   <a:srgbClr val="000000"/>
                 </a:solidFill>
-                <a:latin typeface="Aptos" pitchFamily="34" charset="0"/>
-                <a:ea typeface="Aptos" pitchFamily="34" charset="-122"/>
-                <a:cs typeface="Aptos" pitchFamily="34" charset="-120"/>
+                <a:latin typeface="Times New Roman" panose="02020603050405020304" pitchFamily="18" charset="0"/>
+                <a:ea typeface="Aptos" pitchFamily="34" charset="-122"/>
+                <a:cs typeface="Times New Roman" panose="02020603050405020304" pitchFamily="18" charset="0"/>
               </a:rPr>
               <a:t>интересный</a:t>
             </a:r>
@@ -3269,9 +3870,9 @@
                 <a:solidFill>
                   <a:srgbClr val="000000"/>
                 </a:solidFill>
-                <a:latin typeface="Aptos" pitchFamily="34" charset="0"/>
-                <a:ea typeface="Aptos" pitchFamily="34" charset="-122"/>
-                <a:cs typeface="Aptos" pitchFamily="34" charset="-120"/>
+                <a:latin typeface="Times New Roman" panose="02020603050405020304" pitchFamily="18" charset="0"/>
+                <a:ea typeface="Aptos" pitchFamily="34" charset="-122"/>
+                <a:cs typeface="Times New Roman" panose="02020603050405020304" pitchFamily="18" charset="0"/>
               </a:rPr>
               <a:t> </a:t>
             </a:r>
@@ -3280,9 +3881,9 @@
                 <a:solidFill>
                   <a:srgbClr val="000000"/>
                 </a:solidFill>
-                <a:latin typeface="Aptos" pitchFamily="34" charset="0"/>
-                <a:ea typeface="Aptos" pitchFamily="34" charset="-122"/>
-                <a:cs typeface="Aptos" pitchFamily="34" charset="-120"/>
+                <a:latin typeface="Times New Roman" panose="02020603050405020304" pitchFamily="18" charset="0"/>
+                <a:ea typeface="Aptos" pitchFamily="34" charset="-122"/>
+                <a:cs typeface="Times New Roman" panose="02020603050405020304" pitchFamily="18" charset="0"/>
               </a:rPr>
               <a:t>пример</a:t>
             </a:r>
@@ -3291,9 +3892,9 @@
                 <a:solidFill>
                   <a:srgbClr val="000000"/>
                 </a:solidFill>
-                <a:latin typeface="Aptos" pitchFamily="34" charset="0"/>
-                <a:ea typeface="Aptos" pitchFamily="34" charset="-122"/>
-                <a:cs typeface="Aptos" pitchFamily="34" charset="-120"/>
+                <a:latin typeface="Times New Roman" panose="02020603050405020304" pitchFamily="18" charset="0"/>
+                <a:ea typeface="Aptos" pitchFamily="34" charset="-122"/>
+                <a:cs typeface="Times New Roman" panose="02020603050405020304" pitchFamily="18" charset="0"/>
               </a:rPr>
               <a:t> </a:t>
             </a:r>
@@ -3302,9 +3903,9 @@
                 <a:solidFill>
                   <a:srgbClr val="000000"/>
                 </a:solidFill>
-                <a:latin typeface="Aptos" pitchFamily="34" charset="0"/>
-                <a:ea typeface="Aptos" pitchFamily="34" charset="-122"/>
-                <a:cs typeface="Aptos" pitchFamily="34" charset="-120"/>
+                <a:latin typeface="Times New Roman" panose="02020603050405020304" pitchFamily="18" charset="0"/>
+                <a:ea typeface="Aptos" pitchFamily="34" charset="-122"/>
+                <a:cs typeface="Times New Roman" panose="02020603050405020304" pitchFamily="18" charset="0"/>
               </a:rPr>
               <a:t>симметричного</a:t>
             </a:r>
@@ -3313,9 +3914,9 @@
                 <a:solidFill>
                   <a:srgbClr val="000000"/>
                 </a:solidFill>
-                <a:latin typeface="Aptos" pitchFamily="34" charset="0"/>
-                <a:ea typeface="Aptos" pitchFamily="34" charset="-122"/>
-                <a:cs typeface="Aptos" pitchFamily="34" charset="-120"/>
+                <a:latin typeface="Times New Roman" panose="02020603050405020304" pitchFamily="18" charset="0"/>
+                <a:ea typeface="Aptos" pitchFamily="34" charset="-122"/>
+                <a:cs typeface="Times New Roman" panose="02020603050405020304" pitchFamily="18" charset="0"/>
               </a:rPr>
               <a:t> шифра.
 • </a:t>
@@ -3325,9 +3926,9 @@
                 <a:solidFill>
                   <a:srgbClr val="000000"/>
                 </a:solidFill>
-                <a:latin typeface="Aptos" pitchFamily="34" charset="0"/>
-                <a:ea typeface="Aptos" pitchFamily="34" charset="-122"/>
-                <a:cs typeface="Aptos" pitchFamily="34" charset="-120"/>
+                <a:latin typeface="Times New Roman" panose="02020603050405020304" pitchFamily="18" charset="0"/>
+                <a:ea typeface="Aptos" pitchFamily="34" charset="-122"/>
+                <a:cs typeface="Times New Roman" panose="02020603050405020304" pitchFamily="18" charset="0"/>
               </a:rPr>
               <a:t>Он</a:t>
             </a:r>
@@ -3336,9 +3937,9 @@
                 <a:solidFill>
                   <a:srgbClr val="000000"/>
                 </a:solidFill>
-                <a:latin typeface="Aptos" pitchFamily="34" charset="0"/>
-                <a:ea typeface="Aptos" pitchFamily="34" charset="-122"/>
-                <a:cs typeface="Aptos" pitchFamily="34" charset="-120"/>
+                <a:latin typeface="Times New Roman" panose="02020603050405020304" pitchFamily="18" charset="0"/>
+                <a:ea typeface="Aptos" pitchFamily="34" charset="-122"/>
+                <a:cs typeface="Times New Roman" panose="02020603050405020304" pitchFamily="18" charset="0"/>
               </a:rPr>
               <a:t> </a:t>
             </a:r>
@@ -3347,9 +3948,9 @@
                 <a:solidFill>
                   <a:srgbClr val="000000"/>
                 </a:solidFill>
-                <a:latin typeface="Aptos" pitchFamily="34" charset="0"/>
-                <a:ea typeface="Aptos" pitchFamily="34" charset="-122"/>
-                <a:cs typeface="Aptos" pitchFamily="34" charset="-120"/>
+                <a:latin typeface="Times New Roman" panose="02020603050405020304" pitchFamily="18" charset="0"/>
+                <a:ea typeface="Aptos" pitchFamily="34" charset="-122"/>
+                <a:cs typeface="Times New Roman" panose="02020603050405020304" pitchFamily="18" charset="0"/>
               </a:rPr>
               <a:t>демонстрирует</a:t>
             </a:r>
@@ -3358,9 +3959,9 @@
                 <a:solidFill>
                   <a:srgbClr val="000000"/>
                 </a:solidFill>
-                <a:latin typeface="Aptos" pitchFamily="34" charset="0"/>
-                <a:ea typeface="Aptos" pitchFamily="34" charset="-122"/>
-                <a:cs typeface="Aptos" pitchFamily="34" charset="-120"/>
+                <a:latin typeface="Times New Roman" panose="02020603050405020304" pitchFamily="18" charset="0"/>
+                <a:ea typeface="Aptos" pitchFamily="34" charset="-122"/>
+                <a:cs typeface="Times New Roman" panose="02020603050405020304" pitchFamily="18" charset="0"/>
               </a:rPr>
               <a:t> </a:t>
             </a:r>
@@ -3369,9 +3970,9 @@
                 <a:solidFill>
                   <a:srgbClr val="000000"/>
                 </a:solidFill>
-                <a:latin typeface="Aptos" pitchFamily="34" charset="0"/>
-                <a:ea typeface="Aptos" pitchFamily="34" charset="-122"/>
-                <a:cs typeface="Aptos" pitchFamily="34" charset="-120"/>
+                <a:latin typeface="Times New Roman" panose="02020603050405020304" pitchFamily="18" charset="0"/>
+                <a:ea typeface="Aptos" pitchFamily="34" charset="-122"/>
+                <a:cs typeface="Times New Roman" panose="02020603050405020304" pitchFamily="18" charset="0"/>
               </a:rPr>
               <a:t>основы</a:t>
             </a:r>
@@ -3380,9 +3981,9 @@
                 <a:solidFill>
                   <a:srgbClr val="000000"/>
                 </a:solidFill>
-                <a:latin typeface="Aptos" pitchFamily="34" charset="0"/>
-                <a:ea typeface="Aptos" pitchFamily="34" charset="-122"/>
-                <a:cs typeface="Aptos" pitchFamily="34" charset="-120"/>
+                <a:latin typeface="Times New Roman" panose="02020603050405020304" pitchFamily="18" charset="0"/>
+                <a:ea typeface="Aptos" pitchFamily="34" charset="-122"/>
+                <a:cs typeface="Times New Roman" panose="02020603050405020304" pitchFamily="18" charset="0"/>
               </a:rPr>
               <a:t> </a:t>
             </a:r>
@@ -3391,9 +3992,9 @@
                 <a:solidFill>
                   <a:srgbClr val="000000"/>
                 </a:solidFill>
-                <a:latin typeface="Aptos" pitchFamily="34" charset="0"/>
-                <a:ea typeface="Aptos" pitchFamily="34" charset="-122"/>
-                <a:cs typeface="Aptos" pitchFamily="34" charset="-120"/>
+                <a:latin typeface="Times New Roman" panose="02020603050405020304" pitchFamily="18" charset="0"/>
+                <a:ea typeface="Aptos" pitchFamily="34" charset="-122"/>
+                <a:cs typeface="Times New Roman" panose="02020603050405020304" pitchFamily="18" charset="0"/>
               </a:rPr>
               <a:t>шифрования</a:t>
             </a:r>
@@ -3402,9 +4003,9 @@
                 <a:solidFill>
                   <a:srgbClr val="000000"/>
                 </a:solidFill>
-                <a:latin typeface="Aptos" pitchFamily="34" charset="0"/>
-                <a:ea typeface="Aptos" pitchFamily="34" charset="-122"/>
-                <a:cs typeface="Aptos" pitchFamily="34" charset="-120"/>
+                <a:latin typeface="Times New Roman" panose="02020603050405020304" pitchFamily="18" charset="0"/>
+                <a:ea typeface="Aptos" pitchFamily="34" charset="-122"/>
+                <a:cs typeface="Times New Roman" panose="02020603050405020304" pitchFamily="18" charset="0"/>
               </a:rPr>
               <a:t> и </a:t>
             </a:r>
@@ -3413,9 +4014,9 @@
                 <a:solidFill>
                   <a:srgbClr val="000000"/>
                 </a:solidFill>
-                <a:latin typeface="Aptos" pitchFamily="34" charset="0"/>
-                <a:ea typeface="Aptos" pitchFamily="34" charset="-122"/>
-                <a:cs typeface="Aptos" pitchFamily="34" charset="-120"/>
+                <a:latin typeface="Times New Roman" panose="02020603050405020304" pitchFamily="18" charset="0"/>
+                <a:ea typeface="Aptos" pitchFamily="34" charset="-122"/>
+                <a:cs typeface="Times New Roman" panose="02020603050405020304" pitchFamily="18" charset="0"/>
               </a:rPr>
               <a:t>криптографии</a:t>
             </a:r>
@@ -3424,9 +4025,9 @@
                 <a:solidFill>
                   <a:srgbClr val="000000"/>
                 </a:solidFill>
-                <a:latin typeface="Aptos" pitchFamily="34" charset="0"/>
-                <a:ea typeface="Aptos" pitchFamily="34" charset="-122"/>
-                <a:cs typeface="Aptos" pitchFamily="34" charset="-120"/>
+                <a:latin typeface="Times New Roman" panose="02020603050405020304" pitchFamily="18" charset="0"/>
+                <a:ea typeface="Aptos" pitchFamily="34" charset="-122"/>
+                <a:cs typeface="Times New Roman" panose="02020603050405020304" pitchFamily="18" charset="0"/>
               </a:rPr>
               <a:t>.
 • Хотя он не </a:t>
@@ -3436,242 +4037,253 @@
                 <a:solidFill>
                   <a:srgbClr val="000000"/>
                 </a:solidFill>
+                <a:latin typeface="Times New Roman" panose="02020603050405020304" pitchFamily="18" charset="0"/>
+                <a:ea typeface="Aptos" pitchFamily="34" charset="-122"/>
+                <a:cs typeface="Times New Roman" panose="02020603050405020304" pitchFamily="18" charset="0"/>
+              </a:rPr>
+              <a:t>подходит</a:t>
+            </a:r>
+            <a:r>
+              <a:rPr lang="en-US" sz="1400" dirty="0">
+                <a:solidFill>
+                  <a:srgbClr val="000000"/>
+                </a:solidFill>
+                <a:latin typeface="Times New Roman" panose="02020603050405020304" pitchFamily="18" charset="0"/>
+                <a:ea typeface="Aptos" pitchFamily="34" charset="-122"/>
+                <a:cs typeface="Times New Roman" panose="02020603050405020304" pitchFamily="18" charset="0"/>
+              </a:rPr>
+              <a:t> </a:t>
+            </a:r>
+            <a:r>
+              <a:rPr lang="en-US" sz="1400" dirty="0" err="1">
+                <a:solidFill>
+                  <a:srgbClr val="000000"/>
+                </a:solidFill>
+                <a:latin typeface="Times New Roman" panose="02020603050405020304" pitchFamily="18" charset="0"/>
+                <a:ea typeface="Aptos" pitchFamily="34" charset="-122"/>
+                <a:cs typeface="Times New Roman" panose="02020603050405020304" pitchFamily="18" charset="0"/>
+              </a:rPr>
+              <a:t>для</a:t>
+            </a:r>
+            <a:r>
+              <a:rPr lang="en-US" sz="1400" dirty="0">
+                <a:solidFill>
+                  <a:srgbClr val="000000"/>
+                </a:solidFill>
+                <a:latin typeface="Times New Roman" panose="02020603050405020304" pitchFamily="18" charset="0"/>
+                <a:ea typeface="Aptos" pitchFamily="34" charset="-122"/>
+                <a:cs typeface="Times New Roman" panose="02020603050405020304" pitchFamily="18" charset="0"/>
+              </a:rPr>
+              <a:t> защиты </a:t>
+            </a:r>
+            <a:r>
+              <a:rPr lang="en-US" sz="1400" dirty="0" err="1">
+                <a:solidFill>
+                  <a:srgbClr val="000000"/>
+                </a:solidFill>
+                <a:latin typeface="Times New Roman" panose="02020603050405020304" pitchFamily="18" charset="0"/>
+                <a:ea typeface="Aptos" pitchFamily="34" charset="-122"/>
+                <a:cs typeface="Times New Roman" panose="02020603050405020304" pitchFamily="18" charset="0"/>
+              </a:rPr>
+              <a:t>важной</a:t>
+            </a:r>
+            <a:r>
+              <a:rPr lang="en-US" sz="1400" dirty="0">
+                <a:solidFill>
+                  <a:srgbClr val="000000"/>
+                </a:solidFill>
+                <a:latin typeface="Times New Roman" panose="02020603050405020304" pitchFamily="18" charset="0"/>
+                <a:ea typeface="Aptos" pitchFamily="34" charset="-122"/>
+                <a:cs typeface="Times New Roman" panose="02020603050405020304" pitchFamily="18" charset="0"/>
+              </a:rPr>
+              <a:t> </a:t>
+            </a:r>
+            <a:r>
+              <a:rPr lang="en-US" sz="1400" dirty="0" err="1">
+                <a:solidFill>
+                  <a:srgbClr val="000000"/>
+                </a:solidFill>
+                <a:latin typeface="Times New Roman" panose="02020603050405020304" pitchFamily="18" charset="0"/>
+                <a:ea typeface="Aptos" pitchFamily="34" charset="-122"/>
+                <a:cs typeface="Times New Roman" panose="02020603050405020304" pitchFamily="18" charset="0"/>
+              </a:rPr>
+              <a:t>информации</a:t>
+            </a:r>
+            <a:r>
+              <a:rPr lang="en-US" sz="1400" dirty="0">
+                <a:solidFill>
+                  <a:srgbClr val="000000"/>
+                </a:solidFill>
+                <a:latin typeface="Times New Roman" panose="02020603050405020304" pitchFamily="18" charset="0"/>
+                <a:ea typeface="Aptos" pitchFamily="34" charset="-122"/>
+                <a:cs typeface="Times New Roman" panose="02020603050405020304" pitchFamily="18" charset="0"/>
+              </a:rPr>
+              <a:t>, </a:t>
+            </a:r>
+            <a:r>
+              <a:rPr lang="en-US" sz="1400" dirty="0" err="1">
+                <a:solidFill>
+                  <a:srgbClr val="000000"/>
+                </a:solidFill>
+                <a:latin typeface="Times New Roman" panose="02020603050405020304" pitchFamily="18" charset="0"/>
+                <a:ea typeface="Aptos" pitchFamily="34" charset="-122"/>
+                <a:cs typeface="Times New Roman" panose="02020603050405020304" pitchFamily="18" charset="0"/>
+              </a:rPr>
+              <a:t>он</a:t>
+            </a:r>
+            <a:r>
+              <a:rPr lang="en-US" sz="1400" dirty="0">
+                <a:solidFill>
+                  <a:srgbClr val="000000"/>
+                </a:solidFill>
+                <a:latin typeface="Times New Roman" panose="02020603050405020304" pitchFamily="18" charset="0"/>
+                <a:ea typeface="Aptos" pitchFamily="34" charset="-122"/>
+                <a:cs typeface="Times New Roman" panose="02020603050405020304" pitchFamily="18" charset="0"/>
+              </a:rPr>
+              <a:t> </a:t>
+            </a:r>
+            <a:r>
+              <a:rPr lang="en-US" sz="1400" dirty="0" err="1">
+                <a:solidFill>
+                  <a:srgbClr val="000000"/>
+                </a:solidFill>
+                <a:latin typeface="Times New Roman" panose="02020603050405020304" pitchFamily="18" charset="0"/>
+                <a:ea typeface="Aptos" pitchFamily="34" charset="-122"/>
+                <a:cs typeface="Times New Roman" panose="02020603050405020304" pitchFamily="18" charset="0"/>
+              </a:rPr>
+              <a:t>является</a:t>
+            </a:r>
+            <a:r>
+              <a:rPr lang="en-US" sz="1400" dirty="0">
+                <a:solidFill>
+                  <a:srgbClr val="000000"/>
+                </a:solidFill>
+                <a:latin typeface="Times New Roman" panose="02020603050405020304" pitchFamily="18" charset="0"/>
+                <a:ea typeface="Aptos" pitchFamily="34" charset="-122"/>
+                <a:cs typeface="Times New Roman" panose="02020603050405020304" pitchFamily="18" charset="0"/>
+              </a:rPr>
+              <a:t> </a:t>
+            </a:r>
+            <a:r>
+              <a:rPr lang="en-US" sz="1400" dirty="0" err="1">
+                <a:solidFill>
+                  <a:srgbClr val="000000"/>
+                </a:solidFill>
+                <a:latin typeface="Times New Roman" panose="02020603050405020304" pitchFamily="18" charset="0"/>
+                <a:ea typeface="Aptos" pitchFamily="34" charset="-122"/>
+                <a:cs typeface="Times New Roman" panose="02020603050405020304" pitchFamily="18" charset="0"/>
+              </a:rPr>
+              <a:t>полезным</a:t>
+            </a:r>
+            <a:r>
+              <a:rPr lang="en-US" sz="1400" dirty="0">
+                <a:solidFill>
+                  <a:srgbClr val="000000"/>
+                </a:solidFill>
+                <a:latin typeface="Times New Roman" panose="02020603050405020304" pitchFamily="18" charset="0"/>
+                <a:ea typeface="Aptos" pitchFamily="34" charset="-122"/>
+                <a:cs typeface="Times New Roman" panose="02020603050405020304" pitchFamily="18" charset="0"/>
+              </a:rPr>
+              <a:t> </a:t>
+            </a:r>
+            <a:r>
+              <a:rPr lang="en-US" sz="1400" dirty="0" err="1">
+                <a:solidFill>
+                  <a:srgbClr val="000000"/>
+                </a:solidFill>
+                <a:latin typeface="Times New Roman" panose="02020603050405020304" pitchFamily="18" charset="0"/>
+                <a:ea typeface="Aptos" pitchFamily="34" charset="-122"/>
+                <a:cs typeface="Times New Roman" panose="02020603050405020304" pitchFamily="18" charset="0"/>
+              </a:rPr>
+              <a:t>инструментом</a:t>
+            </a:r>
+            <a:r>
+              <a:rPr lang="en-US" sz="1400" dirty="0">
+                <a:solidFill>
+                  <a:srgbClr val="000000"/>
+                </a:solidFill>
+                <a:latin typeface="Times New Roman" panose="02020603050405020304" pitchFamily="18" charset="0"/>
+                <a:ea typeface="Aptos" pitchFamily="34" charset="-122"/>
+                <a:cs typeface="Times New Roman" panose="02020603050405020304" pitchFamily="18" charset="0"/>
+              </a:rPr>
+              <a:t> </a:t>
+            </a:r>
+            <a:r>
+              <a:rPr lang="en-US" sz="1400" dirty="0" err="1">
+                <a:solidFill>
+                  <a:srgbClr val="000000"/>
+                </a:solidFill>
+                <a:latin typeface="Times New Roman" panose="02020603050405020304" pitchFamily="18" charset="0"/>
+                <a:ea typeface="Aptos" pitchFamily="34" charset="-122"/>
+                <a:cs typeface="Times New Roman" panose="02020603050405020304" pitchFamily="18" charset="0"/>
+              </a:rPr>
+              <a:t>для</a:t>
+            </a:r>
+            <a:r>
+              <a:rPr lang="en-US" sz="1400" dirty="0">
+                <a:solidFill>
+                  <a:srgbClr val="000000"/>
+                </a:solidFill>
+                <a:latin typeface="Times New Roman" panose="02020603050405020304" pitchFamily="18" charset="0"/>
+                <a:ea typeface="Aptos" pitchFamily="34" charset="-122"/>
+                <a:cs typeface="Times New Roman" panose="02020603050405020304" pitchFamily="18" charset="0"/>
+              </a:rPr>
+              <a:t> </a:t>
+            </a:r>
+            <a:r>
+              <a:rPr lang="en-US" sz="1400" dirty="0" err="1">
+                <a:solidFill>
+                  <a:srgbClr val="000000"/>
+                </a:solidFill>
+                <a:latin typeface="Times New Roman" panose="02020603050405020304" pitchFamily="18" charset="0"/>
+                <a:ea typeface="Aptos" pitchFamily="34" charset="-122"/>
+                <a:cs typeface="Times New Roman" panose="02020603050405020304" pitchFamily="18" charset="0"/>
+              </a:rPr>
+              <a:t>обучения</a:t>
+            </a:r>
+            <a:r>
+              <a:rPr lang="en-US" sz="1400" dirty="0">
+                <a:solidFill>
+                  <a:srgbClr val="000000"/>
+                </a:solidFill>
+                <a:latin typeface="Times New Roman" panose="02020603050405020304" pitchFamily="18" charset="0"/>
+                <a:ea typeface="Aptos" pitchFamily="34" charset="-122"/>
+                <a:cs typeface="Times New Roman" panose="02020603050405020304" pitchFamily="18" charset="0"/>
+              </a:rPr>
+              <a:t> </a:t>
+            </a:r>
+            <a:r>
+              <a:rPr lang="en-US" sz="1400" dirty="0" err="1">
+                <a:solidFill>
+                  <a:srgbClr val="000000"/>
+                </a:solidFill>
+                <a:latin typeface="Times New Roman" panose="02020603050405020304" pitchFamily="18" charset="0"/>
+                <a:ea typeface="Aptos" pitchFamily="34" charset="-122"/>
+                <a:cs typeface="Times New Roman" panose="02020603050405020304" pitchFamily="18" charset="0"/>
+              </a:rPr>
+              <a:t>криптографии</a:t>
+            </a:r>
+            <a:r>
+              <a:rPr lang="en-US" sz="1400" dirty="0">
+                <a:solidFill>
+                  <a:srgbClr val="000000"/>
+                </a:solidFill>
+                <a:latin typeface="Times New Roman" panose="02020603050405020304" pitchFamily="18" charset="0"/>
+                <a:ea typeface="Aptos" pitchFamily="34" charset="-122"/>
+                <a:cs typeface="Times New Roman" panose="02020603050405020304" pitchFamily="18" charset="0"/>
+              </a:rPr>
+              <a:t>.</a:t>
+            </a:r>
+            <a:r>
+              <a:rPr lang="en-US" sz="1400" dirty="0">
+                <a:solidFill>
+                  <a:srgbClr val="000000"/>
+                </a:solidFill>
                 <a:latin typeface="Aptos" pitchFamily="34" charset="0"/>
                 <a:ea typeface="Aptos" pitchFamily="34" charset="-122"/>
                 <a:cs typeface="Aptos" pitchFamily="34" charset="-120"/>
               </a:rPr>
-              <a:t>подходит</a:t>
-            </a:r>
-            <a:r>
-              <a:rPr lang="en-US" sz="1400" dirty="0">
-                <a:solidFill>
-                  <a:srgbClr val="000000"/>
-                </a:solidFill>
-                <a:latin typeface="Aptos" pitchFamily="34" charset="0"/>
-                <a:ea typeface="Aptos" pitchFamily="34" charset="-122"/>
-                <a:cs typeface="Aptos" pitchFamily="34" charset="-120"/>
-              </a:rPr>
-              <a:t> </a:t>
-            </a:r>
-            <a:r>
-              <a:rPr lang="en-US" sz="1400" dirty="0" err="1">
-                <a:solidFill>
-                  <a:srgbClr val="000000"/>
-                </a:solidFill>
-                <a:latin typeface="Aptos" pitchFamily="34" charset="0"/>
-                <a:ea typeface="Aptos" pitchFamily="34" charset="-122"/>
-                <a:cs typeface="Aptos" pitchFamily="34" charset="-120"/>
-              </a:rPr>
-              <a:t>для</a:t>
-            </a:r>
-            <a:r>
-              <a:rPr lang="en-US" sz="1400" dirty="0">
-                <a:solidFill>
-                  <a:srgbClr val="000000"/>
-                </a:solidFill>
-                <a:latin typeface="Aptos" pitchFamily="34" charset="0"/>
-                <a:ea typeface="Aptos" pitchFamily="34" charset="-122"/>
-                <a:cs typeface="Aptos" pitchFamily="34" charset="-120"/>
-              </a:rPr>
-              <a:t> защиты </a:t>
-            </a:r>
-            <a:r>
-              <a:rPr lang="en-US" sz="1400" dirty="0" err="1">
-                <a:solidFill>
-                  <a:srgbClr val="000000"/>
-                </a:solidFill>
-                <a:latin typeface="Aptos" pitchFamily="34" charset="0"/>
-                <a:ea typeface="Aptos" pitchFamily="34" charset="-122"/>
-                <a:cs typeface="Aptos" pitchFamily="34" charset="-120"/>
-              </a:rPr>
-              <a:t>важной</a:t>
-            </a:r>
-            <a:r>
-              <a:rPr lang="en-US" sz="1400" dirty="0">
-                <a:solidFill>
-                  <a:srgbClr val="000000"/>
-                </a:solidFill>
-                <a:latin typeface="Aptos" pitchFamily="34" charset="0"/>
-                <a:ea typeface="Aptos" pitchFamily="34" charset="-122"/>
-                <a:cs typeface="Aptos" pitchFamily="34" charset="-120"/>
-              </a:rPr>
-              <a:t> </a:t>
-            </a:r>
-            <a:r>
-              <a:rPr lang="en-US" sz="1400" dirty="0" err="1">
-                <a:solidFill>
-                  <a:srgbClr val="000000"/>
-                </a:solidFill>
-                <a:latin typeface="Aptos" pitchFamily="34" charset="0"/>
-                <a:ea typeface="Aptos" pitchFamily="34" charset="-122"/>
-                <a:cs typeface="Aptos" pitchFamily="34" charset="-120"/>
-              </a:rPr>
-              <a:t>информации</a:t>
-            </a:r>
-            <a:r>
-              <a:rPr lang="en-US" sz="1400" dirty="0">
-                <a:solidFill>
-                  <a:srgbClr val="000000"/>
-                </a:solidFill>
-                <a:latin typeface="Aptos" pitchFamily="34" charset="0"/>
-                <a:ea typeface="Aptos" pitchFamily="34" charset="-122"/>
-                <a:cs typeface="Aptos" pitchFamily="34" charset="-120"/>
-              </a:rPr>
-              <a:t>, </a:t>
-            </a:r>
-            <a:r>
-              <a:rPr lang="en-US" sz="1400" dirty="0" err="1">
-                <a:solidFill>
-                  <a:srgbClr val="000000"/>
-                </a:solidFill>
-                <a:latin typeface="Aptos" pitchFamily="34" charset="0"/>
-                <a:ea typeface="Aptos" pitchFamily="34" charset="-122"/>
-                <a:cs typeface="Aptos" pitchFamily="34" charset="-120"/>
-              </a:rPr>
-              <a:t>он</a:t>
-            </a:r>
-            <a:r>
-              <a:rPr lang="en-US" sz="1400" dirty="0">
-                <a:solidFill>
-                  <a:srgbClr val="000000"/>
-                </a:solidFill>
-                <a:latin typeface="Aptos" pitchFamily="34" charset="0"/>
-                <a:ea typeface="Aptos" pitchFamily="34" charset="-122"/>
-                <a:cs typeface="Aptos" pitchFamily="34" charset="-120"/>
-              </a:rPr>
-              <a:t> </a:t>
-            </a:r>
-            <a:r>
-              <a:rPr lang="en-US" sz="1400" dirty="0" err="1">
-                <a:solidFill>
-                  <a:srgbClr val="000000"/>
-                </a:solidFill>
-                <a:latin typeface="Aptos" pitchFamily="34" charset="0"/>
-                <a:ea typeface="Aptos" pitchFamily="34" charset="-122"/>
-                <a:cs typeface="Aptos" pitchFamily="34" charset="-120"/>
-              </a:rPr>
-              <a:t>является</a:t>
-            </a:r>
-            <a:r>
-              <a:rPr lang="en-US" sz="1400" dirty="0">
-                <a:solidFill>
-                  <a:srgbClr val="000000"/>
-                </a:solidFill>
-                <a:latin typeface="Aptos" pitchFamily="34" charset="0"/>
-                <a:ea typeface="Aptos" pitchFamily="34" charset="-122"/>
-                <a:cs typeface="Aptos" pitchFamily="34" charset="-120"/>
-              </a:rPr>
-              <a:t> </a:t>
-            </a:r>
-            <a:r>
-              <a:rPr lang="en-US" sz="1400" dirty="0" err="1">
-                <a:solidFill>
-                  <a:srgbClr val="000000"/>
-                </a:solidFill>
-                <a:latin typeface="Aptos" pitchFamily="34" charset="0"/>
-                <a:ea typeface="Aptos" pitchFamily="34" charset="-122"/>
-                <a:cs typeface="Aptos" pitchFamily="34" charset="-120"/>
-              </a:rPr>
-              <a:t>полезным</a:t>
-            </a:r>
-            <a:r>
-              <a:rPr lang="en-US" sz="1400" dirty="0">
-                <a:solidFill>
-                  <a:srgbClr val="000000"/>
-                </a:solidFill>
-                <a:latin typeface="Aptos" pitchFamily="34" charset="0"/>
-                <a:ea typeface="Aptos" pitchFamily="34" charset="-122"/>
-                <a:cs typeface="Aptos" pitchFamily="34" charset="-120"/>
-              </a:rPr>
-              <a:t> </a:t>
-            </a:r>
-            <a:r>
-              <a:rPr lang="en-US" sz="1400" dirty="0" err="1">
-                <a:solidFill>
-                  <a:srgbClr val="000000"/>
-                </a:solidFill>
-                <a:latin typeface="Aptos" pitchFamily="34" charset="0"/>
-                <a:ea typeface="Aptos" pitchFamily="34" charset="-122"/>
-                <a:cs typeface="Aptos" pitchFamily="34" charset="-120"/>
-              </a:rPr>
-              <a:t>инструментом</a:t>
-            </a:r>
-            <a:r>
-              <a:rPr lang="en-US" sz="1400" dirty="0">
-                <a:solidFill>
-                  <a:srgbClr val="000000"/>
-                </a:solidFill>
-                <a:latin typeface="Aptos" pitchFamily="34" charset="0"/>
-                <a:ea typeface="Aptos" pitchFamily="34" charset="-122"/>
-                <a:cs typeface="Aptos" pitchFamily="34" charset="-120"/>
-              </a:rPr>
-              <a:t> </a:t>
-            </a:r>
-            <a:r>
-              <a:rPr lang="en-US" sz="1400" dirty="0" err="1">
-                <a:solidFill>
-                  <a:srgbClr val="000000"/>
-                </a:solidFill>
-                <a:latin typeface="Aptos" pitchFamily="34" charset="0"/>
-                <a:ea typeface="Aptos" pitchFamily="34" charset="-122"/>
-                <a:cs typeface="Aptos" pitchFamily="34" charset="-120"/>
-              </a:rPr>
-              <a:t>для</a:t>
-            </a:r>
-            <a:r>
-              <a:rPr lang="en-US" sz="1400" dirty="0">
-                <a:solidFill>
-                  <a:srgbClr val="000000"/>
-                </a:solidFill>
-                <a:latin typeface="Aptos" pitchFamily="34" charset="0"/>
-                <a:ea typeface="Aptos" pitchFamily="34" charset="-122"/>
-                <a:cs typeface="Aptos" pitchFamily="34" charset="-120"/>
-              </a:rPr>
-              <a:t> </a:t>
-            </a:r>
-            <a:r>
-              <a:rPr lang="en-US" sz="1400" dirty="0" err="1">
-                <a:solidFill>
-                  <a:srgbClr val="000000"/>
-                </a:solidFill>
-                <a:latin typeface="Aptos" pitchFamily="34" charset="0"/>
-                <a:ea typeface="Aptos" pitchFamily="34" charset="-122"/>
-                <a:cs typeface="Aptos" pitchFamily="34" charset="-120"/>
-              </a:rPr>
-              <a:t>обучения</a:t>
-            </a:r>
-            <a:r>
-              <a:rPr lang="en-US" sz="1400" dirty="0">
-                <a:solidFill>
-                  <a:srgbClr val="000000"/>
-                </a:solidFill>
-                <a:latin typeface="Aptos" pitchFamily="34" charset="0"/>
-                <a:ea typeface="Aptos" pitchFamily="34" charset="-122"/>
-                <a:cs typeface="Aptos" pitchFamily="34" charset="-120"/>
-              </a:rPr>
-              <a:t> </a:t>
-            </a:r>
-            <a:r>
-              <a:rPr lang="en-US" sz="1400" dirty="0" err="1">
-                <a:solidFill>
-                  <a:srgbClr val="000000"/>
-                </a:solidFill>
-                <a:latin typeface="Aptos" pitchFamily="34" charset="0"/>
-                <a:ea typeface="Aptos" pitchFamily="34" charset="-122"/>
-                <a:cs typeface="Aptos" pitchFamily="34" charset="-120"/>
-              </a:rPr>
-              <a:t>криптографии</a:t>
-            </a:r>
-            <a:r>
-              <a:rPr lang="en-US" sz="1400" dirty="0">
-                <a:solidFill>
-                  <a:srgbClr val="000000"/>
-                </a:solidFill>
-                <a:latin typeface="Aptos" pitchFamily="34" charset="0"/>
-                <a:ea typeface="Aptos" pitchFamily="34" charset="-122"/>
-                <a:cs typeface="Aptos" pitchFamily="34" charset="-120"/>
-              </a:rPr>
-              <a:t>.
+              <a:t>
 </a:t>
             </a:r>
             <a:endParaRPr lang="en-US" sz="1400" dirty="0"/>
@@ -3686,7 +4298,7 @@
 </p:sld>
 </file>
 
-<file path=ppt/slides/slide14.xml><?xml version="1.0" encoding="utf-8"?>
+<file path=ppt/slides/slide13.xml><?xml version="1.0" encoding="utf-8"?>
 <p:sld xmlns:a="http://schemas.openxmlformats.org/drawingml/2006/main" xmlns:r="http://schemas.openxmlformats.org/officeDocument/2006/relationships" xmlns:p="http://schemas.openxmlformats.org/presentationml/2006/main">
   <p:cSld name="Slide 15">
     <p:bg>
@@ -3719,14 +4331,122 @@
       </p:grpSpPr>
       <p:sp>
         <p:nvSpPr>
+          <p:cNvPr id="5" name="Овал 4">
+            <a:extLst>
+              <a:ext uri="{FF2B5EF4-FFF2-40B4-BE49-F238E27FC236}">
+                <a16:creationId xmlns:a16="http://schemas.microsoft.com/office/drawing/2014/main" id="{A0A300D2-3AD5-4E45-A93C-77BAAFC20186}"/>
+              </a:ext>
+            </a:extLst>
+          </p:cNvPr>
+          <p:cNvSpPr/>
+          <p:nvPr/>
+        </p:nvSpPr>
+        <p:spPr>
+          <a:xfrm>
+            <a:off x="2727214" y="1602540"/>
+            <a:ext cx="3411415" cy="2298045"/>
+          </a:xfrm>
+          <a:prstGeom prst="ellipse">
+            <a:avLst/>
+          </a:prstGeom>
+          <a:solidFill>
+            <a:schemeClr val="bg1"/>
+          </a:solidFill>
+          <a:ln>
+            <a:solidFill>
+              <a:schemeClr val="bg1"/>
+            </a:solidFill>
+          </a:ln>
+        </p:spPr>
+        <p:style>
+          <a:lnRef idx="2">
+            <a:schemeClr val="accent1">
+              <a:shade val="50000"/>
+            </a:schemeClr>
+          </a:lnRef>
+          <a:fillRef idx="1">
+            <a:schemeClr val="accent1"/>
+          </a:fillRef>
+          <a:effectRef idx="0">
+            <a:schemeClr val="accent1"/>
+          </a:effectRef>
+          <a:fontRef idx="minor">
+            <a:schemeClr val="lt1"/>
+          </a:fontRef>
+        </p:style>
+        <p:txBody>
+          <a:bodyPr rtlCol="0" anchor="ctr"/>
+          <a:lstStyle/>
+          <a:p>
+            <a:pPr algn="ctr"/>
+            <a:endParaRPr lang="ru-RU"/>
+          </a:p>
+        </p:txBody>
+      </p:sp>
+      <p:sp>
+        <p:nvSpPr>
+          <p:cNvPr id="4" name="Прямоугольник 3">
+            <a:extLst>
+              <a:ext uri="{FF2B5EF4-FFF2-40B4-BE49-F238E27FC236}">
+                <a16:creationId xmlns:a16="http://schemas.microsoft.com/office/drawing/2014/main" id="{B008FA24-4D81-4D5F-82B0-0CD02CEAF20C}"/>
+              </a:ext>
+            </a:extLst>
+          </p:cNvPr>
+          <p:cNvSpPr/>
+          <p:nvPr/>
+        </p:nvSpPr>
+        <p:spPr>
+          <a:xfrm>
+            <a:off x="2544972" y="921679"/>
+            <a:ext cx="3660797" cy="581887"/>
+          </a:xfrm>
+          <a:prstGeom prst="rect">
+            <a:avLst/>
+          </a:prstGeom>
+          <a:solidFill>
+            <a:schemeClr val="bg1"/>
+          </a:solidFill>
+          <a:ln>
+            <a:solidFill>
+              <a:schemeClr val="bg1"/>
+            </a:solidFill>
+          </a:ln>
+        </p:spPr>
+        <p:style>
+          <a:lnRef idx="2">
+            <a:schemeClr val="accent1">
+              <a:shade val="50000"/>
+            </a:schemeClr>
+          </a:lnRef>
+          <a:fillRef idx="1">
+            <a:schemeClr val="accent1"/>
+          </a:fillRef>
+          <a:effectRef idx="0">
+            <a:schemeClr val="accent1"/>
+          </a:effectRef>
+          <a:fontRef idx="minor">
+            <a:schemeClr val="lt1"/>
+          </a:fontRef>
+        </p:style>
+        <p:txBody>
+          <a:bodyPr rtlCol="0" anchor="ctr"/>
+          <a:lstStyle/>
+          <a:p>
+            <a:pPr algn="ctr"/>
+            <a:endParaRPr lang="ru-RU"/>
+          </a:p>
+        </p:txBody>
+      </p:sp>
+      <p:sp>
+        <p:nvSpPr>
           <p:cNvPr id="2" name="Text 0"/>
           <p:cNvSpPr/>
           <p:nvPr/>
         </p:nvSpPr>
         <p:spPr>
           <a:xfrm>
-            <a:off x="457200" y="1188720"/>
-            <a:ext cx="6858000" cy="0"/>
+            <a:off x="923991" y="978344"/>
+            <a:ext cx="6902761" cy="431384"/>
           </a:xfrm>
           <a:prstGeom prst="rect">
             <a:avLst/>
@@ -3738,7 +4458,7 @@
           <a:bodyPr wrap="square" rtlCol="0" anchor="ctr"/>
           <a:lstStyle/>
           <a:p>
-            <a:pPr marL="0" indent="0">
+            <a:pPr marL="0" indent="0" algn="ctr">
               <a:buNone/>
             </a:pPr>
             <a:r>
@@ -3764,8 +4484,8 @@
         </p:nvSpPr>
         <p:spPr>
           <a:xfrm>
-            <a:off x="457200" y="1639706"/>
-            <a:ext cx="6858000" cy="899308"/>
+            <a:off x="2727214" y="1858947"/>
+            <a:ext cx="3411415" cy="2041637"/>
           </a:xfrm>
           <a:prstGeom prst="rect">
             <a:avLst/>
@@ -3777,10 +4497,253 @@
           <a:bodyPr wrap="square" rtlCol="0" anchor="ctr"/>
           <a:lstStyle/>
           <a:p>
-            <a:pPr marL="0" indent="0">
+            <a:pPr marL="0" indent="0" algn="ctr">
               <a:buNone/>
             </a:pPr>
             <a:r>
+              <a:rPr lang="en-US" sz="1400" dirty="0" err="1">
+                <a:solidFill>
+                  <a:srgbClr val="000000"/>
+                </a:solidFill>
+                <a:latin typeface="Arial Black" panose="020B0A04020102020204" pitchFamily="34" charset="0"/>
+                <a:ea typeface="Aptos" pitchFamily="34" charset="-122"/>
+                <a:cs typeface="Times New Roman" panose="02020603050405020304" pitchFamily="18" charset="0"/>
+              </a:rPr>
+              <a:t>Надеюсь</a:t>
+            </a:r>
+            <a:r>
+              <a:rPr lang="en-US" sz="1400" dirty="0">
+                <a:solidFill>
+                  <a:srgbClr val="000000"/>
+                </a:solidFill>
+                <a:latin typeface="Arial Black" panose="020B0A04020102020204" pitchFamily="34" charset="0"/>
+                <a:ea typeface="Aptos" pitchFamily="34" charset="-122"/>
+                <a:cs typeface="Times New Roman" panose="02020603050405020304" pitchFamily="18" charset="0"/>
+              </a:rPr>
+              <a:t>, </a:t>
+            </a:r>
+            <a:r>
+              <a:rPr lang="en-US" sz="1400" dirty="0" err="1">
+                <a:solidFill>
+                  <a:srgbClr val="000000"/>
+                </a:solidFill>
+                <a:latin typeface="Arial Black" panose="020B0A04020102020204" pitchFamily="34" charset="0"/>
+                <a:ea typeface="Aptos" pitchFamily="34" charset="-122"/>
+                <a:cs typeface="Times New Roman" panose="02020603050405020304" pitchFamily="18" charset="0"/>
+              </a:rPr>
+              <a:t>эта</a:t>
+            </a:r>
+            <a:r>
+              <a:rPr lang="en-US" sz="1400" dirty="0">
+                <a:solidFill>
+                  <a:srgbClr val="000000"/>
+                </a:solidFill>
+                <a:latin typeface="Arial Black" panose="020B0A04020102020204" pitchFamily="34" charset="0"/>
+                <a:ea typeface="Aptos" pitchFamily="34" charset="-122"/>
+                <a:cs typeface="Times New Roman" panose="02020603050405020304" pitchFamily="18" charset="0"/>
+              </a:rPr>
+              <a:t> </a:t>
+            </a:r>
+            <a:r>
+              <a:rPr lang="en-US" sz="1400" dirty="0" err="1">
+                <a:solidFill>
+                  <a:srgbClr val="000000"/>
+                </a:solidFill>
+                <a:latin typeface="Arial Black" panose="020B0A04020102020204" pitchFamily="34" charset="0"/>
+                <a:ea typeface="Aptos" pitchFamily="34" charset="-122"/>
+                <a:cs typeface="Times New Roman" panose="02020603050405020304" pitchFamily="18" charset="0"/>
+              </a:rPr>
+              <a:t>презентация</a:t>
+            </a:r>
+            <a:r>
+              <a:rPr lang="en-US" sz="1400" dirty="0">
+                <a:solidFill>
+                  <a:srgbClr val="000000"/>
+                </a:solidFill>
+                <a:latin typeface="Arial Black" panose="020B0A04020102020204" pitchFamily="34" charset="0"/>
+                <a:ea typeface="Aptos" pitchFamily="34" charset="-122"/>
+                <a:cs typeface="Times New Roman" panose="02020603050405020304" pitchFamily="18" charset="0"/>
+              </a:rPr>
+              <a:t> </a:t>
+            </a:r>
+            <a:r>
+              <a:rPr lang="en-US" sz="1400" dirty="0" err="1">
+                <a:solidFill>
+                  <a:srgbClr val="000000"/>
+                </a:solidFill>
+                <a:latin typeface="Arial Black" panose="020B0A04020102020204" pitchFamily="34" charset="0"/>
+                <a:ea typeface="Aptos" pitchFamily="34" charset="-122"/>
+                <a:cs typeface="Times New Roman" panose="02020603050405020304" pitchFamily="18" charset="0"/>
+              </a:rPr>
+              <a:t>была</a:t>
+            </a:r>
+            <a:r>
+              <a:rPr lang="en-US" sz="1400" dirty="0">
+                <a:solidFill>
+                  <a:srgbClr val="000000"/>
+                </a:solidFill>
+                <a:latin typeface="Arial Black" panose="020B0A04020102020204" pitchFamily="34" charset="0"/>
+                <a:ea typeface="Aptos" pitchFamily="34" charset="-122"/>
+                <a:cs typeface="Times New Roman" panose="02020603050405020304" pitchFamily="18" charset="0"/>
+              </a:rPr>
+              <a:t> </a:t>
+            </a:r>
+            <a:r>
+              <a:rPr lang="en-US" sz="1400" dirty="0" err="1">
+                <a:solidFill>
+                  <a:srgbClr val="000000"/>
+                </a:solidFill>
+                <a:latin typeface="Arial Black" panose="020B0A04020102020204" pitchFamily="34" charset="0"/>
+                <a:ea typeface="Aptos" pitchFamily="34" charset="-122"/>
+                <a:cs typeface="Times New Roman" panose="02020603050405020304" pitchFamily="18" charset="0"/>
+              </a:rPr>
+              <a:t>познавательной</a:t>
+            </a:r>
+            <a:r>
+              <a:rPr lang="en-US" sz="1400" dirty="0">
+                <a:solidFill>
+                  <a:srgbClr val="000000"/>
+                </a:solidFill>
+                <a:latin typeface="Arial Black" panose="020B0A04020102020204" pitchFamily="34" charset="0"/>
+                <a:ea typeface="Aptos" pitchFamily="34" charset="-122"/>
+                <a:cs typeface="Times New Roman" panose="02020603050405020304" pitchFamily="18" charset="0"/>
+              </a:rPr>
+              <a:t>.
+</a:t>
+            </a:r>
+            <a:r>
+              <a:rPr lang="en-US" sz="1400" dirty="0" err="1">
+                <a:solidFill>
+                  <a:srgbClr val="000000"/>
+                </a:solidFill>
+                <a:latin typeface="Arial Black" panose="020B0A04020102020204" pitchFamily="34" charset="0"/>
+                <a:ea typeface="Aptos" pitchFamily="34" charset="-122"/>
+                <a:cs typeface="Times New Roman" panose="02020603050405020304" pitchFamily="18" charset="0"/>
+              </a:rPr>
+              <a:t>Помните</a:t>
+            </a:r>
+            <a:r>
+              <a:rPr lang="en-US" sz="1400" dirty="0">
+                <a:solidFill>
+                  <a:srgbClr val="000000"/>
+                </a:solidFill>
+                <a:latin typeface="Arial Black" panose="020B0A04020102020204" pitchFamily="34" charset="0"/>
+                <a:ea typeface="Aptos" pitchFamily="34" charset="-122"/>
+                <a:cs typeface="Times New Roman" panose="02020603050405020304" pitchFamily="18" charset="0"/>
+              </a:rPr>
+              <a:t>, </a:t>
+            </a:r>
+            <a:r>
+              <a:rPr lang="en-US" sz="1400" dirty="0" err="1">
+                <a:solidFill>
+                  <a:srgbClr val="000000"/>
+                </a:solidFill>
+                <a:latin typeface="Arial Black" panose="020B0A04020102020204" pitchFamily="34" charset="0"/>
+                <a:ea typeface="Aptos" pitchFamily="34" charset="-122"/>
+                <a:cs typeface="Times New Roman" panose="02020603050405020304" pitchFamily="18" charset="0"/>
+              </a:rPr>
+              <a:t>что</a:t>
+            </a:r>
+            <a:r>
+              <a:rPr lang="en-US" sz="1400" dirty="0">
+                <a:solidFill>
+                  <a:srgbClr val="000000"/>
+                </a:solidFill>
+                <a:latin typeface="Arial Black" panose="020B0A04020102020204" pitchFamily="34" charset="0"/>
+                <a:ea typeface="Aptos" pitchFamily="34" charset="-122"/>
+                <a:cs typeface="Times New Roman" panose="02020603050405020304" pitchFamily="18" charset="0"/>
+              </a:rPr>
+              <a:t> </a:t>
+            </a:r>
+            <a:r>
+              <a:rPr lang="en-US" sz="1400" dirty="0" err="1">
+                <a:solidFill>
+                  <a:srgbClr val="000000"/>
+                </a:solidFill>
+                <a:latin typeface="Arial Black" panose="020B0A04020102020204" pitchFamily="34" charset="0"/>
+                <a:ea typeface="Aptos" pitchFamily="34" charset="-122"/>
+                <a:cs typeface="Times New Roman" panose="02020603050405020304" pitchFamily="18" charset="0"/>
+              </a:rPr>
+              <a:t>криптография</a:t>
+            </a:r>
+            <a:r>
+              <a:rPr lang="en-US" sz="1400" dirty="0">
+                <a:solidFill>
+                  <a:srgbClr val="000000"/>
+                </a:solidFill>
+                <a:latin typeface="Arial Black" panose="020B0A04020102020204" pitchFamily="34" charset="0"/>
+                <a:ea typeface="Aptos" pitchFamily="34" charset="-122"/>
+                <a:cs typeface="Times New Roman" panose="02020603050405020304" pitchFamily="18" charset="0"/>
+              </a:rPr>
+              <a:t> – </a:t>
+            </a:r>
+            <a:r>
+              <a:rPr lang="en-US" sz="1400" dirty="0" err="1">
+                <a:solidFill>
+                  <a:srgbClr val="000000"/>
+                </a:solidFill>
+                <a:latin typeface="Arial Black" panose="020B0A04020102020204" pitchFamily="34" charset="0"/>
+                <a:ea typeface="Aptos" pitchFamily="34" charset="-122"/>
+                <a:cs typeface="Times New Roman" panose="02020603050405020304" pitchFamily="18" charset="0"/>
+              </a:rPr>
+              <a:t>это</a:t>
+            </a:r>
+            <a:r>
+              <a:rPr lang="en-US" sz="1400" dirty="0">
+                <a:solidFill>
+                  <a:srgbClr val="000000"/>
+                </a:solidFill>
+                <a:latin typeface="Arial Black" panose="020B0A04020102020204" pitchFamily="34" charset="0"/>
+                <a:ea typeface="Aptos" pitchFamily="34" charset="-122"/>
+                <a:cs typeface="Times New Roman" panose="02020603050405020304" pitchFamily="18" charset="0"/>
+              </a:rPr>
+              <a:t> </a:t>
+            </a:r>
+            <a:r>
+              <a:rPr lang="en-US" sz="1400" dirty="0" err="1">
+                <a:solidFill>
+                  <a:srgbClr val="000000"/>
+                </a:solidFill>
+                <a:latin typeface="Arial Black" panose="020B0A04020102020204" pitchFamily="34" charset="0"/>
+                <a:ea typeface="Aptos" pitchFamily="34" charset="-122"/>
+                <a:cs typeface="Times New Roman" panose="02020603050405020304" pitchFamily="18" charset="0"/>
+              </a:rPr>
+              <a:t>интересная</a:t>
+            </a:r>
+            <a:r>
+              <a:rPr lang="en-US" sz="1400" dirty="0">
+                <a:solidFill>
+                  <a:srgbClr val="000000"/>
+                </a:solidFill>
+                <a:latin typeface="Arial Black" panose="020B0A04020102020204" pitchFamily="34" charset="0"/>
+                <a:ea typeface="Aptos" pitchFamily="34" charset="-122"/>
+                <a:cs typeface="Times New Roman" panose="02020603050405020304" pitchFamily="18" charset="0"/>
+              </a:rPr>
+              <a:t> и </a:t>
+            </a:r>
+            <a:r>
+              <a:rPr lang="en-US" sz="1400" dirty="0" err="1">
+                <a:solidFill>
+                  <a:srgbClr val="000000"/>
+                </a:solidFill>
+                <a:latin typeface="Arial Black" panose="020B0A04020102020204" pitchFamily="34" charset="0"/>
+                <a:ea typeface="Aptos" pitchFamily="34" charset="-122"/>
+                <a:cs typeface="Times New Roman" panose="02020603050405020304" pitchFamily="18" charset="0"/>
+              </a:rPr>
+              <a:t>важная</a:t>
+            </a:r>
+            <a:r>
+              <a:rPr lang="en-US" sz="1400" dirty="0">
+                <a:solidFill>
+                  <a:srgbClr val="000000"/>
+                </a:solidFill>
+                <a:latin typeface="Arial Black" panose="020B0A04020102020204" pitchFamily="34" charset="0"/>
+                <a:ea typeface="Aptos" pitchFamily="34" charset="-122"/>
+                <a:cs typeface="Times New Roman" panose="02020603050405020304" pitchFamily="18" charset="0"/>
+              </a:rPr>
+              <a:t> область.</a:t>
+            </a:r>
+            <a:r>
               <a:rPr lang="en-US" sz="1400" dirty="0">
                 <a:solidFill>
                   <a:srgbClr val="000000"/>
@@ -3789,256 +4752,703 @@
                 <a:ea typeface="Aptos" pitchFamily="34" charset="-122"/>
                 <a:cs typeface="Aptos" pitchFamily="34" charset="-120"/>
               </a:rPr>
-              <a:t>• </a:t>
-            </a:r>
-            <a:r>
-              <a:rPr lang="en-US" sz="1400" dirty="0" err="1">
-                <a:solidFill>
-                  <a:srgbClr val="000000"/>
-                </a:solidFill>
-                <a:latin typeface="Aptos" pitchFamily="34" charset="0"/>
-                <a:ea typeface="Aptos" pitchFamily="34" charset="-122"/>
-                <a:cs typeface="Aptos" pitchFamily="34" charset="-120"/>
-              </a:rPr>
-              <a:t>Надеюсь</a:t>
-            </a:r>
-            <a:r>
-              <a:rPr lang="en-US" sz="1400" dirty="0">
-                <a:solidFill>
-                  <a:srgbClr val="000000"/>
-                </a:solidFill>
-                <a:latin typeface="Aptos" pitchFamily="34" charset="0"/>
-                <a:ea typeface="Aptos" pitchFamily="34" charset="-122"/>
-                <a:cs typeface="Aptos" pitchFamily="34" charset="-120"/>
-              </a:rPr>
-              <a:t>, </a:t>
-            </a:r>
-            <a:r>
-              <a:rPr lang="en-US" sz="1400" dirty="0" err="1">
-                <a:solidFill>
-                  <a:srgbClr val="000000"/>
-                </a:solidFill>
-                <a:latin typeface="Aptos" pitchFamily="34" charset="0"/>
-                <a:ea typeface="Aptos" pitchFamily="34" charset="-122"/>
-                <a:cs typeface="Aptos" pitchFamily="34" charset="-120"/>
-              </a:rPr>
-              <a:t>эта</a:t>
-            </a:r>
-            <a:r>
-              <a:rPr lang="en-US" sz="1400" dirty="0">
-                <a:solidFill>
-                  <a:srgbClr val="000000"/>
-                </a:solidFill>
-                <a:latin typeface="Aptos" pitchFamily="34" charset="0"/>
-                <a:ea typeface="Aptos" pitchFamily="34" charset="-122"/>
-                <a:cs typeface="Aptos" pitchFamily="34" charset="-120"/>
-              </a:rPr>
-              <a:t> </a:t>
-            </a:r>
-            <a:r>
-              <a:rPr lang="en-US" sz="1400" dirty="0" err="1">
-                <a:solidFill>
-                  <a:srgbClr val="000000"/>
-                </a:solidFill>
-                <a:latin typeface="Aptos" pitchFamily="34" charset="0"/>
-                <a:ea typeface="Aptos" pitchFamily="34" charset="-122"/>
-                <a:cs typeface="Aptos" pitchFamily="34" charset="-120"/>
-              </a:rPr>
-              <a:t>презентация</a:t>
-            </a:r>
-            <a:r>
-              <a:rPr lang="en-US" sz="1400" dirty="0">
-                <a:solidFill>
-                  <a:srgbClr val="000000"/>
-                </a:solidFill>
-                <a:latin typeface="Aptos" pitchFamily="34" charset="0"/>
-                <a:ea typeface="Aptos" pitchFamily="34" charset="-122"/>
-                <a:cs typeface="Aptos" pitchFamily="34" charset="-120"/>
-              </a:rPr>
-              <a:t> </a:t>
-            </a:r>
-            <a:r>
-              <a:rPr lang="en-US" sz="1400" dirty="0" err="1">
-                <a:solidFill>
-                  <a:srgbClr val="000000"/>
-                </a:solidFill>
-                <a:latin typeface="Aptos" pitchFamily="34" charset="0"/>
-                <a:ea typeface="Aptos" pitchFamily="34" charset="-122"/>
-                <a:cs typeface="Aptos" pitchFamily="34" charset="-120"/>
-              </a:rPr>
-              <a:t>была</a:t>
-            </a:r>
-            <a:r>
-              <a:rPr lang="en-US" sz="1400" dirty="0">
-                <a:solidFill>
-                  <a:srgbClr val="000000"/>
-                </a:solidFill>
-                <a:latin typeface="Aptos" pitchFamily="34" charset="0"/>
-                <a:ea typeface="Aptos" pitchFamily="34" charset="-122"/>
-                <a:cs typeface="Aptos" pitchFamily="34" charset="-120"/>
-              </a:rPr>
-              <a:t> </a:t>
-            </a:r>
-            <a:r>
-              <a:rPr lang="en-US" sz="1400" dirty="0" err="1">
-                <a:solidFill>
-                  <a:srgbClr val="000000"/>
-                </a:solidFill>
-                <a:latin typeface="Aptos" pitchFamily="34" charset="0"/>
-                <a:ea typeface="Aptos" pitchFamily="34" charset="-122"/>
-                <a:cs typeface="Aptos" pitchFamily="34" charset="-120"/>
-              </a:rPr>
-              <a:t>познавательной</a:t>
-            </a:r>
-            <a:r>
-              <a:rPr lang="en-US" sz="1400" dirty="0">
-                <a:solidFill>
-                  <a:srgbClr val="000000"/>
-                </a:solidFill>
-                <a:latin typeface="Aptos" pitchFamily="34" charset="0"/>
-                <a:ea typeface="Aptos" pitchFamily="34" charset="-122"/>
-                <a:cs typeface="Aptos" pitchFamily="34" charset="-120"/>
-              </a:rPr>
-              <a:t>.
-• </a:t>
-            </a:r>
-            <a:r>
-              <a:rPr lang="en-US" sz="1400" dirty="0" err="1">
-                <a:solidFill>
-                  <a:srgbClr val="000000"/>
-                </a:solidFill>
-                <a:latin typeface="Aptos" pitchFamily="34" charset="0"/>
-                <a:ea typeface="Aptos" pitchFamily="34" charset="-122"/>
-                <a:cs typeface="Aptos" pitchFamily="34" charset="-120"/>
-              </a:rPr>
-              <a:t>Помните</a:t>
-            </a:r>
-            <a:r>
-              <a:rPr lang="en-US" sz="1400" dirty="0">
-                <a:solidFill>
-                  <a:srgbClr val="000000"/>
-                </a:solidFill>
-                <a:latin typeface="Aptos" pitchFamily="34" charset="0"/>
-                <a:ea typeface="Aptos" pitchFamily="34" charset="-122"/>
-                <a:cs typeface="Aptos" pitchFamily="34" charset="-120"/>
-              </a:rPr>
-              <a:t>, </a:t>
-            </a:r>
-            <a:r>
-              <a:rPr lang="en-US" sz="1400" dirty="0" err="1">
-                <a:solidFill>
-                  <a:srgbClr val="000000"/>
-                </a:solidFill>
-                <a:latin typeface="Aptos" pitchFamily="34" charset="0"/>
-                <a:ea typeface="Aptos" pitchFamily="34" charset="-122"/>
-                <a:cs typeface="Aptos" pitchFamily="34" charset="-120"/>
-              </a:rPr>
-              <a:t>что</a:t>
-            </a:r>
-            <a:r>
-              <a:rPr lang="en-US" sz="1400" dirty="0">
-                <a:solidFill>
-                  <a:srgbClr val="000000"/>
-                </a:solidFill>
-                <a:latin typeface="Aptos" pitchFamily="34" charset="0"/>
-                <a:ea typeface="Aptos" pitchFamily="34" charset="-122"/>
-                <a:cs typeface="Aptos" pitchFamily="34" charset="-120"/>
-              </a:rPr>
-              <a:t> </a:t>
-            </a:r>
-            <a:r>
-              <a:rPr lang="en-US" sz="1400" dirty="0" err="1">
-                <a:solidFill>
-                  <a:srgbClr val="000000"/>
-                </a:solidFill>
-                <a:latin typeface="Aptos" pitchFamily="34" charset="0"/>
-                <a:ea typeface="Aptos" pitchFamily="34" charset="-122"/>
-                <a:cs typeface="Aptos" pitchFamily="34" charset="-120"/>
-              </a:rPr>
-              <a:t>криптография</a:t>
-            </a:r>
-            <a:r>
-              <a:rPr lang="en-US" sz="1400" dirty="0">
-                <a:solidFill>
-                  <a:srgbClr val="000000"/>
-                </a:solidFill>
-                <a:latin typeface="Aptos" pitchFamily="34" charset="0"/>
-                <a:ea typeface="Aptos" pitchFamily="34" charset="-122"/>
-                <a:cs typeface="Aptos" pitchFamily="34" charset="-120"/>
-              </a:rPr>
-              <a:t> – </a:t>
-            </a:r>
-            <a:r>
-              <a:rPr lang="en-US" sz="1400" dirty="0" err="1">
-                <a:solidFill>
-                  <a:srgbClr val="000000"/>
-                </a:solidFill>
-                <a:latin typeface="Aptos" pitchFamily="34" charset="0"/>
-                <a:ea typeface="Aptos" pitchFamily="34" charset="-122"/>
-                <a:cs typeface="Aptos" pitchFamily="34" charset="-120"/>
-              </a:rPr>
-              <a:t>это</a:t>
-            </a:r>
-            <a:r>
-              <a:rPr lang="en-US" sz="1400" dirty="0">
-                <a:solidFill>
-                  <a:srgbClr val="000000"/>
-                </a:solidFill>
-                <a:latin typeface="Aptos" pitchFamily="34" charset="0"/>
-                <a:ea typeface="Aptos" pitchFamily="34" charset="-122"/>
-                <a:cs typeface="Aptos" pitchFamily="34" charset="-120"/>
-              </a:rPr>
-              <a:t> </a:t>
-            </a:r>
-            <a:r>
-              <a:rPr lang="en-US" sz="1400" dirty="0" err="1">
-                <a:solidFill>
-                  <a:srgbClr val="000000"/>
-                </a:solidFill>
-                <a:latin typeface="Aptos" pitchFamily="34" charset="0"/>
-                <a:ea typeface="Aptos" pitchFamily="34" charset="-122"/>
-                <a:cs typeface="Aptos" pitchFamily="34" charset="-120"/>
-              </a:rPr>
-              <a:t>интересная</a:t>
-            </a:r>
-            <a:r>
-              <a:rPr lang="en-US" sz="1400" dirty="0">
-                <a:solidFill>
-                  <a:srgbClr val="000000"/>
-                </a:solidFill>
-                <a:latin typeface="Aptos" pitchFamily="34" charset="0"/>
-                <a:ea typeface="Aptos" pitchFamily="34" charset="-122"/>
-                <a:cs typeface="Aptos" pitchFamily="34" charset="-120"/>
-              </a:rPr>
-              <a:t> и </a:t>
-            </a:r>
-            <a:r>
-              <a:rPr lang="en-US" sz="1400" dirty="0" err="1">
-                <a:solidFill>
-                  <a:srgbClr val="000000"/>
-                </a:solidFill>
-                <a:latin typeface="Aptos" pitchFamily="34" charset="0"/>
-                <a:ea typeface="Aptos" pitchFamily="34" charset="-122"/>
-                <a:cs typeface="Aptos" pitchFamily="34" charset="-120"/>
-              </a:rPr>
-              <a:t>важная</a:t>
-            </a:r>
-            <a:r>
-              <a:rPr lang="en-US" sz="1400" dirty="0">
-                <a:solidFill>
-                  <a:srgbClr val="000000"/>
-                </a:solidFill>
-                <a:latin typeface="Aptos" pitchFamily="34" charset="0"/>
-                <a:ea typeface="Aptos" pitchFamily="34" charset="-122"/>
-                <a:cs typeface="Aptos" pitchFamily="34" charset="-120"/>
-              </a:rPr>
-              <a:t> область.
+              <a:t>
 </a:t>
             </a:r>
             <a:endParaRPr lang="en-US" sz="1400" dirty="0"/>
           </a:p>
         </p:txBody>
       </p:sp>
+      <p:grpSp>
+        <p:nvGrpSpPr>
+          <p:cNvPr id="6" name="Google Shape;9241;p141">
+            <a:extLst>
+              <a:ext uri="{FF2B5EF4-FFF2-40B4-BE49-F238E27FC236}">
+                <a16:creationId xmlns:a16="http://schemas.microsoft.com/office/drawing/2014/main" id="{E248D7B5-A30E-4029-A831-A30972CC3813}"/>
+              </a:ext>
+            </a:extLst>
+          </p:cNvPr>
+          <p:cNvGrpSpPr/>
+          <p:nvPr/>
+        </p:nvGrpSpPr>
+        <p:grpSpPr>
+          <a:xfrm>
+            <a:off x="6891569" y="3028494"/>
+            <a:ext cx="1182965" cy="1136662"/>
+            <a:chOff x="-5971525" y="3273750"/>
+            <a:chExt cx="292250" cy="290650"/>
+          </a:xfrm>
+          <a:solidFill>
+            <a:schemeClr val="bg1"/>
+          </a:solidFill>
+        </p:grpSpPr>
+        <p:sp>
+          <p:nvSpPr>
+            <p:cNvPr id="7" name="Google Shape;9242;p141">
+              <a:extLst>
+                <a:ext uri="{FF2B5EF4-FFF2-40B4-BE49-F238E27FC236}">
+                  <a16:creationId xmlns:a16="http://schemas.microsoft.com/office/drawing/2014/main" id="{3806131B-E31F-4140-B5BD-EEE4FFE1305E}"/>
+                </a:ext>
+              </a:extLst>
+            </p:cNvPr>
+            <p:cNvSpPr/>
+            <p:nvPr/>
+          </p:nvSpPr>
+          <p:spPr>
+            <a:xfrm>
+              <a:off x="-5868325" y="3273750"/>
+              <a:ext cx="85075" cy="84300"/>
+            </a:xfrm>
+            <a:custGeom>
+              <a:avLst/>
+              <a:gdLst/>
+              <a:ahLst/>
+              <a:cxnLst/>
+              <a:rect l="l" t="t" r="r" b="b"/>
+              <a:pathLst>
+                <a:path w="3403" h="3372" extrusionOk="0">
+                  <a:moveTo>
+                    <a:pt x="1701" y="0"/>
+                  </a:moveTo>
+                  <a:cubicBezTo>
+                    <a:pt x="788" y="0"/>
+                    <a:pt x="0" y="756"/>
+                    <a:pt x="0" y="1702"/>
+                  </a:cubicBezTo>
+                  <a:cubicBezTo>
+                    <a:pt x="0" y="2615"/>
+                    <a:pt x="788" y="3371"/>
+                    <a:pt x="1701" y="3371"/>
+                  </a:cubicBezTo>
+                  <a:cubicBezTo>
+                    <a:pt x="2646" y="3371"/>
+                    <a:pt x="3403" y="2615"/>
+                    <a:pt x="3403" y="1702"/>
+                  </a:cubicBezTo>
+                  <a:cubicBezTo>
+                    <a:pt x="3403" y="756"/>
+                    <a:pt x="2646" y="0"/>
+                    <a:pt x="1701" y="0"/>
+                  </a:cubicBezTo>
+                  <a:close/>
+                </a:path>
+              </a:pathLst>
+            </a:custGeom>
+            <a:grpFill/>
+            <a:ln>
+              <a:noFill/>
+            </a:ln>
+          </p:spPr>
+          <p:txBody>
+            <a:bodyPr spcFirstLastPara="1" wrap="square" lIns="91425" tIns="91425" rIns="91425" bIns="91425" anchor="ctr" anchorCtr="0">
+              <a:noAutofit/>
+            </a:bodyPr>
+            <a:lstStyle/>
+            <a:p>
+              <a:pPr marL="0" lvl="0" indent="0" algn="l" rtl="0">
+                <a:spcBef>
+                  <a:spcPts val="0"/>
+                </a:spcBef>
+                <a:spcAft>
+                  <a:spcPts val="0"/>
+                </a:spcAft>
+                <a:buNone/>
+              </a:pPr>
+              <a:endParaRPr/>
+            </a:p>
+          </p:txBody>
+        </p:sp>
+        <p:sp>
+          <p:nvSpPr>
+            <p:cNvPr id="8" name="Google Shape;9243;p141">
+              <a:extLst>
+                <a:ext uri="{FF2B5EF4-FFF2-40B4-BE49-F238E27FC236}">
+                  <a16:creationId xmlns:a16="http://schemas.microsoft.com/office/drawing/2014/main" id="{4331F912-0D8A-4FC1-8801-5444E6B2B6D8}"/>
+                </a:ext>
+              </a:extLst>
+            </p:cNvPr>
+            <p:cNvSpPr/>
+            <p:nvPr/>
+          </p:nvSpPr>
+          <p:spPr>
+            <a:xfrm>
+              <a:off x="-5971525" y="3308400"/>
+              <a:ext cx="292250" cy="256000"/>
+            </a:xfrm>
+            <a:custGeom>
+              <a:avLst/>
+              <a:gdLst/>
+              <a:ahLst/>
+              <a:cxnLst/>
+              <a:rect l="l" t="t" r="r" b="b"/>
+              <a:pathLst>
+                <a:path w="11690" h="10240" extrusionOk="0">
+                  <a:moveTo>
+                    <a:pt x="2049" y="1"/>
+                  </a:moveTo>
+                  <a:cubicBezTo>
+                    <a:pt x="1324" y="1"/>
+                    <a:pt x="694" y="599"/>
+                    <a:pt x="694" y="1355"/>
+                  </a:cubicBezTo>
+                  <a:cubicBezTo>
+                    <a:pt x="694" y="1733"/>
+                    <a:pt x="852" y="2080"/>
+                    <a:pt x="1072" y="2300"/>
+                  </a:cubicBezTo>
+                  <a:cubicBezTo>
+                    <a:pt x="442" y="2647"/>
+                    <a:pt x="1" y="3340"/>
+                    <a:pt x="1" y="4096"/>
+                  </a:cubicBezTo>
+                  <a:lnTo>
+                    <a:pt x="1" y="5766"/>
+                  </a:lnTo>
+                  <a:cubicBezTo>
+                    <a:pt x="1" y="6207"/>
+                    <a:pt x="284" y="6617"/>
+                    <a:pt x="694" y="6774"/>
+                  </a:cubicBezTo>
+                  <a:lnTo>
+                    <a:pt x="694" y="8538"/>
+                  </a:lnTo>
+                  <a:cubicBezTo>
+                    <a:pt x="694" y="9074"/>
+                    <a:pt x="1167" y="9546"/>
+                    <a:pt x="1702" y="9546"/>
+                  </a:cubicBezTo>
+                  <a:lnTo>
+                    <a:pt x="2364" y="9546"/>
+                  </a:lnTo>
+                  <a:cubicBezTo>
+                    <a:pt x="2931" y="9546"/>
+                    <a:pt x="3403" y="9074"/>
+                    <a:pt x="3403" y="8538"/>
+                  </a:cubicBezTo>
+                  <a:lnTo>
+                    <a:pt x="3403" y="6774"/>
+                  </a:lnTo>
+                  <a:cubicBezTo>
+                    <a:pt x="3529" y="6711"/>
+                    <a:pt x="3624" y="6648"/>
+                    <a:pt x="3750" y="6522"/>
+                  </a:cubicBezTo>
+                  <a:cubicBezTo>
+                    <a:pt x="3876" y="6585"/>
+                    <a:pt x="3939" y="6680"/>
+                    <a:pt x="4097" y="6774"/>
+                  </a:cubicBezTo>
+                  <a:lnTo>
+                    <a:pt x="4097" y="9200"/>
+                  </a:lnTo>
+                  <a:cubicBezTo>
+                    <a:pt x="4097" y="9735"/>
+                    <a:pt x="4569" y="10240"/>
+                    <a:pt x="5136" y="10240"/>
+                  </a:cubicBezTo>
+                  <a:lnTo>
+                    <a:pt x="6522" y="10240"/>
+                  </a:lnTo>
+                  <a:cubicBezTo>
+                    <a:pt x="7058" y="10240"/>
+                    <a:pt x="7562" y="9767"/>
+                    <a:pt x="7562" y="9200"/>
+                  </a:cubicBezTo>
+                  <a:lnTo>
+                    <a:pt x="7562" y="6774"/>
+                  </a:lnTo>
+                  <a:cubicBezTo>
+                    <a:pt x="7688" y="6711"/>
+                    <a:pt x="7814" y="6648"/>
+                    <a:pt x="7940" y="6522"/>
+                  </a:cubicBezTo>
+                  <a:cubicBezTo>
+                    <a:pt x="8035" y="6585"/>
+                    <a:pt x="8129" y="6680"/>
+                    <a:pt x="8287" y="6774"/>
+                  </a:cubicBezTo>
+                  <a:lnTo>
+                    <a:pt x="8287" y="8538"/>
+                  </a:lnTo>
+                  <a:cubicBezTo>
+                    <a:pt x="8287" y="9074"/>
+                    <a:pt x="8759" y="9546"/>
+                    <a:pt x="9295" y="9546"/>
+                  </a:cubicBezTo>
+                  <a:lnTo>
+                    <a:pt x="9988" y="9546"/>
+                  </a:lnTo>
+                  <a:cubicBezTo>
+                    <a:pt x="10524" y="9546"/>
+                    <a:pt x="10996" y="9074"/>
+                    <a:pt x="10996" y="8538"/>
+                  </a:cubicBezTo>
+                  <a:lnTo>
+                    <a:pt x="10996" y="6774"/>
+                  </a:lnTo>
+                  <a:cubicBezTo>
+                    <a:pt x="11406" y="6617"/>
+                    <a:pt x="11658" y="6238"/>
+                    <a:pt x="11658" y="5766"/>
+                  </a:cubicBezTo>
+                  <a:lnTo>
+                    <a:pt x="11658" y="4096"/>
+                  </a:lnTo>
+                  <a:cubicBezTo>
+                    <a:pt x="11689" y="3340"/>
+                    <a:pt x="11280" y="2678"/>
+                    <a:pt x="10650" y="2300"/>
+                  </a:cubicBezTo>
+                  <a:cubicBezTo>
+                    <a:pt x="10870" y="2080"/>
+                    <a:pt x="11028" y="1733"/>
+                    <a:pt x="11028" y="1355"/>
+                  </a:cubicBezTo>
+                  <a:cubicBezTo>
+                    <a:pt x="11028" y="599"/>
+                    <a:pt x="10398" y="1"/>
+                    <a:pt x="9641" y="1"/>
+                  </a:cubicBezTo>
+                  <a:cubicBezTo>
+                    <a:pt x="8917" y="1"/>
+                    <a:pt x="8287" y="599"/>
+                    <a:pt x="8287" y="1355"/>
+                  </a:cubicBezTo>
+                  <a:cubicBezTo>
+                    <a:pt x="8287" y="1733"/>
+                    <a:pt x="8444" y="2080"/>
+                    <a:pt x="8665" y="2300"/>
+                  </a:cubicBezTo>
+                  <a:cubicBezTo>
+                    <a:pt x="8444" y="2426"/>
+                    <a:pt x="8224" y="2584"/>
+                    <a:pt x="8066" y="2773"/>
+                  </a:cubicBezTo>
+                  <a:cubicBezTo>
+                    <a:pt x="7972" y="2521"/>
+                    <a:pt x="7751" y="2237"/>
+                    <a:pt x="7562" y="2017"/>
+                  </a:cubicBezTo>
+                  <a:cubicBezTo>
+                    <a:pt x="7216" y="2395"/>
+                    <a:pt x="6743" y="2584"/>
+                    <a:pt x="6239" y="2647"/>
+                  </a:cubicBezTo>
+                  <a:lnTo>
+                    <a:pt x="6239" y="4380"/>
+                  </a:lnTo>
+                  <a:cubicBezTo>
+                    <a:pt x="6239" y="4604"/>
+                    <a:pt x="6043" y="4722"/>
+                    <a:pt x="5851" y="4722"/>
+                  </a:cubicBezTo>
+                  <a:cubicBezTo>
+                    <a:pt x="5665" y="4722"/>
+                    <a:pt x="5483" y="4612"/>
+                    <a:pt x="5483" y="4380"/>
+                  </a:cubicBezTo>
+                  <a:lnTo>
+                    <a:pt x="5483" y="2647"/>
+                  </a:lnTo>
+                  <a:cubicBezTo>
+                    <a:pt x="4979" y="2584"/>
+                    <a:pt x="4506" y="2332"/>
+                    <a:pt x="4160" y="2017"/>
+                  </a:cubicBezTo>
+                  <a:cubicBezTo>
+                    <a:pt x="3908" y="2237"/>
+                    <a:pt x="3750" y="2521"/>
+                    <a:pt x="3624" y="2773"/>
+                  </a:cubicBezTo>
+                  <a:cubicBezTo>
+                    <a:pt x="3466" y="2584"/>
+                    <a:pt x="3277" y="2426"/>
+                    <a:pt x="3057" y="2300"/>
+                  </a:cubicBezTo>
+                  <a:cubicBezTo>
+                    <a:pt x="3277" y="2080"/>
+                    <a:pt x="3435" y="1733"/>
+                    <a:pt x="3435" y="1355"/>
+                  </a:cubicBezTo>
+                  <a:cubicBezTo>
+                    <a:pt x="3435" y="599"/>
+                    <a:pt x="2805" y="1"/>
+                    <a:pt x="2049" y="1"/>
+                  </a:cubicBezTo>
+                  <a:close/>
+                </a:path>
+              </a:pathLst>
+            </a:custGeom>
+            <a:grpFill/>
+            <a:ln>
+              <a:noFill/>
+            </a:ln>
+          </p:spPr>
+          <p:txBody>
+            <a:bodyPr spcFirstLastPara="1" wrap="square" lIns="91425" tIns="91425" rIns="91425" bIns="91425" anchor="ctr" anchorCtr="0">
+              <a:noAutofit/>
+            </a:bodyPr>
+            <a:lstStyle/>
+            <a:p>
+              <a:pPr marL="0" lvl="0" indent="0" algn="l" rtl="0">
+                <a:spcBef>
+                  <a:spcPts val="0"/>
+                </a:spcBef>
+                <a:spcAft>
+                  <a:spcPts val="0"/>
+                </a:spcAft>
+                <a:buNone/>
+              </a:pPr>
+              <a:endParaRPr/>
+            </a:p>
+          </p:txBody>
+        </p:sp>
+      </p:grpSp>
+      <p:grpSp>
+        <p:nvGrpSpPr>
+          <p:cNvPr id="9" name="Google Shape;9241;p141">
+            <a:extLst>
+              <a:ext uri="{FF2B5EF4-FFF2-40B4-BE49-F238E27FC236}">
+                <a16:creationId xmlns:a16="http://schemas.microsoft.com/office/drawing/2014/main" id="{8153AC40-0280-4262-AEA3-0285CF443544}"/>
+              </a:ext>
+            </a:extLst>
+          </p:cNvPr>
+          <p:cNvGrpSpPr/>
+          <p:nvPr/>
+        </p:nvGrpSpPr>
+        <p:grpSpPr>
+          <a:xfrm>
+            <a:off x="649564" y="3028494"/>
+            <a:ext cx="1182965" cy="1136662"/>
+            <a:chOff x="-5971525" y="3273750"/>
+            <a:chExt cx="292250" cy="290650"/>
+          </a:xfrm>
+          <a:solidFill>
+            <a:schemeClr val="bg1"/>
+          </a:solidFill>
+        </p:grpSpPr>
+        <p:sp>
+          <p:nvSpPr>
+            <p:cNvPr id="10" name="Google Shape;9242;p141">
+              <a:extLst>
+                <a:ext uri="{FF2B5EF4-FFF2-40B4-BE49-F238E27FC236}">
+                  <a16:creationId xmlns:a16="http://schemas.microsoft.com/office/drawing/2014/main" id="{0C4A922B-F9A0-4CCD-AAA6-FA8D9FCE3D67}"/>
+                </a:ext>
+              </a:extLst>
+            </p:cNvPr>
+            <p:cNvSpPr/>
+            <p:nvPr/>
+          </p:nvSpPr>
+          <p:spPr>
+            <a:xfrm>
+              <a:off x="-5868325" y="3273750"/>
+              <a:ext cx="85075" cy="84300"/>
+            </a:xfrm>
+            <a:custGeom>
+              <a:avLst/>
+              <a:gdLst/>
+              <a:ahLst/>
+              <a:cxnLst/>
+              <a:rect l="l" t="t" r="r" b="b"/>
+              <a:pathLst>
+                <a:path w="3403" h="3372" extrusionOk="0">
+                  <a:moveTo>
+                    <a:pt x="1701" y="0"/>
+                  </a:moveTo>
+                  <a:cubicBezTo>
+                    <a:pt x="788" y="0"/>
+                    <a:pt x="0" y="756"/>
+                    <a:pt x="0" y="1702"/>
+                  </a:cubicBezTo>
+                  <a:cubicBezTo>
+                    <a:pt x="0" y="2615"/>
+                    <a:pt x="788" y="3371"/>
+                    <a:pt x="1701" y="3371"/>
+                  </a:cubicBezTo>
+                  <a:cubicBezTo>
+                    <a:pt x="2646" y="3371"/>
+                    <a:pt x="3403" y="2615"/>
+                    <a:pt x="3403" y="1702"/>
+                  </a:cubicBezTo>
+                  <a:cubicBezTo>
+                    <a:pt x="3403" y="756"/>
+                    <a:pt x="2646" y="0"/>
+                    <a:pt x="1701" y="0"/>
+                  </a:cubicBezTo>
+                  <a:close/>
+                </a:path>
+              </a:pathLst>
+            </a:custGeom>
+            <a:grpFill/>
+            <a:ln>
+              <a:noFill/>
+            </a:ln>
+          </p:spPr>
+          <p:txBody>
+            <a:bodyPr spcFirstLastPara="1" wrap="square" lIns="91425" tIns="91425" rIns="91425" bIns="91425" anchor="ctr" anchorCtr="0">
+              <a:noAutofit/>
+            </a:bodyPr>
+            <a:lstStyle/>
+            <a:p>
+              <a:pPr marL="0" lvl="0" indent="0" algn="l" rtl="0">
+                <a:spcBef>
+                  <a:spcPts val="0"/>
+                </a:spcBef>
+                <a:spcAft>
+                  <a:spcPts val="0"/>
+                </a:spcAft>
+                <a:buNone/>
+              </a:pPr>
+              <a:endParaRPr/>
+            </a:p>
+          </p:txBody>
+        </p:sp>
+        <p:sp>
+          <p:nvSpPr>
+            <p:cNvPr id="11" name="Google Shape;9243;p141">
+              <a:extLst>
+                <a:ext uri="{FF2B5EF4-FFF2-40B4-BE49-F238E27FC236}">
+                  <a16:creationId xmlns:a16="http://schemas.microsoft.com/office/drawing/2014/main" id="{5D9F0D15-0927-4FC2-9735-C8CB38F2698C}"/>
+                </a:ext>
+              </a:extLst>
+            </p:cNvPr>
+            <p:cNvSpPr/>
+            <p:nvPr/>
+          </p:nvSpPr>
+          <p:spPr>
+            <a:xfrm>
+              <a:off x="-5971525" y="3308400"/>
+              <a:ext cx="292250" cy="256000"/>
+            </a:xfrm>
+            <a:custGeom>
+              <a:avLst/>
+              <a:gdLst/>
+              <a:ahLst/>
+              <a:cxnLst/>
+              <a:rect l="l" t="t" r="r" b="b"/>
+              <a:pathLst>
+                <a:path w="11690" h="10240" extrusionOk="0">
+                  <a:moveTo>
+                    <a:pt x="2049" y="1"/>
+                  </a:moveTo>
+                  <a:cubicBezTo>
+                    <a:pt x="1324" y="1"/>
+                    <a:pt x="694" y="599"/>
+                    <a:pt x="694" y="1355"/>
+                  </a:cubicBezTo>
+                  <a:cubicBezTo>
+                    <a:pt x="694" y="1733"/>
+                    <a:pt x="852" y="2080"/>
+                    <a:pt x="1072" y="2300"/>
+                  </a:cubicBezTo>
+                  <a:cubicBezTo>
+                    <a:pt x="442" y="2647"/>
+                    <a:pt x="1" y="3340"/>
+                    <a:pt x="1" y="4096"/>
+                  </a:cubicBezTo>
+                  <a:lnTo>
+                    <a:pt x="1" y="5766"/>
+                  </a:lnTo>
+                  <a:cubicBezTo>
+                    <a:pt x="1" y="6207"/>
+                    <a:pt x="284" y="6617"/>
+                    <a:pt x="694" y="6774"/>
+                  </a:cubicBezTo>
+                  <a:lnTo>
+                    <a:pt x="694" y="8538"/>
+                  </a:lnTo>
+                  <a:cubicBezTo>
+                    <a:pt x="694" y="9074"/>
+                    <a:pt x="1167" y="9546"/>
+                    <a:pt x="1702" y="9546"/>
+                  </a:cubicBezTo>
+                  <a:lnTo>
+                    <a:pt x="2364" y="9546"/>
+                  </a:lnTo>
+                  <a:cubicBezTo>
+                    <a:pt x="2931" y="9546"/>
+                    <a:pt x="3403" y="9074"/>
+                    <a:pt x="3403" y="8538"/>
+                  </a:cubicBezTo>
+                  <a:lnTo>
+                    <a:pt x="3403" y="6774"/>
+                  </a:lnTo>
+                  <a:cubicBezTo>
+                    <a:pt x="3529" y="6711"/>
+                    <a:pt x="3624" y="6648"/>
+                    <a:pt x="3750" y="6522"/>
+                  </a:cubicBezTo>
+                  <a:cubicBezTo>
+                    <a:pt x="3876" y="6585"/>
+                    <a:pt x="3939" y="6680"/>
+                    <a:pt x="4097" y="6774"/>
+                  </a:cubicBezTo>
+                  <a:lnTo>
+                    <a:pt x="4097" y="9200"/>
+                  </a:lnTo>
+                  <a:cubicBezTo>
+                    <a:pt x="4097" y="9735"/>
+                    <a:pt x="4569" y="10240"/>
+                    <a:pt x="5136" y="10240"/>
+                  </a:cubicBezTo>
+                  <a:lnTo>
+                    <a:pt x="6522" y="10240"/>
+                  </a:lnTo>
+                  <a:cubicBezTo>
+                    <a:pt x="7058" y="10240"/>
+                    <a:pt x="7562" y="9767"/>
+                    <a:pt x="7562" y="9200"/>
+                  </a:cubicBezTo>
+                  <a:lnTo>
+                    <a:pt x="7562" y="6774"/>
+                  </a:lnTo>
+                  <a:cubicBezTo>
+                    <a:pt x="7688" y="6711"/>
+                    <a:pt x="7814" y="6648"/>
+                    <a:pt x="7940" y="6522"/>
+                  </a:cubicBezTo>
+                  <a:cubicBezTo>
+                    <a:pt x="8035" y="6585"/>
+                    <a:pt x="8129" y="6680"/>
+                    <a:pt x="8287" y="6774"/>
+                  </a:cubicBezTo>
+                  <a:lnTo>
+                    <a:pt x="8287" y="8538"/>
+                  </a:lnTo>
+                  <a:cubicBezTo>
+                    <a:pt x="8287" y="9074"/>
+                    <a:pt x="8759" y="9546"/>
+                    <a:pt x="9295" y="9546"/>
+                  </a:cubicBezTo>
+                  <a:lnTo>
+                    <a:pt x="9988" y="9546"/>
+                  </a:lnTo>
+                  <a:cubicBezTo>
+                    <a:pt x="10524" y="9546"/>
+                    <a:pt x="10996" y="9074"/>
+                    <a:pt x="10996" y="8538"/>
+                  </a:cubicBezTo>
+                  <a:lnTo>
+                    <a:pt x="10996" y="6774"/>
+                  </a:lnTo>
+                  <a:cubicBezTo>
+                    <a:pt x="11406" y="6617"/>
+                    <a:pt x="11658" y="6238"/>
+                    <a:pt x="11658" y="5766"/>
+                  </a:cubicBezTo>
+                  <a:lnTo>
+                    <a:pt x="11658" y="4096"/>
+                  </a:lnTo>
+                  <a:cubicBezTo>
+                    <a:pt x="11689" y="3340"/>
+                    <a:pt x="11280" y="2678"/>
+                    <a:pt x="10650" y="2300"/>
+                  </a:cubicBezTo>
+                  <a:cubicBezTo>
+                    <a:pt x="10870" y="2080"/>
+                    <a:pt x="11028" y="1733"/>
+                    <a:pt x="11028" y="1355"/>
+                  </a:cubicBezTo>
+                  <a:cubicBezTo>
+                    <a:pt x="11028" y="599"/>
+                    <a:pt x="10398" y="1"/>
+                    <a:pt x="9641" y="1"/>
+                  </a:cubicBezTo>
+                  <a:cubicBezTo>
+                    <a:pt x="8917" y="1"/>
+                    <a:pt x="8287" y="599"/>
+                    <a:pt x="8287" y="1355"/>
+                  </a:cubicBezTo>
+                  <a:cubicBezTo>
+                    <a:pt x="8287" y="1733"/>
+                    <a:pt x="8444" y="2080"/>
+                    <a:pt x="8665" y="2300"/>
+                  </a:cubicBezTo>
+                  <a:cubicBezTo>
+                    <a:pt x="8444" y="2426"/>
+                    <a:pt x="8224" y="2584"/>
+                    <a:pt x="8066" y="2773"/>
+                  </a:cubicBezTo>
+                  <a:cubicBezTo>
+                    <a:pt x="7972" y="2521"/>
+                    <a:pt x="7751" y="2237"/>
+                    <a:pt x="7562" y="2017"/>
+                  </a:cubicBezTo>
+                  <a:cubicBezTo>
+                    <a:pt x="7216" y="2395"/>
+                    <a:pt x="6743" y="2584"/>
+                    <a:pt x="6239" y="2647"/>
+                  </a:cubicBezTo>
+                  <a:lnTo>
+                    <a:pt x="6239" y="4380"/>
+                  </a:lnTo>
+                  <a:cubicBezTo>
+                    <a:pt x="6239" y="4604"/>
+                    <a:pt x="6043" y="4722"/>
+                    <a:pt x="5851" y="4722"/>
+                  </a:cubicBezTo>
+                  <a:cubicBezTo>
+                    <a:pt x="5665" y="4722"/>
+                    <a:pt x="5483" y="4612"/>
+                    <a:pt x="5483" y="4380"/>
+                  </a:cubicBezTo>
+                  <a:lnTo>
+                    <a:pt x="5483" y="2647"/>
+                  </a:lnTo>
+                  <a:cubicBezTo>
+                    <a:pt x="4979" y="2584"/>
+                    <a:pt x="4506" y="2332"/>
+                    <a:pt x="4160" y="2017"/>
+                  </a:cubicBezTo>
+                  <a:cubicBezTo>
+                    <a:pt x="3908" y="2237"/>
+                    <a:pt x="3750" y="2521"/>
+                    <a:pt x="3624" y="2773"/>
+                  </a:cubicBezTo>
+                  <a:cubicBezTo>
+                    <a:pt x="3466" y="2584"/>
+                    <a:pt x="3277" y="2426"/>
+                    <a:pt x="3057" y="2300"/>
+                  </a:cubicBezTo>
+                  <a:cubicBezTo>
+                    <a:pt x="3277" y="2080"/>
+                    <a:pt x="3435" y="1733"/>
+                    <a:pt x="3435" y="1355"/>
+                  </a:cubicBezTo>
+                  <a:cubicBezTo>
+                    <a:pt x="3435" y="599"/>
+                    <a:pt x="2805" y="1"/>
+                    <a:pt x="2049" y="1"/>
+                  </a:cubicBezTo>
+                  <a:close/>
+                </a:path>
+              </a:pathLst>
+            </a:custGeom>
+            <a:grpFill/>
+            <a:ln>
+              <a:noFill/>
+            </a:ln>
+          </p:spPr>
+          <p:txBody>
+            <a:bodyPr spcFirstLastPara="1" wrap="square" lIns="91425" tIns="91425" rIns="91425" bIns="91425" anchor="ctr" anchorCtr="0">
+              <a:noAutofit/>
+            </a:bodyPr>
+            <a:lstStyle/>
+            <a:p>
+              <a:pPr marL="0" lvl="0" indent="0" algn="l" rtl="0">
+                <a:spcBef>
+                  <a:spcPts val="0"/>
+                </a:spcBef>
+                <a:spcAft>
+                  <a:spcPts val="0"/>
+                </a:spcAft>
+                <a:buNone/>
+              </a:pPr>
+              <a:endParaRPr/>
+            </a:p>
+          </p:txBody>
+        </p:sp>
+      </p:grpSp>
     </p:spTree>
   </p:cSld>
   <p:clrMapOvr>
@@ -4047,7 +5457,7 @@
 </p:sld>
 </file>
 
-<file path=ppt/slides/slide15.xml><?xml version="1.0" encoding="utf-8"?>
+<file path=ppt/slides/slide14.xml><?xml version="1.0" encoding="utf-8"?>
 <p:sld xmlns:a="http://schemas.openxmlformats.org/drawingml/2006/main" xmlns:r="http://schemas.openxmlformats.org/officeDocument/2006/relationships" xmlns:p="http://schemas.openxmlformats.org/presentationml/2006/main">
   <p:cSld name="Slide 16">
     <p:bg>
@@ -4080,14 +5490,68 @@
       </p:grpSpPr>
       <p:sp>
         <p:nvSpPr>
+          <p:cNvPr id="6" name="Прямоугольник 5">
+            <a:extLst>
+              <a:ext uri="{FF2B5EF4-FFF2-40B4-BE49-F238E27FC236}">
+                <a16:creationId xmlns:a16="http://schemas.microsoft.com/office/drawing/2014/main" id="{ADD239A1-D2B9-4CDE-AE08-C92A6593FC71}"/>
+              </a:ext>
+            </a:extLst>
+          </p:cNvPr>
+          <p:cNvSpPr/>
+          <p:nvPr/>
+        </p:nvSpPr>
+        <p:spPr>
+          <a:xfrm>
+            <a:off x="457200" y="1188719"/>
+            <a:ext cx="1806420" cy="441854"/>
+          </a:xfrm>
+          <a:prstGeom prst="rect">
+            <a:avLst/>
+          </a:prstGeom>
+          <a:solidFill>
+            <a:schemeClr val="bg1"/>
+          </a:solidFill>
+          <a:ln>
+            <a:solidFill>
+              <a:schemeClr val="bg1"/>
+            </a:solidFill>
+          </a:ln>
+        </p:spPr>
+        <p:style>
+          <a:lnRef idx="2">
+            <a:schemeClr val="accent1">
+              <a:shade val="50000"/>
+            </a:schemeClr>
+          </a:lnRef>
+          <a:fillRef idx="1">
+            <a:schemeClr val="accent1"/>
+          </a:fillRef>
+          <a:effectRef idx="0">
+            <a:schemeClr val="accent1"/>
+          </a:effectRef>
+          <a:fontRef idx="minor">
+            <a:schemeClr val="lt1"/>
+          </a:fontRef>
+        </p:style>
+        <p:txBody>
+          <a:bodyPr rtlCol="0" anchor="ctr"/>
+          <a:lstStyle/>
+          <a:p>
+            <a:pPr algn="ctr"/>
+            <a:endParaRPr lang="ru-RU"/>
+          </a:p>
+        </p:txBody>
+      </p:sp>
+      <p:sp>
+        <p:nvSpPr>
           <p:cNvPr id="2" name="Text 0"/>
           <p:cNvSpPr/>
           <p:nvPr/>
         </p:nvSpPr>
         <p:spPr>
           <a:xfrm>
-            <a:off x="457200" y="1188720"/>
-            <a:ext cx="6858000" cy="0"/>
+            <a:off x="457200" y="1188719"/>
+            <a:ext cx="2273211" cy="397093"/>
           </a:xfrm>
           <a:prstGeom prst="rect">
             <a:avLst/>
@@ -4125,8 +5589,8 @@
         </p:nvSpPr>
         <p:spPr>
           <a:xfrm>
-            <a:off x="457200" y="2651760"/>
-            <a:ext cx="6858000" cy="0"/>
+            <a:off x="457200" y="1809553"/>
+            <a:ext cx="6858000" cy="1123495"/>
           </a:xfrm>
           <a:prstGeom prst="rect">
             <a:avLst/>
@@ -4146,11 +5610,22 @@
                 <a:solidFill>
                   <a:srgbClr val="000000"/>
                 </a:solidFill>
+                <a:latin typeface="Bahnschrift Condensed" panose="020B0502040204020203" pitchFamily="34" charset="0"/>
+                <a:ea typeface="Aptos" pitchFamily="34" charset="-122"/>
+                <a:cs typeface="Aptos" pitchFamily="34" charset="-120"/>
+              </a:rPr>
+              <a:t>Реализация шифратора Плейфера на Python позволяет увидеть, как работает простой симметричный шифр, и дает представление о принципах шифрования. Несмотря на то, что шифр Плейфера не считается надежным в современном мире, он является ценным учебным примером, который иллюстрирует основные концепции криптографии</a:t>
+            </a:r>
+            <a:r>
+              <a:rPr lang="en-US" sz="1400" dirty="0">
+                <a:solidFill>
+                  <a:srgbClr val="000000"/>
+                </a:solidFill>
                 <a:latin typeface="Aptos" pitchFamily="34" charset="0"/>
                 <a:ea typeface="Aptos" pitchFamily="34" charset="-122"/>
                 <a:cs typeface="Aptos" pitchFamily="34" charset="-120"/>
               </a:rPr>
-              <a:t>Реализация шифратора Плейфера на Python позволяет увидеть, как работает простой симметричный шифр, и дает представление о принципах шифрования. Несмотря на то, что шифр Плейфера не считается надежным в современном мире, он является ценным учебным примером, который иллюстрирует основные концепции криптографии.</a:t>
+              <a:t>.</a:t>
             </a:r>
             <a:endParaRPr lang="en-US" sz="1400" dirty="0"/>
           </a:p>
@@ -4186,6 +5661,617 @@
           </a:prstGeom>
         </p:spPr>
       </p:pic>
+      <p:sp>
+        <p:nvSpPr>
+          <p:cNvPr id="7" name="TextBox 6">
+            <a:extLst>
+              <a:ext uri="{FF2B5EF4-FFF2-40B4-BE49-F238E27FC236}">
+                <a16:creationId xmlns:a16="http://schemas.microsoft.com/office/drawing/2014/main" id="{C7B4866B-F0B9-44E0-A7D5-86BABC364C9F}"/>
+              </a:ext>
+            </a:extLst>
+          </p:cNvPr>
+          <p:cNvSpPr txBox="1"/>
+          <p:nvPr/>
+        </p:nvSpPr>
+        <p:spPr>
+          <a:xfrm>
+            <a:off x="2167703" y="3715150"/>
+            <a:ext cx="5426678" cy="369332"/>
+          </a:xfrm>
+          <a:prstGeom prst="rect">
+            <a:avLst/>
+          </a:prstGeom>
+          <a:noFill/>
+        </p:spPr>
+        <p:txBody>
+          <a:bodyPr wrap="none" rtlCol="0">
+            <a:spAutoFit/>
+          </a:bodyPr>
+          <a:lstStyle/>
+          <a:p>
+            <a:r>
+              <a:rPr lang="en-US" dirty="0"/>
+              <a:t>&lt;</a:t>
+            </a:r>
+            <a:r>
+              <a:rPr lang="ru-RU" dirty="0"/>
+              <a:t>---</a:t>
+            </a:r>
+            <a:r>
+              <a:rPr lang="en-US" dirty="0"/>
+              <a:t> QR-</a:t>
+            </a:r>
+            <a:r>
+              <a:rPr lang="ru-RU" dirty="0"/>
+              <a:t>код на рабочую программу шифра </a:t>
+            </a:r>
+            <a:r>
+              <a:rPr lang="ru-RU" dirty="0" err="1"/>
+              <a:t>Плейфера</a:t>
+            </a:r>
+            <a:r>
+              <a:rPr lang="ru-RU" dirty="0"/>
+              <a:t> </a:t>
+            </a:r>
+          </a:p>
+        </p:txBody>
+      </p:sp>
+      <p:grpSp>
+        <p:nvGrpSpPr>
+          <p:cNvPr id="8" name="Google Shape;9045;p141">
+            <a:extLst>
+              <a:ext uri="{FF2B5EF4-FFF2-40B4-BE49-F238E27FC236}">
+                <a16:creationId xmlns:a16="http://schemas.microsoft.com/office/drawing/2014/main" id="{74A7EC81-8703-43C3-8766-D7186DE3455E}"/>
+              </a:ext>
+            </a:extLst>
+          </p:cNvPr>
+          <p:cNvGrpSpPr/>
+          <p:nvPr/>
+        </p:nvGrpSpPr>
+        <p:grpSpPr>
+          <a:xfrm>
+            <a:off x="-282292" y="-153322"/>
+            <a:ext cx="1430054" cy="1297280"/>
+            <a:chOff x="-6696925" y="3272575"/>
+            <a:chExt cx="307200" cy="291425"/>
+          </a:xfrm>
+          <a:solidFill>
+            <a:schemeClr val="bg1"/>
+          </a:solidFill>
+        </p:grpSpPr>
+        <p:sp>
+          <p:nvSpPr>
+            <p:cNvPr id="9" name="Google Shape;9046;p141">
+              <a:extLst>
+                <a:ext uri="{FF2B5EF4-FFF2-40B4-BE49-F238E27FC236}">
+                  <a16:creationId xmlns:a16="http://schemas.microsoft.com/office/drawing/2014/main" id="{C4452049-B51A-47D1-A7DF-CEDC77831512}"/>
+                </a:ext>
+              </a:extLst>
+            </p:cNvPr>
+            <p:cNvSpPr/>
+            <p:nvPr/>
+          </p:nvSpPr>
+          <p:spPr>
+            <a:xfrm>
+              <a:off x="-6696925" y="3371400"/>
+              <a:ext cx="220575" cy="192600"/>
+            </a:xfrm>
+            <a:custGeom>
+              <a:avLst/>
+              <a:gdLst/>
+              <a:ahLst/>
+              <a:cxnLst/>
+              <a:rect l="l" t="t" r="r" b="b"/>
+              <a:pathLst>
+                <a:path w="8823" h="7704" extrusionOk="0">
+                  <a:moveTo>
+                    <a:pt x="7531" y="1"/>
+                  </a:moveTo>
+                  <a:lnTo>
+                    <a:pt x="6333" y="1167"/>
+                  </a:lnTo>
+                  <a:cubicBezTo>
+                    <a:pt x="6207" y="1293"/>
+                    <a:pt x="6207" y="1513"/>
+                    <a:pt x="6333" y="1639"/>
+                  </a:cubicBezTo>
+                  <a:cubicBezTo>
+                    <a:pt x="6743" y="2017"/>
+                    <a:pt x="6743" y="2710"/>
+                    <a:pt x="6333" y="3088"/>
+                  </a:cubicBezTo>
+                  <a:lnTo>
+                    <a:pt x="4096" y="5325"/>
+                  </a:lnTo>
+                  <a:cubicBezTo>
+                    <a:pt x="3892" y="5530"/>
+                    <a:pt x="3624" y="5632"/>
+                    <a:pt x="3360" y="5632"/>
+                  </a:cubicBezTo>
+                  <a:cubicBezTo>
+                    <a:pt x="3096" y="5632"/>
+                    <a:pt x="2836" y="5530"/>
+                    <a:pt x="2647" y="5325"/>
+                  </a:cubicBezTo>
+                  <a:cubicBezTo>
+                    <a:pt x="2238" y="4947"/>
+                    <a:pt x="2238" y="4286"/>
+                    <a:pt x="2647" y="3876"/>
+                  </a:cubicBezTo>
+                  <a:lnTo>
+                    <a:pt x="3309" y="3214"/>
+                  </a:lnTo>
+                  <a:cubicBezTo>
+                    <a:pt x="2994" y="2679"/>
+                    <a:pt x="2836" y="2017"/>
+                    <a:pt x="2836" y="1387"/>
+                  </a:cubicBezTo>
+                  <a:cubicBezTo>
+                    <a:pt x="2836" y="1167"/>
+                    <a:pt x="2868" y="978"/>
+                    <a:pt x="2899" y="726"/>
+                  </a:cubicBezTo>
+                  <a:lnTo>
+                    <a:pt x="2899" y="726"/>
+                  </a:lnTo>
+                  <a:lnTo>
+                    <a:pt x="1230" y="2427"/>
+                  </a:lnTo>
+                  <a:cubicBezTo>
+                    <a:pt x="1" y="3592"/>
+                    <a:pt x="1" y="5577"/>
+                    <a:pt x="1230" y="6806"/>
+                  </a:cubicBezTo>
+                  <a:cubicBezTo>
+                    <a:pt x="1820" y="7396"/>
+                    <a:pt x="2621" y="7704"/>
+                    <a:pt x="3423" y="7704"/>
+                  </a:cubicBezTo>
+                  <a:cubicBezTo>
+                    <a:pt x="4204" y="7704"/>
+                    <a:pt x="4986" y="7412"/>
+                    <a:pt x="5577" y="6806"/>
+                  </a:cubicBezTo>
+                  <a:cubicBezTo>
+                    <a:pt x="7531" y="4884"/>
+                    <a:pt x="8003" y="4506"/>
+                    <a:pt x="8350" y="3813"/>
+                  </a:cubicBezTo>
+                  <a:cubicBezTo>
+                    <a:pt x="8822" y="2994"/>
+                    <a:pt x="8822" y="1986"/>
+                    <a:pt x="8381" y="1104"/>
+                  </a:cubicBezTo>
+                  <a:cubicBezTo>
+                    <a:pt x="8161" y="568"/>
+                    <a:pt x="7877" y="253"/>
+                    <a:pt x="7531" y="1"/>
+                  </a:cubicBezTo>
+                  <a:close/>
+                </a:path>
+              </a:pathLst>
+            </a:custGeom>
+            <a:grpFill/>
+            <a:ln>
+              <a:noFill/>
+            </a:ln>
+          </p:spPr>
+          <p:txBody>
+            <a:bodyPr spcFirstLastPara="1" wrap="square" lIns="91425" tIns="91425" rIns="91425" bIns="91425" anchor="ctr" anchorCtr="0">
+              <a:noAutofit/>
+            </a:bodyPr>
+            <a:lstStyle/>
+            <a:p>
+              <a:pPr marL="0" lvl="0" indent="0" algn="l" rtl="0">
+                <a:spcBef>
+                  <a:spcPts val="0"/>
+                </a:spcBef>
+                <a:spcAft>
+                  <a:spcPts val="0"/>
+                </a:spcAft>
+                <a:buNone/>
+              </a:pPr>
+              <a:endParaRPr/>
+            </a:p>
+          </p:txBody>
+        </p:sp>
+        <p:sp>
+          <p:nvSpPr>
+            <p:cNvPr id="10" name="Google Shape;9047;p141">
+              <a:extLst>
+                <a:ext uri="{FF2B5EF4-FFF2-40B4-BE49-F238E27FC236}">
+                  <a16:creationId xmlns:a16="http://schemas.microsoft.com/office/drawing/2014/main" id="{9F390CC1-3647-4404-9818-39C3242BA2F2}"/>
+                </a:ext>
+              </a:extLst>
+            </p:cNvPr>
+            <p:cNvSpPr/>
+            <p:nvPr/>
+          </p:nvSpPr>
+          <p:spPr>
+            <a:xfrm>
+              <a:off x="-6621300" y="3272575"/>
+              <a:ext cx="231575" cy="194950"/>
+            </a:xfrm>
+            <a:custGeom>
+              <a:avLst/>
+              <a:gdLst/>
+              <a:ahLst/>
+              <a:cxnLst/>
+              <a:rect l="l" t="t" r="r" b="b"/>
+              <a:pathLst>
+                <a:path w="9263" h="7798" extrusionOk="0">
+                  <a:moveTo>
+                    <a:pt x="5868" y="0"/>
+                  </a:moveTo>
+                  <a:cubicBezTo>
+                    <a:pt x="5073" y="0"/>
+                    <a:pt x="4269" y="299"/>
+                    <a:pt x="3655" y="898"/>
+                  </a:cubicBezTo>
+                  <a:lnTo>
+                    <a:pt x="1387" y="3229"/>
+                  </a:lnTo>
+                  <a:cubicBezTo>
+                    <a:pt x="0" y="4615"/>
+                    <a:pt x="315" y="6852"/>
+                    <a:pt x="1670" y="7797"/>
+                  </a:cubicBezTo>
+                  <a:lnTo>
+                    <a:pt x="2836" y="6632"/>
+                  </a:lnTo>
+                  <a:cubicBezTo>
+                    <a:pt x="2962" y="6506"/>
+                    <a:pt x="2962" y="6317"/>
+                    <a:pt x="2836" y="6159"/>
+                  </a:cubicBezTo>
+                  <a:cubicBezTo>
+                    <a:pt x="2552" y="5907"/>
+                    <a:pt x="2489" y="5466"/>
+                    <a:pt x="2552" y="5372"/>
+                  </a:cubicBezTo>
+                  <a:cubicBezTo>
+                    <a:pt x="2552" y="4742"/>
+                    <a:pt x="3214" y="4332"/>
+                    <a:pt x="5167" y="2379"/>
+                  </a:cubicBezTo>
+                  <a:cubicBezTo>
+                    <a:pt x="5384" y="2162"/>
+                    <a:pt x="5630" y="2071"/>
+                    <a:pt x="5869" y="2071"/>
+                  </a:cubicBezTo>
+                  <a:cubicBezTo>
+                    <a:pt x="6673" y="2071"/>
+                    <a:pt x="7393" y="3099"/>
+                    <a:pt x="6616" y="3828"/>
+                  </a:cubicBezTo>
+                  <a:lnTo>
+                    <a:pt x="5923" y="4521"/>
+                  </a:lnTo>
+                  <a:cubicBezTo>
+                    <a:pt x="6364" y="5372"/>
+                    <a:pt x="6522" y="6159"/>
+                    <a:pt x="6364" y="7010"/>
+                  </a:cubicBezTo>
+                  <a:lnTo>
+                    <a:pt x="8097" y="5277"/>
+                  </a:lnTo>
+                  <a:cubicBezTo>
+                    <a:pt x="9263" y="4048"/>
+                    <a:pt x="9263" y="2127"/>
+                    <a:pt x="8034" y="898"/>
+                  </a:cubicBezTo>
+                  <a:cubicBezTo>
+                    <a:pt x="7451" y="299"/>
+                    <a:pt x="6664" y="0"/>
+                    <a:pt x="5868" y="0"/>
+                  </a:cubicBezTo>
+                  <a:close/>
+                </a:path>
+              </a:pathLst>
+            </a:custGeom>
+            <a:grpFill/>
+            <a:ln>
+              <a:noFill/>
+            </a:ln>
+          </p:spPr>
+          <p:txBody>
+            <a:bodyPr spcFirstLastPara="1" wrap="square" lIns="91425" tIns="91425" rIns="91425" bIns="91425" anchor="ctr" anchorCtr="0">
+              <a:noAutofit/>
+            </a:bodyPr>
+            <a:lstStyle/>
+            <a:p>
+              <a:pPr marL="0" lvl="0" indent="0" algn="l" rtl="0">
+                <a:spcBef>
+                  <a:spcPts val="0"/>
+                </a:spcBef>
+                <a:spcAft>
+                  <a:spcPts val="0"/>
+                </a:spcAft>
+                <a:buNone/>
+              </a:pPr>
+              <a:endParaRPr/>
+            </a:p>
+          </p:txBody>
+        </p:sp>
+      </p:grpSp>
+      <p:grpSp>
+        <p:nvGrpSpPr>
+          <p:cNvPr id="11" name="Google Shape;9045;p141">
+            <a:extLst>
+              <a:ext uri="{FF2B5EF4-FFF2-40B4-BE49-F238E27FC236}">
+                <a16:creationId xmlns:a16="http://schemas.microsoft.com/office/drawing/2014/main" id="{4F844441-02EA-4E75-B060-11813FE0DE67}"/>
+              </a:ext>
+            </a:extLst>
+          </p:cNvPr>
+          <p:cNvGrpSpPr/>
+          <p:nvPr/>
+        </p:nvGrpSpPr>
+        <p:grpSpPr>
+          <a:xfrm rot="16200000">
+            <a:off x="8044282" y="-86935"/>
+            <a:ext cx="1430054" cy="1297280"/>
+            <a:chOff x="-6696925" y="3272575"/>
+            <a:chExt cx="307200" cy="291425"/>
+          </a:xfrm>
+          <a:solidFill>
+            <a:schemeClr val="bg1"/>
+          </a:solidFill>
+        </p:grpSpPr>
+        <p:sp>
+          <p:nvSpPr>
+            <p:cNvPr id="12" name="Google Shape;9046;p141">
+              <a:extLst>
+                <a:ext uri="{FF2B5EF4-FFF2-40B4-BE49-F238E27FC236}">
+                  <a16:creationId xmlns:a16="http://schemas.microsoft.com/office/drawing/2014/main" id="{9518F677-3EC7-4569-BC68-E3B6937404F5}"/>
+                </a:ext>
+              </a:extLst>
+            </p:cNvPr>
+            <p:cNvSpPr/>
+            <p:nvPr/>
+          </p:nvSpPr>
+          <p:spPr>
+            <a:xfrm>
+              <a:off x="-6696925" y="3371400"/>
+              <a:ext cx="220575" cy="192600"/>
+            </a:xfrm>
+            <a:custGeom>
+              <a:avLst/>
+              <a:gdLst/>
+              <a:ahLst/>
+              <a:cxnLst/>
+              <a:rect l="l" t="t" r="r" b="b"/>
+              <a:pathLst>
+                <a:path w="8823" h="7704" extrusionOk="0">
+                  <a:moveTo>
+                    <a:pt x="7531" y="1"/>
+                  </a:moveTo>
+                  <a:lnTo>
+                    <a:pt x="6333" y="1167"/>
+                  </a:lnTo>
+                  <a:cubicBezTo>
+                    <a:pt x="6207" y="1293"/>
+                    <a:pt x="6207" y="1513"/>
+                    <a:pt x="6333" y="1639"/>
+                  </a:cubicBezTo>
+                  <a:cubicBezTo>
+                    <a:pt x="6743" y="2017"/>
+                    <a:pt x="6743" y="2710"/>
+                    <a:pt x="6333" y="3088"/>
+                  </a:cubicBezTo>
+                  <a:lnTo>
+                    <a:pt x="4096" y="5325"/>
+                  </a:lnTo>
+                  <a:cubicBezTo>
+                    <a:pt x="3892" y="5530"/>
+                    <a:pt x="3624" y="5632"/>
+                    <a:pt x="3360" y="5632"/>
+                  </a:cubicBezTo>
+                  <a:cubicBezTo>
+                    <a:pt x="3096" y="5632"/>
+                    <a:pt x="2836" y="5530"/>
+                    <a:pt x="2647" y="5325"/>
+                  </a:cubicBezTo>
+                  <a:cubicBezTo>
+                    <a:pt x="2238" y="4947"/>
+                    <a:pt x="2238" y="4286"/>
+                    <a:pt x="2647" y="3876"/>
+                  </a:cubicBezTo>
+                  <a:lnTo>
+                    <a:pt x="3309" y="3214"/>
+                  </a:lnTo>
+                  <a:cubicBezTo>
+                    <a:pt x="2994" y="2679"/>
+                    <a:pt x="2836" y="2017"/>
+                    <a:pt x="2836" y="1387"/>
+                  </a:cubicBezTo>
+                  <a:cubicBezTo>
+                    <a:pt x="2836" y="1167"/>
+                    <a:pt x="2868" y="978"/>
+                    <a:pt x="2899" y="726"/>
+                  </a:cubicBezTo>
+                  <a:lnTo>
+                    <a:pt x="2899" y="726"/>
+                  </a:lnTo>
+                  <a:lnTo>
+                    <a:pt x="1230" y="2427"/>
+                  </a:lnTo>
+                  <a:cubicBezTo>
+                    <a:pt x="1" y="3592"/>
+                    <a:pt x="1" y="5577"/>
+                    <a:pt x="1230" y="6806"/>
+                  </a:cubicBezTo>
+                  <a:cubicBezTo>
+                    <a:pt x="1820" y="7396"/>
+                    <a:pt x="2621" y="7704"/>
+                    <a:pt x="3423" y="7704"/>
+                  </a:cubicBezTo>
+                  <a:cubicBezTo>
+                    <a:pt x="4204" y="7704"/>
+                    <a:pt x="4986" y="7412"/>
+                    <a:pt x="5577" y="6806"/>
+                  </a:cubicBezTo>
+                  <a:cubicBezTo>
+                    <a:pt x="7531" y="4884"/>
+                    <a:pt x="8003" y="4506"/>
+                    <a:pt x="8350" y="3813"/>
+                  </a:cubicBezTo>
+                  <a:cubicBezTo>
+                    <a:pt x="8822" y="2994"/>
+                    <a:pt x="8822" y="1986"/>
+                    <a:pt x="8381" y="1104"/>
+                  </a:cubicBezTo>
+                  <a:cubicBezTo>
+                    <a:pt x="8161" y="568"/>
+                    <a:pt x="7877" y="253"/>
+                    <a:pt x="7531" y="1"/>
+                  </a:cubicBezTo>
+                  <a:close/>
+                </a:path>
+              </a:pathLst>
+            </a:custGeom>
+            <a:grpFill/>
+            <a:ln>
+              <a:noFill/>
+            </a:ln>
+          </p:spPr>
+          <p:txBody>
+            <a:bodyPr spcFirstLastPara="1" wrap="square" lIns="91425" tIns="91425" rIns="91425" bIns="91425" anchor="ctr" anchorCtr="0">
+              <a:noAutofit/>
+            </a:bodyPr>
+            <a:lstStyle/>
+            <a:p>
+              <a:pPr marL="0" lvl="0" indent="0" algn="l" rtl="0">
+                <a:spcBef>
+                  <a:spcPts val="0"/>
+                </a:spcBef>
+                <a:spcAft>
+                  <a:spcPts val="0"/>
+                </a:spcAft>
+                <a:buNone/>
+              </a:pPr>
+              <a:endParaRPr/>
+            </a:p>
+          </p:txBody>
+        </p:sp>
+        <p:sp>
+          <p:nvSpPr>
+            <p:cNvPr id="13" name="Google Shape;9047;p141">
+              <a:extLst>
+                <a:ext uri="{FF2B5EF4-FFF2-40B4-BE49-F238E27FC236}">
+                  <a16:creationId xmlns:a16="http://schemas.microsoft.com/office/drawing/2014/main" id="{34ECF82B-A761-4535-B570-37AA27A4984D}"/>
+                </a:ext>
+              </a:extLst>
+            </p:cNvPr>
+            <p:cNvSpPr/>
+            <p:nvPr/>
+          </p:nvSpPr>
+          <p:spPr>
+            <a:xfrm>
+              <a:off x="-6621300" y="3272575"/>
+              <a:ext cx="231575" cy="194950"/>
+            </a:xfrm>
+            <a:custGeom>
+              <a:avLst/>
+              <a:gdLst/>
+              <a:ahLst/>
+              <a:cxnLst/>
+              <a:rect l="l" t="t" r="r" b="b"/>
+              <a:pathLst>
+                <a:path w="9263" h="7798" extrusionOk="0">
+                  <a:moveTo>
+                    <a:pt x="5868" y="0"/>
+                  </a:moveTo>
+                  <a:cubicBezTo>
+                    <a:pt x="5073" y="0"/>
+                    <a:pt x="4269" y="299"/>
+                    <a:pt x="3655" y="898"/>
+                  </a:cubicBezTo>
+                  <a:lnTo>
+                    <a:pt x="1387" y="3229"/>
+                  </a:lnTo>
+                  <a:cubicBezTo>
+                    <a:pt x="0" y="4615"/>
+                    <a:pt x="315" y="6852"/>
+                    <a:pt x="1670" y="7797"/>
+                  </a:cubicBezTo>
+                  <a:lnTo>
+                    <a:pt x="2836" y="6632"/>
+                  </a:lnTo>
+                  <a:cubicBezTo>
+                    <a:pt x="2962" y="6506"/>
+                    <a:pt x="2962" y="6317"/>
+                    <a:pt x="2836" y="6159"/>
+                  </a:cubicBezTo>
+                  <a:cubicBezTo>
+                    <a:pt x="2552" y="5907"/>
+                    <a:pt x="2489" y="5466"/>
+                    <a:pt x="2552" y="5372"/>
+                  </a:cubicBezTo>
+                  <a:cubicBezTo>
+                    <a:pt x="2552" y="4742"/>
+                    <a:pt x="3214" y="4332"/>
+                    <a:pt x="5167" y="2379"/>
+                  </a:cubicBezTo>
+                  <a:cubicBezTo>
+                    <a:pt x="5384" y="2162"/>
+                    <a:pt x="5630" y="2071"/>
+                    <a:pt x="5869" y="2071"/>
+                  </a:cubicBezTo>
+                  <a:cubicBezTo>
+                    <a:pt x="6673" y="2071"/>
+                    <a:pt x="7393" y="3099"/>
+                    <a:pt x="6616" y="3828"/>
+                  </a:cubicBezTo>
+                  <a:lnTo>
+                    <a:pt x="5923" y="4521"/>
+                  </a:lnTo>
+                  <a:cubicBezTo>
+                    <a:pt x="6364" y="5372"/>
+                    <a:pt x="6522" y="6159"/>
+                    <a:pt x="6364" y="7010"/>
+                  </a:cubicBezTo>
+                  <a:lnTo>
+                    <a:pt x="8097" y="5277"/>
+                  </a:lnTo>
+                  <a:cubicBezTo>
+                    <a:pt x="9263" y="4048"/>
+                    <a:pt x="9263" y="2127"/>
+                    <a:pt x="8034" y="898"/>
+                  </a:cubicBezTo>
+                  <a:cubicBezTo>
+                    <a:pt x="7451" y="299"/>
+                    <a:pt x="6664" y="0"/>
+                    <a:pt x="5868" y="0"/>
+                  </a:cubicBezTo>
+                  <a:close/>
+                </a:path>
+              </a:pathLst>
+            </a:custGeom>
+            <a:grpFill/>
+            <a:ln>
+              <a:noFill/>
+            </a:ln>
+          </p:spPr>
+          <p:txBody>
+            <a:bodyPr spcFirstLastPara="1" wrap="square" lIns="91425" tIns="91425" rIns="91425" bIns="91425" anchor="ctr" anchorCtr="0">
+              <a:noAutofit/>
+            </a:bodyPr>
+            <a:lstStyle/>
+            <a:p>
+              <a:pPr marL="0" lvl="0" indent="0" algn="l" rtl="0">
+                <a:spcBef>
+                  <a:spcPts val="0"/>
+                </a:spcBef>
+                <a:spcAft>
+                  <a:spcPts val="0"/>
+                </a:spcAft>
+                <a:buNone/>
+              </a:pPr>
+              <a:endParaRPr/>
+            </a:p>
+          </p:txBody>
+        </p:sp>
+      </p:grpSp>
     </p:spTree>
   </p:cSld>
   <p:clrMapOvr>
@@ -4241,8 +6327,8 @@
         </p:nvSpPr>
         <p:spPr bwMode="auto">
           <a:xfrm>
-            <a:off x="457200" y="1004054"/>
-            <a:ext cx="4398885" cy="369332"/>
+            <a:off x="457199" y="799300"/>
+            <a:ext cx="4351393" cy="435137"/>
           </a:xfrm>
           <a:prstGeom prst="rect">
             <a:avLst/>
@@ -4301,8 +6387,8 @@
         </p:nvSpPr>
         <p:spPr>
           <a:xfrm>
-            <a:off x="457200" y="1188720"/>
-            <a:ext cx="6858000" cy="0"/>
+            <a:off x="457200" y="799301"/>
+            <a:ext cx="6858000" cy="435137"/>
           </a:xfrm>
           <a:prstGeom prst="rect">
             <a:avLst/>
@@ -5219,6 +7305,513 @@
           </a:p>
         </p:txBody>
       </p:sp>
+      <p:grpSp>
+        <p:nvGrpSpPr>
+          <p:cNvPr id="5" name="Google Shape;6602;p135">
+            <a:extLst>
+              <a:ext uri="{FF2B5EF4-FFF2-40B4-BE49-F238E27FC236}">
+                <a16:creationId xmlns:a16="http://schemas.microsoft.com/office/drawing/2014/main" id="{7A828B96-D5F9-440C-9560-C4C6B81E1159}"/>
+              </a:ext>
+            </a:extLst>
+          </p:cNvPr>
+          <p:cNvGrpSpPr/>
+          <p:nvPr/>
+        </p:nvGrpSpPr>
+        <p:grpSpPr>
+          <a:xfrm>
+            <a:off x="6503110" y="2754394"/>
+            <a:ext cx="2543285" cy="2312583"/>
+            <a:chOff x="4456875" y="2635825"/>
+            <a:chExt cx="481825" cy="451700"/>
+          </a:xfrm>
+          <a:solidFill>
+            <a:schemeClr val="bg1"/>
+          </a:solidFill>
+        </p:grpSpPr>
+        <p:sp>
+          <p:nvSpPr>
+            <p:cNvPr id="6" name="Google Shape;6603;p135">
+              <a:extLst>
+                <a:ext uri="{FF2B5EF4-FFF2-40B4-BE49-F238E27FC236}">
+                  <a16:creationId xmlns:a16="http://schemas.microsoft.com/office/drawing/2014/main" id="{C609415D-4CDA-45F1-9240-CCC34189FA63}"/>
+                </a:ext>
+              </a:extLst>
+            </p:cNvPr>
+            <p:cNvSpPr/>
+            <p:nvPr/>
+          </p:nvSpPr>
+          <p:spPr>
+            <a:xfrm>
+              <a:off x="4542475" y="3031050"/>
+              <a:ext cx="189725" cy="56475"/>
+            </a:xfrm>
+            <a:custGeom>
+              <a:avLst/>
+              <a:gdLst/>
+              <a:ahLst/>
+              <a:cxnLst/>
+              <a:rect l="l" t="t" r="r" b="b"/>
+              <a:pathLst>
+                <a:path w="7589" h="2259" extrusionOk="0">
+                  <a:moveTo>
+                    <a:pt x="2792" y="0"/>
+                  </a:moveTo>
+                  <a:lnTo>
+                    <a:pt x="2415" y="1130"/>
+                  </a:lnTo>
+                  <a:lnTo>
+                    <a:pt x="567" y="1130"/>
+                  </a:lnTo>
+                  <a:cubicBezTo>
+                    <a:pt x="253" y="1130"/>
+                    <a:pt x="0" y="1383"/>
+                    <a:pt x="0" y="1696"/>
+                  </a:cubicBezTo>
+                  <a:cubicBezTo>
+                    <a:pt x="0" y="2006"/>
+                    <a:pt x="253" y="2259"/>
+                    <a:pt x="567" y="2259"/>
+                  </a:cubicBezTo>
+                  <a:lnTo>
+                    <a:pt x="7589" y="2259"/>
+                  </a:lnTo>
+                  <a:cubicBezTo>
+                    <a:pt x="7101" y="1831"/>
+                    <a:pt x="6821" y="1214"/>
+                    <a:pt x="6821" y="567"/>
+                  </a:cubicBezTo>
+                  <a:lnTo>
+                    <a:pt x="6821" y="0"/>
+                  </a:lnTo>
+                  <a:close/>
+                </a:path>
+              </a:pathLst>
+            </a:custGeom>
+            <a:grpFill/>
+            <a:ln>
+              <a:noFill/>
+            </a:ln>
+          </p:spPr>
+          <p:txBody>
+            <a:bodyPr spcFirstLastPara="1" wrap="square" lIns="91425" tIns="91425" rIns="91425" bIns="91425" anchor="ctr" anchorCtr="0">
+              <a:noAutofit/>
+            </a:bodyPr>
+            <a:lstStyle/>
+            <a:p>
+              <a:pPr marL="0" lvl="0" indent="0" algn="l" rtl="0">
+                <a:spcBef>
+                  <a:spcPts val="0"/>
+                </a:spcBef>
+                <a:spcAft>
+                  <a:spcPts val="0"/>
+                </a:spcAft>
+                <a:buNone/>
+              </a:pPr>
+              <a:endParaRPr>
+                <a:solidFill>
+                  <a:srgbClr val="435D74"/>
+                </a:solidFill>
+              </a:endParaRPr>
+            </a:p>
+          </p:txBody>
+        </p:sp>
+        <p:sp>
+          <p:nvSpPr>
+            <p:cNvPr id="7" name="Google Shape;6604;p135">
+              <a:extLst>
+                <a:ext uri="{FF2B5EF4-FFF2-40B4-BE49-F238E27FC236}">
+                  <a16:creationId xmlns:a16="http://schemas.microsoft.com/office/drawing/2014/main" id="{EEDD9654-BB56-440A-A9CE-D58A8A504213}"/>
+                </a:ext>
+              </a:extLst>
+            </p:cNvPr>
+            <p:cNvSpPr/>
+            <p:nvPr/>
+          </p:nvSpPr>
+          <p:spPr>
+            <a:xfrm>
+              <a:off x="4456875" y="2946350"/>
+              <a:ext cx="256125" cy="56500"/>
+            </a:xfrm>
+            <a:custGeom>
+              <a:avLst/>
+              <a:gdLst/>
+              <a:ahLst/>
+              <a:cxnLst/>
+              <a:rect l="l" t="t" r="r" b="b"/>
+              <a:pathLst>
+                <a:path w="10245" h="2260" extrusionOk="0">
+                  <a:moveTo>
+                    <a:pt x="1" y="1"/>
+                  </a:moveTo>
+                  <a:lnTo>
+                    <a:pt x="1" y="567"/>
+                  </a:lnTo>
+                  <a:cubicBezTo>
+                    <a:pt x="1" y="1500"/>
+                    <a:pt x="756" y="2259"/>
+                    <a:pt x="1693" y="2259"/>
+                  </a:cubicBezTo>
+                  <a:lnTo>
+                    <a:pt x="10245" y="2259"/>
+                  </a:lnTo>
+                  <a:lnTo>
+                    <a:pt x="10245" y="1"/>
+                  </a:lnTo>
+                  <a:close/>
+                </a:path>
+              </a:pathLst>
+            </a:custGeom>
+            <a:grpFill/>
+            <a:ln>
+              <a:noFill/>
+            </a:ln>
+          </p:spPr>
+          <p:txBody>
+            <a:bodyPr spcFirstLastPara="1" wrap="square" lIns="91425" tIns="91425" rIns="91425" bIns="91425" anchor="ctr" anchorCtr="0">
+              <a:noAutofit/>
+            </a:bodyPr>
+            <a:lstStyle/>
+            <a:p>
+              <a:pPr marL="0" lvl="0" indent="0" algn="l" rtl="0">
+                <a:spcBef>
+                  <a:spcPts val="0"/>
+                </a:spcBef>
+                <a:spcAft>
+                  <a:spcPts val="0"/>
+                </a:spcAft>
+                <a:buNone/>
+              </a:pPr>
+              <a:endParaRPr dirty="0">
+                <a:solidFill>
+                  <a:srgbClr val="435D74"/>
+                </a:solidFill>
+              </a:endParaRPr>
+            </a:p>
+          </p:txBody>
+        </p:sp>
+        <p:sp>
+          <p:nvSpPr>
+            <p:cNvPr id="8" name="Google Shape;6605;p135">
+              <a:extLst>
+                <a:ext uri="{FF2B5EF4-FFF2-40B4-BE49-F238E27FC236}">
+                  <a16:creationId xmlns:a16="http://schemas.microsoft.com/office/drawing/2014/main" id="{E27DF1FC-1128-4152-94DC-20C9C2E77BD1}"/>
+                </a:ext>
+              </a:extLst>
+            </p:cNvPr>
+            <p:cNvSpPr/>
+            <p:nvPr/>
+          </p:nvSpPr>
+          <p:spPr>
+            <a:xfrm>
+              <a:off x="4741225" y="2861675"/>
+              <a:ext cx="169400" cy="141175"/>
+            </a:xfrm>
+            <a:custGeom>
+              <a:avLst/>
+              <a:gdLst/>
+              <a:ahLst/>
+              <a:cxnLst/>
+              <a:rect l="l" t="t" r="r" b="b"/>
+              <a:pathLst>
+                <a:path w="6776" h="5647" extrusionOk="0">
+                  <a:moveTo>
+                    <a:pt x="0" y="0"/>
+                  </a:moveTo>
+                  <a:lnTo>
+                    <a:pt x="0" y="5646"/>
+                  </a:lnTo>
+                  <a:lnTo>
+                    <a:pt x="6775" y="5646"/>
+                  </a:lnTo>
+                  <a:lnTo>
+                    <a:pt x="6775" y="0"/>
+                  </a:lnTo>
+                  <a:close/>
+                </a:path>
+              </a:pathLst>
+            </a:custGeom>
+            <a:grpFill/>
+            <a:ln>
+              <a:noFill/>
+            </a:ln>
+          </p:spPr>
+          <p:txBody>
+            <a:bodyPr spcFirstLastPara="1" wrap="square" lIns="91425" tIns="91425" rIns="91425" bIns="91425" anchor="ctr" anchorCtr="0">
+              <a:noAutofit/>
+            </a:bodyPr>
+            <a:lstStyle/>
+            <a:p>
+              <a:pPr marL="0" lvl="0" indent="0" algn="l" rtl="0">
+                <a:spcBef>
+                  <a:spcPts val="0"/>
+                </a:spcBef>
+                <a:spcAft>
+                  <a:spcPts val="0"/>
+                </a:spcAft>
+                <a:buNone/>
+              </a:pPr>
+              <a:endParaRPr>
+                <a:solidFill>
+                  <a:srgbClr val="435D74"/>
+                </a:solidFill>
+              </a:endParaRPr>
+            </a:p>
+          </p:txBody>
+        </p:sp>
+        <p:sp>
+          <p:nvSpPr>
+            <p:cNvPr id="9" name="Google Shape;6606;p135">
+              <a:extLst>
+                <a:ext uri="{FF2B5EF4-FFF2-40B4-BE49-F238E27FC236}">
+                  <a16:creationId xmlns:a16="http://schemas.microsoft.com/office/drawing/2014/main" id="{BD741E91-661C-4D52-8D62-5562A5536B55}"/>
+                </a:ext>
+              </a:extLst>
+            </p:cNvPr>
+            <p:cNvSpPr/>
+            <p:nvPr/>
+          </p:nvSpPr>
+          <p:spPr>
+            <a:xfrm>
+              <a:off x="4741225" y="3031050"/>
+              <a:ext cx="169400" cy="42400"/>
+            </a:xfrm>
+            <a:custGeom>
+              <a:avLst/>
+              <a:gdLst/>
+              <a:ahLst/>
+              <a:cxnLst/>
+              <a:rect l="l" t="t" r="r" b="b"/>
+              <a:pathLst>
+                <a:path w="6776" h="1696" extrusionOk="0">
+                  <a:moveTo>
+                    <a:pt x="0" y="0"/>
+                  </a:moveTo>
+                  <a:lnTo>
+                    <a:pt x="0" y="567"/>
+                  </a:lnTo>
+                  <a:cubicBezTo>
+                    <a:pt x="0" y="1190"/>
+                    <a:pt x="506" y="1696"/>
+                    <a:pt x="1129" y="1696"/>
+                  </a:cubicBezTo>
+                  <a:lnTo>
+                    <a:pt x="5646" y="1696"/>
+                  </a:lnTo>
+                  <a:cubicBezTo>
+                    <a:pt x="6270" y="1696"/>
+                    <a:pt x="6775" y="1190"/>
+                    <a:pt x="6775" y="567"/>
+                  </a:cubicBezTo>
+                  <a:lnTo>
+                    <a:pt x="6775" y="0"/>
+                  </a:lnTo>
+                  <a:close/>
+                </a:path>
+              </a:pathLst>
+            </a:custGeom>
+            <a:grpFill/>
+            <a:ln>
+              <a:noFill/>
+            </a:ln>
+          </p:spPr>
+          <p:txBody>
+            <a:bodyPr spcFirstLastPara="1" wrap="square" lIns="91425" tIns="91425" rIns="91425" bIns="91425" anchor="ctr" anchorCtr="0">
+              <a:noAutofit/>
+            </a:bodyPr>
+            <a:lstStyle/>
+            <a:p>
+              <a:pPr marL="0" lvl="0" indent="0" algn="l" rtl="0">
+                <a:spcBef>
+                  <a:spcPts val="0"/>
+                </a:spcBef>
+                <a:spcAft>
+                  <a:spcPts val="0"/>
+                </a:spcAft>
+                <a:buNone/>
+              </a:pPr>
+              <a:endParaRPr>
+                <a:solidFill>
+                  <a:srgbClr val="435D74"/>
+                </a:solidFill>
+              </a:endParaRPr>
+            </a:p>
+          </p:txBody>
+        </p:sp>
+        <p:sp>
+          <p:nvSpPr>
+            <p:cNvPr id="10" name="Google Shape;6607;p135">
+              <a:extLst>
+                <a:ext uri="{FF2B5EF4-FFF2-40B4-BE49-F238E27FC236}">
+                  <a16:creationId xmlns:a16="http://schemas.microsoft.com/office/drawing/2014/main" id="{9E96D04C-6C25-4886-83B8-111054B2AFFF}"/>
+                </a:ext>
+              </a:extLst>
+            </p:cNvPr>
+            <p:cNvSpPr/>
+            <p:nvPr/>
+          </p:nvSpPr>
+          <p:spPr>
+            <a:xfrm>
+              <a:off x="4456875" y="2635825"/>
+              <a:ext cx="481825" cy="282325"/>
+            </a:xfrm>
+            <a:custGeom>
+              <a:avLst/>
+              <a:gdLst/>
+              <a:ahLst/>
+              <a:cxnLst/>
+              <a:rect l="l" t="t" r="r" b="b"/>
+              <a:pathLst>
+                <a:path w="19273" h="11293" extrusionOk="0">
+                  <a:moveTo>
+                    <a:pt x="1693" y="0"/>
+                  </a:moveTo>
+                  <a:cubicBezTo>
+                    <a:pt x="756" y="0"/>
+                    <a:pt x="1" y="759"/>
+                    <a:pt x="1" y="1696"/>
+                  </a:cubicBezTo>
+                  <a:lnTo>
+                    <a:pt x="1" y="11293"/>
+                  </a:lnTo>
+                  <a:lnTo>
+                    <a:pt x="10245" y="11293"/>
+                  </a:lnTo>
+                  <a:lnTo>
+                    <a:pt x="10245" y="7342"/>
+                  </a:lnTo>
+                  <a:cubicBezTo>
+                    <a:pt x="10245" y="6092"/>
+                    <a:pt x="11257" y="5083"/>
+                    <a:pt x="12503" y="5083"/>
+                  </a:cubicBezTo>
+                  <a:lnTo>
+                    <a:pt x="17020" y="5083"/>
+                  </a:lnTo>
+                  <a:cubicBezTo>
+                    <a:pt x="18201" y="5083"/>
+                    <a:pt x="19179" y="5993"/>
+                    <a:pt x="19273" y="7167"/>
+                  </a:cubicBezTo>
+                  <a:lnTo>
+                    <a:pt x="19273" y="1696"/>
+                  </a:lnTo>
+                  <a:cubicBezTo>
+                    <a:pt x="19270" y="759"/>
+                    <a:pt x="18514" y="0"/>
+                    <a:pt x="17577" y="0"/>
+                  </a:cubicBezTo>
+                  <a:close/>
+                </a:path>
+              </a:pathLst>
+            </a:custGeom>
+            <a:grpFill/>
+            <a:ln>
+              <a:noFill/>
+            </a:ln>
+          </p:spPr>
+          <p:txBody>
+            <a:bodyPr spcFirstLastPara="1" wrap="square" lIns="91425" tIns="91425" rIns="91425" bIns="91425" anchor="ctr" anchorCtr="0">
+              <a:noAutofit/>
+            </a:bodyPr>
+            <a:lstStyle/>
+            <a:p>
+              <a:pPr marL="0" lvl="0" indent="0" algn="l" rtl="0">
+                <a:spcBef>
+                  <a:spcPts val="0"/>
+                </a:spcBef>
+                <a:spcAft>
+                  <a:spcPts val="0"/>
+                </a:spcAft>
+                <a:buNone/>
+              </a:pPr>
+              <a:endParaRPr>
+                <a:solidFill>
+                  <a:srgbClr val="435D74"/>
+                </a:solidFill>
+              </a:endParaRPr>
+            </a:p>
+          </p:txBody>
+        </p:sp>
+        <p:sp>
+          <p:nvSpPr>
+            <p:cNvPr id="11" name="Google Shape;6608;p135">
+              <a:extLst>
+                <a:ext uri="{FF2B5EF4-FFF2-40B4-BE49-F238E27FC236}">
+                  <a16:creationId xmlns:a16="http://schemas.microsoft.com/office/drawing/2014/main" id="{2B3E41AA-7E7A-43CB-AFDE-5707651E102E}"/>
+                </a:ext>
+              </a:extLst>
+            </p:cNvPr>
+            <p:cNvSpPr/>
+            <p:nvPr/>
+          </p:nvSpPr>
+          <p:spPr>
+            <a:xfrm>
+              <a:off x="4741225" y="2791125"/>
+              <a:ext cx="169400" cy="42325"/>
+            </a:xfrm>
+            <a:custGeom>
+              <a:avLst/>
+              <a:gdLst/>
+              <a:ahLst/>
+              <a:cxnLst/>
+              <a:rect l="l" t="t" r="r" b="b"/>
+              <a:pathLst>
+                <a:path w="6776" h="1693" extrusionOk="0">
+                  <a:moveTo>
+                    <a:pt x="1129" y="1"/>
+                  </a:moveTo>
+                  <a:cubicBezTo>
+                    <a:pt x="506" y="1"/>
+                    <a:pt x="0" y="503"/>
+                    <a:pt x="0" y="1130"/>
+                  </a:cubicBezTo>
+                  <a:lnTo>
+                    <a:pt x="0" y="1693"/>
+                  </a:lnTo>
+                  <a:lnTo>
+                    <a:pt x="6775" y="1693"/>
+                  </a:lnTo>
+                  <a:lnTo>
+                    <a:pt x="6775" y="1130"/>
+                  </a:lnTo>
+                  <a:cubicBezTo>
+                    <a:pt x="6775" y="503"/>
+                    <a:pt x="6270" y="1"/>
+                    <a:pt x="5646" y="1"/>
+                  </a:cubicBezTo>
+                  <a:close/>
+                </a:path>
+              </a:pathLst>
+            </a:custGeom>
+            <a:grpFill/>
+            <a:ln>
+              <a:noFill/>
+            </a:ln>
+          </p:spPr>
+          <p:txBody>
+            <a:bodyPr spcFirstLastPara="1" wrap="square" lIns="91425" tIns="91425" rIns="91425" bIns="91425" anchor="ctr" anchorCtr="0">
+              <a:noAutofit/>
+            </a:bodyPr>
+            <a:lstStyle/>
+            <a:p>
+              <a:pPr marL="0" lvl="0" indent="0" algn="l" rtl="0">
+                <a:spcBef>
+                  <a:spcPts val="0"/>
+                </a:spcBef>
+                <a:spcAft>
+                  <a:spcPts val="0"/>
+                </a:spcAft>
+                <a:buNone/>
+              </a:pPr>
+              <a:endParaRPr>
+                <a:solidFill>
+                  <a:srgbClr val="435D74"/>
+                </a:solidFill>
+              </a:endParaRPr>
+            </a:p>
+          </p:txBody>
+        </p:sp>
+      </p:grpSp>
     </p:spTree>
   </p:cSld>
   <p:clrMapOvr>
@@ -5651,6 +8244,596 @@
           </a:p>
         </p:txBody>
       </p:sp>
+      <p:grpSp>
+        <p:nvGrpSpPr>
+          <p:cNvPr id="6" name="Google Shape;6399;p135">
+            <a:extLst>
+              <a:ext uri="{FF2B5EF4-FFF2-40B4-BE49-F238E27FC236}">
+                <a16:creationId xmlns:a16="http://schemas.microsoft.com/office/drawing/2014/main" id="{3F2BB8F2-08F0-4929-A63F-7AD31375E2B5}"/>
+              </a:ext>
+            </a:extLst>
+          </p:cNvPr>
+          <p:cNvGrpSpPr/>
+          <p:nvPr/>
+        </p:nvGrpSpPr>
+        <p:grpSpPr>
+          <a:xfrm>
+            <a:off x="6634681" y="2740536"/>
+            <a:ext cx="2397902" cy="2343015"/>
+            <a:chOff x="1492675" y="2027925"/>
+            <a:chExt cx="481825" cy="481825"/>
+          </a:xfrm>
+          <a:solidFill>
+            <a:schemeClr val="bg1"/>
+          </a:solidFill>
+        </p:grpSpPr>
+        <p:sp>
+          <p:nvSpPr>
+            <p:cNvPr id="7" name="Google Shape;6400;p135">
+              <a:extLst>
+                <a:ext uri="{FF2B5EF4-FFF2-40B4-BE49-F238E27FC236}">
+                  <a16:creationId xmlns:a16="http://schemas.microsoft.com/office/drawing/2014/main" id="{9251689A-8938-48AF-86E9-17B0C95792B4}"/>
+                </a:ext>
+              </a:extLst>
+            </p:cNvPr>
+            <p:cNvSpPr/>
+            <p:nvPr/>
+          </p:nvSpPr>
+          <p:spPr>
+            <a:xfrm>
+              <a:off x="1719425" y="2170050"/>
+              <a:ext cx="28250" cy="28250"/>
+            </a:xfrm>
+            <a:custGeom>
+              <a:avLst/>
+              <a:gdLst/>
+              <a:ahLst/>
+              <a:cxnLst/>
+              <a:rect l="l" t="t" r="r" b="b"/>
+              <a:pathLst>
+                <a:path w="1130" h="1130" extrusionOk="0">
+                  <a:moveTo>
+                    <a:pt x="567" y="1"/>
+                  </a:moveTo>
+                  <a:cubicBezTo>
+                    <a:pt x="254" y="1"/>
+                    <a:pt x="1" y="251"/>
+                    <a:pt x="1" y="564"/>
+                  </a:cubicBezTo>
+                  <a:cubicBezTo>
+                    <a:pt x="1" y="877"/>
+                    <a:pt x="254" y="1130"/>
+                    <a:pt x="567" y="1130"/>
+                  </a:cubicBezTo>
+                  <a:cubicBezTo>
+                    <a:pt x="877" y="1130"/>
+                    <a:pt x="1130" y="877"/>
+                    <a:pt x="1130" y="564"/>
+                  </a:cubicBezTo>
+                  <a:cubicBezTo>
+                    <a:pt x="1130" y="251"/>
+                    <a:pt x="877" y="1"/>
+                    <a:pt x="567" y="1"/>
+                  </a:cubicBezTo>
+                  <a:close/>
+                </a:path>
+              </a:pathLst>
+            </a:custGeom>
+            <a:grpFill/>
+            <a:ln>
+              <a:noFill/>
+            </a:ln>
+          </p:spPr>
+          <p:txBody>
+            <a:bodyPr spcFirstLastPara="1" wrap="square" lIns="91425" tIns="91425" rIns="91425" bIns="91425" anchor="ctr" anchorCtr="0">
+              <a:noAutofit/>
+            </a:bodyPr>
+            <a:lstStyle/>
+            <a:p>
+              <a:pPr marL="0" lvl="0" indent="0" algn="l" rtl="0">
+                <a:spcBef>
+                  <a:spcPts val="0"/>
+                </a:spcBef>
+                <a:spcAft>
+                  <a:spcPts val="0"/>
+                </a:spcAft>
+                <a:buNone/>
+              </a:pPr>
+              <a:endParaRPr>
+                <a:solidFill>
+                  <a:srgbClr val="435D74"/>
+                </a:solidFill>
+              </a:endParaRPr>
+            </a:p>
+          </p:txBody>
+        </p:sp>
+        <p:sp>
+          <p:nvSpPr>
+            <p:cNvPr id="8" name="Google Shape;6401;p135">
+              <a:extLst>
+                <a:ext uri="{FF2B5EF4-FFF2-40B4-BE49-F238E27FC236}">
+                  <a16:creationId xmlns:a16="http://schemas.microsoft.com/office/drawing/2014/main" id="{C2DB2353-59CB-493D-B554-2E4B74FE1806}"/>
+                </a:ext>
+              </a:extLst>
+            </p:cNvPr>
+            <p:cNvSpPr/>
+            <p:nvPr/>
+          </p:nvSpPr>
+          <p:spPr>
+            <a:xfrm>
+              <a:off x="1832350" y="2254750"/>
+              <a:ext cx="28250" cy="28250"/>
+            </a:xfrm>
+            <a:custGeom>
+              <a:avLst/>
+              <a:gdLst/>
+              <a:ahLst/>
+              <a:cxnLst/>
+              <a:rect l="l" t="t" r="r" b="b"/>
+              <a:pathLst>
+                <a:path w="1130" h="1130" extrusionOk="0">
+                  <a:moveTo>
+                    <a:pt x="567" y="0"/>
+                  </a:moveTo>
+                  <a:cubicBezTo>
+                    <a:pt x="253" y="0"/>
+                    <a:pt x="0" y="250"/>
+                    <a:pt x="0" y="564"/>
+                  </a:cubicBezTo>
+                  <a:cubicBezTo>
+                    <a:pt x="0" y="877"/>
+                    <a:pt x="253" y="1130"/>
+                    <a:pt x="567" y="1130"/>
+                  </a:cubicBezTo>
+                  <a:cubicBezTo>
+                    <a:pt x="877" y="1130"/>
+                    <a:pt x="1130" y="877"/>
+                    <a:pt x="1130" y="564"/>
+                  </a:cubicBezTo>
+                  <a:cubicBezTo>
+                    <a:pt x="1130" y="250"/>
+                    <a:pt x="877" y="0"/>
+                    <a:pt x="567" y="0"/>
+                  </a:cubicBezTo>
+                  <a:close/>
+                </a:path>
+              </a:pathLst>
+            </a:custGeom>
+            <a:grpFill/>
+            <a:ln>
+              <a:noFill/>
+            </a:ln>
+          </p:spPr>
+          <p:txBody>
+            <a:bodyPr spcFirstLastPara="1" wrap="square" lIns="91425" tIns="91425" rIns="91425" bIns="91425" anchor="ctr" anchorCtr="0">
+              <a:noAutofit/>
+            </a:bodyPr>
+            <a:lstStyle/>
+            <a:p>
+              <a:pPr marL="0" lvl="0" indent="0" algn="l" rtl="0">
+                <a:spcBef>
+                  <a:spcPts val="0"/>
+                </a:spcBef>
+                <a:spcAft>
+                  <a:spcPts val="0"/>
+                </a:spcAft>
+                <a:buNone/>
+              </a:pPr>
+              <a:endParaRPr>
+                <a:solidFill>
+                  <a:srgbClr val="435D74"/>
+                </a:solidFill>
+              </a:endParaRPr>
+            </a:p>
+          </p:txBody>
+        </p:sp>
+        <p:sp>
+          <p:nvSpPr>
+            <p:cNvPr id="9" name="Google Shape;6402;p135">
+              <a:extLst>
+                <a:ext uri="{FF2B5EF4-FFF2-40B4-BE49-F238E27FC236}">
+                  <a16:creationId xmlns:a16="http://schemas.microsoft.com/office/drawing/2014/main" id="{8236C0D4-DAC9-476C-A940-87EE836158DB}"/>
+                </a:ext>
+              </a:extLst>
+            </p:cNvPr>
+            <p:cNvSpPr/>
+            <p:nvPr/>
+          </p:nvSpPr>
+          <p:spPr>
+            <a:xfrm>
+              <a:off x="1606500" y="2254750"/>
+              <a:ext cx="28250" cy="28250"/>
+            </a:xfrm>
+            <a:custGeom>
+              <a:avLst/>
+              <a:gdLst/>
+              <a:ahLst/>
+              <a:cxnLst/>
+              <a:rect l="l" t="t" r="r" b="b"/>
+              <a:pathLst>
+                <a:path w="1130" h="1130" extrusionOk="0">
+                  <a:moveTo>
+                    <a:pt x="567" y="0"/>
+                  </a:moveTo>
+                  <a:cubicBezTo>
+                    <a:pt x="254" y="0"/>
+                    <a:pt x="1" y="250"/>
+                    <a:pt x="1" y="564"/>
+                  </a:cubicBezTo>
+                  <a:cubicBezTo>
+                    <a:pt x="1" y="877"/>
+                    <a:pt x="254" y="1130"/>
+                    <a:pt x="567" y="1130"/>
+                  </a:cubicBezTo>
+                  <a:cubicBezTo>
+                    <a:pt x="877" y="1130"/>
+                    <a:pt x="1130" y="877"/>
+                    <a:pt x="1130" y="564"/>
+                  </a:cubicBezTo>
+                  <a:cubicBezTo>
+                    <a:pt x="1130" y="250"/>
+                    <a:pt x="877" y="0"/>
+                    <a:pt x="567" y="0"/>
+                  </a:cubicBezTo>
+                  <a:close/>
+                </a:path>
+              </a:pathLst>
+            </a:custGeom>
+            <a:grpFill/>
+            <a:ln>
+              <a:noFill/>
+            </a:ln>
+          </p:spPr>
+          <p:txBody>
+            <a:bodyPr spcFirstLastPara="1" wrap="square" lIns="91425" tIns="91425" rIns="91425" bIns="91425" anchor="ctr" anchorCtr="0">
+              <a:noAutofit/>
+            </a:bodyPr>
+            <a:lstStyle/>
+            <a:p>
+              <a:pPr marL="0" lvl="0" indent="0" algn="l" rtl="0">
+                <a:spcBef>
+                  <a:spcPts val="0"/>
+                </a:spcBef>
+                <a:spcAft>
+                  <a:spcPts val="0"/>
+                </a:spcAft>
+                <a:buNone/>
+              </a:pPr>
+              <a:endParaRPr>
+                <a:solidFill>
+                  <a:srgbClr val="435D74"/>
+                </a:solidFill>
+              </a:endParaRPr>
+            </a:p>
+          </p:txBody>
+        </p:sp>
+        <p:sp>
+          <p:nvSpPr>
+            <p:cNvPr id="10" name="Google Shape;6403;p135">
+              <a:extLst>
+                <a:ext uri="{FF2B5EF4-FFF2-40B4-BE49-F238E27FC236}">
+                  <a16:creationId xmlns:a16="http://schemas.microsoft.com/office/drawing/2014/main" id="{77A1E097-76F4-4503-8B24-2E4F71F95E71}"/>
+                </a:ext>
+              </a:extLst>
+            </p:cNvPr>
+            <p:cNvSpPr/>
+            <p:nvPr/>
+          </p:nvSpPr>
+          <p:spPr>
+            <a:xfrm>
+              <a:off x="1492675" y="2425025"/>
+              <a:ext cx="481825" cy="84725"/>
+            </a:xfrm>
+            <a:custGeom>
+              <a:avLst/>
+              <a:gdLst/>
+              <a:ahLst/>
+              <a:cxnLst/>
+              <a:rect l="l" t="t" r="r" b="b"/>
+              <a:pathLst>
+                <a:path w="19273" h="3389" extrusionOk="0">
+                  <a:moveTo>
+                    <a:pt x="1" y="1"/>
+                  </a:moveTo>
+                  <a:lnTo>
+                    <a:pt x="1" y="1696"/>
+                  </a:lnTo>
+                  <a:cubicBezTo>
+                    <a:pt x="1" y="2630"/>
+                    <a:pt x="757" y="3389"/>
+                    <a:pt x="1693" y="3389"/>
+                  </a:cubicBezTo>
+                  <a:lnTo>
+                    <a:pt x="17577" y="3389"/>
+                  </a:lnTo>
+                  <a:cubicBezTo>
+                    <a:pt x="18514" y="3389"/>
+                    <a:pt x="19270" y="2630"/>
+                    <a:pt x="19273" y="1696"/>
+                  </a:cubicBezTo>
+                  <a:lnTo>
+                    <a:pt x="19273" y="1"/>
+                  </a:lnTo>
+                  <a:close/>
+                </a:path>
+              </a:pathLst>
+            </a:custGeom>
+            <a:grpFill/>
+            <a:ln>
+              <a:noFill/>
+            </a:ln>
+          </p:spPr>
+          <p:txBody>
+            <a:bodyPr spcFirstLastPara="1" wrap="square" lIns="91425" tIns="91425" rIns="91425" bIns="91425" anchor="ctr" anchorCtr="0">
+              <a:noAutofit/>
+            </a:bodyPr>
+            <a:lstStyle/>
+            <a:p>
+              <a:pPr marL="0" lvl="0" indent="0" algn="l" rtl="0">
+                <a:spcBef>
+                  <a:spcPts val="0"/>
+                </a:spcBef>
+                <a:spcAft>
+                  <a:spcPts val="0"/>
+                </a:spcAft>
+                <a:buNone/>
+              </a:pPr>
+              <a:endParaRPr>
+                <a:solidFill>
+                  <a:srgbClr val="435D74"/>
+                </a:solidFill>
+              </a:endParaRPr>
+            </a:p>
+          </p:txBody>
+        </p:sp>
+        <p:sp>
+          <p:nvSpPr>
+            <p:cNvPr id="11" name="Google Shape;6404;p135">
+              <a:extLst>
+                <a:ext uri="{FF2B5EF4-FFF2-40B4-BE49-F238E27FC236}">
+                  <a16:creationId xmlns:a16="http://schemas.microsoft.com/office/drawing/2014/main" id="{17A110FE-B968-4F23-85E2-C0F11C0F0545}"/>
+                </a:ext>
+              </a:extLst>
+            </p:cNvPr>
+            <p:cNvSpPr/>
+            <p:nvPr/>
+          </p:nvSpPr>
+          <p:spPr>
+            <a:xfrm>
+              <a:off x="1492675" y="2027925"/>
+              <a:ext cx="481825" cy="368000"/>
+            </a:xfrm>
+            <a:custGeom>
+              <a:avLst/>
+              <a:gdLst/>
+              <a:ahLst/>
+              <a:cxnLst/>
+              <a:rect l="l" t="t" r="r" b="b"/>
+              <a:pathLst>
+                <a:path w="19273" h="14720" extrusionOk="0">
+                  <a:moveTo>
+                    <a:pt x="5120" y="2259"/>
+                  </a:moveTo>
+                  <a:cubicBezTo>
+                    <a:pt x="5430" y="2259"/>
+                    <a:pt x="5683" y="2512"/>
+                    <a:pt x="5683" y="2825"/>
+                  </a:cubicBezTo>
+                  <a:lnTo>
+                    <a:pt x="5683" y="8047"/>
+                  </a:lnTo>
+                  <a:cubicBezTo>
+                    <a:pt x="6360" y="8281"/>
+                    <a:pt x="6812" y="8920"/>
+                    <a:pt x="6812" y="9637"/>
+                  </a:cubicBezTo>
+                  <a:cubicBezTo>
+                    <a:pt x="6812" y="10353"/>
+                    <a:pt x="6360" y="10992"/>
+                    <a:pt x="5683" y="11226"/>
+                  </a:cubicBezTo>
+                  <a:lnTo>
+                    <a:pt x="5683" y="13024"/>
+                  </a:lnTo>
+                  <a:cubicBezTo>
+                    <a:pt x="5683" y="13337"/>
+                    <a:pt x="5430" y="13587"/>
+                    <a:pt x="5120" y="13587"/>
+                  </a:cubicBezTo>
+                  <a:cubicBezTo>
+                    <a:pt x="4807" y="13587"/>
+                    <a:pt x="4554" y="13337"/>
+                    <a:pt x="4554" y="13024"/>
+                  </a:cubicBezTo>
+                  <a:lnTo>
+                    <a:pt x="4554" y="11226"/>
+                  </a:lnTo>
+                  <a:cubicBezTo>
+                    <a:pt x="3876" y="10992"/>
+                    <a:pt x="3425" y="10353"/>
+                    <a:pt x="3425" y="9637"/>
+                  </a:cubicBezTo>
+                  <a:cubicBezTo>
+                    <a:pt x="3425" y="8920"/>
+                    <a:pt x="3876" y="8281"/>
+                    <a:pt x="4554" y="8047"/>
+                  </a:cubicBezTo>
+                  <a:lnTo>
+                    <a:pt x="4554" y="2825"/>
+                  </a:lnTo>
+                  <a:cubicBezTo>
+                    <a:pt x="4554" y="2512"/>
+                    <a:pt x="4807" y="2259"/>
+                    <a:pt x="5120" y="2259"/>
+                  </a:cubicBezTo>
+                  <a:close/>
+                  <a:moveTo>
+                    <a:pt x="9637" y="2259"/>
+                  </a:moveTo>
+                  <a:cubicBezTo>
+                    <a:pt x="9947" y="2259"/>
+                    <a:pt x="10200" y="2512"/>
+                    <a:pt x="10200" y="2825"/>
+                  </a:cubicBezTo>
+                  <a:lnTo>
+                    <a:pt x="10200" y="4659"/>
+                  </a:lnTo>
+                  <a:cubicBezTo>
+                    <a:pt x="10877" y="4894"/>
+                    <a:pt x="11329" y="5532"/>
+                    <a:pt x="11329" y="6249"/>
+                  </a:cubicBezTo>
+                  <a:cubicBezTo>
+                    <a:pt x="11329" y="6966"/>
+                    <a:pt x="10877" y="7604"/>
+                    <a:pt x="10200" y="7839"/>
+                  </a:cubicBezTo>
+                  <a:lnTo>
+                    <a:pt x="10200" y="13024"/>
+                  </a:lnTo>
+                  <a:cubicBezTo>
+                    <a:pt x="10200" y="13337"/>
+                    <a:pt x="9947" y="13587"/>
+                    <a:pt x="9637" y="13587"/>
+                  </a:cubicBezTo>
+                  <a:cubicBezTo>
+                    <a:pt x="9324" y="13587"/>
+                    <a:pt x="9071" y="13337"/>
+                    <a:pt x="9071" y="13024"/>
+                  </a:cubicBezTo>
+                  <a:lnTo>
+                    <a:pt x="9071" y="7839"/>
+                  </a:lnTo>
+                  <a:cubicBezTo>
+                    <a:pt x="8393" y="7604"/>
+                    <a:pt x="7941" y="6966"/>
+                    <a:pt x="7941" y="6249"/>
+                  </a:cubicBezTo>
+                  <a:cubicBezTo>
+                    <a:pt x="7941" y="5532"/>
+                    <a:pt x="8393" y="4894"/>
+                    <a:pt x="9071" y="4659"/>
+                  </a:cubicBezTo>
+                  <a:lnTo>
+                    <a:pt x="9071" y="2825"/>
+                  </a:lnTo>
+                  <a:cubicBezTo>
+                    <a:pt x="9071" y="2512"/>
+                    <a:pt x="9324" y="2259"/>
+                    <a:pt x="9637" y="2259"/>
+                  </a:cubicBezTo>
+                  <a:close/>
+                  <a:moveTo>
+                    <a:pt x="14154" y="2259"/>
+                  </a:moveTo>
+                  <a:cubicBezTo>
+                    <a:pt x="14464" y="2259"/>
+                    <a:pt x="14717" y="2512"/>
+                    <a:pt x="14717" y="2825"/>
+                  </a:cubicBezTo>
+                  <a:lnTo>
+                    <a:pt x="14717" y="8047"/>
+                  </a:lnTo>
+                  <a:cubicBezTo>
+                    <a:pt x="15394" y="8281"/>
+                    <a:pt x="15846" y="8920"/>
+                    <a:pt x="15846" y="9637"/>
+                  </a:cubicBezTo>
+                  <a:cubicBezTo>
+                    <a:pt x="15846" y="10353"/>
+                    <a:pt x="15394" y="10992"/>
+                    <a:pt x="14717" y="11226"/>
+                  </a:cubicBezTo>
+                  <a:lnTo>
+                    <a:pt x="14717" y="13024"/>
+                  </a:lnTo>
+                  <a:cubicBezTo>
+                    <a:pt x="14717" y="13337"/>
+                    <a:pt x="14464" y="13587"/>
+                    <a:pt x="14154" y="13587"/>
+                  </a:cubicBezTo>
+                  <a:cubicBezTo>
+                    <a:pt x="13840" y="13587"/>
+                    <a:pt x="13587" y="13337"/>
+                    <a:pt x="13587" y="13024"/>
+                  </a:cubicBezTo>
+                  <a:lnTo>
+                    <a:pt x="13587" y="11226"/>
+                  </a:lnTo>
+                  <a:cubicBezTo>
+                    <a:pt x="12910" y="10992"/>
+                    <a:pt x="12458" y="10353"/>
+                    <a:pt x="12458" y="9637"/>
+                  </a:cubicBezTo>
+                  <a:cubicBezTo>
+                    <a:pt x="12458" y="8920"/>
+                    <a:pt x="12910" y="8281"/>
+                    <a:pt x="13587" y="8047"/>
+                  </a:cubicBezTo>
+                  <a:lnTo>
+                    <a:pt x="13587" y="2825"/>
+                  </a:lnTo>
+                  <a:cubicBezTo>
+                    <a:pt x="13587" y="2512"/>
+                    <a:pt x="13840" y="2259"/>
+                    <a:pt x="14154" y="2259"/>
+                  </a:cubicBezTo>
+                  <a:close/>
+                  <a:moveTo>
+                    <a:pt x="1693" y="1"/>
+                  </a:moveTo>
+                  <a:cubicBezTo>
+                    <a:pt x="757" y="1"/>
+                    <a:pt x="1" y="759"/>
+                    <a:pt x="1" y="1696"/>
+                  </a:cubicBezTo>
+                  <a:lnTo>
+                    <a:pt x="1" y="14720"/>
+                  </a:lnTo>
+                  <a:lnTo>
+                    <a:pt x="19273" y="14720"/>
+                  </a:lnTo>
+                  <a:lnTo>
+                    <a:pt x="19273" y="1696"/>
+                  </a:lnTo>
+                  <a:cubicBezTo>
+                    <a:pt x="19270" y="759"/>
+                    <a:pt x="18514" y="1"/>
+                    <a:pt x="17577" y="1"/>
+                  </a:cubicBezTo>
+                  <a:close/>
+                </a:path>
+              </a:pathLst>
+            </a:custGeom>
+            <a:grpFill/>
+            <a:ln>
+              <a:noFill/>
+            </a:ln>
+          </p:spPr>
+          <p:txBody>
+            <a:bodyPr spcFirstLastPara="1" wrap="square" lIns="91425" tIns="91425" rIns="91425" bIns="91425" anchor="ctr" anchorCtr="0">
+              <a:noAutofit/>
+            </a:bodyPr>
+            <a:lstStyle/>
+            <a:p>
+              <a:pPr marL="0" lvl="0" indent="0" algn="l" rtl="0">
+                <a:spcBef>
+                  <a:spcPts val="0"/>
+                </a:spcBef>
+                <a:spcAft>
+                  <a:spcPts val="0"/>
+                </a:spcAft>
+                <a:buNone/>
+              </a:pPr>
+              <a:endParaRPr>
+                <a:solidFill>
+                  <a:srgbClr val="435D74"/>
+                </a:solidFill>
+              </a:endParaRPr>
+            </a:p>
+          </p:txBody>
+        </p:sp>
+      </p:grpSp>
     </p:spTree>
   </p:cSld>
   <p:clrMapOvr>
@@ -5692,7 +8875,13 @@
       </p:grpSpPr>
       <p:pic>
         <p:nvPicPr>
-          <p:cNvPr id="2" name="Image 0" descr="https://slideai.net/images/shifrator-pleifera-na-python/1.jpg"/>
+          <p:cNvPr id="4" name="Рисунок 3">
+            <a:extLst>
+              <a:ext uri="{FF2B5EF4-FFF2-40B4-BE49-F238E27FC236}">
+                <a16:creationId xmlns:a16="http://schemas.microsoft.com/office/drawing/2014/main" id="{0E88CDDC-36CE-49F4-86D7-04871224A0C5}"/>
+              </a:ext>
+            </a:extLst>
+          </p:cNvPr>
           <p:cNvPicPr>
             <a:picLocks noChangeAspect="1"/>
           </p:cNvPicPr>
@@ -5706,14 +8895,296 @@
         </p:blipFill>
         <p:spPr>
           <a:xfrm>
-            <a:off x="457200" y="457200"/>
-            <a:ext cx="8229600" cy="4572000"/>
+            <a:off x="-351636" y="89522"/>
+            <a:ext cx="4489537" cy="4702286"/>
           </a:xfrm>
           <a:prstGeom prst="rect">
             <a:avLst/>
           </a:prstGeom>
         </p:spPr>
       </p:pic>
+      <p:pic>
+        <p:nvPicPr>
+          <p:cNvPr id="6" name="Рисунок 5">
+            <a:extLst>
+              <a:ext uri="{FF2B5EF4-FFF2-40B4-BE49-F238E27FC236}">
+                <a16:creationId xmlns:a16="http://schemas.microsoft.com/office/drawing/2014/main" id="{D30E373B-4074-4FCE-9DC4-EE06AF32FE8B}"/>
+              </a:ext>
+            </a:extLst>
+          </p:cNvPr>
+          <p:cNvPicPr>
+            <a:picLocks noChangeAspect="1"/>
+          </p:cNvPicPr>
+          <p:nvPr/>
+        </p:nvPicPr>
+        <p:blipFill>
+          <a:blip r:embed="rId5"/>
+          <a:stretch>
+            <a:fillRect/>
+          </a:stretch>
+        </p:blipFill>
+        <p:spPr>
+          <a:xfrm>
+            <a:off x="3921188" y="87338"/>
+            <a:ext cx="5179468" cy="2484412"/>
+          </a:xfrm>
+          <a:prstGeom prst="rect">
+            <a:avLst/>
+          </a:prstGeom>
+        </p:spPr>
+      </p:pic>
+      <p:sp>
+        <p:nvSpPr>
+          <p:cNvPr id="7" name="Правая фигурная скобка 6">
+            <a:extLst>
+              <a:ext uri="{FF2B5EF4-FFF2-40B4-BE49-F238E27FC236}">
+                <a16:creationId xmlns:a16="http://schemas.microsoft.com/office/drawing/2014/main" id="{F54BB47B-39EE-442A-8D48-99B1DE3B0410}"/>
+              </a:ext>
+            </a:extLst>
+          </p:cNvPr>
+          <p:cNvSpPr/>
+          <p:nvPr/>
+        </p:nvSpPr>
+        <p:spPr>
+          <a:xfrm>
+            <a:off x="2736806" y="242987"/>
+            <a:ext cx="390058" cy="1924716"/>
+          </a:xfrm>
+          <a:prstGeom prst="rightBrace">
+            <a:avLst/>
+          </a:prstGeom>
+          <a:ln>
+            <a:solidFill>
+              <a:schemeClr val="tx1"/>
+            </a:solidFill>
+          </a:ln>
+        </p:spPr>
+        <p:style>
+          <a:lnRef idx="1">
+            <a:schemeClr val="accent1"/>
+          </a:lnRef>
+          <a:fillRef idx="0">
+            <a:schemeClr val="accent1"/>
+          </a:fillRef>
+          <a:effectRef idx="0">
+            <a:schemeClr val="accent1"/>
+          </a:effectRef>
+          <a:fontRef idx="minor">
+            <a:schemeClr val="tx1"/>
+          </a:fontRef>
+        </p:style>
+        <p:txBody>
+          <a:bodyPr rtlCol="0" anchor="ctr"/>
+          <a:lstStyle/>
+          <a:p>
+            <a:pPr algn="ctr"/>
+            <a:endParaRPr lang="ru-RU"/>
+          </a:p>
+        </p:txBody>
+      </p:sp>
+      <p:sp>
+        <p:nvSpPr>
+          <p:cNvPr id="8" name="TextBox 7">
+            <a:extLst>
+              <a:ext uri="{FF2B5EF4-FFF2-40B4-BE49-F238E27FC236}">
+                <a16:creationId xmlns:a16="http://schemas.microsoft.com/office/drawing/2014/main" id="{881AC8B9-3626-4D9B-AC3E-7ADACE680C01}"/>
+              </a:ext>
+            </a:extLst>
+          </p:cNvPr>
+          <p:cNvSpPr txBox="1"/>
+          <p:nvPr/>
+        </p:nvSpPr>
+        <p:spPr>
+          <a:xfrm>
+            <a:off x="3133259" y="851402"/>
+            <a:ext cx="1055077" cy="707886"/>
+          </a:xfrm>
+          <a:prstGeom prst="rect">
+            <a:avLst/>
+          </a:prstGeom>
+          <a:noFill/>
+        </p:spPr>
+        <p:txBody>
+          <a:bodyPr wrap="square" rtlCol="0">
+            <a:spAutoFit/>
+          </a:bodyPr>
+          <a:lstStyle/>
+          <a:p>
+            <a:r>
+              <a:rPr lang="ru-RU" sz="1000" dirty="0"/>
+              <a:t>Создание матрицы английского алфавита</a:t>
+            </a:r>
+          </a:p>
+        </p:txBody>
+      </p:sp>
+      <p:sp>
+        <p:nvSpPr>
+          <p:cNvPr id="9" name="Правая фигурная скобка 8">
+            <a:extLst>
+              <a:ext uri="{FF2B5EF4-FFF2-40B4-BE49-F238E27FC236}">
+                <a16:creationId xmlns:a16="http://schemas.microsoft.com/office/drawing/2014/main" id="{0FC6372E-0AC1-4EE6-B94C-A80B703AE304}"/>
+              </a:ext>
+            </a:extLst>
+          </p:cNvPr>
+          <p:cNvSpPr/>
+          <p:nvPr/>
+        </p:nvSpPr>
+        <p:spPr>
+          <a:xfrm>
+            <a:off x="3753517" y="2440665"/>
+            <a:ext cx="332509" cy="2351143"/>
+          </a:xfrm>
+          <a:prstGeom prst="rightBrace">
+            <a:avLst/>
+          </a:prstGeom>
+          <a:ln>
+            <a:solidFill>
+              <a:schemeClr val="tx1"/>
+            </a:solidFill>
+          </a:ln>
+        </p:spPr>
+        <p:style>
+          <a:lnRef idx="1">
+            <a:schemeClr val="accent1"/>
+          </a:lnRef>
+          <a:fillRef idx="0">
+            <a:schemeClr val="accent1"/>
+          </a:fillRef>
+          <a:effectRef idx="0">
+            <a:schemeClr val="accent1"/>
+          </a:effectRef>
+          <a:fontRef idx="minor">
+            <a:schemeClr val="tx1"/>
+          </a:fontRef>
+        </p:style>
+        <p:txBody>
+          <a:bodyPr rtlCol="0" anchor="ctr"/>
+          <a:lstStyle/>
+          <a:p>
+            <a:pPr algn="ctr"/>
+            <a:endParaRPr lang="ru-RU"/>
+          </a:p>
+        </p:txBody>
+      </p:sp>
+      <p:sp>
+        <p:nvSpPr>
+          <p:cNvPr id="10" name="TextBox 9">
+            <a:extLst>
+              <a:ext uri="{FF2B5EF4-FFF2-40B4-BE49-F238E27FC236}">
+                <a16:creationId xmlns:a16="http://schemas.microsoft.com/office/drawing/2014/main" id="{A8A69DEC-D879-484B-873A-128FCC4DDE6C}"/>
+              </a:ext>
+            </a:extLst>
+          </p:cNvPr>
+          <p:cNvSpPr txBox="1"/>
+          <p:nvPr/>
+        </p:nvSpPr>
+        <p:spPr>
+          <a:xfrm>
+            <a:off x="4137901" y="3489278"/>
+            <a:ext cx="1150272" cy="415498"/>
+          </a:xfrm>
+          <a:prstGeom prst="rect">
+            <a:avLst/>
+          </a:prstGeom>
+          <a:noFill/>
+        </p:spPr>
+        <p:txBody>
+          <a:bodyPr wrap="square" rtlCol="0">
+            <a:spAutoFit/>
+          </a:bodyPr>
+          <a:lstStyle/>
+          <a:p>
+            <a:r>
+              <a:rPr lang="ru-RU" sz="1050" dirty="0"/>
+              <a:t>Зашифровка слова</a:t>
+            </a:r>
+          </a:p>
+        </p:txBody>
+      </p:sp>
+      <p:sp>
+        <p:nvSpPr>
+          <p:cNvPr id="11" name="Правая фигурная скобка 10">
+            <a:extLst>
+              <a:ext uri="{FF2B5EF4-FFF2-40B4-BE49-F238E27FC236}">
+                <a16:creationId xmlns:a16="http://schemas.microsoft.com/office/drawing/2014/main" id="{E2669E2A-0B2A-402A-B79B-0CB680B48E03}"/>
+              </a:ext>
+            </a:extLst>
+          </p:cNvPr>
+          <p:cNvSpPr/>
+          <p:nvPr/>
+        </p:nvSpPr>
+        <p:spPr>
+          <a:xfrm>
+            <a:off x="8312727" y="351692"/>
+            <a:ext cx="370876" cy="2088973"/>
+          </a:xfrm>
+          <a:prstGeom prst="rightBrace">
+            <a:avLst/>
+          </a:prstGeom>
+          <a:ln>
+            <a:solidFill>
+              <a:schemeClr val="tx1"/>
+            </a:solidFill>
+          </a:ln>
+        </p:spPr>
+        <p:style>
+          <a:lnRef idx="1">
+            <a:schemeClr val="accent1"/>
+          </a:lnRef>
+          <a:fillRef idx="0">
+            <a:schemeClr val="accent1"/>
+          </a:fillRef>
+          <a:effectRef idx="0">
+            <a:schemeClr val="accent1"/>
+          </a:effectRef>
+          <a:fontRef idx="minor">
+            <a:schemeClr val="tx1"/>
+          </a:fontRef>
+        </p:style>
+        <p:txBody>
+          <a:bodyPr rtlCol="0" anchor="ctr"/>
+          <a:lstStyle/>
+          <a:p>
+            <a:pPr algn="ctr"/>
+            <a:endParaRPr lang="ru-RU"/>
+          </a:p>
+        </p:txBody>
+      </p:sp>
+      <p:sp>
+        <p:nvSpPr>
+          <p:cNvPr id="12" name="TextBox 11">
+            <a:extLst>
+              <a:ext uri="{FF2B5EF4-FFF2-40B4-BE49-F238E27FC236}">
+                <a16:creationId xmlns:a16="http://schemas.microsoft.com/office/drawing/2014/main" id="{864E11AF-60A2-4A49-B7FE-EC5F9FDD93B3}"/>
+              </a:ext>
+            </a:extLst>
+          </p:cNvPr>
+          <p:cNvSpPr txBox="1"/>
+          <p:nvPr/>
+        </p:nvSpPr>
+        <p:spPr>
+          <a:xfrm>
+            <a:off x="8498166" y="1169478"/>
+            <a:ext cx="770162" cy="577081"/>
+          </a:xfrm>
+          <a:prstGeom prst="rect">
+            <a:avLst/>
+          </a:prstGeom>
+          <a:noFill/>
+        </p:spPr>
+        <p:txBody>
+          <a:bodyPr wrap="square" rtlCol="0">
+            <a:spAutoFit/>
+          </a:bodyPr>
+          <a:lstStyle/>
+          <a:p>
+            <a:r>
+              <a:rPr lang="ru-RU" sz="1050" dirty="0"/>
+              <a:t>Расшифровка символов</a:t>
+            </a:r>
+          </a:p>
+        </p:txBody>
+      </p:sp>
     </p:spTree>
   </p:cSld>
   <p:clrMapOvr>
@@ -5755,6 +9226,60 @@
       </p:grpSpPr>
       <p:sp>
         <p:nvSpPr>
+          <p:cNvPr id="4" name="Прямоугольник 3">
+            <a:extLst>
+              <a:ext uri="{FF2B5EF4-FFF2-40B4-BE49-F238E27FC236}">
+                <a16:creationId xmlns:a16="http://schemas.microsoft.com/office/drawing/2014/main" id="{FCEA576A-17C8-4310-B224-67E6EAE69C5F}"/>
+              </a:ext>
+            </a:extLst>
+          </p:cNvPr>
+          <p:cNvSpPr/>
+          <p:nvPr/>
+        </p:nvSpPr>
+        <p:spPr>
+          <a:xfrm>
+            <a:off x="457200" y="927191"/>
+            <a:ext cx="3429000" cy="473184"/>
+          </a:xfrm>
+          <a:prstGeom prst="rect">
+            <a:avLst/>
+          </a:prstGeom>
+          <a:solidFill>
+            <a:schemeClr val="bg1"/>
+          </a:solidFill>
+          <a:ln>
+            <a:solidFill>
+              <a:schemeClr val="bg1"/>
+            </a:solidFill>
+          </a:ln>
+        </p:spPr>
+        <p:style>
+          <a:lnRef idx="2">
+            <a:schemeClr val="accent1">
+              <a:shade val="50000"/>
+            </a:schemeClr>
+          </a:lnRef>
+          <a:fillRef idx="1">
+            <a:schemeClr val="accent1"/>
+          </a:fillRef>
+          <a:effectRef idx="0">
+            <a:schemeClr val="accent1"/>
+          </a:effectRef>
+          <a:fontRef idx="minor">
+            <a:schemeClr val="lt1"/>
+          </a:fontRef>
+        </p:style>
+        <p:txBody>
+          <a:bodyPr rtlCol="0" anchor="ctr"/>
+          <a:lstStyle/>
+          <a:p>
+            <a:pPr algn="ctr"/>
+            <a:endParaRPr lang="ru-RU"/>
+          </a:p>
+        </p:txBody>
+      </p:sp>
+      <p:sp>
+        <p:nvSpPr>
           <p:cNvPr id="2" name="Text 0"/>
           <p:cNvSpPr/>
           <p:nvPr/>
@@ -5868,6 +9393,356 @@
           </a:p>
         </p:txBody>
       </p:sp>
+      <p:grpSp>
+        <p:nvGrpSpPr>
+          <p:cNvPr id="5" name="Google Shape;6697;p136">
+            <a:extLst>
+              <a:ext uri="{FF2B5EF4-FFF2-40B4-BE49-F238E27FC236}">
+                <a16:creationId xmlns:a16="http://schemas.microsoft.com/office/drawing/2014/main" id="{005F5337-0E80-43DF-A212-16E7AB692ED5}"/>
+              </a:ext>
+            </a:extLst>
+          </p:cNvPr>
+          <p:cNvGrpSpPr/>
+          <p:nvPr/>
+        </p:nvGrpSpPr>
+        <p:grpSpPr>
+          <a:xfrm rot="18842434">
+            <a:off x="6918798" y="2421507"/>
+            <a:ext cx="2205441" cy="3484260"/>
+            <a:chOff x="-38860325" y="3221750"/>
+            <a:chExt cx="228425" cy="316650"/>
+          </a:xfrm>
+          <a:solidFill>
+            <a:schemeClr val="bg1"/>
+          </a:solidFill>
+        </p:grpSpPr>
+        <p:sp>
+          <p:nvSpPr>
+            <p:cNvPr id="6" name="Google Shape;6698;p136">
+              <a:extLst>
+                <a:ext uri="{FF2B5EF4-FFF2-40B4-BE49-F238E27FC236}">
+                  <a16:creationId xmlns:a16="http://schemas.microsoft.com/office/drawing/2014/main" id="{A8B68ADF-3B58-422C-A842-5C45EAC515AD}"/>
+                </a:ext>
+              </a:extLst>
+            </p:cNvPr>
+            <p:cNvSpPr/>
+            <p:nvPr/>
+          </p:nvSpPr>
+          <p:spPr>
+            <a:xfrm>
+              <a:off x="-38735875" y="3222550"/>
+              <a:ext cx="103975" cy="123675"/>
+            </a:xfrm>
+            <a:custGeom>
+              <a:avLst/>
+              <a:gdLst/>
+              <a:ahLst/>
+              <a:cxnLst/>
+              <a:rect l="l" t="t" r="r" b="b"/>
+              <a:pathLst>
+                <a:path w="4159" h="4947" extrusionOk="0">
+                  <a:moveTo>
+                    <a:pt x="0" y="0"/>
+                  </a:moveTo>
+                  <a:lnTo>
+                    <a:pt x="0" y="2552"/>
+                  </a:lnTo>
+                  <a:cubicBezTo>
+                    <a:pt x="473" y="2710"/>
+                    <a:pt x="851" y="3182"/>
+                    <a:pt x="851" y="3750"/>
+                  </a:cubicBezTo>
+                  <a:lnTo>
+                    <a:pt x="851" y="4947"/>
+                  </a:lnTo>
+                  <a:lnTo>
+                    <a:pt x="4159" y="4947"/>
+                  </a:lnTo>
+                  <a:lnTo>
+                    <a:pt x="4159" y="3687"/>
+                  </a:lnTo>
+                  <a:cubicBezTo>
+                    <a:pt x="4159" y="1639"/>
+                    <a:pt x="2489" y="0"/>
+                    <a:pt x="441" y="0"/>
+                  </a:cubicBezTo>
+                  <a:close/>
+                </a:path>
+              </a:pathLst>
+            </a:custGeom>
+            <a:grpFill/>
+            <a:ln>
+              <a:noFill/>
+            </a:ln>
+          </p:spPr>
+          <p:txBody>
+            <a:bodyPr spcFirstLastPara="1" wrap="square" lIns="91425" tIns="91425" rIns="91425" bIns="91425" anchor="ctr" anchorCtr="0">
+              <a:noAutofit/>
+            </a:bodyPr>
+            <a:lstStyle/>
+            <a:p>
+              <a:pPr marL="0" lvl="0" indent="0" algn="l" rtl="0">
+                <a:spcBef>
+                  <a:spcPts val="0"/>
+                </a:spcBef>
+                <a:spcAft>
+                  <a:spcPts val="0"/>
+                </a:spcAft>
+                <a:buNone/>
+              </a:pPr>
+              <a:endParaRPr/>
+            </a:p>
+          </p:txBody>
+        </p:sp>
+        <p:sp>
+          <p:nvSpPr>
+            <p:cNvPr id="7" name="Google Shape;6699;p136">
+              <a:extLst>
+                <a:ext uri="{FF2B5EF4-FFF2-40B4-BE49-F238E27FC236}">
+                  <a16:creationId xmlns:a16="http://schemas.microsoft.com/office/drawing/2014/main" id="{6C7FECBD-E8A4-4B58-9A71-7649C2A5EF7D}"/>
+                </a:ext>
+              </a:extLst>
+            </p:cNvPr>
+            <p:cNvSpPr/>
+            <p:nvPr/>
+          </p:nvSpPr>
+          <p:spPr>
+            <a:xfrm>
+              <a:off x="-38756375" y="3302875"/>
+              <a:ext cx="22075" cy="63050"/>
+            </a:xfrm>
+            <a:custGeom>
+              <a:avLst/>
+              <a:gdLst/>
+              <a:ahLst/>
+              <a:cxnLst/>
+              <a:rect l="l" t="t" r="r" b="b"/>
+              <a:pathLst>
+                <a:path w="883" h="2522" extrusionOk="0">
+                  <a:moveTo>
+                    <a:pt x="474" y="1"/>
+                  </a:moveTo>
+                  <a:cubicBezTo>
+                    <a:pt x="253" y="1"/>
+                    <a:pt x="95" y="222"/>
+                    <a:pt x="95" y="442"/>
+                  </a:cubicBezTo>
+                  <a:lnTo>
+                    <a:pt x="95" y="2112"/>
+                  </a:lnTo>
+                  <a:cubicBezTo>
+                    <a:pt x="1" y="2332"/>
+                    <a:pt x="190" y="2521"/>
+                    <a:pt x="442" y="2521"/>
+                  </a:cubicBezTo>
+                  <a:cubicBezTo>
+                    <a:pt x="663" y="2521"/>
+                    <a:pt x="820" y="2332"/>
+                    <a:pt x="883" y="2112"/>
+                  </a:cubicBezTo>
+                  <a:lnTo>
+                    <a:pt x="883" y="442"/>
+                  </a:lnTo>
+                  <a:cubicBezTo>
+                    <a:pt x="883" y="222"/>
+                    <a:pt x="663" y="64"/>
+                    <a:pt x="474" y="1"/>
+                  </a:cubicBezTo>
+                  <a:close/>
+                </a:path>
+              </a:pathLst>
+            </a:custGeom>
+            <a:grpFill/>
+            <a:ln>
+              <a:noFill/>
+            </a:ln>
+          </p:spPr>
+          <p:txBody>
+            <a:bodyPr spcFirstLastPara="1" wrap="square" lIns="91425" tIns="91425" rIns="91425" bIns="91425" anchor="ctr" anchorCtr="0">
+              <a:noAutofit/>
+            </a:bodyPr>
+            <a:lstStyle/>
+            <a:p>
+              <a:pPr marL="0" lvl="0" indent="0" algn="l" rtl="0">
+                <a:spcBef>
+                  <a:spcPts val="0"/>
+                </a:spcBef>
+                <a:spcAft>
+                  <a:spcPts val="0"/>
+                </a:spcAft>
+                <a:buNone/>
+              </a:pPr>
+              <a:endParaRPr/>
+            </a:p>
+          </p:txBody>
+        </p:sp>
+        <p:sp>
+          <p:nvSpPr>
+            <p:cNvPr id="8" name="Google Shape;6700;p136">
+              <a:extLst>
+                <a:ext uri="{FF2B5EF4-FFF2-40B4-BE49-F238E27FC236}">
+                  <a16:creationId xmlns:a16="http://schemas.microsoft.com/office/drawing/2014/main" id="{14171A4A-5A3D-48DE-B056-F119A46E7E2C}"/>
+                </a:ext>
+              </a:extLst>
+            </p:cNvPr>
+            <p:cNvSpPr/>
+            <p:nvPr/>
+          </p:nvSpPr>
+          <p:spPr>
+            <a:xfrm>
+              <a:off x="-38859550" y="3221750"/>
+              <a:ext cx="103200" cy="122900"/>
+            </a:xfrm>
+            <a:custGeom>
+              <a:avLst/>
+              <a:gdLst/>
+              <a:ahLst/>
+              <a:cxnLst/>
+              <a:rect l="l" t="t" r="r" b="b"/>
+              <a:pathLst>
+                <a:path w="4128" h="4916" extrusionOk="0">
+                  <a:moveTo>
+                    <a:pt x="3687" y="1"/>
+                  </a:moveTo>
+                  <a:cubicBezTo>
+                    <a:pt x="1671" y="1"/>
+                    <a:pt x="1" y="1639"/>
+                    <a:pt x="1" y="3687"/>
+                  </a:cubicBezTo>
+                  <a:lnTo>
+                    <a:pt x="1" y="4916"/>
+                  </a:lnTo>
+                  <a:lnTo>
+                    <a:pt x="3309" y="4916"/>
+                  </a:lnTo>
+                  <a:lnTo>
+                    <a:pt x="3309" y="3687"/>
+                  </a:lnTo>
+                  <a:cubicBezTo>
+                    <a:pt x="3309" y="3151"/>
+                    <a:pt x="3655" y="2710"/>
+                    <a:pt x="4128" y="2521"/>
+                  </a:cubicBezTo>
+                  <a:lnTo>
+                    <a:pt x="4128" y="1"/>
+                  </a:lnTo>
+                  <a:close/>
+                </a:path>
+              </a:pathLst>
+            </a:custGeom>
+            <a:grpFill/>
+            <a:ln>
+              <a:noFill/>
+            </a:ln>
+          </p:spPr>
+          <p:txBody>
+            <a:bodyPr spcFirstLastPara="1" wrap="square" lIns="91425" tIns="91425" rIns="91425" bIns="91425" anchor="ctr" anchorCtr="0">
+              <a:noAutofit/>
+            </a:bodyPr>
+            <a:lstStyle/>
+            <a:p>
+              <a:pPr marL="0" lvl="0" indent="0" algn="l" rtl="0">
+                <a:spcBef>
+                  <a:spcPts val="0"/>
+                </a:spcBef>
+                <a:spcAft>
+                  <a:spcPts val="0"/>
+                </a:spcAft>
+                <a:buNone/>
+              </a:pPr>
+              <a:endParaRPr/>
+            </a:p>
+          </p:txBody>
+        </p:sp>
+        <p:sp>
+          <p:nvSpPr>
+            <p:cNvPr id="9" name="Google Shape;6701;p136">
+              <a:extLst>
+                <a:ext uri="{FF2B5EF4-FFF2-40B4-BE49-F238E27FC236}">
+                  <a16:creationId xmlns:a16="http://schemas.microsoft.com/office/drawing/2014/main" id="{8D26785D-DA7D-4E2D-A458-427837076A47}"/>
+                </a:ext>
+              </a:extLst>
+            </p:cNvPr>
+            <p:cNvSpPr/>
+            <p:nvPr/>
+          </p:nvSpPr>
+          <p:spPr>
+            <a:xfrm>
+              <a:off x="-38860325" y="3367475"/>
+              <a:ext cx="228425" cy="170925"/>
+            </a:xfrm>
+            <a:custGeom>
+              <a:avLst/>
+              <a:gdLst/>
+              <a:ahLst/>
+              <a:cxnLst/>
+              <a:rect l="l" t="t" r="r" b="b"/>
+              <a:pathLst>
+                <a:path w="9137" h="6837" extrusionOk="0">
+                  <a:moveTo>
+                    <a:pt x="0" y="0"/>
+                  </a:moveTo>
+                  <a:lnTo>
+                    <a:pt x="0" y="3151"/>
+                  </a:lnTo>
+                  <a:cubicBezTo>
+                    <a:pt x="0" y="5199"/>
+                    <a:pt x="1639" y="6837"/>
+                    <a:pt x="3686" y="6837"/>
+                  </a:cubicBezTo>
+                  <a:lnTo>
+                    <a:pt x="5356" y="6837"/>
+                  </a:lnTo>
+                  <a:cubicBezTo>
+                    <a:pt x="7467" y="6837"/>
+                    <a:pt x="9137" y="5199"/>
+                    <a:pt x="9137" y="3151"/>
+                  </a:cubicBezTo>
+                  <a:lnTo>
+                    <a:pt x="9137" y="0"/>
+                  </a:lnTo>
+                  <a:lnTo>
+                    <a:pt x="5734" y="0"/>
+                  </a:lnTo>
+                  <a:cubicBezTo>
+                    <a:pt x="5577" y="473"/>
+                    <a:pt x="5104" y="819"/>
+                    <a:pt x="4568" y="819"/>
+                  </a:cubicBezTo>
+                  <a:cubicBezTo>
+                    <a:pt x="4001" y="819"/>
+                    <a:pt x="3560" y="473"/>
+                    <a:pt x="3371" y="0"/>
+                  </a:cubicBezTo>
+                  <a:close/>
+                </a:path>
+              </a:pathLst>
+            </a:custGeom>
+            <a:grpFill/>
+            <a:ln>
+              <a:noFill/>
+            </a:ln>
+          </p:spPr>
+          <p:txBody>
+            <a:bodyPr spcFirstLastPara="1" wrap="square" lIns="91425" tIns="91425" rIns="91425" bIns="91425" anchor="ctr" anchorCtr="0">
+              <a:noAutofit/>
+            </a:bodyPr>
+            <a:lstStyle/>
+            <a:p>
+              <a:pPr marL="0" lvl="0" indent="0" algn="l" rtl="0">
+                <a:spcBef>
+                  <a:spcPts val="0"/>
+                </a:spcBef>
+                <a:spcAft>
+                  <a:spcPts val="0"/>
+                </a:spcAft>
+                <a:buNone/>
+              </a:pPr>
+              <a:endParaRPr/>
+            </a:p>
+          </p:txBody>
+        </p:sp>
+      </p:grpSp>
     </p:spTree>
   </p:cSld>
   <p:clrMapOvr>
@@ -5909,7 +9784,13 @@
       </p:grpSpPr>
       <p:pic>
         <p:nvPicPr>
-          <p:cNvPr id="2" name="Image 0" descr="https://slideai.net/images/shifrator-pleifera-na-python/2.jpg"/>
+          <p:cNvPr id="4" name="Рисунок 3">
+            <a:extLst>
+              <a:ext uri="{FF2B5EF4-FFF2-40B4-BE49-F238E27FC236}">
+                <a16:creationId xmlns:a16="http://schemas.microsoft.com/office/drawing/2014/main" id="{BA80DC86-F75B-4437-A6EF-4461B5924700}"/>
+              </a:ext>
+            </a:extLst>
+          </p:cNvPr>
           <p:cNvPicPr>
             <a:picLocks noChangeAspect="1"/>
           </p:cNvPicPr>
@@ -5923,8 +9804,38 @@
         </p:blipFill>
         <p:spPr>
           <a:xfrm>
-            <a:off x="457200" y="457200"/>
-            <a:ext cx="8229600" cy="4572000"/>
+            <a:off x="0" y="0"/>
+            <a:ext cx="5249807" cy="5143500"/>
+          </a:xfrm>
+          <a:prstGeom prst="rect">
+            <a:avLst/>
+          </a:prstGeom>
+        </p:spPr>
+      </p:pic>
+      <p:pic>
+        <p:nvPicPr>
+          <p:cNvPr id="6" name="Рисунок 5">
+            <a:extLst>
+              <a:ext uri="{FF2B5EF4-FFF2-40B4-BE49-F238E27FC236}">
+                <a16:creationId xmlns:a16="http://schemas.microsoft.com/office/drawing/2014/main" id="{18E7F77D-0117-46E6-917F-A01BDAFC4323}"/>
+              </a:ext>
+            </a:extLst>
+          </p:cNvPr>
+          <p:cNvPicPr>
+            <a:picLocks noChangeAspect="1"/>
+          </p:cNvPicPr>
+          <p:nvPr/>
+        </p:nvPicPr>
+        <p:blipFill>
+          <a:blip r:embed="rId5"/>
+          <a:stretch>
+            <a:fillRect/>
+          </a:stretch>
+        </p:blipFill>
+        <p:spPr>
+          <a:xfrm>
+            <a:off x="5134709" y="0"/>
+            <a:ext cx="4009292" cy="5143500"/>
           </a:xfrm>
           <a:prstGeom prst="rect">
             <a:avLst/>
@@ -5972,6 +9883,60 @@
       </p:grpSpPr>
       <p:sp>
         <p:nvSpPr>
+          <p:cNvPr id="4" name="Прямоугольник 3">
+            <a:extLst>
+              <a:ext uri="{FF2B5EF4-FFF2-40B4-BE49-F238E27FC236}">
+                <a16:creationId xmlns:a16="http://schemas.microsoft.com/office/drawing/2014/main" id="{15997DD7-C0E8-4263-8657-C3181481EFA3}"/>
+              </a:ext>
+            </a:extLst>
+          </p:cNvPr>
+          <p:cNvSpPr/>
+          <p:nvPr/>
+        </p:nvSpPr>
+        <p:spPr>
+          <a:xfrm>
+            <a:off x="457200" y="997527"/>
+            <a:ext cx="3436993" cy="441201"/>
+          </a:xfrm>
+          <a:prstGeom prst="rect">
+            <a:avLst/>
+          </a:prstGeom>
+          <a:solidFill>
+            <a:schemeClr val="bg1"/>
+          </a:solidFill>
+          <a:ln>
+            <a:solidFill>
+              <a:schemeClr val="bg1"/>
+            </a:solidFill>
+          </a:ln>
+        </p:spPr>
+        <p:style>
+          <a:lnRef idx="2">
+            <a:schemeClr val="accent1">
+              <a:shade val="50000"/>
+            </a:schemeClr>
+          </a:lnRef>
+          <a:fillRef idx="1">
+            <a:schemeClr val="accent1"/>
+          </a:fillRef>
+          <a:effectRef idx="0">
+            <a:schemeClr val="accent1"/>
+          </a:effectRef>
+          <a:fontRef idx="minor">
+            <a:schemeClr val="lt1"/>
+          </a:fontRef>
+        </p:style>
+        <p:txBody>
+          <a:bodyPr rtlCol="0" anchor="ctr"/>
+          <a:lstStyle/>
+          <a:p>
+            <a:pPr algn="ctr"/>
+            <a:endParaRPr lang="ru-RU"/>
+          </a:p>
+        </p:txBody>
+      </p:sp>
+      <p:sp>
+        <p:nvSpPr>
           <p:cNvPr id="2" name="Text 0"/>
           <p:cNvSpPr/>
           <p:nvPr/>
@@ -6038,9 +10003,9 @@
                 <a:solidFill>
                   <a:srgbClr val="000000"/>
                 </a:solidFill>
-                <a:latin typeface="Aptos" pitchFamily="34" charset="0"/>
-                <a:ea typeface="Aptos" pitchFamily="34" charset="-122"/>
-                <a:cs typeface="Aptos" pitchFamily="34" charset="-120"/>
+                <a:latin typeface="Times New Roman" panose="02020603050405020304" pitchFamily="18" charset="0"/>
+                <a:ea typeface="Aptos" pitchFamily="34" charset="-122"/>
+                <a:cs typeface="Times New Roman" panose="02020603050405020304" pitchFamily="18" charset="0"/>
               </a:rPr>
               <a:t>• Если буквы находятся в одном ряду, заменяются на следующие буквы в этом ряду.
 • Если буквы находятся в одном столбце, заменяются на следующие буквы в этом столбце.
@@ -6051,9 +10016,9 @@
                 <a:solidFill>
                   <a:srgbClr val="000000"/>
                 </a:solidFill>
-                <a:latin typeface="Aptos" pitchFamily="34" charset="0"/>
-                <a:ea typeface="Aptos" pitchFamily="34" charset="-122"/>
-                <a:cs typeface="Aptos" pitchFamily="34" charset="-120"/>
+                <a:latin typeface="Times New Roman" panose="02020603050405020304" pitchFamily="18" charset="0"/>
+                <a:ea typeface="Aptos" pitchFamily="34" charset="-122"/>
+                <a:cs typeface="Times New Roman" panose="02020603050405020304" pitchFamily="18" charset="0"/>
               </a:rPr>
               <a:t>другом</a:t>
             </a:r>
@@ -6062,9 +10027,9 @@
                 <a:solidFill>
                   <a:srgbClr val="000000"/>
                 </a:solidFill>
-                <a:latin typeface="Aptos" pitchFamily="34" charset="0"/>
-                <a:ea typeface="Aptos" pitchFamily="34" charset="-122"/>
-                <a:cs typeface="Aptos" pitchFamily="34" charset="-120"/>
+                <a:latin typeface="Times New Roman" panose="02020603050405020304" pitchFamily="18" charset="0"/>
+                <a:ea typeface="Aptos" pitchFamily="34" charset="-122"/>
+                <a:cs typeface="Times New Roman" panose="02020603050405020304" pitchFamily="18" charset="0"/>
               </a:rPr>
               <a:t> </a:t>
             </a:r>
@@ -6073,9 +10038,9 @@
                 <a:solidFill>
                   <a:srgbClr val="000000"/>
                 </a:solidFill>
-                <a:latin typeface="Aptos" pitchFamily="34" charset="0"/>
-                <a:ea typeface="Aptos" pitchFamily="34" charset="-122"/>
-                <a:cs typeface="Aptos" pitchFamily="34" charset="-120"/>
+                <a:latin typeface="Times New Roman" panose="02020603050405020304" pitchFamily="18" charset="0"/>
+                <a:ea typeface="Aptos" pitchFamily="34" charset="-122"/>
+                <a:cs typeface="Times New Roman" panose="02020603050405020304" pitchFamily="18" charset="0"/>
               </a:rPr>
               <a:t>столбце</a:t>
             </a:r>
@@ -6095,6 +10060,612 @@
           </a:p>
         </p:txBody>
       </p:sp>
+      <p:grpSp>
+        <p:nvGrpSpPr>
+          <p:cNvPr id="5" name="Google Shape;7717;p138">
+            <a:extLst>
+              <a:ext uri="{FF2B5EF4-FFF2-40B4-BE49-F238E27FC236}">
+                <a16:creationId xmlns:a16="http://schemas.microsoft.com/office/drawing/2014/main" id="{E9B4217F-7AEF-474E-B344-3EE16417910B}"/>
+              </a:ext>
+            </a:extLst>
+          </p:cNvPr>
+          <p:cNvGrpSpPr/>
+          <p:nvPr/>
+        </p:nvGrpSpPr>
+        <p:grpSpPr>
+          <a:xfrm>
+            <a:off x="6472646" y="2259874"/>
+            <a:ext cx="2526677" cy="2620240"/>
+            <a:chOff x="-31093575" y="3552550"/>
+            <a:chExt cx="291450" cy="291900"/>
+          </a:xfrm>
+          <a:solidFill>
+            <a:schemeClr val="bg1"/>
+          </a:solidFill>
+        </p:grpSpPr>
+        <p:sp>
+          <p:nvSpPr>
+            <p:cNvPr id="6" name="Google Shape;7718;p138">
+              <a:extLst>
+                <a:ext uri="{FF2B5EF4-FFF2-40B4-BE49-F238E27FC236}">
+                  <a16:creationId xmlns:a16="http://schemas.microsoft.com/office/drawing/2014/main" id="{12E55270-AF5D-46AF-87C7-B1B31FC4ACD0}"/>
+                </a:ext>
+              </a:extLst>
+            </p:cNvPr>
+            <p:cNvSpPr/>
+            <p:nvPr/>
+          </p:nvSpPr>
+          <p:spPr>
+            <a:xfrm>
+              <a:off x="-31011650" y="3745525"/>
+              <a:ext cx="7900" cy="12625"/>
+            </a:xfrm>
+            <a:custGeom>
+              <a:avLst/>
+              <a:gdLst/>
+              <a:ahLst/>
+              <a:cxnLst/>
+              <a:rect l="l" t="t" r="r" b="b"/>
+              <a:pathLst>
+                <a:path w="316" h="505" extrusionOk="0">
+                  <a:moveTo>
+                    <a:pt x="158" y="1"/>
+                  </a:moveTo>
+                  <a:lnTo>
+                    <a:pt x="0" y="505"/>
+                  </a:lnTo>
+                  <a:lnTo>
+                    <a:pt x="315" y="505"/>
+                  </a:lnTo>
+                  <a:lnTo>
+                    <a:pt x="158" y="1"/>
+                  </a:lnTo>
+                  <a:close/>
+                </a:path>
+              </a:pathLst>
+            </a:custGeom>
+            <a:grpFill/>
+            <a:ln>
+              <a:noFill/>
+            </a:ln>
+          </p:spPr>
+          <p:txBody>
+            <a:bodyPr spcFirstLastPara="1" wrap="square" lIns="91425" tIns="91425" rIns="91425" bIns="91425" anchor="ctr" anchorCtr="0">
+              <a:noAutofit/>
+            </a:bodyPr>
+            <a:lstStyle/>
+            <a:p>
+              <a:pPr marL="0" lvl="0" indent="0" algn="l" rtl="0">
+                <a:spcBef>
+                  <a:spcPts val="0"/>
+                </a:spcBef>
+                <a:spcAft>
+                  <a:spcPts val="0"/>
+                </a:spcAft>
+                <a:buNone/>
+              </a:pPr>
+              <a:endParaRPr/>
+            </a:p>
+          </p:txBody>
+        </p:sp>
+        <p:sp>
+          <p:nvSpPr>
+            <p:cNvPr id="7" name="Google Shape;7719;p138">
+              <a:extLst>
+                <a:ext uri="{FF2B5EF4-FFF2-40B4-BE49-F238E27FC236}">
+                  <a16:creationId xmlns:a16="http://schemas.microsoft.com/office/drawing/2014/main" id="{907D90CA-1390-463F-AB35-D723E57F60C3}"/>
+                </a:ext>
+              </a:extLst>
+            </p:cNvPr>
+            <p:cNvSpPr/>
+            <p:nvPr/>
+          </p:nvSpPr>
+          <p:spPr>
+            <a:xfrm>
+              <a:off x="-31093575" y="3671500"/>
+              <a:ext cx="171725" cy="172950"/>
+            </a:xfrm>
+            <a:custGeom>
+              <a:avLst/>
+              <a:gdLst/>
+              <a:ahLst/>
+              <a:cxnLst/>
+              <a:rect l="l" t="t" r="r" b="b"/>
+              <a:pathLst>
+                <a:path w="6869" h="6918" extrusionOk="0">
+                  <a:moveTo>
+                    <a:pt x="3427" y="1449"/>
+                  </a:moveTo>
+                  <a:cubicBezTo>
+                    <a:pt x="3569" y="1449"/>
+                    <a:pt x="3718" y="1512"/>
+                    <a:pt x="3781" y="1638"/>
+                  </a:cubicBezTo>
+                  <a:lnTo>
+                    <a:pt x="4317" y="3466"/>
+                  </a:lnTo>
+                  <a:lnTo>
+                    <a:pt x="4474" y="3466"/>
+                  </a:lnTo>
+                  <a:cubicBezTo>
+                    <a:pt x="4695" y="3466"/>
+                    <a:pt x="4852" y="3623"/>
+                    <a:pt x="4852" y="3812"/>
+                  </a:cubicBezTo>
+                  <a:cubicBezTo>
+                    <a:pt x="4852" y="3970"/>
+                    <a:pt x="4726" y="4127"/>
+                    <a:pt x="4537" y="4127"/>
+                  </a:cubicBezTo>
+                  <a:lnTo>
+                    <a:pt x="4789" y="5072"/>
+                  </a:lnTo>
+                  <a:cubicBezTo>
+                    <a:pt x="4852" y="5262"/>
+                    <a:pt x="4758" y="5419"/>
+                    <a:pt x="4569" y="5514"/>
+                  </a:cubicBezTo>
+                  <a:cubicBezTo>
+                    <a:pt x="4545" y="5518"/>
+                    <a:pt x="4521" y="5520"/>
+                    <a:pt x="4498" y="5520"/>
+                  </a:cubicBezTo>
+                  <a:cubicBezTo>
+                    <a:pt x="4341" y="5520"/>
+                    <a:pt x="4210" y="5427"/>
+                    <a:pt x="4128" y="5262"/>
+                  </a:cubicBezTo>
+                  <a:lnTo>
+                    <a:pt x="3781" y="4127"/>
+                  </a:lnTo>
+                  <a:lnTo>
+                    <a:pt x="3057" y="4127"/>
+                  </a:lnTo>
+                  <a:lnTo>
+                    <a:pt x="2710" y="5262"/>
+                  </a:lnTo>
+                  <a:cubicBezTo>
+                    <a:pt x="2683" y="5427"/>
+                    <a:pt x="2535" y="5520"/>
+                    <a:pt x="2351" y="5520"/>
+                  </a:cubicBezTo>
+                  <a:cubicBezTo>
+                    <a:pt x="2325" y="5520"/>
+                    <a:pt x="2297" y="5518"/>
+                    <a:pt x="2269" y="5514"/>
+                  </a:cubicBezTo>
+                  <a:cubicBezTo>
+                    <a:pt x="2080" y="5451"/>
+                    <a:pt x="2017" y="5262"/>
+                    <a:pt x="2049" y="5072"/>
+                  </a:cubicBezTo>
+                  <a:lnTo>
+                    <a:pt x="2332" y="4127"/>
+                  </a:lnTo>
+                  <a:cubicBezTo>
+                    <a:pt x="2175" y="4096"/>
+                    <a:pt x="2017" y="3970"/>
+                    <a:pt x="2017" y="3812"/>
+                  </a:cubicBezTo>
+                  <a:cubicBezTo>
+                    <a:pt x="2049" y="3623"/>
+                    <a:pt x="2206" y="3466"/>
+                    <a:pt x="2395" y="3466"/>
+                  </a:cubicBezTo>
+                  <a:lnTo>
+                    <a:pt x="2553" y="3466"/>
+                  </a:lnTo>
+                  <a:lnTo>
+                    <a:pt x="3120" y="1638"/>
+                  </a:lnTo>
+                  <a:cubicBezTo>
+                    <a:pt x="3151" y="1512"/>
+                    <a:pt x="3285" y="1449"/>
+                    <a:pt x="3427" y="1449"/>
+                  </a:cubicBezTo>
+                  <a:close/>
+                  <a:moveTo>
+                    <a:pt x="3435" y="0"/>
+                  </a:moveTo>
+                  <a:cubicBezTo>
+                    <a:pt x="1544" y="0"/>
+                    <a:pt x="1" y="1544"/>
+                    <a:pt x="1" y="3434"/>
+                  </a:cubicBezTo>
+                  <a:cubicBezTo>
+                    <a:pt x="1" y="5356"/>
+                    <a:pt x="1544" y="6900"/>
+                    <a:pt x="3435" y="6900"/>
+                  </a:cubicBezTo>
+                  <a:cubicBezTo>
+                    <a:pt x="4065" y="6900"/>
+                    <a:pt x="4632" y="6742"/>
+                    <a:pt x="5168" y="6427"/>
+                  </a:cubicBezTo>
+                  <a:lnTo>
+                    <a:pt x="6365" y="6900"/>
+                  </a:lnTo>
+                  <a:cubicBezTo>
+                    <a:pt x="6407" y="6910"/>
+                    <a:pt x="6449" y="6917"/>
+                    <a:pt x="6491" y="6917"/>
+                  </a:cubicBezTo>
+                  <a:cubicBezTo>
+                    <a:pt x="6575" y="6917"/>
+                    <a:pt x="6659" y="6889"/>
+                    <a:pt x="6743" y="6805"/>
+                  </a:cubicBezTo>
+                  <a:cubicBezTo>
+                    <a:pt x="6806" y="6742"/>
+                    <a:pt x="6869" y="6616"/>
+                    <a:pt x="6869" y="6459"/>
+                  </a:cubicBezTo>
+                  <a:lnTo>
+                    <a:pt x="6491" y="5009"/>
+                  </a:lnTo>
+                  <a:cubicBezTo>
+                    <a:pt x="6743" y="4537"/>
+                    <a:pt x="6869" y="4001"/>
+                    <a:pt x="6869" y="3466"/>
+                  </a:cubicBezTo>
+                  <a:cubicBezTo>
+                    <a:pt x="6869" y="3119"/>
+                    <a:pt x="6774" y="2804"/>
+                    <a:pt x="6711" y="2489"/>
+                  </a:cubicBezTo>
+                  <a:cubicBezTo>
+                    <a:pt x="6617" y="2426"/>
+                    <a:pt x="6491" y="2395"/>
+                    <a:pt x="6428" y="2363"/>
+                  </a:cubicBezTo>
+                  <a:lnTo>
+                    <a:pt x="5514" y="2710"/>
+                  </a:lnTo>
+                  <a:cubicBezTo>
+                    <a:pt x="5389" y="2755"/>
+                    <a:pt x="5256" y="2780"/>
+                    <a:pt x="5125" y="2780"/>
+                  </a:cubicBezTo>
+                  <a:cubicBezTo>
+                    <a:pt x="4892" y="2780"/>
+                    <a:pt x="4667" y="2702"/>
+                    <a:pt x="4506" y="2521"/>
+                  </a:cubicBezTo>
+                  <a:cubicBezTo>
+                    <a:pt x="4222" y="2269"/>
+                    <a:pt x="4096" y="1891"/>
+                    <a:pt x="4159" y="1481"/>
+                  </a:cubicBezTo>
+                  <a:lnTo>
+                    <a:pt x="4443" y="221"/>
+                  </a:lnTo>
+                  <a:cubicBezTo>
+                    <a:pt x="4443" y="189"/>
+                    <a:pt x="4443" y="189"/>
+                    <a:pt x="4411" y="158"/>
+                  </a:cubicBezTo>
+                  <a:cubicBezTo>
+                    <a:pt x="4096" y="63"/>
+                    <a:pt x="3781" y="0"/>
+                    <a:pt x="3435" y="0"/>
+                  </a:cubicBezTo>
+                  <a:close/>
+                </a:path>
+              </a:pathLst>
+            </a:custGeom>
+            <a:grpFill/>
+            <a:ln>
+              <a:noFill/>
+            </a:ln>
+          </p:spPr>
+          <p:txBody>
+            <a:bodyPr spcFirstLastPara="1" wrap="square" lIns="91425" tIns="91425" rIns="91425" bIns="91425" anchor="ctr" anchorCtr="0">
+              <a:noAutofit/>
+            </a:bodyPr>
+            <a:lstStyle/>
+            <a:p>
+              <a:pPr marL="0" lvl="0" indent="0" algn="l" rtl="0">
+                <a:spcBef>
+                  <a:spcPts val="0"/>
+                </a:spcBef>
+                <a:spcAft>
+                  <a:spcPts val="0"/>
+                </a:spcAft>
+                <a:buNone/>
+              </a:pPr>
+              <a:endParaRPr/>
+            </a:p>
+          </p:txBody>
+        </p:sp>
+        <p:sp>
+          <p:nvSpPr>
+            <p:cNvPr id="8" name="Google Shape;7720;p138">
+              <a:extLst>
+                <a:ext uri="{FF2B5EF4-FFF2-40B4-BE49-F238E27FC236}">
+                  <a16:creationId xmlns:a16="http://schemas.microsoft.com/office/drawing/2014/main" id="{7C3226CE-040E-4754-B7ED-326AF80121A8}"/>
+                </a:ext>
+              </a:extLst>
+            </p:cNvPr>
+            <p:cNvSpPr/>
+            <p:nvPr/>
+          </p:nvSpPr>
+          <p:spPr>
+            <a:xfrm>
+              <a:off x="-30895875" y="3621075"/>
+              <a:ext cx="15775" cy="26025"/>
+            </a:xfrm>
+            <a:custGeom>
+              <a:avLst/>
+              <a:gdLst/>
+              <a:ahLst/>
+              <a:cxnLst/>
+              <a:rect l="l" t="t" r="r" b="b"/>
+              <a:pathLst>
+                <a:path w="631" h="1041" extrusionOk="0">
+                  <a:moveTo>
+                    <a:pt x="0" y="1"/>
+                  </a:moveTo>
+                  <a:cubicBezTo>
+                    <a:pt x="32" y="410"/>
+                    <a:pt x="126" y="694"/>
+                    <a:pt x="315" y="1041"/>
+                  </a:cubicBezTo>
+                  <a:cubicBezTo>
+                    <a:pt x="473" y="694"/>
+                    <a:pt x="599" y="347"/>
+                    <a:pt x="631" y="1"/>
+                  </a:cubicBezTo>
+                  <a:close/>
+                </a:path>
+              </a:pathLst>
+            </a:custGeom>
+            <a:grpFill/>
+            <a:ln>
+              <a:noFill/>
+            </a:ln>
+          </p:spPr>
+          <p:txBody>
+            <a:bodyPr spcFirstLastPara="1" wrap="square" lIns="91425" tIns="91425" rIns="91425" bIns="91425" anchor="ctr" anchorCtr="0">
+              <a:noAutofit/>
+            </a:bodyPr>
+            <a:lstStyle/>
+            <a:p>
+              <a:pPr marL="0" lvl="0" indent="0" algn="l" rtl="0">
+                <a:spcBef>
+                  <a:spcPts val="0"/>
+                </a:spcBef>
+                <a:spcAft>
+                  <a:spcPts val="0"/>
+                </a:spcAft>
+                <a:buNone/>
+              </a:pPr>
+              <a:endParaRPr/>
+            </a:p>
+          </p:txBody>
+        </p:sp>
+        <p:sp>
+          <p:nvSpPr>
+            <p:cNvPr id="9" name="Google Shape;7721;p138">
+              <a:extLst>
+                <a:ext uri="{FF2B5EF4-FFF2-40B4-BE49-F238E27FC236}">
+                  <a16:creationId xmlns:a16="http://schemas.microsoft.com/office/drawing/2014/main" id="{ACB842A6-D2BE-407D-B05C-8B811877BEF9}"/>
+                </a:ext>
+              </a:extLst>
+            </p:cNvPr>
+            <p:cNvSpPr/>
+            <p:nvPr/>
+          </p:nvSpPr>
+          <p:spPr>
+            <a:xfrm>
+              <a:off x="-30974650" y="3552550"/>
+              <a:ext cx="172525" cy="172400"/>
+            </a:xfrm>
+            <a:custGeom>
+              <a:avLst/>
+              <a:gdLst/>
+              <a:ahLst/>
+              <a:cxnLst/>
+              <a:rect l="l" t="t" r="r" b="b"/>
+              <a:pathLst>
+                <a:path w="6901" h="6896" extrusionOk="0">
+                  <a:moveTo>
+                    <a:pt x="3435" y="1356"/>
+                  </a:moveTo>
+                  <a:cubicBezTo>
+                    <a:pt x="3624" y="1356"/>
+                    <a:pt x="3782" y="1513"/>
+                    <a:pt x="3782" y="1734"/>
+                  </a:cubicBezTo>
+                  <a:lnTo>
+                    <a:pt x="3782" y="2080"/>
+                  </a:lnTo>
+                  <a:lnTo>
+                    <a:pt x="4821" y="2080"/>
+                  </a:lnTo>
+                  <a:cubicBezTo>
+                    <a:pt x="5010" y="2080"/>
+                    <a:pt x="5168" y="2238"/>
+                    <a:pt x="5168" y="2427"/>
+                  </a:cubicBezTo>
+                  <a:cubicBezTo>
+                    <a:pt x="5168" y="2616"/>
+                    <a:pt x="5010" y="2742"/>
+                    <a:pt x="4821" y="2742"/>
+                  </a:cubicBezTo>
+                  <a:lnTo>
+                    <a:pt x="4412" y="2742"/>
+                  </a:lnTo>
+                  <a:cubicBezTo>
+                    <a:pt x="4380" y="3341"/>
+                    <a:pt x="4191" y="3876"/>
+                    <a:pt x="3876" y="4412"/>
+                  </a:cubicBezTo>
+                  <a:cubicBezTo>
+                    <a:pt x="3908" y="4443"/>
+                    <a:pt x="3908" y="4475"/>
+                    <a:pt x="3939" y="4506"/>
+                  </a:cubicBezTo>
+                  <a:lnTo>
+                    <a:pt x="4349" y="4916"/>
+                  </a:lnTo>
+                  <a:cubicBezTo>
+                    <a:pt x="4443" y="5042"/>
+                    <a:pt x="4443" y="5262"/>
+                    <a:pt x="4349" y="5388"/>
+                  </a:cubicBezTo>
+                  <a:cubicBezTo>
+                    <a:pt x="4286" y="5451"/>
+                    <a:pt x="4191" y="5483"/>
+                    <a:pt x="4101" y="5483"/>
+                  </a:cubicBezTo>
+                  <a:cubicBezTo>
+                    <a:pt x="4010" y="5483"/>
+                    <a:pt x="3923" y="5451"/>
+                    <a:pt x="3876" y="5388"/>
+                  </a:cubicBezTo>
+                  <a:lnTo>
+                    <a:pt x="3466" y="4979"/>
+                  </a:lnTo>
+                  <a:lnTo>
+                    <a:pt x="3435" y="4947"/>
+                  </a:lnTo>
+                  <a:lnTo>
+                    <a:pt x="3403" y="4979"/>
+                  </a:lnTo>
+                  <a:lnTo>
+                    <a:pt x="2994" y="5388"/>
+                  </a:lnTo>
+                  <a:cubicBezTo>
+                    <a:pt x="2931" y="5451"/>
+                    <a:pt x="2844" y="5483"/>
+                    <a:pt x="2758" y="5483"/>
+                  </a:cubicBezTo>
+                  <a:cubicBezTo>
+                    <a:pt x="2671" y="5483"/>
+                    <a:pt x="2584" y="5451"/>
+                    <a:pt x="2521" y="5388"/>
+                  </a:cubicBezTo>
+                  <a:cubicBezTo>
+                    <a:pt x="2395" y="5262"/>
+                    <a:pt x="2395" y="5042"/>
+                    <a:pt x="2521" y="4916"/>
+                  </a:cubicBezTo>
+                  <a:lnTo>
+                    <a:pt x="2931" y="4506"/>
+                  </a:lnTo>
+                  <a:cubicBezTo>
+                    <a:pt x="2962" y="4475"/>
+                    <a:pt x="2962" y="4443"/>
+                    <a:pt x="2994" y="4412"/>
+                  </a:cubicBezTo>
+                  <a:cubicBezTo>
+                    <a:pt x="2679" y="3939"/>
+                    <a:pt x="2490" y="3341"/>
+                    <a:pt x="2458" y="2742"/>
+                  </a:cubicBezTo>
+                  <a:lnTo>
+                    <a:pt x="2049" y="2742"/>
+                  </a:lnTo>
+                  <a:cubicBezTo>
+                    <a:pt x="1860" y="2742"/>
+                    <a:pt x="1702" y="2584"/>
+                    <a:pt x="1702" y="2395"/>
+                  </a:cubicBezTo>
+                  <a:cubicBezTo>
+                    <a:pt x="1702" y="2206"/>
+                    <a:pt x="1860" y="2049"/>
+                    <a:pt x="2049" y="2049"/>
+                  </a:cubicBezTo>
+                  <a:lnTo>
+                    <a:pt x="3088" y="2049"/>
+                  </a:lnTo>
+                  <a:lnTo>
+                    <a:pt x="3088" y="1734"/>
+                  </a:lnTo>
+                  <a:cubicBezTo>
+                    <a:pt x="3088" y="1513"/>
+                    <a:pt x="3246" y="1356"/>
+                    <a:pt x="3435" y="1356"/>
+                  </a:cubicBezTo>
+                  <a:close/>
+                  <a:moveTo>
+                    <a:pt x="3466" y="1"/>
+                  </a:moveTo>
+                  <a:cubicBezTo>
+                    <a:pt x="1576" y="1"/>
+                    <a:pt x="32" y="1576"/>
+                    <a:pt x="32" y="3467"/>
+                  </a:cubicBezTo>
+                  <a:cubicBezTo>
+                    <a:pt x="32" y="3971"/>
+                    <a:pt x="158" y="4506"/>
+                    <a:pt x="411" y="4979"/>
+                  </a:cubicBezTo>
+                  <a:lnTo>
+                    <a:pt x="32" y="6459"/>
+                  </a:lnTo>
+                  <a:cubicBezTo>
+                    <a:pt x="1" y="6554"/>
+                    <a:pt x="32" y="6680"/>
+                    <a:pt x="158" y="6806"/>
+                  </a:cubicBezTo>
+                  <a:cubicBezTo>
+                    <a:pt x="225" y="6851"/>
+                    <a:pt x="324" y="6895"/>
+                    <a:pt x="420" y="6895"/>
+                  </a:cubicBezTo>
+                  <a:cubicBezTo>
+                    <a:pt x="460" y="6895"/>
+                    <a:pt x="500" y="6887"/>
+                    <a:pt x="537" y="6869"/>
+                  </a:cubicBezTo>
+                  <a:lnTo>
+                    <a:pt x="1734" y="6396"/>
+                  </a:lnTo>
+                  <a:cubicBezTo>
+                    <a:pt x="2269" y="6712"/>
+                    <a:pt x="2899" y="6869"/>
+                    <a:pt x="3466" y="6869"/>
+                  </a:cubicBezTo>
+                  <a:cubicBezTo>
+                    <a:pt x="5357" y="6869"/>
+                    <a:pt x="6901" y="5357"/>
+                    <a:pt x="6901" y="3435"/>
+                  </a:cubicBezTo>
+                  <a:cubicBezTo>
+                    <a:pt x="6901" y="1576"/>
+                    <a:pt x="5325" y="1"/>
+                    <a:pt x="3466" y="1"/>
+                  </a:cubicBezTo>
+                  <a:close/>
+                </a:path>
+              </a:pathLst>
+            </a:custGeom>
+            <a:grpFill/>
+            <a:ln>
+              <a:noFill/>
+            </a:ln>
+          </p:spPr>
+          <p:txBody>
+            <a:bodyPr spcFirstLastPara="1" wrap="square" lIns="91425" tIns="91425" rIns="91425" bIns="91425" anchor="ctr" anchorCtr="0">
+              <a:noAutofit/>
+            </a:bodyPr>
+            <a:lstStyle/>
+            <a:p>
+              <a:pPr marL="0" lvl="0" indent="0" algn="l" rtl="0">
+                <a:spcBef>
+                  <a:spcPts val="0"/>
+                </a:spcBef>
+                <a:spcAft>
+                  <a:spcPts val="0"/>
+                </a:spcAft>
+                <a:buNone/>
+              </a:pPr>
+              <a:endParaRPr/>
+            </a:p>
+          </p:txBody>
+        </p:sp>
+      </p:grpSp>
     </p:spTree>
   </p:cSld>
   <p:clrMapOvr>
@@ -6104,69 +10675,6 @@
 </file>
 
 <file path=ppt/slides/slide8.xml><?xml version="1.0" encoding="utf-8"?>
-<p:sld xmlns:a="http://schemas.openxmlformats.org/drawingml/2006/main" xmlns:r="http://schemas.openxmlformats.org/officeDocument/2006/relationships" xmlns:p="http://schemas.openxmlformats.org/presentationml/2006/main">
-  <p:cSld name="Slide 9">
-    <p:bg>
-      <p:bgPr>
-        <a:blipFill dpi="0" rotWithShape="1">
-          <a:blip r:embed="rId3">
-            <a:lum/>
-          </a:blip>
-          <a:srcRect/>
-          <a:stretch>
-            <a:fillRect/>
-          </a:stretch>
-        </a:blipFill>
-        <a:effectLst/>
-      </p:bgPr>
-    </p:bg>
-    <p:spTree>
-      <p:nvGrpSpPr>
-        <p:cNvPr id="1" name=""/>
-        <p:cNvGrpSpPr/>
-        <p:nvPr/>
-      </p:nvGrpSpPr>
-      <p:grpSpPr>
-        <a:xfrm>
-          <a:off x="0" y="0"/>
-          <a:ext cx="0" cy="0"/>
-          <a:chOff x="0" y="0"/>
-          <a:chExt cx="0" cy="0"/>
-        </a:xfrm>
-      </p:grpSpPr>
-      <p:pic>
-        <p:nvPicPr>
-          <p:cNvPr id="2" name="Image 0" descr="https://slideai.net/images/shifrator-pleifera-na-python/3.jpg"/>
-          <p:cNvPicPr>
-            <a:picLocks noChangeAspect="1"/>
-          </p:cNvPicPr>
-          <p:nvPr/>
-        </p:nvPicPr>
-        <p:blipFill>
-          <a:blip r:embed="rId4"/>
-          <a:stretch>
-            <a:fillRect/>
-          </a:stretch>
-        </p:blipFill>
-        <p:spPr>
-          <a:xfrm>
-            <a:off x="457200" y="457200"/>
-            <a:ext cx="8229600" cy="4572000"/>
-          </a:xfrm>
-          <a:prstGeom prst="rect">
-            <a:avLst/>
-          </a:prstGeom>
-        </p:spPr>
-      </p:pic>
-    </p:spTree>
-  </p:cSld>
-  <p:clrMapOvr>
-    <a:masterClrMapping/>
-  </p:clrMapOvr>
-</p:sld>
-</file>
-
-<file path=ppt/slides/slide9.xml><?xml version="1.0" encoding="utf-8"?>
 <p:sld xmlns:a="http://schemas.openxmlformats.org/drawingml/2006/main" xmlns:r="http://schemas.openxmlformats.org/officeDocument/2006/relationships" xmlns:p="http://schemas.openxmlformats.org/presentationml/2006/main">
   <p:cSld name="Slide 10">
     <p:bg>
@@ -6199,6 +10707,60 @@
       </p:grpSpPr>
       <p:sp>
         <p:nvSpPr>
+          <p:cNvPr id="4" name="Прямоугольник 3">
+            <a:extLst>
+              <a:ext uri="{FF2B5EF4-FFF2-40B4-BE49-F238E27FC236}">
+                <a16:creationId xmlns:a16="http://schemas.microsoft.com/office/drawing/2014/main" id="{FC0054F7-509E-4F8E-ABFB-CCFDB5B7B7FF}"/>
+              </a:ext>
+            </a:extLst>
+          </p:cNvPr>
+          <p:cNvSpPr/>
+          <p:nvPr/>
+        </p:nvSpPr>
+        <p:spPr>
+          <a:xfrm>
+            <a:off x="457200" y="965555"/>
+            <a:ext cx="3718347" cy="485972"/>
+          </a:xfrm>
+          <a:prstGeom prst="rect">
+            <a:avLst/>
+          </a:prstGeom>
+          <a:solidFill>
+            <a:schemeClr val="bg1"/>
+          </a:solidFill>
+          <a:ln>
+            <a:solidFill>
+              <a:schemeClr val="bg1"/>
+            </a:solidFill>
+          </a:ln>
+        </p:spPr>
+        <p:style>
+          <a:lnRef idx="2">
+            <a:schemeClr val="accent1">
+              <a:shade val="50000"/>
+            </a:schemeClr>
+          </a:lnRef>
+          <a:fillRef idx="1">
+            <a:schemeClr val="accent1"/>
+          </a:fillRef>
+          <a:effectRef idx="0">
+            <a:schemeClr val="accent1"/>
+          </a:effectRef>
+          <a:fontRef idx="minor">
+            <a:schemeClr val="lt1"/>
+          </a:fontRef>
+        </p:style>
+        <p:txBody>
+          <a:bodyPr rtlCol="0" anchor="ctr"/>
+          <a:lstStyle/>
+          <a:p>
+            <a:pPr algn="ctr"/>
+            <a:endParaRPr lang="ru-RU"/>
+          </a:p>
+        </p:txBody>
+      </p:sp>
+      <p:sp>
+        <p:nvSpPr>
           <p:cNvPr id="2" name="Text 0"/>
           <p:cNvSpPr/>
           <p:nvPr/>
@@ -6265,9 +10827,9 @@
                 <a:solidFill>
                   <a:srgbClr val="000000"/>
                 </a:solidFill>
-                <a:latin typeface="Aptos" pitchFamily="34" charset="0"/>
-                <a:ea typeface="Aptos" pitchFamily="34" charset="-122"/>
-                <a:cs typeface="Aptos" pitchFamily="34" charset="-120"/>
+                <a:latin typeface="Times New Roman" panose="02020603050405020304" pitchFamily="18" charset="0"/>
+                <a:ea typeface="Aptos" pitchFamily="34" charset="-122"/>
+                <a:cs typeface="Times New Roman" panose="02020603050405020304" pitchFamily="18" charset="0"/>
               </a:rPr>
               <a:t>• Дешифрование происходит аналогично шифрованию, но в обратном порядке.
 • Правила шифрования используются для обратного преобразования пар букв.
@@ -6278,11 +10840,1461 @@
                 <a:solidFill>
                   <a:srgbClr val="000000"/>
                 </a:solidFill>
+                <a:latin typeface="Times New Roman" panose="02020603050405020304" pitchFamily="18" charset="0"/>
+                <a:ea typeface="Aptos" pitchFamily="34" charset="-122"/>
+                <a:cs typeface="Times New Roman" panose="02020603050405020304" pitchFamily="18" charset="0"/>
+              </a:rPr>
+              <a:t>исходный</a:t>
+            </a:r>
+            <a:r>
+              <a:rPr lang="en-US" sz="1400" dirty="0">
+                <a:solidFill>
+                  <a:srgbClr val="000000"/>
+                </a:solidFill>
+                <a:latin typeface="Times New Roman" panose="02020603050405020304" pitchFamily="18" charset="0"/>
+                <a:ea typeface="Aptos" pitchFamily="34" charset="-122"/>
+                <a:cs typeface="Times New Roman" panose="02020603050405020304" pitchFamily="18" charset="0"/>
+              </a:rPr>
+              <a:t>  </a:t>
+            </a:r>
+            <a:r>
+              <a:rPr lang="en-US" sz="1400" dirty="0" err="1">
+                <a:solidFill>
+                  <a:srgbClr val="000000"/>
+                </a:solidFill>
+                <a:latin typeface="Times New Roman" panose="02020603050405020304" pitchFamily="18" charset="0"/>
+                <a:ea typeface="Aptos" pitchFamily="34" charset="-122"/>
+                <a:cs typeface="Times New Roman" panose="02020603050405020304" pitchFamily="18" charset="0"/>
+              </a:rPr>
+              <a:t>текст</a:t>
+            </a:r>
+            <a:r>
+              <a:rPr lang="en-US" sz="1400" dirty="0">
+                <a:solidFill>
+                  <a:srgbClr val="000000"/>
+                </a:solidFill>
+                <a:latin typeface="Times New Roman" panose="02020603050405020304" pitchFamily="18" charset="0"/>
+                <a:ea typeface="Aptos" pitchFamily="34" charset="-122"/>
+                <a:cs typeface="Times New Roman" panose="02020603050405020304" pitchFamily="18" charset="0"/>
+              </a:rPr>
+              <a:t>. </a:t>
+            </a:r>
+            <a:r>
+              <a:rPr lang="en-US" sz="1400" dirty="0">
+                <a:solidFill>
+                  <a:srgbClr val="000000"/>
+                </a:solidFill>
                 <a:latin typeface="Aptos" pitchFamily="34" charset="0"/>
                 <a:ea typeface="Aptos" pitchFamily="34" charset="-122"/>
                 <a:cs typeface="Aptos" pitchFamily="34" charset="-120"/>
               </a:rPr>
-              <a:t>исходный</a:t>
+              <a:t>
+</a:t>
+            </a:r>
+            <a:endParaRPr lang="en-US" sz="1400" dirty="0"/>
+          </a:p>
+        </p:txBody>
+      </p:sp>
+      <p:grpSp>
+        <p:nvGrpSpPr>
+          <p:cNvPr id="8" name="Google Shape;6264;p135">
+            <a:extLst>
+              <a:ext uri="{FF2B5EF4-FFF2-40B4-BE49-F238E27FC236}">
+                <a16:creationId xmlns:a16="http://schemas.microsoft.com/office/drawing/2014/main" id="{ABD0823B-70A1-4E0C-809C-DCB259D93111}"/>
+              </a:ext>
+            </a:extLst>
+          </p:cNvPr>
+          <p:cNvGrpSpPr/>
+          <p:nvPr/>
+        </p:nvGrpSpPr>
+        <p:grpSpPr>
+          <a:xfrm>
+            <a:off x="6443406" y="2436563"/>
+            <a:ext cx="5401188" cy="5413873"/>
+            <a:chOff x="2685825" y="840375"/>
+            <a:chExt cx="481900" cy="481825"/>
+          </a:xfrm>
+          <a:solidFill>
+            <a:schemeClr val="bg1"/>
+          </a:solidFill>
+        </p:grpSpPr>
+        <p:sp>
+          <p:nvSpPr>
+            <p:cNvPr id="9" name="Google Shape;6265;p135">
+              <a:extLst>
+                <a:ext uri="{FF2B5EF4-FFF2-40B4-BE49-F238E27FC236}">
+                  <a16:creationId xmlns:a16="http://schemas.microsoft.com/office/drawing/2014/main" id="{084F08C7-021B-4433-BCF7-8D95BE6AE845}"/>
+                </a:ext>
+              </a:extLst>
+            </p:cNvPr>
+            <p:cNvSpPr/>
+            <p:nvPr/>
+          </p:nvSpPr>
+          <p:spPr>
+            <a:xfrm>
+              <a:off x="2685825" y="840375"/>
+              <a:ext cx="481900" cy="481825"/>
+            </a:xfrm>
+            <a:custGeom>
+              <a:avLst/>
+              <a:gdLst/>
+              <a:ahLst/>
+              <a:cxnLst/>
+              <a:rect l="l" t="t" r="r" b="b"/>
+              <a:pathLst>
+                <a:path w="19276" h="19273" extrusionOk="0">
+                  <a:moveTo>
+                    <a:pt x="9600" y="4592"/>
+                  </a:moveTo>
+                  <a:cubicBezTo>
+                    <a:pt x="12403" y="4592"/>
+                    <a:pt x="14683" y="6872"/>
+                    <a:pt x="14683" y="9675"/>
+                  </a:cubicBezTo>
+                  <a:cubicBezTo>
+                    <a:pt x="14683" y="12476"/>
+                    <a:pt x="12403" y="14755"/>
+                    <a:pt x="9600" y="14755"/>
+                  </a:cubicBezTo>
+                  <a:cubicBezTo>
+                    <a:pt x="6799" y="14755"/>
+                    <a:pt x="4520" y="12476"/>
+                    <a:pt x="4520" y="9675"/>
+                  </a:cubicBezTo>
+                  <a:cubicBezTo>
+                    <a:pt x="4520" y="6872"/>
+                    <a:pt x="6799" y="4592"/>
+                    <a:pt x="9600" y="4592"/>
+                  </a:cubicBezTo>
+                  <a:close/>
+                  <a:moveTo>
+                    <a:pt x="8471" y="0"/>
+                  </a:moveTo>
+                  <a:cubicBezTo>
+                    <a:pt x="8212" y="0"/>
+                    <a:pt x="7986" y="175"/>
+                    <a:pt x="7923" y="428"/>
+                  </a:cubicBezTo>
+                  <a:lnTo>
+                    <a:pt x="7691" y="1427"/>
+                  </a:lnTo>
+                  <a:cubicBezTo>
+                    <a:pt x="6778" y="1635"/>
+                    <a:pt x="5908" y="1993"/>
+                    <a:pt x="5116" y="2490"/>
+                  </a:cubicBezTo>
+                  <a:lnTo>
+                    <a:pt x="4300" y="2002"/>
+                  </a:lnTo>
+                  <a:cubicBezTo>
+                    <a:pt x="4210" y="1949"/>
+                    <a:pt x="4110" y="1922"/>
+                    <a:pt x="4010" y="1922"/>
+                  </a:cubicBezTo>
+                  <a:cubicBezTo>
+                    <a:pt x="3864" y="1922"/>
+                    <a:pt x="3719" y="1978"/>
+                    <a:pt x="3611" y="2087"/>
+                  </a:cubicBezTo>
+                  <a:lnTo>
+                    <a:pt x="2015" y="3683"/>
+                  </a:lnTo>
+                  <a:cubicBezTo>
+                    <a:pt x="1831" y="3866"/>
+                    <a:pt x="1798" y="4153"/>
+                    <a:pt x="1930" y="4372"/>
+                  </a:cubicBezTo>
+                  <a:lnTo>
+                    <a:pt x="2418" y="5188"/>
+                  </a:lnTo>
+                  <a:cubicBezTo>
+                    <a:pt x="1921" y="5980"/>
+                    <a:pt x="1563" y="6851"/>
+                    <a:pt x="1355" y="7766"/>
+                  </a:cubicBezTo>
+                  <a:lnTo>
+                    <a:pt x="431" y="7995"/>
+                  </a:lnTo>
+                  <a:cubicBezTo>
+                    <a:pt x="178" y="8058"/>
+                    <a:pt x="0" y="8284"/>
+                    <a:pt x="3" y="8546"/>
+                  </a:cubicBezTo>
+                  <a:lnTo>
+                    <a:pt x="3" y="10804"/>
+                  </a:lnTo>
+                  <a:cubicBezTo>
+                    <a:pt x="0" y="11060"/>
+                    <a:pt x="178" y="11286"/>
+                    <a:pt x="428" y="11349"/>
+                  </a:cubicBezTo>
+                  <a:lnTo>
+                    <a:pt x="1352" y="11581"/>
+                  </a:lnTo>
+                  <a:cubicBezTo>
+                    <a:pt x="1560" y="12494"/>
+                    <a:pt x="1921" y="13364"/>
+                    <a:pt x="2418" y="14159"/>
+                  </a:cubicBezTo>
+                  <a:lnTo>
+                    <a:pt x="1927" y="14972"/>
+                  </a:lnTo>
+                  <a:cubicBezTo>
+                    <a:pt x="1795" y="15195"/>
+                    <a:pt x="1831" y="15478"/>
+                    <a:pt x="2012" y="15662"/>
+                  </a:cubicBezTo>
+                  <a:lnTo>
+                    <a:pt x="3611" y="17261"/>
+                  </a:lnTo>
+                  <a:cubicBezTo>
+                    <a:pt x="3720" y="17368"/>
+                    <a:pt x="3864" y="17424"/>
+                    <a:pt x="4011" y="17424"/>
+                  </a:cubicBezTo>
+                  <a:cubicBezTo>
+                    <a:pt x="4110" y="17424"/>
+                    <a:pt x="4210" y="17398"/>
+                    <a:pt x="4300" y="17345"/>
+                  </a:cubicBezTo>
+                  <a:lnTo>
+                    <a:pt x="5113" y="16854"/>
+                  </a:lnTo>
+                  <a:cubicBezTo>
+                    <a:pt x="5908" y="17351"/>
+                    <a:pt x="6778" y="17712"/>
+                    <a:pt x="7691" y="17920"/>
+                  </a:cubicBezTo>
+                  <a:lnTo>
+                    <a:pt x="7923" y="18844"/>
+                  </a:lnTo>
+                  <a:cubicBezTo>
+                    <a:pt x="7983" y="19094"/>
+                    <a:pt x="8212" y="19272"/>
+                    <a:pt x="8471" y="19272"/>
+                  </a:cubicBezTo>
+                  <a:lnTo>
+                    <a:pt x="10729" y="19272"/>
+                  </a:lnTo>
+                  <a:cubicBezTo>
+                    <a:pt x="10988" y="19272"/>
+                    <a:pt x="11214" y="19097"/>
+                    <a:pt x="11277" y="18844"/>
+                  </a:cubicBezTo>
+                  <a:lnTo>
+                    <a:pt x="11509" y="17920"/>
+                  </a:lnTo>
+                  <a:cubicBezTo>
+                    <a:pt x="12421" y="17712"/>
+                    <a:pt x="13292" y="17354"/>
+                    <a:pt x="14084" y="16857"/>
+                  </a:cubicBezTo>
+                  <a:lnTo>
+                    <a:pt x="14900" y="17345"/>
+                  </a:lnTo>
+                  <a:cubicBezTo>
+                    <a:pt x="14989" y="17399"/>
+                    <a:pt x="15090" y="17425"/>
+                    <a:pt x="15190" y="17425"/>
+                  </a:cubicBezTo>
+                  <a:cubicBezTo>
+                    <a:pt x="15336" y="17425"/>
+                    <a:pt x="15480" y="17369"/>
+                    <a:pt x="15589" y="17261"/>
+                  </a:cubicBezTo>
+                  <a:lnTo>
+                    <a:pt x="17185" y="15665"/>
+                  </a:lnTo>
+                  <a:cubicBezTo>
+                    <a:pt x="17369" y="15481"/>
+                    <a:pt x="17402" y="15195"/>
+                    <a:pt x="17270" y="14975"/>
+                  </a:cubicBezTo>
+                  <a:lnTo>
+                    <a:pt x="16782" y="14159"/>
+                  </a:lnTo>
+                  <a:cubicBezTo>
+                    <a:pt x="17279" y="13367"/>
+                    <a:pt x="17637" y="12497"/>
+                    <a:pt x="17845" y="11584"/>
+                  </a:cubicBezTo>
+                  <a:lnTo>
+                    <a:pt x="18844" y="11352"/>
+                  </a:lnTo>
+                  <a:cubicBezTo>
+                    <a:pt x="19097" y="11289"/>
+                    <a:pt x="19275" y="11063"/>
+                    <a:pt x="19275" y="10804"/>
+                  </a:cubicBezTo>
+                  <a:lnTo>
+                    <a:pt x="19275" y="8546"/>
+                  </a:lnTo>
+                  <a:cubicBezTo>
+                    <a:pt x="19275" y="8287"/>
+                    <a:pt x="19097" y="8061"/>
+                    <a:pt x="18847" y="7998"/>
+                  </a:cubicBezTo>
+                  <a:lnTo>
+                    <a:pt x="17848" y="7766"/>
+                  </a:lnTo>
+                  <a:cubicBezTo>
+                    <a:pt x="17640" y="6854"/>
+                    <a:pt x="17279" y="5983"/>
+                    <a:pt x="16782" y="5188"/>
+                  </a:cubicBezTo>
+                  <a:lnTo>
+                    <a:pt x="17273" y="4375"/>
+                  </a:lnTo>
+                  <a:cubicBezTo>
+                    <a:pt x="17405" y="4153"/>
+                    <a:pt x="17369" y="3869"/>
+                    <a:pt x="17188" y="3686"/>
+                  </a:cubicBezTo>
+                  <a:lnTo>
+                    <a:pt x="15589" y="2090"/>
+                  </a:lnTo>
+                  <a:cubicBezTo>
+                    <a:pt x="15480" y="1980"/>
+                    <a:pt x="15335" y="1923"/>
+                    <a:pt x="15188" y="1923"/>
+                  </a:cubicBezTo>
+                  <a:cubicBezTo>
+                    <a:pt x="15089" y="1923"/>
+                    <a:pt x="14989" y="1949"/>
+                    <a:pt x="14900" y="2002"/>
+                  </a:cubicBezTo>
+                  <a:lnTo>
+                    <a:pt x="14087" y="2493"/>
+                  </a:lnTo>
+                  <a:cubicBezTo>
+                    <a:pt x="13292" y="1996"/>
+                    <a:pt x="12421" y="1635"/>
+                    <a:pt x="11509" y="1427"/>
+                  </a:cubicBezTo>
+                  <a:lnTo>
+                    <a:pt x="11277" y="428"/>
+                  </a:lnTo>
+                  <a:cubicBezTo>
+                    <a:pt x="11217" y="178"/>
+                    <a:pt x="10988" y="0"/>
+                    <a:pt x="10729" y="0"/>
+                  </a:cubicBezTo>
+                  <a:close/>
+                </a:path>
+              </a:pathLst>
+            </a:custGeom>
+            <a:grpFill/>
+            <a:ln>
+              <a:noFill/>
+            </a:ln>
+          </p:spPr>
+          <p:txBody>
+            <a:bodyPr spcFirstLastPara="1" wrap="square" lIns="91425" tIns="91425" rIns="91425" bIns="91425" anchor="ctr" anchorCtr="0">
+              <a:noAutofit/>
+            </a:bodyPr>
+            <a:lstStyle/>
+            <a:p>
+              <a:pPr marL="0" lvl="0" indent="0" algn="l" rtl="0">
+                <a:spcBef>
+                  <a:spcPts val="0"/>
+                </a:spcBef>
+                <a:spcAft>
+                  <a:spcPts val="0"/>
+                </a:spcAft>
+                <a:buNone/>
+              </a:pPr>
+              <a:endParaRPr>
+                <a:solidFill>
+                  <a:srgbClr val="435D74"/>
+                </a:solidFill>
+              </a:endParaRPr>
+            </a:p>
+          </p:txBody>
+        </p:sp>
+        <p:sp>
+          <p:nvSpPr>
+            <p:cNvPr id="10" name="Google Shape;6266;p135">
+              <a:extLst>
+                <a:ext uri="{FF2B5EF4-FFF2-40B4-BE49-F238E27FC236}">
+                  <a16:creationId xmlns:a16="http://schemas.microsoft.com/office/drawing/2014/main" id="{B3E683BA-3EFA-41BF-91C1-AE544581B610}"/>
+                </a:ext>
+              </a:extLst>
+            </p:cNvPr>
+            <p:cNvSpPr/>
+            <p:nvPr/>
+          </p:nvSpPr>
+          <p:spPr>
+            <a:xfrm>
+              <a:off x="2819200" y="983400"/>
+              <a:ext cx="205475" cy="197625"/>
+            </a:xfrm>
+            <a:custGeom>
+              <a:avLst/>
+              <a:gdLst/>
+              <a:ahLst/>
+              <a:cxnLst/>
+              <a:rect l="l" t="t" r="r" b="b"/>
+              <a:pathLst>
+                <a:path w="8219" h="7905" extrusionOk="0">
+                  <a:moveTo>
+                    <a:pt x="4265" y="1129"/>
+                  </a:moveTo>
+                  <a:cubicBezTo>
+                    <a:pt x="4629" y="1129"/>
+                    <a:pt x="4996" y="1199"/>
+                    <a:pt x="5346" y="1343"/>
+                  </a:cubicBezTo>
+                  <a:cubicBezTo>
+                    <a:pt x="6400" y="1780"/>
+                    <a:pt x="7089" y="2810"/>
+                    <a:pt x="7089" y="3954"/>
+                  </a:cubicBezTo>
+                  <a:cubicBezTo>
+                    <a:pt x="7086" y="5511"/>
+                    <a:pt x="5825" y="6773"/>
+                    <a:pt x="4265" y="6776"/>
+                  </a:cubicBezTo>
+                  <a:cubicBezTo>
+                    <a:pt x="3124" y="6776"/>
+                    <a:pt x="2094" y="6089"/>
+                    <a:pt x="1657" y="5032"/>
+                  </a:cubicBezTo>
+                  <a:cubicBezTo>
+                    <a:pt x="1221" y="3978"/>
+                    <a:pt x="1461" y="2765"/>
+                    <a:pt x="2268" y="1958"/>
+                  </a:cubicBezTo>
+                  <a:cubicBezTo>
+                    <a:pt x="2808" y="1416"/>
+                    <a:pt x="3530" y="1129"/>
+                    <a:pt x="4265" y="1129"/>
+                  </a:cubicBezTo>
+                  <a:close/>
+                  <a:moveTo>
+                    <a:pt x="4265" y="0"/>
+                  </a:moveTo>
+                  <a:cubicBezTo>
+                    <a:pt x="2666" y="0"/>
+                    <a:pt x="1227" y="964"/>
+                    <a:pt x="612" y="2440"/>
+                  </a:cubicBezTo>
+                  <a:cubicBezTo>
+                    <a:pt x="1" y="3918"/>
+                    <a:pt x="341" y="5616"/>
+                    <a:pt x="1470" y="6749"/>
+                  </a:cubicBezTo>
+                  <a:cubicBezTo>
+                    <a:pt x="2226" y="7504"/>
+                    <a:pt x="3237" y="7905"/>
+                    <a:pt x="4265" y="7905"/>
+                  </a:cubicBezTo>
+                  <a:cubicBezTo>
+                    <a:pt x="4774" y="7905"/>
+                    <a:pt x="5288" y="7806"/>
+                    <a:pt x="5777" y="7604"/>
+                  </a:cubicBezTo>
+                  <a:cubicBezTo>
+                    <a:pt x="7255" y="6993"/>
+                    <a:pt x="8219" y="5550"/>
+                    <a:pt x="8219" y="3954"/>
+                  </a:cubicBezTo>
+                  <a:cubicBezTo>
+                    <a:pt x="8216" y="1771"/>
+                    <a:pt x="6448" y="3"/>
+                    <a:pt x="4265" y="0"/>
+                  </a:cubicBezTo>
+                  <a:close/>
+                </a:path>
+              </a:pathLst>
+            </a:custGeom>
+            <a:grpFill/>
+            <a:ln>
+              <a:noFill/>
+            </a:ln>
+          </p:spPr>
+          <p:txBody>
+            <a:bodyPr spcFirstLastPara="1" wrap="square" lIns="91425" tIns="91425" rIns="91425" bIns="91425" anchor="ctr" anchorCtr="0">
+              <a:noAutofit/>
+            </a:bodyPr>
+            <a:lstStyle/>
+            <a:p>
+              <a:pPr marL="0" lvl="0" indent="0" algn="l" rtl="0">
+                <a:spcBef>
+                  <a:spcPts val="0"/>
+                </a:spcBef>
+                <a:spcAft>
+                  <a:spcPts val="0"/>
+                </a:spcAft>
+                <a:buNone/>
+              </a:pPr>
+              <a:endParaRPr>
+                <a:solidFill>
+                  <a:srgbClr val="435D74"/>
+                </a:solidFill>
+              </a:endParaRPr>
+            </a:p>
+          </p:txBody>
+        </p:sp>
+      </p:grpSp>
+    </p:spTree>
+  </p:cSld>
+  <p:clrMapOvr>
+    <a:masterClrMapping/>
+  </p:clrMapOvr>
+</p:sld>
+</file>
+
+<file path=ppt/slides/slide9.xml><?xml version="1.0" encoding="utf-8"?>
+<p:sld xmlns:a="http://schemas.openxmlformats.org/drawingml/2006/main" xmlns:r="http://schemas.openxmlformats.org/officeDocument/2006/relationships" xmlns:p="http://schemas.openxmlformats.org/presentationml/2006/main">
+  <p:cSld name="Slide 11">
+    <p:bg>
+      <p:bgPr>
+        <a:blipFill dpi="0" rotWithShape="1">
+          <a:blip r:embed="rId3">
+            <a:lum/>
+          </a:blip>
+          <a:srcRect/>
+          <a:stretch>
+            <a:fillRect/>
+          </a:stretch>
+        </a:blipFill>
+        <a:effectLst/>
+      </p:bgPr>
+    </p:bg>
+    <p:spTree>
+      <p:nvGrpSpPr>
+        <p:cNvPr id="1" name=""/>
+        <p:cNvGrpSpPr/>
+        <p:nvPr/>
+      </p:nvGrpSpPr>
+      <p:grpSpPr>
+        <a:xfrm>
+          <a:off x="0" y="0"/>
+          <a:ext cx="0" cy="0"/>
+          <a:chOff x="0" y="0"/>
+          <a:chExt cx="0" cy="0"/>
+        </a:xfrm>
+      </p:grpSpPr>
+      <p:grpSp>
+        <p:nvGrpSpPr>
+          <p:cNvPr id="5" name="Google Shape;9084;p141">
+            <a:extLst>
+              <a:ext uri="{FF2B5EF4-FFF2-40B4-BE49-F238E27FC236}">
+                <a16:creationId xmlns:a16="http://schemas.microsoft.com/office/drawing/2014/main" id="{CD1FEDA6-AAD9-43E4-ABFD-941CA9952E54}"/>
+              </a:ext>
+            </a:extLst>
+          </p:cNvPr>
+          <p:cNvGrpSpPr/>
+          <p:nvPr/>
+        </p:nvGrpSpPr>
+        <p:grpSpPr>
+          <a:xfrm>
+            <a:off x="5198652" y="2671942"/>
+            <a:ext cx="3945348" cy="3626706"/>
+            <a:chOff x="-3031325" y="3597450"/>
+            <a:chExt cx="293825" cy="292250"/>
+          </a:xfrm>
+          <a:solidFill>
+            <a:schemeClr val="bg1"/>
+          </a:solidFill>
+        </p:grpSpPr>
+        <p:sp>
+          <p:nvSpPr>
+            <p:cNvPr id="6" name="Google Shape;9085;p141">
+              <a:extLst>
+                <a:ext uri="{FF2B5EF4-FFF2-40B4-BE49-F238E27FC236}">
+                  <a16:creationId xmlns:a16="http://schemas.microsoft.com/office/drawing/2014/main" id="{AAE5EF59-DFB5-47DA-9092-D4CF658535E4}"/>
+                </a:ext>
+              </a:extLst>
+            </p:cNvPr>
+            <p:cNvSpPr/>
+            <p:nvPr/>
+          </p:nvSpPr>
+          <p:spPr>
+            <a:xfrm>
+              <a:off x="-3029750" y="3597450"/>
+              <a:ext cx="292250" cy="67775"/>
+            </a:xfrm>
+            <a:custGeom>
+              <a:avLst/>
+              <a:gdLst/>
+              <a:ahLst/>
+              <a:cxnLst/>
+              <a:rect l="l" t="t" r="r" b="b"/>
+              <a:pathLst>
+                <a:path w="11690" h="2711" extrusionOk="0">
+                  <a:moveTo>
+                    <a:pt x="1702" y="1387"/>
+                  </a:moveTo>
+                  <a:cubicBezTo>
+                    <a:pt x="1891" y="1387"/>
+                    <a:pt x="2049" y="1545"/>
+                    <a:pt x="2049" y="1734"/>
+                  </a:cubicBezTo>
+                  <a:cubicBezTo>
+                    <a:pt x="2049" y="1923"/>
+                    <a:pt x="1891" y="2080"/>
+                    <a:pt x="1702" y="2080"/>
+                  </a:cubicBezTo>
+                  <a:cubicBezTo>
+                    <a:pt x="1513" y="2080"/>
+                    <a:pt x="1356" y="1923"/>
+                    <a:pt x="1356" y="1734"/>
+                  </a:cubicBezTo>
+                  <a:cubicBezTo>
+                    <a:pt x="1356" y="1545"/>
+                    <a:pt x="1513" y="1387"/>
+                    <a:pt x="1702" y="1387"/>
+                  </a:cubicBezTo>
+                  <a:close/>
+                  <a:moveTo>
+                    <a:pt x="3120" y="1387"/>
+                  </a:moveTo>
+                  <a:cubicBezTo>
+                    <a:pt x="3309" y="1387"/>
+                    <a:pt x="3466" y="1545"/>
+                    <a:pt x="3466" y="1734"/>
+                  </a:cubicBezTo>
+                  <a:cubicBezTo>
+                    <a:pt x="3466" y="1923"/>
+                    <a:pt x="3309" y="2080"/>
+                    <a:pt x="3120" y="2080"/>
+                  </a:cubicBezTo>
+                  <a:cubicBezTo>
+                    <a:pt x="2931" y="2080"/>
+                    <a:pt x="2773" y="1923"/>
+                    <a:pt x="2773" y="1734"/>
+                  </a:cubicBezTo>
+                  <a:cubicBezTo>
+                    <a:pt x="2773" y="1545"/>
+                    <a:pt x="2931" y="1387"/>
+                    <a:pt x="3120" y="1387"/>
+                  </a:cubicBezTo>
+                  <a:close/>
+                  <a:moveTo>
+                    <a:pt x="9985" y="1417"/>
+                  </a:moveTo>
+                  <a:cubicBezTo>
+                    <a:pt x="10400" y="1417"/>
+                    <a:pt x="10449" y="2080"/>
+                    <a:pt x="9956" y="2080"/>
+                  </a:cubicBezTo>
+                  <a:lnTo>
+                    <a:pt x="5861" y="2080"/>
+                  </a:lnTo>
+                  <a:cubicBezTo>
+                    <a:pt x="5451" y="2080"/>
+                    <a:pt x="5388" y="1418"/>
+                    <a:pt x="5861" y="1418"/>
+                  </a:cubicBezTo>
+                  <a:lnTo>
+                    <a:pt x="9956" y="1418"/>
+                  </a:lnTo>
+                  <a:cubicBezTo>
+                    <a:pt x="9966" y="1418"/>
+                    <a:pt x="9976" y="1417"/>
+                    <a:pt x="9985" y="1417"/>
+                  </a:cubicBezTo>
+                  <a:close/>
+                  <a:moveTo>
+                    <a:pt x="1041" y="1"/>
+                  </a:moveTo>
+                  <a:cubicBezTo>
+                    <a:pt x="473" y="1"/>
+                    <a:pt x="1" y="473"/>
+                    <a:pt x="1" y="1040"/>
+                  </a:cubicBezTo>
+                  <a:lnTo>
+                    <a:pt x="1" y="2710"/>
+                  </a:lnTo>
+                  <a:lnTo>
+                    <a:pt x="11689" y="2710"/>
+                  </a:lnTo>
+                  <a:lnTo>
+                    <a:pt x="11689" y="1040"/>
+                  </a:lnTo>
+                  <a:cubicBezTo>
+                    <a:pt x="11658" y="473"/>
+                    <a:pt x="11248" y="1"/>
+                    <a:pt x="10650" y="1"/>
+                  </a:cubicBezTo>
+                  <a:close/>
+                </a:path>
+              </a:pathLst>
+            </a:custGeom>
+            <a:grpFill/>
+            <a:ln>
+              <a:noFill/>
+            </a:ln>
+          </p:spPr>
+          <p:txBody>
+            <a:bodyPr spcFirstLastPara="1" wrap="square" lIns="91425" tIns="91425" rIns="91425" bIns="91425" anchor="ctr" anchorCtr="0">
+              <a:noAutofit/>
+            </a:bodyPr>
+            <a:lstStyle/>
+            <a:p>
+              <a:pPr marL="0" lvl="0" indent="0" algn="l" rtl="0">
+                <a:spcBef>
+                  <a:spcPts val="0"/>
+                </a:spcBef>
+                <a:spcAft>
+                  <a:spcPts val="0"/>
+                </a:spcAft>
+                <a:buNone/>
+              </a:pPr>
+              <a:endParaRPr/>
+            </a:p>
+          </p:txBody>
+        </p:sp>
+        <p:sp>
+          <p:nvSpPr>
+            <p:cNvPr id="7" name="Google Shape;9086;p141">
+              <a:extLst>
+                <a:ext uri="{FF2B5EF4-FFF2-40B4-BE49-F238E27FC236}">
+                  <a16:creationId xmlns:a16="http://schemas.microsoft.com/office/drawing/2014/main" id="{7C514F85-5F38-4B8C-B170-F8B1C0EBEDB0}"/>
+                </a:ext>
+              </a:extLst>
+            </p:cNvPr>
+            <p:cNvSpPr/>
+            <p:nvPr/>
+          </p:nvSpPr>
+          <p:spPr>
+            <a:xfrm>
+              <a:off x="-3031325" y="3687250"/>
+              <a:ext cx="292250" cy="153600"/>
+            </a:xfrm>
+            <a:custGeom>
+              <a:avLst/>
+              <a:gdLst/>
+              <a:ahLst/>
+              <a:cxnLst/>
+              <a:rect l="l" t="t" r="r" b="b"/>
+              <a:pathLst>
+                <a:path w="11690" h="6144" extrusionOk="0">
+                  <a:moveTo>
+                    <a:pt x="1" y="0"/>
+                  </a:moveTo>
+                  <a:lnTo>
+                    <a:pt x="1" y="5104"/>
+                  </a:lnTo>
+                  <a:lnTo>
+                    <a:pt x="64" y="5104"/>
+                  </a:lnTo>
+                  <a:cubicBezTo>
+                    <a:pt x="64" y="5671"/>
+                    <a:pt x="536" y="6144"/>
+                    <a:pt x="1104" y="6144"/>
+                  </a:cubicBezTo>
+                  <a:lnTo>
+                    <a:pt x="4475" y="6144"/>
+                  </a:lnTo>
+                  <a:cubicBezTo>
+                    <a:pt x="4317" y="5671"/>
+                    <a:pt x="4223" y="5199"/>
+                    <a:pt x="4223" y="4695"/>
+                  </a:cubicBezTo>
+                  <a:lnTo>
+                    <a:pt x="4223" y="2395"/>
+                  </a:lnTo>
+                  <a:cubicBezTo>
+                    <a:pt x="4223" y="1790"/>
+                    <a:pt x="4686" y="1366"/>
+                    <a:pt x="5227" y="1366"/>
+                  </a:cubicBezTo>
+                  <a:cubicBezTo>
+                    <a:pt x="5362" y="1366"/>
+                    <a:pt x="5502" y="1393"/>
+                    <a:pt x="5640" y="1450"/>
+                  </a:cubicBezTo>
+                  <a:cubicBezTo>
+                    <a:pt x="5735" y="1481"/>
+                    <a:pt x="5861" y="1544"/>
+                    <a:pt x="5987" y="1544"/>
+                  </a:cubicBezTo>
+                  <a:cubicBezTo>
+                    <a:pt x="6144" y="1544"/>
+                    <a:pt x="6365" y="1450"/>
+                    <a:pt x="6900" y="977"/>
+                  </a:cubicBezTo>
+                  <a:cubicBezTo>
+                    <a:pt x="7090" y="788"/>
+                    <a:pt x="7349" y="693"/>
+                    <a:pt x="7613" y="693"/>
+                  </a:cubicBezTo>
+                  <a:cubicBezTo>
+                    <a:pt x="7877" y="693"/>
+                    <a:pt x="8145" y="788"/>
+                    <a:pt x="8350" y="977"/>
+                  </a:cubicBezTo>
+                  <a:cubicBezTo>
+                    <a:pt x="8822" y="1450"/>
+                    <a:pt x="9106" y="1544"/>
+                    <a:pt x="9263" y="1544"/>
+                  </a:cubicBezTo>
+                  <a:cubicBezTo>
+                    <a:pt x="9358" y="1544"/>
+                    <a:pt x="9484" y="1481"/>
+                    <a:pt x="9610" y="1450"/>
+                  </a:cubicBezTo>
+                  <a:cubicBezTo>
+                    <a:pt x="9742" y="1393"/>
+                    <a:pt x="9878" y="1366"/>
+                    <a:pt x="10011" y="1366"/>
+                  </a:cubicBezTo>
+                  <a:cubicBezTo>
+                    <a:pt x="10544" y="1366"/>
+                    <a:pt x="11028" y="1790"/>
+                    <a:pt x="11028" y="2395"/>
+                  </a:cubicBezTo>
+                  <a:lnTo>
+                    <a:pt x="11028" y="4695"/>
+                  </a:lnTo>
+                  <a:cubicBezTo>
+                    <a:pt x="11028" y="5199"/>
+                    <a:pt x="10933" y="5671"/>
+                    <a:pt x="10744" y="6144"/>
+                  </a:cubicBezTo>
+                  <a:cubicBezTo>
+                    <a:pt x="11248" y="6112"/>
+                    <a:pt x="11689" y="5671"/>
+                    <a:pt x="11689" y="5104"/>
+                  </a:cubicBezTo>
+                  <a:lnTo>
+                    <a:pt x="11689" y="0"/>
+                  </a:lnTo>
+                  <a:close/>
+                </a:path>
+              </a:pathLst>
+            </a:custGeom>
+            <a:grpFill/>
+            <a:ln>
+              <a:noFill/>
+            </a:ln>
+          </p:spPr>
+          <p:txBody>
+            <a:bodyPr spcFirstLastPara="1" wrap="square" lIns="91425" tIns="91425" rIns="91425" bIns="91425" anchor="ctr" anchorCtr="0">
+              <a:noAutofit/>
+            </a:bodyPr>
+            <a:lstStyle/>
+            <a:p>
+              <a:pPr marL="0" lvl="0" indent="0" algn="l" rtl="0">
+                <a:spcBef>
+                  <a:spcPts val="0"/>
+                </a:spcBef>
+                <a:spcAft>
+                  <a:spcPts val="0"/>
+                </a:spcAft>
+                <a:buNone/>
+              </a:pPr>
+              <a:endParaRPr/>
+            </a:p>
+          </p:txBody>
+        </p:sp>
+        <p:sp>
+          <p:nvSpPr>
+            <p:cNvPr id="8" name="Google Shape;9087;p141">
+              <a:extLst>
+                <a:ext uri="{FF2B5EF4-FFF2-40B4-BE49-F238E27FC236}">
+                  <a16:creationId xmlns:a16="http://schemas.microsoft.com/office/drawing/2014/main" id="{1B8656F1-EA2B-45CD-911E-F0529B75FD53}"/>
+                </a:ext>
+              </a:extLst>
+            </p:cNvPr>
+            <p:cNvSpPr/>
+            <p:nvPr/>
+          </p:nvSpPr>
+          <p:spPr>
+            <a:xfrm>
+              <a:off x="-2908450" y="3724275"/>
+              <a:ext cx="59900" cy="164625"/>
+            </a:xfrm>
+            <a:custGeom>
+              <a:avLst/>
+              <a:gdLst/>
+              <a:ahLst/>
+              <a:cxnLst/>
+              <a:rect l="l" t="t" r="r" b="b"/>
+              <a:pathLst>
+                <a:path w="2396" h="6585" extrusionOk="0">
+                  <a:moveTo>
+                    <a:pt x="2395" y="0"/>
+                  </a:moveTo>
+                  <a:cubicBezTo>
+                    <a:pt x="1904" y="491"/>
+                    <a:pt x="1500" y="721"/>
+                    <a:pt x="1085" y="721"/>
+                  </a:cubicBezTo>
+                  <a:cubicBezTo>
+                    <a:pt x="887" y="721"/>
+                    <a:pt x="687" y="669"/>
+                    <a:pt x="473" y="567"/>
+                  </a:cubicBezTo>
+                  <a:cubicBezTo>
+                    <a:pt x="423" y="548"/>
+                    <a:pt x="374" y="539"/>
+                    <a:pt x="327" y="539"/>
+                  </a:cubicBezTo>
+                  <a:cubicBezTo>
+                    <a:pt x="142" y="539"/>
+                    <a:pt x="1" y="681"/>
+                    <a:pt x="1" y="882"/>
+                  </a:cubicBezTo>
+                  <a:lnTo>
+                    <a:pt x="1" y="3214"/>
+                  </a:lnTo>
+                  <a:cubicBezTo>
+                    <a:pt x="1" y="3718"/>
+                    <a:pt x="127" y="4222"/>
+                    <a:pt x="316" y="4663"/>
+                  </a:cubicBezTo>
+                  <a:cubicBezTo>
+                    <a:pt x="725" y="5513"/>
+                    <a:pt x="1387" y="6238"/>
+                    <a:pt x="2395" y="6585"/>
+                  </a:cubicBezTo>
+                  <a:lnTo>
+                    <a:pt x="2395" y="0"/>
+                  </a:lnTo>
+                  <a:close/>
+                </a:path>
+              </a:pathLst>
+            </a:custGeom>
+            <a:grpFill/>
+            <a:ln>
+              <a:noFill/>
+            </a:ln>
+          </p:spPr>
+          <p:txBody>
+            <a:bodyPr spcFirstLastPara="1" wrap="square" lIns="91425" tIns="91425" rIns="91425" bIns="91425" anchor="ctr" anchorCtr="0">
+              <a:noAutofit/>
+            </a:bodyPr>
+            <a:lstStyle/>
+            <a:p>
+              <a:pPr marL="0" lvl="0" indent="0" algn="l" rtl="0">
+                <a:spcBef>
+                  <a:spcPts val="0"/>
+                </a:spcBef>
+                <a:spcAft>
+                  <a:spcPts val="0"/>
+                </a:spcAft>
+                <a:buNone/>
+              </a:pPr>
+              <a:endParaRPr/>
+            </a:p>
+          </p:txBody>
+        </p:sp>
+        <p:sp>
+          <p:nvSpPr>
+            <p:cNvPr id="9" name="Google Shape;9088;p141">
+              <a:extLst>
+                <a:ext uri="{FF2B5EF4-FFF2-40B4-BE49-F238E27FC236}">
+                  <a16:creationId xmlns:a16="http://schemas.microsoft.com/office/drawing/2014/main" id="{451C598A-F1AC-4395-8925-909398E5D109}"/>
+                </a:ext>
+              </a:extLst>
+            </p:cNvPr>
+            <p:cNvSpPr/>
+            <p:nvPr/>
+          </p:nvSpPr>
+          <p:spPr>
+            <a:xfrm>
+              <a:off x="-2831250" y="3725850"/>
+              <a:ext cx="59875" cy="163850"/>
+            </a:xfrm>
+            <a:custGeom>
+              <a:avLst/>
+              <a:gdLst/>
+              <a:ahLst/>
+              <a:cxnLst/>
+              <a:rect l="l" t="t" r="r" b="b"/>
+              <a:pathLst>
+                <a:path w="2395" h="6554" extrusionOk="0">
+                  <a:moveTo>
+                    <a:pt x="0" y="0"/>
+                  </a:moveTo>
+                  <a:lnTo>
+                    <a:pt x="0" y="6553"/>
+                  </a:lnTo>
+                  <a:cubicBezTo>
+                    <a:pt x="1008" y="6175"/>
+                    <a:pt x="1670" y="5450"/>
+                    <a:pt x="2079" y="4631"/>
+                  </a:cubicBezTo>
+                  <a:cubicBezTo>
+                    <a:pt x="2269" y="4159"/>
+                    <a:pt x="2395" y="3686"/>
+                    <a:pt x="2395" y="3182"/>
+                  </a:cubicBezTo>
+                  <a:lnTo>
+                    <a:pt x="2395" y="851"/>
+                  </a:lnTo>
+                  <a:cubicBezTo>
+                    <a:pt x="2395" y="623"/>
+                    <a:pt x="2212" y="477"/>
+                    <a:pt x="2042" y="477"/>
+                  </a:cubicBezTo>
+                  <a:cubicBezTo>
+                    <a:pt x="2000" y="477"/>
+                    <a:pt x="1959" y="485"/>
+                    <a:pt x="1922" y="504"/>
+                  </a:cubicBezTo>
+                  <a:cubicBezTo>
+                    <a:pt x="1704" y="598"/>
+                    <a:pt x="1496" y="647"/>
+                    <a:pt x="1291" y="647"/>
+                  </a:cubicBezTo>
+                  <a:cubicBezTo>
+                    <a:pt x="873" y="647"/>
+                    <a:pt x="465" y="444"/>
+                    <a:pt x="0" y="0"/>
+                  </a:cubicBezTo>
+                  <a:close/>
+                </a:path>
+              </a:pathLst>
+            </a:custGeom>
+            <a:grpFill/>
+            <a:ln>
+              <a:noFill/>
+            </a:ln>
+          </p:spPr>
+          <p:txBody>
+            <a:bodyPr spcFirstLastPara="1" wrap="square" lIns="91425" tIns="91425" rIns="91425" bIns="91425" anchor="ctr" anchorCtr="0">
+              <a:noAutofit/>
+            </a:bodyPr>
+            <a:lstStyle/>
+            <a:p>
+              <a:pPr marL="0" lvl="0" indent="0" algn="l" rtl="0">
+                <a:spcBef>
+                  <a:spcPts val="0"/>
+                </a:spcBef>
+                <a:spcAft>
+                  <a:spcPts val="0"/>
+                </a:spcAft>
+                <a:buNone/>
+              </a:pPr>
+              <a:endParaRPr/>
+            </a:p>
+          </p:txBody>
+        </p:sp>
+      </p:grpSp>
+      <p:sp>
+        <p:nvSpPr>
+          <p:cNvPr id="4" name="Прямоугольник 3">
+            <a:extLst>
+              <a:ext uri="{FF2B5EF4-FFF2-40B4-BE49-F238E27FC236}">
+                <a16:creationId xmlns:a16="http://schemas.microsoft.com/office/drawing/2014/main" id="{9134F935-87EA-4C0B-9FEF-D4269AB2EB3B}"/>
+              </a:ext>
+            </a:extLst>
+          </p:cNvPr>
+          <p:cNvSpPr/>
+          <p:nvPr/>
+        </p:nvSpPr>
+        <p:spPr>
+          <a:xfrm>
+            <a:off x="457200" y="965555"/>
+            <a:ext cx="5438442" cy="492369"/>
+          </a:xfrm>
+          <a:prstGeom prst="rect">
+            <a:avLst/>
+          </a:prstGeom>
+          <a:solidFill>
+            <a:schemeClr val="bg1"/>
+          </a:solidFill>
+          <a:ln>
+            <a:solidFill>
+              <a:schemeClr val="bg1"/>
+            </a:solidFill>
+          </a:ln>
+        </p:spPr>
+        <p:style>
+          <a:lnRef idx="2">
+            <a:schemeClr val="accent1">
+              <a:shade val="50000"/>
+            </a:schemeClr>
+          </a:lnRef>
+          <a:fillRef idx="1">
+            <a:schemeClr val="accent1"/>
+          </a:fillRef>
+          <a:effectRef idx="0">
+            <a:schemeClr val="accent1"/>
+          </a:effectRef>
+          <a:fontRef idx="minor">
+            <a:schemeClr val="lt1"/>
+          </a:fontRef>
+        </p:style>
+        <p:txBody>
+          <a:bodyPr rtlCol="0" anchor="ctr"/>
+          <a:lstStyle/>
+          <a:p>
+            <a:pPr algn="ctr"/>
+            <a:endParaRPr lang="ru-RU"/>
+          </a:p>
+        </p:txBody>
+      </p:sp>
+      <p:sp>
+        <p:nvSpPr>
+          <p:cNvPr id="2" name="Text 0"/>
+          <p:cNvSpPr/>
+          <p:nvPr/>
+        </p:nvSpPr>
+        <p:spPr>
+          <a:xfrm>
+            <a:off x="457200" y="1188720"/>
+            <a:ext cx="6858000" cy="0"/>
+          </a:xfrm>
+          <a:prstGeom prst="rect">
+            <a:avLst/>
+          </a:prstGeom>
+          <a:noFill/>
+          <a:ln/>
+        </p:spPr>
+        <p:txBody>
+          <a:bodyPr wrap="square" rtlCol="0" anchor="ctr"/>
+          <a:lstStyle/>
+          <a:p>
+            <a:pPr marL="0" indent="0">
+              <a:buNone/>
+            </a:pPr>
+            <a:r>
+              <a:rPr lang="en-US" sz="2200" b="1" dirty="0">
+                <a:solidFill>
+                  <a:srgbClr val="000000"/>
+                </a:solidFill>
+                <a:latin typeface="Century Gothic" pitchFamily="34" charset="0"/>
+                <a:ea typeface="Century Gothic" pitchFamily="34" charset="-122"/>
+                <a:cs typeface="Century Gothic" pitchFamily="34" charset="-120"/>
+              </a:rPr>
+              <a:t>Пример использования шифратора</a:t>
+            </a:r>
+            <a:endParaRPr lang="en-US" sz="2200" dirty="0"/>
+          </a:p>
+        </p:txBody>
+      </p:sp>
+      <p:sp>
+        <p:nvSpPr>
+          <p:cNvPr id="3" name="Text 1"/>
+          <p:cNvSpPr/>
+          <p:nvPr/>
+        </p:nvSpPr>
+        <p:spPr>
+          <a:xfrm>
+            <a:off x="457200" y="1524295"/>
+            <a:ext cx="6804734" cy="1672907"/>
+          </a:xfrm>
+          <a:prstGeom prst="rect">
+            <a:avLst/>
+          </a:prstGeom>
+          <a:noFill/>
+          <a:ln/>
+        </p:spPr>
+        <p:txBody>
+          <a:bodyPr wrap="square" rtlCol="0" anchor="ctr"/>
+          <a:lstStyle/>
+          <a:p>
+            <a:pPr marL="0" indent="0">
+              <a:buNone/>
+            </a:pPr>
+            <a:r>
+              <a:rPr lang="en-US" sz="1400" dirty="0">
+                <a:solidFill>
+                  <a:srgbClr val="000000"/>
+                </a:solidFill>
+                <a:latin typeface="Times New Roman" panose="02020603050405020304" pitchFamily="18" charset="0"/>
+                <a:ea typeface="Aptos" pitchFamily="34" charset="-122"/>
+                <a:cs typeface="Times New Roman" panose="02020603050405020304" pitchFamily="18" charset="0"/>
+              </a:rPr>
+              <a:t>• </a:t>
+            </a:r>
+            <a:r>
+              <a:rPr lang="en-US" sz="1400" dirty="0" err="1">
+                <a:solidFill>
+                  <a:srgbClr val="000000"/>
+                </a:solidFill>
+                <a:latin typeface="Times New Roman" panose="02020603050405020304" pitchFamily="18" charset="0"/>
+                <a:ea typeface="Aptos" pitchFamily="34" charset="-122"/>
+                <a:cs typeface="Times New Roman" panose="02020603050405020304" pitchFamily="18" charset="0"/>
+              </a:rPr>
+              <a:t>Пример</a:t>
+            </a:r>
+            <a:r>
+              <a:rPr lang="en-US" sz="1400" dirty="0">
+                <a:solidFill>
+                  <a:srgbClr val="000000"/>
+                </a:solidFill>
+                <a:latin typeface="Times New Roman" panose="02020603050405020304" pitchFamily="18" charset="0"/>
+                <a:ea typeface="Aptos" pitchFamily="34" charset="-122"/>
+                <a:cs typeface="Times New Roman" panose="02020603050405020304" pitchFamily="18" charset="0"/>
+              </a:rPr>
+              <a:t> </a:t>
+            </a:r>
+            <a:r>
+              <a:rPr lang="en-US" sz="1400" dirty="0" err="1">
+                <a:solidFill>
+                  <a:srgbClr val="000000"/>
+                </a:solidFill>
+                <a:latin typeface="Times New Roman" panose="02020603050405020304" pitchFamily="18" charset="0"/>
+                <a:ea typeface="Aptos" pitchFamily="34" charset="-122"/>
+                <a:cs typeface="Times New Roman" panose="02020603050405020304" pitchFamily="18" charset="0"/>
+              </a:rPr>
+              <a:t>шифрования</a:t>
+            </a:r>
+            <a:r>
+              <a:rPr lang="en-US" sz="1400" dirty="0">
+                <a:solidFill>
+                  <a:srgbClr val="000000"/>
+                </a:solidFill>
+                <a:latin typeface="Times New Roman" panose="02020603050405020304" pitchFamily="18" charset="0"/>
+                <a:ea typeface="Aptos" pitchFamily="34" charset="-122"/>
+                <a:cs typeface="Times New Roman" panose="02020603050405020304" pitchFamily="18" charset="0"/>
+              </a:rPr>
+              <a:t> текста "HELLO WORLD":
+• </a:t>
+            </a:r>
+            <a:r>
+              <a:rPr lang="en-US" sz="1400" dirty="0" err="1">
+                <a:solidFill>
+                  <a:srgbClr val="000000"/>
+                </a:solidFill>
+                <a:latin typeface="Times New Roman" panose="02020603050405020304" pitchFamily="18" charset="0"/>
+                <a:ea typeface="Aptos" pitchFamily="34" charset="-122"/>
+                <a:cs typeface="Times New Roman" panose="02020603050405020304" pitchFamily="18" charset="0"/>
+              </a:rPr>
+              <a:t>Ключ</a:t>
+            </a:r>
+            <a:r>
+              <a:rPr lang="en-US" sz="1400" dirty="0">
+                <a:solidFill>
+                  <a:srgbClr val="000000"/>
+                </a:solidFill>
+                <a:latin typeface="Times New Roman" panose="02020603050405020304" pitchFamily="18" charset="0"/>
+                <a:ea typeface="Aptos" pitchFamily="34" charset="-122"/>
+                <a:cs typeface="Times New Roman" panose="02020603050405020304" pitchFamily="18" charset="0"/>
+              </a:rPr>
+              <a:t>: "CRYPTO".
+• </a:t>
+            </a:r>
+            <a:r>
+              <a:rPr lang="en-US" sz="1400" dirty="0" err="1">
+                <a:solidFill>
+                  <a:srgbClr val="000000"/>
+                </a:solidFill>
+                <a:latin typeface="Times New Roman" panose="02020603050405020304" pitchFamily="18" charset="0"/>
+                <a:ea typeface="Aptos" pitchFamily="34" charset="-122"/>
+                <a:cs typeface="Times New Roman" panose="02020603050405020304" pitchFamily="18" charset="0"/>
+              </a:rPr>
+              <a:t>Шифрованный</a:t>
+            </a:r>
+            <a:r>
+              <a:rPr lang="en-US" sz="1400" dirty="0">
+                <a:solidFill>
+                  <a:srgbClr val="000000"/>
+                </a:solidFill>
+                <a:latin typeface="Times New Roman" panose="02020603050405020304" pitchFamily="18" charset="0"/>
+                <a:ea typeface="Aptos" pitchFamily="34" charset="-122"/>
+                <a:cs typeface="Times New Roman" panose="02020603050405020304" pitchFamily="18" charset="0"/>
+              </a:rPr>
+              <a:t> текст: "FKLZNUHVM".</a:t>
+            </a:r>
+            <a:endParaRPr lang="ru-RU" sz="1400" dirty="0">
+              <a:solidFill>
+                <a:srgbClr val="000000"/>
+              </a:solidFill>
+              <a:latin typeface="Times New Roman" panose="02020603050405020304" pitchFamily="18" charset="0"/>
+              <a:ea typeface="Aptos" pitchFamily="34" charset="-122"/>
+              <a:cs typeface="Times New Roman" panose="02020603050405020304" pitchFamily="18" charset="0"/>
+            </a:endParaRPr>
+          </a:p>
+          <a:p>
+            <a:pPr marL="0" indent="0">
+              <a:buNone/>
+            </a:pPr>
+            <a:r>
+              <a:rPr lang="ru-RU" sz="1400" dirty="0">
+                <a:solidFill>
+                  <a:srgbClr val="000000"/>
+                </a:solidFill>
+                <a:latin typeface="Times New Roman" panose="02020603050405020304" pitchFamily="18" charset="0"/>
+                <a:ea typeface="Aptos" pitchFamily="34" charset="-122"/>
+                <a:cs typeface="Times New Roman" panose="02020603050405020304" pitchFamily="18" charset="0"/>
+              </a:rPr>
+              <a:t>1. </a:t>
+            </a:r>
+            <a:r>
+              <a:rPr lang="en-US" sz="1400" dirty="0" err="1">
+                <a:solidFill>
+                  <a:srgbClr val="000000"/>
+                </a:solidFill>
+                <a:latin typeface="Times New Roman" panose="02020603050405020304" pitchFamily="18" charset="0"/>
+                <a:ea typeface="Aptos" pitchFamily="34" charset="-122"/>
+                <a:cs typeface="Times New Roman" panose="02020603050405020304" pitchFamily="18" charset="0"/>
+              </a:rPr>
+              <a:t>Пример</a:t>
+            </a:r>
+            <a:r>
+              <a:rPr lang="en-US" sz="1400" dirty="0">
+                <a:solidFill>
+                  <a:srgbClr val="000000"/>
+                </a:solidFill>
+                <a:latin typeface="Times New Roman" panose="02020603050405020304" pitchFamily="18" charset="0"/>
+                <a:ea typeface="Aptos" pitchFamily="34" charset="-122"/>
+                <a:cs typeface="Times New Roman" panose="02020603050405020304" pitchFamily="18" charset="0"/>
+              </a:rPr>
+              <a:t> </a:t>
+            </a:r>
+            <a:r>
+              <a:rPr lang="ru-RU" sz="1400" dirty="0">
+                <a:solidFill>
+                  <a:srgbClr val="000000"/>
+                </a:solidFill>
+                <a:latin typeface="Times New Roman" panose="02020603050405020304" pitchFamily="18" charset="0"/>
+                <a:ea typeface="Aptos" pitchFamily="34" charset="-122"/>
+                <a:cs typeface="Times New Roman" panose="02020603050405020304" pitchFamily="18" charset="0"/>
+              </a:rPr>
+              <a:t>рас</a:t>
+            </a:r>
+            <a:r>
+              <a:rPr lang="en-US" sz="1400" dirty="0" err="1">
+                <a:solidFill>
+                  <a:srgbClr val="000000"/>
+                </a:solidFill>
+                <a:latin typeface="Times New Roman" panose="02020603050405020304" pitchFamily="18" charset="0"/>
+                <a:ea typeface="Aptos" pitchFamily="34" charset="-122"/>
+                <a:cs typeface="Times New Roman" panose="02020603050405020304" pitchFamily="18" charset="0"/>
+              </a:rPr>
+              <a:t>шифрования</a:t>
+            </a:r>
+            <a:r>
+              <a:rPr lang="en-US" sz="1400" dirty="0">
+                <a:solidFill>
+                  <a:srgbClr val="000000"/>
+                </a:solidFill>
+                <a:latin typeface="Times New Roman" panose="02020603050405020304" pitchFamily="18" charset="0"/>
+                <a:ea typeface="Aptos" pitchFamily="34" charset="-122"/>
+                <a:cs typeface="Times New Roman" panose="02020603050405020304" pitchFamily="18" charset="0"/>
+              </a:rPr>
+              <a:t> </a:t>
+            </a:r>
+            <a:r>
+              <a:rPr lang="en-US" sz="1400" dirty="0" err="1">
+                <a:solidFill>
+                  <a:srgbClr val="000000"/>
+                </a:solidFill>
+                <a:latin typeface="Times New Roman" panose="02020603050405020304" pitchFamily="18" charset="0"/>
+                <a:ea typeface="Aptos" pitchFamily="34" charset="-122"/>
+                <a:cs typeface="Times New Roman" panose="02020603050405020304" pitchFamily="18" charset="0"/>
+              </a:rPr>
+              <a:t>текста</a:t>
+            </a:r>
+            <a:r>
+              <a:rPr lang="en-US" sz="1400" dirty="0">
+                <a:solidFill>
+                  <a:srgbClr val="000000"/>
+                </a:solidFill>
+                <a:latin typeface="Times New Roman" panose="02020603050405020304" pitchFamily="18" charset="0"/>
+                <a:ea typeface="Aptos" pitchFamily="34" charset="-122"/>
+                <a:cs typeface="Times New Roman" panose="02020603050405020304" pitchFamily="18" charset="0"/>
+              </a:rPr>
+              <a:t> " FKLZNUHVM":</a:t>
+            </a:r>
+            <a:endParaRPr lang="ru-RU" sz="1400" dirty="0">
+              <a:solidFill>
+                <a:srgbClr val="000000"/>
+              </a:solidFill>
+              <a:latin typeface="Times New Roman" panose="02020603050405020304" pitchFamily="18" charset="0"/>
+              <a:ea typeface="Aptos" pitchFamily="34" charset="-122"/>
+              <a:cs typeface="Times New Roman" panose="02020603050405020304" pitchFamily="18" charset="0"/>
+            </a:endParaRPr>
+          </a:p>
+          <a:p>
+            <a:pPr marL="0" indent="0">
+              <a:buNone/>
+            </a:pPr>
+            <a:r>
+              <a:rPr lang="ru-RU" sz="1400" dirty="0">
+                <a:solidFill>
+                  <a:srgbClr val="000000"/>
+                </a:solidFill>
+                <a:latin typeface="Times New Roman" panose="02020603050405020304" pitchFamily="18" charset="0"/>
+                <a:ea typeface="Aptos" pitchFamily="34" charset="-122"/>
+                <a:cs typeface="Times New Roman" panose="02020603050405020304" pitchFamily="18" charset="0"/>
+              </a:rPr>
+              <a:t>2. </a:t>
+            </a:r>
+            <a:r>
+              <a:rPr lang="en-US" sz="1400" dirty="0" err="1">
+                <a:solidFill>
+                  <a:srgbClr val="000000"/>
+                </a:solidFill>
+                <a:latin typeface="Times New Roman" panose="02020603050405020304" pitchFamily="18" charset="0"/>
+                <a:ea typeface="Aptos" pitchFamily="34" charset="-122"/>
+                <a:cs typeface="Times New Roman" panose="02020603050405020304" pitchFamily="18" charset="0"/>
+              </a:rPr>
+              <a:t>Ключ</a:t>
+            </a:r>
+            <a:r>
+              <a:rPr lang="en-US" sz="1400" dirty="0">
+                <a:solidFill>
+                  <a:srgbClr val="000000"/>
+                </a:solidFill>
+                <a:latin typeface="Times New Roman" panose="02020603050405020304" pitchFamily="18" charset="0"/>
+                <a:ea typeface="Aptos" pitchFamily="34" charset="-122"/>
+                <a:cs typeface="Times New Roman" panose="02020603050405020304" pitchFamily="18" charset="0"/>
+              </a:rPr>
+              <a:t>: "CRYPTO".
+</a:t>
+            </a:r>
+            <a:r>
+              <a:rPr lang="ru-RU" sz="1400" dirty="0">
+                <a:solidFill>
+                  <a:srgbClr val="000000"/>
+                </a:solidFill>
+                <a:latin typeface="Times New Roman" panose="02020603050405020304" pitchFamily="18" charset="0"/>
+                <a:ea typeface="Aptos" pitchFamily="34" charset="-122"/>
+                <a:cs typeface="Times New Roman" panose="02020603050405020304" pitchFamily="18" charset="0"/>
+              </a:rPr>
+              <a:t>3. </a:t>
+            </a:r>
+            <a:r>
+              <a:rPr lang="en-US" sz="1400" dirty="0" err="1">
+                <a:solidFill>
+                  <a:srgbClr val="000000"/>
+                </a:solidFill>
+                <a:latin typeface="Times New Roman" panose="02020603050405020304" pitchFamily="18" charset="0"/>
+                <a:ea typeface="Aptos" pitchFamily="34" charset="-122"/>
+                <a:cs typeface="Times New Roman" panose="02020603050405020304" pitchFamily="18" charset="0"/>
+              </a:rPr>
+              <a:t>Шифрованный</a:t>
+            </a:r>
+            <a:r>
+              <a:rPr lang="en-US" sz="1400" dirty="0">
+                <a:solidFill>
+                  <a:srgbClr val="000000"/>
+                </a:solidFill>
+                <a:latin typeface="Times New Roman" panose="02020603050405020304" pitchFamily="18" charset="0"/>
+                <a:ea typeface="Aptos" pitchFamily="34" charset="-122"/>
+                <a:cs typeface="Times New Roman" panose="02020603050405020304" pitchFamily="18" charset="0"/>
+              </a:rPr>
+              <a:t> </a:t>
+            </a:r>
+            <a:r>
+              <a:rPr lang="en-US" sz="1400" dirty="0" err="1">
+                <a:solidFill>
+                  <a:srgbClr val="000000"/>
+                </a:solidFill>
+                <a:latin typeface="Times New Roman" panose="02020603050405020304" pitchFamily="18" charset="0"/>
+                <a:ea typeface="Aptos" pitchFamily="34" charset="-122"/>
+                <a:cs typeface="Times New Roman" panose="02020603050405020304" pitchFamily="18" charset="0"/>
+              </a:rPr>
+              <a:t>текст</a:t>
+            </a:r>
+            <a:r>
+              <a:rPr lang="en-US" sz="1400" dirty="0">
+                <a:solidFill>
+                  <a:srgbClr val="000000"/>
+                </a:solidFill>
+                <a:latin typeface="Times New Roman" panose="02020603050405020304" pitchFamily="18" charset="0"/>
+                <a:ea typeface="Aptos" pitchFamily="34" charset="-122"/>
+                <a:cs typeface="Times New Roman" panose="02020603050405020304" pitchFamily="18" charset="0"/>
+              </a:rPr>
+              <a:t>: " HELLO WORLD". </a:t>
             </a:r>
             <a:r>
               <a:rPr lang="en-US" sz="1400" dirty="0">
@@ -6293,29 +12305,7 @@
                 <a:ea typeface="Aptos" pitchFamily="34" charset="-122"/>
                 <a:cs typeface="Aptos" pitchFamily="34" charset="-120"/>
               </a:rPr>
-              <a:t>  </a:t>
-            </a:r>
-            <a:r>
-              <a:rPr lang="en-US" sz="1400" dirty="0" err="1">
-                <a:solidFill>
-                  <a:srgbClr val="000000"/>
-                </a:solidFill>
-                <a:latin typeface="Aptos" pitchFamily="34" charset="0"/>
-                <a:ea typeface="Aptos" pitchFamily="34" charset="-122"/>
-                <a:cs typeface="Aptos" pitchFamily="34" charset="-120"/>
-              </a:rPr>
-              <a:t>текст</a:t>
-            </a:r>
-            <a:r>
-              <a:rPr lang="en-US" sz="1400" dirty="0">
-                <a:solidFill>
-                  <a:srgbClr val="000000"/>
-                </a:solidFill>
-                <a:latin typeface="Aptos" pitchFamily="34" charset="0"/>
-                <a:ea typeface="Aptos" pitchFamily="34" charset="-122"/>
-                <a:cs typeface="Aptos" pitchFamily="34" charset="-120"/>
-              </a:rPr>
-              <a:t>. 
+              <a:t>
 </a:t>
             </a:r>
             <a:endParaRPr lang="en-US" sz="1400" dirty="0"/>
